--- a/AI_05_LLM large language mosels.pptx
+++ b/AI_05_LLM large language mosels.pptx
@@ -5,11 +5,15 @@
     <p:sldMasterId id="2147483648" r:id="rId1"/>
   </p:sldMasterIdLst>
   <p:sldIdLst>
-    <p:sldId id="275" r:id="rId2"/>
-    <p:sldId id="353" r:id="rId3"/>
-    <p:sldId id="354" r:id="rId4"/>
-    <p:sldId id="351" r:id="rId5"/>
-    <p:sldId id="352" r:id="rId6"/>
+    <p:sldId id="356" r:id="rId2"/>
+    <p:sldId id="357" r:id="rId3"/>
+    <p:sldId id="358" r:id="rId4"/>
+    <p:sldId id="275" r:id="rId5"/>
+    <p:sldId id="351" r:id="rId6"/>
+    <p:sldId id="353" r:id="rId7"/>
+    <p:sldId id="359" r:id="rId8"/>
+    <p:sldId id="355" r:id="rId9"/>
+    <p:sldId id="360" r:id="rId10"/>
   </p:sldIdLst>
   <p:sldSz cx="12192000" cy="6858000"/>
   <p:notesSz cx="6858000" cy="9144000"/>
@@ -108,6 +112,11 @@
       </a:defRPr>
     </a:lvl9pPr>
   </p:defaultTextStyle>
+  <p:extLst>
+    <p:ext uri="{EFAFB233-063F-42B5-8137-9DF3F51BA10A}">
+      <p15:sldGuideLst xmlns:p15="http://schemas.microsoft.com/office/powerpoint/2012/main"/>
+    </p:ext>
+  </p:extLst>
 </p:presentation>
 </file>
 
@@ -258,7 +267,7 @@
           <a:p>
             <a:fld id="{67A46350-8085-47BA-B09D-FF4137AFE6B1}" type="datetimeFigureOut">
               <a:rPr lang="ko-KR" altLang="en-US" smtClean="0"/>
-              <a:t>2023-07-15</a:t>
+              <a:t>2023-07-16</a:t>
             </a:fld>
             <a:endParaRPr lang="ko-KR" altLang="en-US"/>
           </a:p>
@@ -456,7 +465,7 @@
           <a:p>
             <a:fld id="{67A46350-8085-47BA-B09D-FF4137AFE6B1}" type="datetimeFigureOut">
               <a:rPr lang="ko-KR" altLang="en-US" smtClean="0"/>
-              <a:t>2023-07-15</a:t>
+              <a:t>2023-07-16</a:t>
             </a:fld>
             <a:endParaRPr lang="ko-KR" altLang="en-US"/>
           </a:p>
@@ -664,7 +673,7 @@
           <a:p>
             <a:fld id="{67A46350-8085-47BA-B09D-FF4137AFE6B1}" type="datetimeFigureOut">
               <a:rPr lang="ko-KR" altLang="en-US" smtClean="0"/>
-              <a:t>2023-07-15</a:t>
+              <a:t>2023-07-16</a:t>
             </a:fld>
             <a:endParaRPr lang="ko-KR" altLang="en-US"/>
           </a:p>
@@ -862,7 +871,7 @@
           <a:p>
             <a:fld id="{67A46350-8085-47BA-B09D-FF4137AFE6B1}" type="datetimeFigureOut">
               <a:rPr lang="ko-KR" altLang="en-US" smtClean="0"/>
-              <a:t>2023-07-15</a:t>
+              <a:t>2023-07-16</a:t>
             </a:fld>
             <a:endParaRPr lang="ko-KR" altLang="en-US"/>
           </a:p>
@@ -1137,7 +1146,7 @@
           <a:p>
             <a:fld id="{67A46350-8085-47BA-B09D-FF4137AFE6B1}" type="datetimeFigureOut">
               <a:rPr lang="ko-KR" altLang="en-US" smtClean="0"/>
-              <a:t>2023-07-15</a:t>
+              <a:t>2023-07-16</a:t>
             </a:fld>
             <a:endParaRPr lang="ko-KR" altLang="en-US"/>
           </a:p>
@@ -1402,7 +1411,7 @@
           <a:p>
             <a:fld id="{67A46350-8085-47BA-B09D-FF4137AFE6B1}" type="datetimeFigureOut">
               <a:rPr lang="ko-KR" altLang="en-US" smtClean="0"/>
-              <a:t>2023-07-15</a:t>
+              <a:t>2023-07-16</a:t>
             </a:fld>
             <a:endParaRPr lang="ko-KR" altLang="en-US"/>
           </a:p>
@@ -1814,7 +1823,7 @@
           <a:p>
             <a:fld id="{67A46350-8085-47BA-B09D-FF4137AFE6B1}" type="datetimeFigureOut">
               <a:rPr lang="ko-KR" altLang="en-US" smtClean="0"/>
-              <a:t>2023-07-15</a:t>
+              <a:t>2023-07-16</a:t>
             </a:fld>
             <a:endParaRPr lang="ko-KR" altLang="en-US"/>
           </a:p>
@@ -1955,7 +1964,7 @@
           <a:p>
             <a:fld id="{67A46350-8085-47BA-B09D-FF4137AFE6B1}" type="datetimeFigureOut">
               <a:rPr lang="ko-KR" altLang="en-US" smtClean="0"/>
-              <a:t>2023-07-15</a:t>
+              <a:t>2023-07-16</a:t>
             </a:fld>
             <a:endParaRPr lang="ko-KR" altLang="en-US"/>
           </a:p>
@@ -2068,7 +2077,7 @@
           <a:p>
             <a:fld id="{67A46350-8085-47BA-B09D-FF4137AFE6B1}" type="datetimeFigureOut">
               <a:rPr lang="ko-KR" altLang="en-US" smtClean="0"/>
-              <a:t>2023-07-15</a:t>
+              <a:t>2023-07-16</a:t>
             </a:fld>
             <a:endParaRPr lang="ko-KR" altLang="en-US"/>
           </a:p>
@@ -2379,7 +2388,7 @@
           <a:p>
             <a:fld id="{67A46350-8085-47BA-B09D-FF4137AFE6B1}" type="datetimeFigureOut">
               <a:rPr lang="ko-KR" altLang="en-US" smtClean="0"/>
-              <a:t>2023-07-15</a:t>
+              <a:t>2023-07-16</a:t>
             </a:fld>
             <a:endParaRPr lang="ko-KR" altLang="en-US"/>
           </a:p>
@@ -2667,7 +2676,7 @@
           <a:p>
             <a:fld id="{67A46350-8085-47BA-B09D-FF4137AFE6B1}" type="datetimeFigureOut">
               <a:rPr lang="ko-KR" altLang="en-US" smtClean="0"/>
-              <a:t>2023-07-15</a:t>
+              <a:t>2023-07-16</a:t>
             </a:fld>
             <a:endParaRPr lang="ko-KR" altLang="en-US"/>
           </a:p>
@@ -2908,7 +2917,7 @@
           <a:p>
             <a:fld id="{67A46350-8085-47BA-B09D-FF4137AFE6B1}" type="datetimeFigureOut">
               <a:rPr lang="ko-KR" altLang="en-US" smtClean="0"/>
-              <a:t>2023-07-15</a:t>
+              <a:t>2023-07-16</a:t>
             </a:fld>
             <a:endParaRPr lang="ko-KR" altLang="en-US"/>
           </a:p>
@@ -3330,7 +3339,7 @@
           <p:cNvPr id="2" name="제목 1">
             <a:extLst>
               <a:ext uri="{FF2B5EF4-FFF2-40B4-BE49-F238E27FC236}">
-                <a16:creationId xmlns:a16="http://schemas.microsoft.com/office/drawing/2014/main" id="{50875194-F17C-4A13-8809-2802C101BDCA}"/>
+                <a16:creationId xmlns:a16="http://schemas.microsoft.com/office/drawing/2014/main" id="{45990E47-D086-495A-AFE5-34DF7A0A7051}"/>
               </a:ext>
             </a:extLst>
           </p:cNvPr>
@@ -3348,7 +3357,7 @@
           <a:p>
             <a:r>
               <a:rPr lang="en-US" altLang="ko-KR" dirty="0"/>
-              <a:t>Language models</a:t>
+              <a:t>Model</a:t>
             </a:r>
             <a:endParaRPr lang="ko-KR" altLang="en-US" dirty="0"/>
           </a:p>
@@ -3359,7 +3368,7 @@
           <p:cNvPr id="3" name="내용 개체 틀 2">
             <a:extLst>
               <a:ext uri="{FF2B5EF4-FFF2-40B4-BE49-F238E27FC236}">
-                <a16:creationId xmlns:a16="http://schemas.microsoft.com/office/drawing/2014/main" id="{09302E69-7D85-4AE5-894E-276D74C92DB8}"/>
+                <a16:creationId xmlns:a16="http://schemas.microsoft.com/office/drawing/2014/main" id="{7A923A82-D339-4AE8-8374-5B356065A9AC}"/>
               </a:ext>
             </a:extLst>
           </p:cNvPr>
@@ -3370,20 +3379,623 @@
             <p:ph idx="1"/>
           </p:nvPr>
         </p:nvSpPr>
+        <p:spPr>
+          <a:xfrm>
+            <a:off x="838199" y="1825625"/>
+            <a:ext cx="10705051" cy="4351338"/>
+          </a:xfrm>
+        </p:spPr>
+        <p:txBody>
+          <a:bodyPr>
+            <a:normAutofit/>
+          </a:bodyPr>
+          <a:lstStyle/>
+          <a:p>
+            <a:br>
+              <a:rPr lang="en-US" altLang="ko-KR" dirty="0"/>
+            </a:br>
+            <a:r>
+              <a:rPr lang="en-US" altLang="ko-KR" sz="1050" dirty="0"/>
+              <a:t>Sure. In artificial intelligence (AI), </a:t>
+            </a:r>
+          </a:p>
+          <a:p>
+            <a:pPr marL="0" indent="0">
+              <a:buNone/>
+            </a:pPr>
+            <a:r>
+              <a:rPr lang="en-US" altLang="ko-KR" sz="1050" dirty="0">
+                <a:highlight>
+                  <a:srgbClr val="FFFF00"/>
+                </a:highlight>
+              </a:rPr>
+              <a:t>   </a:t>
+            </a:r>
+            <a:r>
+              <a:rPr lang="en-US" altLang="ko-KR" sz="1100" dirty="0">
+                <a:highlight>
+                  <a:srgbClr val="FFFF00"/>
+                </a:highlight>
+              </a:rPr>
+              <a:t>a model is a </a:t>
+            </a:r>
+            <a:r>
+              <a:rPr lang="en-US" altLang="ko-KR" sz="3600" dirty="0">
+                <a:highlight>
+                  <a:srgbClr val="FFFF00"/>
+                </a:highlight>
+              </a:rPr>
+              <a:t>mathematical representation </a:t>
+            </a:r>
+            <a:r>
+              <a:rPr lang="en-US" altLang="ko-KR" sz="1200" dirty="0">
+                <a:highlight>
+                  <a:srgbClr val="FFFF00"/>
+                </a:highlight>
+              </a:rPr>
+              <a:t>of a real-world system</a:t>
+            </a:r>
+            <a:r>
+              <a:rPr lang="en-US" altLang="ko-KR" sz="2000" dirty="0"/>
+              <a:t>. </a:t>
+            </a:r>
+          </a:p>
+          <a:p>
+            <a:pPr marL="0" indent="0">
+              <a:buNone/>
+            </a:pPr>
+            <a:r>
+              <a:rPr lang="en-US" altLang="ko-KR" sz="1050" dirty="0"/>
+              <a:t>Models are used to make predictions about the behavior of the system, and they can also be used to control the system.</a:t>
+            </a:r>
+          </a:p>
+          <a:p>
+            <a:r>
+              <a:rPr lang="en-US" altLang="ko-KR" sz="1050" dirty="0"/>
+              <a:t>There are many different types of models in AI, including:</a:t>
+            </a:r>
+          </a:p>
+          <a:p>
+            <a:pPr lvl="1"/>
+            <a:r>
+              <a:rPr lang="en-US" altLang="ko-KR" sz="900" dirty="0">
+                <a:highlight>
+                  <a:srgbClr val="FFFF00"/>
+                </a:highlight>
+              </a:rPr>
+              <a:t>Statistical models </a:t>
+            </a:r>
+            <a:r>
+              <a:rPr lang="en-US" altLang="ko-KR" sz="900" dirty="0"/>
+              <a:t>are based on statistical data, and they are used to make predictions about future events. For example, a statistical model could be used to predict the weather or the stock market.</a:t>
+            </a:r>
+          </a:p>
+          <a:p>
+            <a:pPr lvl="1"/>
+            <a:r>
+              <a:rPr lang="en-US" altLang="ko-KR" sz="1050" dirty="0">
+                <a:highlight>
+                  <a:srgbClr val="FFFF00"/>
+                </a:highlight>
+              </a:rPr>
+              <a:t>Neural networks </a:t>
+            </a:r>
+            <a:r>
+              <a:rPr lang="en-US" altLang="ko-KR" sz="900" dirty="0"/>
+              <a:t>are inspired by the human brain, and they are used to learn complex relationships between data. For example, a neural network could be used to recognize objects in images or to translate languages.</a:t>
+            </a:r>
+          </a:p>
+          <a:p>
+            <a:pPr lvl="1"/>
+            <a:r>
+              <a:rPr lang="en-US" altLang="ko-KR" sz="900" dirty="0">
+                <a:highlight>
+                  <a:srgbClr val="FFFF00"/>
+                </a:highlight>
+              </a:rPr>
+              <a:t>Rule-based models </a:t>
+            </a:r>
+            <a:r>
+              <a:rPr lang="en-US" altLang="ko-KR" sz="900" dirty="0"/>
+              <a:t>are based on a set of rules, and they are used to make decisions based on those rules. For example, a rule-based model could be used to determine whether a loan application should be approved or denied.</a:t>
+            </a:r>
+          </a:p>
+          <a:p>
+            <a:r>
+              <a:rPr lang="en-US" altLang="ko-KR" sz="1050" dirty="0"/>
+              <a:t>Models are used in a wide variety of AI applications, including:</a:t>
+            </a:r>
+          </a:p>
+          <a:p>
+            <a:pPr lvl="1"/>
+            <a:r>
+              <a:rPr lang="en-US" altLang="ko-KR" sz="900" dirty="0"/>
+              <a:t>Machine learning</a:t>
+            </a:r>
+          </a:p>
+          <a:p>
+            <a:pPr lvl="1"/>
+            <a:r>
+              <a:rPr lang="en-US" altLang="ko-KR" sz="900" dirty="0"/>
+              <a:t>Natural language processing</a:t>
+            </a:r>
+          </a:p>
+          <a:p>
+            <a:pPr lvl="1"/>
+            <a:r>
+              <a:rPr lang="en-US" altLang="ko-KR" sz="900" dirty="0"/>
+              <a:t>Computer vision</a:t>
+            </a:r>
+          </a:p>
+          <a:p>
+            <a:pPr lvl="1"/>
+            <a:r>
+              <a:rPr lang="en-US" altLang="ko-KR" sz="900" dirty="0"/>
+              <a:t>Robotics</a:t>
+            </a:r>
+          </a:p>
+          <a:p>
+            <a:pPr lvl="1"/>
+            <a:r>
+              <a:rPr lang="en-US" altLang="ko-KR" sz="900" dirty="0"/>
+              <a:t>Game playing</a:t>
+            </a:r>
+          </a:p>
+          <a:p>
+            <a:endParaRPr lang="ko-KR" altLang="en-US" dirty="0"/>
+          </a:p>
+        </p:txBody>
+      </p:sp>
+    </p:spTree>
+    <p:extLst>
+      <p:ext uri="{BB962C8B-B14F-4D97-AF65-F5344CB8AC3E}">
+        <p14:creationId xmlns:p14="http://schemas.microsoft.com/office/powerpoint/2010/main" val="1803899576"/>
+      </p:ext>
+    </p:extLst>
+  </p:cSld>
+  <p:clrMapOvr>
+    <a:masterClrMapping/>
+  </p:clrMapOvr>
+</p:sld>
+</file>
+
+<file path=ppt/slides/slide2.xml><?xml version="1.0" encoding="utf-8"?>
+<p:sld xmlns:a="http://schemas.openxmlformats.org/drawingml/2006/main" xmlns:r="http://schemas.openxmlformats.org/officeDocument/2006/relationships" xmlns:p="http://schemas.openxmlformats.org/presentationml/2006/main">
+  <p:cSld>
+    <p:spTree>
+      <p:nvGrpSpPr>
+        <p:cNvPr id="1" name=""/>
+        <p:cNvGrpSpPr/>
+        <p:nvPr/>
+      </p:nvGrpSpPr>
+      <p:grpSpPr>
+        <a:xfrm>
+          <a:off x="0" y="0"/>
+          <a:ext cx="0" cy="0"/>
+          <a:chOff x="0" y="0"/>
+          <a:chExt cx="0" cy="0"/>
+        </a:xfrm>
+      </p:grpSpPr>
+      <p:sp>
+        <p:nvSpPr>
+          <p:cNvPr id="2" name="제목 1">
+            <a:extLst>
+              <a:ext uri="{FF2B5EF4-FFF2-40B4-BE49-F238E27FC236}">
+                <a16:creationId xmlns:a16="http://schemas.microsoft.com/office/drawing/2014/main" id="{AFB123A5-ED9D-472E-97BF-CD090C7806AB}"/>
+              </a:ext>
+            </a:extLst>
+          </p:cNvPr>
+          <p:cNvSpPr>
+            <a:spLocks noGrp="1"/>
+          </p:cNvSpPr>
+          <p:nvPr>
+            <p:ph type="title"/>
+          </p:nvPr>
+        </p:nvSpPr>
         <p:spPr/>
         <p:txBody>
           <a:bodyPr>
-            <a:normAutofit lnSpcReduction="10000"/>
+            <a:normAutofit/>
           </a:bodyPr>
           <a:lstStyle/>
           <a:p>
+            <a:r>
+              <a:rPr lang="en-US" altLang="ko-KR" sz="2400" i="1" dirty="0"/>
+              <a:t>Diagram of Model use and Development</a:t>
+            </a:r>
+            <a:endParaRPr lang="ko-KR" altLang="en-US" sz="2400" dirty="0"/>
+          </a:p>
+        </p:txBody>
+      </p:sp>
+      <p:pic>
+        <p:nvPicPr>
+          <p:cNvPr id="3074" name="Picture 2" descr="Diagram shows the relationship between real world systems and models. Models represent real world systems and rea world systems, in turn, interpret model results.">
+            <a:extLst>
+              <a:ext uri="{FF2B5EF4-FFF2-40B4-BE49-F238E27FC236}">
+                <a16:creationId xmlns:a16="http://schemas.microsoft.com/office/drawing/2014/main" id="{68C0CE56-3B25-41EF-B895-330641F25178}"/>
+              </a:ext>
+            </a:extLst>
+          </p:cNvPr>
+          <p:cNvPicPr>
+            <a:picLocks noChangeAspect="1" noChangeArrowheads="1"/>
+          </p:cNvPicPr>
+          <p:nvPr/>
+        </p:nvPicPr>
+        <p:blipFill>
+          <a:blip r:embed="rId2">
+            <a:extLst>
+              <a:ext uri="{28A0092B-C50C-407E-A947-70E740481C1C}">
+                <a14:useLocalDpi xmlns:a14="http://schemas.microsoft.com/office/drawing/2010/main" val="0"/>
+              </a:ext>
+            </a:extLst>
+          </a:blip>
+          <a:srcRect/>
+          <a:stretch>
+            <a:fillRect/>
+          </a:stretch>
+        </p:blipFill>
+        <p:spPr bwMode="auto">
+          <a:xfrm>
+            <a:off x="2768367" y="1173519"/>
+            <a:ext cx="6811859" cy="5217363"/>
+          </a:xfrm>
+          <a:prstGeom prst="rect">
+            <a:avLst/>
+          </a:prstGeom>
+          <a:noFill/>
+          <a:extLst>
+            <a:ext uri="{909E8E84-426E-40DD-AFC4-6F175D3DCCD1}">
+              <a14:hiddenFill xmlns:a14="http://schemas.microsoft.com/office/drawing/2010/main">
+                <a:solidFill>
+                  <a:srgbClr val="FFFFFF"/>
+                </a:solidFill>
+              </a14:hiddenFill>
+            </a:ext>
+          </a:extLst>
+        </p:spPr>
+      </p:pic>
+    </p:spTree>
+    <p:extLst>
+      <p:ext uri="{BB962C8B-B14F-4D97-AF65-F5344CB8AC3E}">
+        <p14:creationId xmlns:p14="http://schemas.microsoft.com/office/powerpoint/2010/main" val="27982994"/>
+      </p:ext>
+    </p:extLst>
+  </p:cSld>
+  <p:clrMapOvr>
+    <a:masterClrMapping/>
+  </p:clrMapOvr>
+</p:sld>
+</file>
+
+<file path=ppt/slides/slide3.xml><?xml version="1.0" encoding="utf-8"?>
+<p:sld xmlns:a="http://schemas.openxmlformats.org/drawingml/2006/main" xmlns:r="http://schemas.openxmlformats.org/officeDocument/2006/relationships" xmlns:p="http://schemas.openxmlformats.org/presentationml/2006/main">
+  <p:cSld>
+    <p:spTree>
+      <p:nvGrpSpPr>
+        <p:cNvPr id="1" name=""/>
+        <p:cNvGrpSpPr/>
+        <p:nvPr/>
+      </p:nvGrpSpPr>
+      <p:grpSpPr>
+        <a:xfrm>
+          <a:off x="0" y="0"/>
+          <a:ext cx="0" cy="0"/>
+          <a:chOff x="0" y="0"/>
+          <a:chExt cx="0" cy="0"/>
+        </a:xfrm>
+      </p:grpSpPr>
+      <p:sp>
+        <p:nvSpPr>
+          <p:cNvPr id="2" name="제목 1">
+            <a:extLst>
+              <a:ext uri="{FF2B5EF4-FFF2-40B4-BE49-F238E27FC236}">
+                <a16:creationId xmlns:a16="http://schemas.microsoft.com/office/drawing/2014/main" id="{EC111908-B52C-4DF2-95AC-4FA6664D5750}"/>
+              </a:ext>
+            </a:extLst>
+          </p:cNvPr>
+          <p:cNvSpPr>
+            <a:spLocks noGrp="1"/>
+          </p:cNvSpPr>
+          <p:nvPr>
+            <p:ph type="title"/>
+          </p:nvPr>
+        </p:nvSpPr>
+        <p:spPr/>
+        <p:txBody>
+          <a:bodyPr/>
+          <a:lstStyle/>
+          <a:p>
+            <a:r>
+              <a:rPr lang="en-US" altLang="ko-KR" dirty="0"/>
+              <a:t>Language Model</a:t>
+            </a:r>
+            <a:endParaRPr lang="ko-KR" altLang="en-US" dirty="0"/>
+          </a:p>
+        </p:txBody>
+      </p:sp>
+      <p:sp>
+        <p:nvSpPr>
+          <p:cNvPr id="3" name="내용 개체 틀 2">
+            <a:extLst>
+              <a:ext uri="{FF2B5EF4-FFF2-40B4-BE49-F238E27FC236}">
+                <a16:creationId xmlns:a16="http://schemas.microsoft.com/office/drawing/2014/main" id="{10CF1491-381C-4F48-B1A0-6F60CB8D5B7E}"/>
+              </a:ext>
+            </a:extLst>
+          </p:cNvPr>
+          <p:cNvSpPr>
+            <a:spLocks noGrp="1"/>
+          </p:cNvSpPr>
+          <p:nvPr>
+            <p:ph idx="1"/>
+          </p:nvPr>
+        </p:nvSpPr>
+        <p:spPr/>
+        <p:txBody>
+          <a:bodyPr/>
+          <a:lstStyle/>
+          <a:p>
+            <a:r>
+              <a:rPr lang="en-US" altLang="ko-KR" dirty="0">
+                <a:latin typeface="Söhne"/>
+              </a:rPr>
+              <a:t>A language model in artificial intelligence is a type of model that is trained to understand, generate, and interpret </a:t>
+            </a:r>
             <a:r>
               <a:rPr lang="en-US" altLang="ko-KR" dirty="0">
                 <a:highlight>
                   <a:srgbClr val="FFFF00"/>
                 </a:highlight>
+                <a:latin typeface="Söhne"/>
               </a:rPr>
-              <a:t>Language models are trained using a technique called "deep learning," which involves training a large neural network on massive datasets.</a:t>
+              <a:t>human language.</a:t>
+            </a:r>
+            <a:endParaRPr lang="ko-KR" altLang="en-US" dirty="0">
+              <a:highlight>
+                <a:srgbClr val="FFFF00"/>
+              </a:highlight>
+            </a:endParaRPr>
+          </a:p>
+          <a:p>
+            <a:endParaRPr lang="en-US" altLang="ko-KR" b="1" dirty="0">
+              <a:solidFill>
+                <a:srgbClr val="202122"/>
+              </a:solidFill>
+              <a:highlight>
+                <a:srgbClr val="FFFF00"/>
+              </a:highlight>
+              <a:latin typeface="Arial" panose="020B0604020202020204" pitchFamily="34" charset="0"/>
+            </a:endParaRPr>
+          </a:p>
+          <a:p>
+            <a:r>
+              <a:rPr lang="ko-KR" altLang="en-US" b="1" dirty="0">
+                <a:solidFill>
+                  <a:srgbClr val="202122"/>
+                </a:solidFill>
+                <a:latin typeface="Arial" panose="020B0604020202020204" pitchFamily="34" charset="0"/>
+              </a:rPr>
+              <a:t>언어 모델</a:t>
+            </a:r>
+            <a:r>
+              <a:rPr lang="en-US" altLang="ko-KR" dirty="0">
+                <a:solidFill>
+                  <a:srgbClr val="202122"/>
+                </a:solidFill>
+                <a:latin typeface="Arial" panose="020B0604020202020204" pitchFamily="34" charset="0"/>
+              </a:rPr>
+              <a:t>(language model) </a:t>
+            </a:r>
+            <a:r>
+              <a:rPr lang="ko-KR" altLang="en-US" dirty="0">
+                <a:solidFill>
+                  <a:srgbClr val="202122"/>
+                </a:solidFill>
+                <a:latin typeface="Arial" panose="020B0604020202020204" pitchFamily="34" charset="0"/>
+              </a:rPr>
+              <a:t>또는 </a:t>
+            </a:r>
+            <a:r>
+              <a:rPr lang="ko-KR" altLang="en-US" b="1" dirty="0">
+                <a:solidFill>
+                  <a:srgbClr val="202122"/>
+                </a:solidFill>
+                <a:latin typeface="Arial" panose="020B0604020202020204" pitchFamily="34" charset="0"/>
+              </a:rPr>
+              <a:t>언어 모형</a:t>
+            </a:r>
+            <a:r>
+              <a:rPr lang="ko-KR" altLang="en-US" dirty="0">
+                <a:solidFill>
+                  <a:srgbClr val="202122"/>
+                </a:solidFill>
+                <a:latin typeface="Arial" panose="020B0604020202020204" pitchFamily="34" charset="0"/>
+              </a:rPr>
+              <a:t>은 </a:t>
+            </a:r>
+            <a:r>
+              <a:rPr lang="ko-KR" altLang="en-US" dirty="0">
+                <a:solidFill>
+                  <a:srgbClr val="202122"/>
+                </a:solidFill>
+                <a:highlight>
+                  <a:srgbClr val="FFFF00"/>
+                </a:highlight>
+                <a:latin typeface="Arial" panose="020B0604020202020204" pitchFamily="34" charset="0"/>
+              </a:rPr>
+              <a:t>일련의 단어들의 </a:t>
+            </a:r>
+            <a:r>
+              <a:rPr lang="ko-KR" altLang="en-US" dirty="0">
+                <a:solidFill>
+                  <a:srgbClr val="3366CC"/>
+                </a:solidFill>
+                <a:highlight>
+                  <a:srgbClr val="FFFF00"/>
+                </a:highlight>
+                <a:latin typeface="Arial" panose="020B0604020202020204" pitchFamily="34" charset="0"/>
+                <a:hlinkClick r:id="rId2" tooltip="확률 분포"/>
+              </a:rPr>
+              <a:t>확률 분포</a:t>
+            </a:r>
+            <a:r>
+              <a:rPr lang="ko-KR" altLang="en-US" dirty="0">
+                <a:solidFill>
+                  <a:srgbClr val="202122"/>
+                </a:solidFill>
+                <a:highlight>
+                  <a:srgbClr val="FFFF00"/>
+                </a:highlight>
+                <a:latin typeface="Arial" panose="020B0604020202020204" pitchFamily="34" charset="0"/>
+              </a:rPr>
+              <a:t>이다</a:t>
+            </a:r>
+            <a:r>
+              <a:rPr lang="en-US" altLang="ko-KR" dirty="0">
+                <a:solidFill>
+                  <a:srgbClr val="202122"/>
+                </a:solidFill>
+                <a:highlight>
+                  <a:srgbClr val="FFFF00"/>
+                </a:highlight>
+                <a:latin typeface="Arial" panose="020B0604020202020204" pitchFamily="34" charset="0"/>
+              </a:rPr>
+              <a:t>.</a:t>
+            </a:r>
+            <a:endParaRPr lang="ko-KR" altLang="en-US" dirty="0">
+              <a:highlight>
+                <a:srgbClr val="FFFF00"/>
+              </a:highlight>
+            </a:endParaRPr>
+          </a:p>
+          <a:p>
+            <a:endParaRPr lang="ko-KR" altLang="en-US" dirty="0"/>
+          </a:p>
+        </p:txBody>
+      </p:sp>
+    </p:spTree>
+    <p:extLst>
+      <p:ext uri="{BB962C8B-B14F-4D97-AF65-F5344CB8AC3E}">
+        <p14:creationId xmlns:p14="http://schemas.microsoft.com/office/powerpoint/2010/main" val="3341951191"/>
+      </p:ext>
+    </p:extLst>
+  </p:cSld>
+  <p:clrMapOvr>
+    <a:masterClrMapping/>
+  </p:clrMapOvr>
+</p:sld>
+</file>
+
+<file path=ppt/slides/slide4.xml><?xml version="1.0" encoding="utf-8"?>
+<p:sld xmlns:a="http://schemas.openxmlformats.org/drawingml/2006/main" xmlns:r="http://schemas.openxmlformats.org/officeDocument/2006/relationships" xmlns:p="http://schemas.openxmlformats.org/presentationml/2006/main">
+  <p:cSld>
+    <p:spTree>
+      <p:nvGrpSpPr>
+        <p:cNvPr id="1" name=""/>
+        <p:cNvGrpSpPr/>
+        <p:nvPr/>
+      </p:nvGrpSpPr>
+      <p:grpSpPr>
+        <a:xfrm>
+          <a:off x="0" y="0"/>
+          <a:ext cx="0" cy="0"/>
+          <a:chOff x="0" y="0"/>
+          <a:chExt cx="0" cy="0"/>
+        </a:xfrm>
+      </p:grpSpPr>
+      <p:sp>
+        <p:nvSpPr>
+          <p:cNvPr id="2" name="제목 1">
+            <a:extLst>
+              <a:ext uri="{FF2B5EF4-FFF2-40B4-BE49-F238E27FC236}">
+                <a16:creationId xmlns:a16="http://schemas.microsoft.com/office/drawing/2014/main" id="{50875194-F17C-4A13-8809-2802C101BDCA}"/>
+              </a:ext>
+            </a:extLst>
+          </p:cNvPr>
+          <p:cNvSpPr>
+            <a:spLocks noGrp="1"/>
+          </p:cNvSpPr>
+          <p:nvPr>
+            <p:ph type="title"/>
+          </p:nvPr>
+        </p:nvSpPr>
+        <p:spPr/>
+        <p:txBody>
+          <a:bodyPr/>
+          <a:lstStyle/>
+          <a:p>
+            <a:r>
+              <a:rPr lang="en-US" altLang="ko-KR" dirty="0"/>
+              <a:t>Language models</a:t>
+            </a:r>
+            <a:endParaRPr lang="ko-KR" altLang="en-US" dirty="0"/>
+          </a:p>
+        </p:txBody>
+      </p:sp>
+      <p:sp>
+        <p:nvSpPr>
+          <p:cNvPr id="3" name="내용 개체 틀 2">
+            <a:extLst>
+              <a:ext uri="{FF2B5EF4-FFF2-40B4-BE49-F238E27FC236}">
+                <a16:creationId xmlns:a16="http://schemas.microsoft.com/office/drawing/2014/main" id="{09302E69-7D85-4AE5-894E-276D74C92DB8}"/>
+              </a:ext>
+            </a:extLst>
+          </p:cNvPr>
+          <p:cNvSpPr>
+            <a:spLocks noGrp="1"/>
+          </p:cNvSpPr>
+          <p:nvPr>
+            <p:ph idx="1"/>
+          </p:nvPr>
+        </p:nvSpPr>
+        <p:spPr>
+          <a:xfrm>
+            <a:off x="838199" y="1825625"/>
+            <a:ext cx="10923165" cy="4351338"/>
+          </a:xfrm>
+        </p:spPr>
+        <p:txBody>
+          <a:bodyPr>
+            <a:normAutofit/>
+          </a:bodyPr>
+          <a:lstStyle/>
+          <a:p>
+            <a:endParaRPr lang="en-US" altLang="ko-KR" sz="1200" dirty="0">
+              <a:highlight>
+                <a:srgbClr val="FFFF00"/>
+              </a:highlight>
+            </a:endParaRPr>
+          </a:p>
+          <a:p>
+            <a:endParaRPr lang="en-US" altLang="ko-KR" sz="1200" dirty="0">
+              <a:highlight>
+                <a:srgbClr val="FFFF00"/>
+              </a:highlight>
+            </a:endParaRPr>
+          </a:p>
+          <a:p>
+            <a:r>
+              <a:rPr lang="en-US" altLang="ko-KR" sz="1200" dirty="0">
+                <a:highlight>
+                  <a:srgbClr val="FFFF00"/>
+                </a:highlight>
+              </a:rPr>
+              <a:t>Language models are trained using </a:t>
+            </a:r>
+            <a:r>
+              <a:rPr lang="en-US" altLang="ko-KR" sz="4000" dirty="0">
+                <a:highlight>
+                  <a:srgbClr val="FFFF00"/>
+                </a:highlight>
+              </a:rPr>
+              <a:t>a technique called "deep learning</a:t>
+            </a:r>
+            <a:r>
+              <a:rPr lang="en-US" altLang="ko-KR" sz="1200" dirty="0">
+                <a:highlight>
+                  <a:srgbClr val="FFFF00"/>
+                </a:highlight>
+              </a:rPr>
+              <a:t>," which involves training a large neural network on massive datasets.</a:t>
             </a:r>
           </a:p>
           <a:p>
@@ -3396,11 +4008,8 @@
             </a:r>
           </a:p>
           <a:p>
-            <a:endParaRPr lang="en-US" altLang="ko-KR" dirty="0"/>
-          </a:p>
-          <a:p>
-            <a:r>
-              <a:rPr lang="en-US" altLang="ko-KR" dirty="0" err="1">
+            <a:r>
+              <a:rPr lang="en-US" altLang="ko-KR" sz="1400" dirty="0" err="1">
                 <a:highlight>
                   <a:srgbClr val="FFFF00"/>
                 </a:highlight>
@@ -3408,15 +4017,31 @@
               <a:t>ChatGPT</a:t>
             </a:r>
             <a:r>
-              <a:rPr lang="en-US" altLang="ko-KR" dirty="0">
+              <a:rPr lang="en-US" altLang="ko-KR" sz="1400" dirty="0">
                 <a:highlight>
                   <a:srgbClr val="FFFF00"/>
                 </a:highlight>
               </a:rPr>
-              <a:t>, based on the GPT-3.5 architecture, was trained on a vast amount of data containing 570GB of text. However, it's important to note that the number of words in the training data is not explicitly specified by </a:t>
-            </a:r>
-            <a:r>
-              <a:rPr lang="en-US" altLang="ko-KR" dirty="0" err="1">
+              <a:t>, based on the GPT-3.5 architecture, was trained on a vast amount of data containing </a:t>
+            </a:r>
+            <a:r>
+              <a:rPr lang="en-US" altLang="ko-KR" sz="3200" dirty="0">
+                <a:highlight>
+                  <a:srgbClr val="FFFF00"/>
+                </a:highlight>
+              </a:rPr>
+              <a:t>570GB</a:t>
+            </a:r>
+            <a:r>
+              <a:rPr lang="en-US" altLang="ko-KR" sz="1400" dirty="0">
+                <a:highlight>
+                  <a:srgbClr val="FFFF00"/>
+                </a:highlight>
+              </a:rPr>
+              <a:t> of text. However, it's important to note that the number of words in the training data is not explicitly specified by </a:t>
+            </a:r>
+            <a:r>
+              <a:rPr lang="en-US" altLang="ko-KR" sz="1400" dirty="0" err="1">
                 <a:highlight>
                   <a:srgbClr val="FFFF00"/>
                 </a:highlight>
@@ -3424,93 +4049,13 @@
               <a:t>OpenAI</a:t>
             </a:r>
             <a:r>
-              <a:rPr lang="en-US" altLang="ko-KR" dirty="0">
+              <a:rPr lang="en-US" altLang="ko-KR" sz="1400" dirty="0">
                 <a:highlight>
                   <a:srgbClr val="FFFF00"/>
                 </a:highlight>
               </a:rPr>
               <a:t>.</a:t>
             </a:r>
-          </a:p>
-        </p:txBody>
-      </p:sp>
-      <p:sp>
-        <p:nvSpPr>
-          <p:cNvPr id="4" name="직사각형 3">
-            <a:extLst>
-              <a:ext uri="{FF2B5EF4-FFF2-40B4-BE49-F238E27FC236}">
-                <a16:creationId xmlns:a16="http://schemas.microsoft.com/office/drawing/2014/main" id="{5027AEA7-03A1-4436-AAA5-37FBFFE64022}"/>
-              </a:ext>
-            </a:extLst>
-          </p:cNvPr>
-          <p:cNvSpPr/>
-          <p:nvPr/>
-        </p:nvSpPr>
-        <p:spPr>
-          <a:xfrm>
-            <a:off x="5588000" y="230188"/>
-            <a:ext cx="6096000" cy="646331"/>
-          </a:xfrm>
-          <a:prstGeom prst="rect">
-            <a:avLst/>
-          </a:prstGeom>
-        </p:spPr>
-        <p:txBody>
-          <a:bodyPr>
-            <a:spAutoFit/>
-          </a:bodyPr>
-          <a:lstStyle/>
-          <a:p>
-            <a:r>
-              <a:rPr lang="en-US" altLang="ko-KR" dirty="0">
-                <a:solidFill>
-                  <a:srgbClr val="D1D5DB"/>
-                </a:solidFill>
-                <a:latin typeface="Söhne"/>
-              </a:rPr>
-              <a:t>Large Language Model: A large language model is a type of artificial intelligence model</a:t>
-            </a:r>
-            <a:endParaRPr lang="ko-KR" altLang="en-US" dirty="0"/>
-          </a:p>
-        </p:txBody>
-      </p:sp>
-      <p:sp>
-        <p:nvSpPr>
-          <p:cNvPr id="5" name="직사각형 4">
-            <a:extLst>
-              <a:ext uri="{FF2B5EF4-FFF2-40B4-BE49-F238E27FC236}">
-                <a16:creationId xmlns:a16="http://schemas.microsoft.com/office/drawing/2014/main" id="{162FE618-6AEE-4E93-8B02-9142B5C68423}"/>
-              </a:ext>
-            </a:extLst>
-          </p:cNvPr>
-          <p:cNvSpPr/>
-          <p:nvPr/>
-        </p:nvSpPr>
-        <p:spPr>
-          <a:xfrm>
-            <a:off x="5588000" y="1011456"/>
-            <a:ext cx="6096000" cy="646331"/>
-          </a:xfrm>
-          <a:prstGeom prst="rect">
-            <a:avLst/>
-          </a:prstGeom>
-        </p:spPr>
-        <p:txBody>
-          <a:bodyPr>
-            <a:spAutoFit/>
-          </a:bodyPr>
-          <a:lstStyle/>
-          <a:p>
-            <a:r>
-              <a:rPr lang="en-US" altLang="ko-KR" dirty="0">
-                <a:solidFill>
-                  <a:srgbClr val="D1D5DB"/>
-                </a:solidFill>
-                <a:latin typeface="Söhne"/>
-              </a:rPr>
-              <a:t>Transformer: The Transformer is a type of neural network architecture</a:t>
-            </a:r>
-            <a:endParaRPr lang="ko-KR" altLang="en-US" dirty="0"/>
           </a:p>
         </p:txBody>
       </p:sp>
@@ -3527,7 +4072,263 @@
 </p:sld>
 </file>
 
-<file path=ppt/slides/slide2.xml><?xml version="1.0" encoding="utf-8"?>
+<file path=ppt/slides/slide5.xml><?xml version="1.0" encoding="utf-8"?>
+<p:sld xmlns:a="http://schemas.openxmlformats.org/drawingml/2006/main" xmlns:r="http://schemas.openxmlformats.org/officeDocument/2006/relationships" xmlns:p="http://schemas.openxmlformats.org/presentationml/2006/main">
+  <p:cSld>
+    <p:spTree>
+      <p:nvGrpSpPr>
+        <p:cNvPr id="1" name=""/>
+        <p:cNvGrpSpPr/>
+        <p:nvPr/>
+      </p:nvGrpSpPr>
+      <p:grpSpPr>
+        <a:xfrm>
+          <a:off x="0" y="0"/>
+          <a:ext cx="0" cy="0"/>
+          <a:chOff x="0" y="0"/>
+          <a:chExt cx="0" cy="0"/>
+        </a:xfrm>
+      </p:grpSpPr>
+      <p:sp>
+        <p:nvSpPr>
+          <p:cNvPr id="2" name="제목 1">
+            <a:extLst>
+              <a:ext uri="{FF2B5EF4-FFF2-40B4-BE49-F238E27FC236}">
+                <a16:creationId xmlns:a16="http://schemas.microsoft.com/office/drawing/2014/main" id="{B44BEF5D-A5D7-4768-816C-D9ACDC378C39}"/>
+              </a:ext>
+            </a:extLst>
+          </p:cNvPr>
+          <p:cNvSpPr>
+            <a:spLocks noGrp="1"/>
+          </p:cNvSpPr>
+          <p:nvPr>
+            <p:ph type="title"/>
+          </p:nvPr>
+        </p:nvSpPr>
+        <p:spPr/>
+        <p:txBody>
+          <a:bodyPr/>
+          <a:lstStyle/>
+          <a:p>
+            <a:r>
+              <a:rPr lang="en-US" altLang="ko-KR" dirty="0"/>
+              <a:t>Large Language Model</a:t>
+            </a:r>
+            <a:endParaRPr lang="ko-KR" altLang="en-US" dirty="0"/>
+          </a:p>
+        </p:txBody>
+      </p:sp>
+      <p:sp>
+        <p:nvSpPr>
+          <p:cNvPr id="3" name="내용 개체 틀 2">
+            <a:extLst>
+              <a:ext uri="{FF2B5EF4-FFF2-40B4-BE49-F238E27FC236}">
+                <a16:creationId xmlns:a16="http://schemas.microsoft.com/office/drawing/2014/main" id="{EA04B156-32CF-4AE7-8D89-CF5449D055FE}"/>
+              </a:ext>
+            </a:extLst>
+          </p:cNvPr>
+          <p:cNvSpPr>
+            <a:spLocks noGrp="1"/>
+          </p:cNvSpPr>
+          <p:nvPr>
+            <p:ph idx="1"/>
+          </p:nvPr>
+        </p:nvSpPr>
+        <p:spPr>
+          <a:xfrm>
+            <a:off x="838200" y="1825625"/>
+            <a:ext cx="6804171" cy="4351338"/>
+          </a:xfrm>
+        </p:spPr>
+        <p:txBody>
+          <a:bodyPr>
+            <a:normAutofit/>
+          </a:bodyPr>
+          <a:lstStyle/>
+          <a:p>
+            <a:r>
+              <a:rPr lang="ko-KR" altLang="en-US" sz="2000" dirty="0"/>
+              <a:t>수많은 파라미터</a:t>
+            </a:r>
+            <a:r>
+              <a:rPr lang="en-US" altLang="ko-KR" sz="2000" dirty="0"/>
+              <a:t>(</a:t>
+            </a:r>
+            <a:r>
+              <a:rPr lang="ko-KR" altLang="en-US" sz="2000" dirty="0"/>
+              <a:t>보통 수십억 웨이트 이상</a:t>
+            </a:r>
+            <a:r>
+              <a:rPr lang="en-US" altLang="ko-KR" sz="2000" dirty="0"/>
+              <a:t>)</a:t>
+            </a:r>
+            <a:r>
+              <a:rPr lang="ko-KR" altLang="en-US" sz="2000" dirty="0"/>
+              <a:t>를 보유한 </a:t>
+            </a:r>
+            <a:r>
+              <a:rPr lang="ko-KR" altLang="en-US" sz="2000" dirty="0">
+                <a:hlinkClick r:id="rId2" tooltip="인공 신경망"/>
+              </a:rPr>
+              <a:t>인공 신경망</a:t>
+            </a:r>
+            <a:r>
+              <a:rPr lang="ko-KR" altLang="en-US" sz="2000" dirty="0"/>
+              <a:t>으로 구성되는 </a:t>
+            </a:r>
+            <a:r>
+              <a:rPr lang="ko-KR" altLang="en-US" sz="2000" dirty="0">
+                <a:hlinkClick r:id="rId3" tooltip="언어 모델"/>
+              </a:rPr>
+              <a:t>언어 모델</a:t>
+            </a:r>
+            <a:r>
+              <a:rPr lang="ko-KR" altLang="en-US" sz="2000" dirty="0"/>
+              <a:t>이다</a:t>
+            </a:r>
+            <a:r>
+              <a:rPr lang="en-US" altLang="ko-KR" sz="2000" dirty="0"/>
+              <a:t>. </a:t>
+            </a:r>
+          </a:p>
+          <a:p>
+            <a:r>
+              <a:rPr lang="ko-KR" altLang="en-US" sz="2000" dirty="0">
+                <a:hlinkClick r:id="rId4" tooltip="자기 지도 학습"/>
+              </a:rPr>
+              <a:t>자기 지도 학습</a:t>
+            </a:r>
+            <a:r>
+              <a:rPr lang="ko-KR" altLang="en-US" sz="2000" dirty="0"/>
+              <a:t>이나 반자기지도학습을 사용하여 </a:t>
+            </a:r>
+            <a:r>
+              <a:rPr lang="ko-KR" altLang="en-US" sz="2000" dirty="0" err="1"/>
+              <a:t>레이블링되지</a:t>
+            </a:r>
+            <a:r>
+              <a:rPr lang="ko-KR" altLang="en-US" sz="2000" dirty="0"/>
+              <a:t> 않은 상당한 양의 텍스트로 훈련된다</a:t>
+            </a:r>
+            <a:r>
+              <a:rPr lang="en-US" altLang="ko-KR" sz="2000" dirty="0"/>
+              <a:t>.</a:t>
+            </a:r>
+            <a:r>
+              <a:rPr lang="en-US" altLang="ko-KR" sz="2000" baseline="30000" dirty="0">
+                <a:hlinkClick r:id="rId5"/>
+              </a:rPr>
+              <a:t>[1]</a:t>
+            </a:r>
+            <a:r>
+              <a:rPr lang="ko-KR" altLang="en-US" sz="2000" dirty="0"/>
+              <a:t> </a:t>
+            </a:r>
+            <a:endParaRPr lang="en-US" altLang="ko-KR" sz="2000" dirty="0"/>
+          </a:p>
+          <a:p>
+            <a:r>
+              <a:rPr lang="en-US" altLang="ko-KR" sz="2000" dirty="0"/>
+              <a:t>LLM</a:t>
+            </a:r>
+            <a:r>
+              <a:rPr lang="ko-KR" altLang="en-US" sz="2000" dirty="0"/>
+              <a:t>은 </a:t>
+            </a:r>
+            <a:r>
+              <a:rPr lang="en-US" altLang="ko-KR" sz="2000" dirty="0">
+                <a:highlight>
+                  <a:srgbClr val="FFFF00"/>
+                </a:highlight>
+              </a:rPr>
+              <a:t>2018</a:t>
+            </a:r>
+            <a:r>
+              <a:rPr lang="ko-KR" altLang="en-US" sz="2000" dirty="0"/>
+              <a:t>년 즈음에 모습을 드러냈으며 다양한 작업을 위해 수행된다</a:t>
+            </a:r>
+            <a:r>
+              <a:rPr lang="en-US" altLang="ko-KR" sz="2000" dirty="0"/>
+              <a:t>. </a:t>
+            </a:r>
+          </a:p>
+          <a:p>
+            <a:r>
+              <a:rPr lang="ko-KR" altLang="en-US" sz="2000" dirty="0"/>
+              <a:t>이전의 특정 작업의 특수한 </a:t>
+            </a:r>
+            <a:r>
+              <a:rPr lang="ko-KR" altLang="en-US" sz="2000" dirty="0">
+                <a:hlinkClick r:id="rId6" tooltip="지도 학습"/>
+              </a:rPr>
+              <a:t>지도 학습</a:t>
+            </a:r>
+            <a:r>
+              <a:rPr lang="ko-KR" altLang="en-US" sz="2000" dirty="0"/>
+              <a:t> 모델의 훈련 패러다임에서 벗어나 </a:t>
+            </a:r>
+            <a:r>
+              <a:rPr lang="ko-KR" altLang="en-US" sz="2000" dirty="0">
+                <a:hlinkClick r:id="rId7" tooltip="자연어 처리"/>
+              </a:rPr>
+              <a:t>자연어 처리</a:t>
+            </a:r>
+            <a:r>
+              <a:rPr lang="ko-KR" altLang="en-US" sz="2000" dirty="0"/>
+              <a:t> 연구로 초점이 옮겨졌다</a:t>
+            </a:r>
+            <a:r>
+              <a:rPr lang="en-US" altLang="ko-KR" sz="2000" dirty="0"/>
+              <a:t>.</a:t>
+            </a:r>
+            <a:endParaRPr lang="ko-KR" altLang="en-US" sz="2000" dirty="0"/>
+          </a:p>
+        </p:txBody>
+      </p:sp>
+      <p:pic>
+        <p:nvPicPr>
+          <p:cNvPr id="4" name="그림 3">
+            <a:extLst>
+              <a:ext uri="{FF2B5EF4-FFF2-40B4-BE49-F238E27FC236}">
+                <a16:creationId xmlns:a16="http://schemas.microsoft.com/office/drawing/2014/main" id="{CFA9122E-4F5E-4963-BD46-5F6DA59CA278}"/>
+              </a:ext>
+            </a:extLst>
+          </p:cNvPr>
+          <p:cNvPicPr>
+            <a:picLocks noChangeAspect="1"/>
+          </p:cNvPicPr>
+          <p:nvPr/>
+        </p:nvPicPr>
+        <p:blipFill>
+          <a:blip r:embed="rId8"/>
+          <a:stretch>
+            <a:fillRect/>
+          </a:stretch>
+        </p:blipFill>
+        <p:spPr>
+          <a:xfrm>
+            <a:off x="7702765" y="0"/>
+            <a:ext cx="4353339" cy="6858000"/>
+          </a:xfrm>
+          <a:prstGeom prst="rect">
+            <a:avLst/>
+          </a:prstGeom>
+        </p:spPr>
+      </p:pic>
+    </p:spTree>
+    <p:extLst>
+      <p:ext uri="{BB962C8B-B14F-4D97-AF65-F5344CB8AC3E}">
+        <p14:creationId xmlns:p14="http://schemas.microsoft.com/office/powerpoint/2010/main" val="4256480470"/>
+      </p:ext>
+    </p:extLst>
+  </p:cSld>
+  <p:clrMapOvr>
+    <a:masterClrMapping/>
+  </p:clrMapOvr>
+</p:sld>
+</file>
+
+<file path=ppt/slides/slide6.xml><?xml version="1.0" encoding="utf-8"?>
 <p:sld xmlns:a="http://schemas.openxmlformats.org/drawingml/2006/main" xmlns:r="http://schemas.openxmlformats.org/officeDocument/2006/relationships" xmlns:p="http://schemas.openxmlformats.org/presentationml/2006/main">
   <p:cSld>
     <p:spTree>
@@ -3618,1325 +4419,7 @@
 </p:sld>
 </file>
 
-<file path=ppt/slides/slide3.xml><?xml version="1.0" encoding="utf-8"?>
-<p:sld xmlns:a="http://schemas.openxmlformats.org/drawingml/2006/main" xmlns:r="http://schemas.openxmlformats.org/officeDocument/2006/relationships" xmlns:p="http://schemas.openxmlformats.org/presentationml/2006/main">
-  <p:cSld>
-    <p:spTree>
-      <p:nvGrpSpPr>
-        <p:cNvPr id="1" name=""/>
-        <p:cNvGrpSpPr/>
-        <p:nvPr/>
-      </p:nvGrpSpPr>
-      <p:grpSpPr>
-        <a:xfrm>
-          <a:off x="0" y="0"/>
-          <a:ext cx="0" cy="0"/>
-          <a:chOff x="0" y="0"/>
-          <a:chExt cx="0" cy="0"/>
-        </a:xfrm>
-      </p:grpSpPr>
-      <p:graphicFrame>
-        <p:nvGraphicFramePr>
-          <p:cNvPr id="7" name="내용 개체 틀 6">
-            <a:extLst>
-              <a:ext uri="{FF2B5EF4-FFF2-40B4-BE49-F238E27FC236}">
-                <a16:creationId xmlns:a16="http://schemas.microsoft.com/office/drawing/2014/main" id="{D5AC0921-78DE-4E31-A7D0-38CCF2B65E98}"/>
-              </a:ext>
-            </a:extLst>
-          </p:cNvPr>
-          <p:cNvGraphicFramePr>
-            <a:graphicFrameLocks noGrp="1"/>
-          </p:cNvGraphicFramePr>
-          <p:nvPr>
-            <p:ph idx="1"/>
-          </p:nvPr>
-        </p:nvGraphicFramePr>
-        <p:xfrm>
-          <a:off x="279239" y="281161"/>
-          <a:ext cx="8713759" cy="1836420"/>
-        </p:xfrm>
-        <a:graphic>
-          <a:graphicData uri="http://schemas.openxmlformats.org/drawingml/2006/table">
-            <a:tbl>
-              <a:tblPr/>
-              <a:tblGrid>
-                <a:gridCol w="2153568">
-                  <a:extLst>
-                    <a:ext uri="{9D8B030D-6E8A-4147-A177-3AD203B41FA5}">
-                      <a16:colId xmlns:a16="http://schemas.microsoft.com/office/drawing/2014/main" val="4249791816"/>
-                    </a:ext>
-                  </a:extLst>
-                </a:gridCol>
-                <a:gridCol w="6560191">
-                  <a:extLst>
-                    <a:ext uri="{9D8B030D-6E8A-4147-A177-3AD203B41FA5}">
-                      <a16:colId xmlns:a16="http://schemas.microsoft.com/office/drawing/2014/main" val="1047621572"/>
-                    </a:ext>
-                  </a:extLst>
-                </a:gridCol>
-              </a:tblGrid>
-              <a:tr h="200025">
-                <a:tc>
-                  <a:txBody>
-                    <a:bodyPr/>
-                    <a:lstStyle/>
-                    <a:p>
-                      <a:pPr rtl="0" fontAlgn="b"/>
-                      <a:r>
-                        <a:rPr lang="en-US">
-                          <a:effectLst/>
-                        </a:rPr>
-                        <a:t>Year</a:t>
-                      </a:r>
-                    </a:p>
-                  </a:txBody>
-                  <a:tcPr marL="28575" marR="28575" marT="19050" marB="19050" anchor="b">
-                    <a:lnL w="9525" cap="flat" cmpd="sng" algn="ctr">
-                      <a:solidFill>
-                        <a:srgbClr val="CCCCCC"/>
-                      </a:solidFill>
-                      <a:prstDash val="solid"/>
-                      <a:round/>
-                      <a:headEnd type="none" w="med" len="med"/>
-                      <a:tailEnd type="none" w="med" len="med"/>
-                    </a:lnL>
-                    <a:lnR w="9525" cap="flat" cmpd="sng" algn="ctr">
-                      <a:solidFill>
-                        <a:srgbClr val="CCCCCC"/>
-                      </a:solidFill>
-                      <a:prstDash val="solid"/>
-                      <a:round/>
-                      <a:headEnd type="none" w="med" len="med"/>
-                      <a:tailEnd type="none" w="med" len="med"/>
-                    </a:lnR>
-                    <a:lnT w="9525" cap="flat" cmpd="sng" algn="ctr">
-                      <a:solidFill>
-                        <a:srgbClr val="CCCCCC"/>
-                      </a:solidFill>
-                      <a:prstDash val="solid"/>
-                      <a:round/>
-                      <a:headEnd type="none" w="med" len="med"/>
-                      <a:tailEnd type="none" w="med" len="med"/>
-                    </a:lnT>
-                    <a:lnB w="9525" cap="flat" cmpd="sng" algn="ctr">
-                      <a:solidFill>
-                        <a:srgbClr val="CCCCCC"/>
-                      </a:solidFill>
-                      <a:prstDash val="solid"/>
-                      <a:round/>
-                      <a:headEnd type="none" w="med" len="med"/>
-                      <a:tailEnd type="none" w="med" len="med"/>
-                    </a:lnB>
-                  </a:tcPr>
-                </a:tc>
-                <a:tc>
-                  <a:txBody>
-                    <a:bodyPr/>
-                    <a:lstStyle/>
-                    <a:p>
-                      <a:pPr rtl="0" fontAlgn="b"/>
-                      <a:r>
-                        <a:rPr lang="en-US">
-                          <a:effectLst/>
-                        </a:rPr>
-                        <a:t>Event</a:t>
-                      </a:r>
-                    </a:p>
-                  </a:txBody>
-                  <a:tcPr marL="28575" marR="28575" marT="19050" marB="19050" anchor="b">
-                    <a:lnL w="9525" cap="flat" cmpd="sng" algn="ctr">
-                      <a:solidFill>
-                        <a:srgbClr val="CCCCCC"/>
-                      </a:solidFill>
-                      <a:prstDash val="solid"/>
-                      <a:round/>
-                      <a:headEnd type="none" w="med" len="med"/>
-                      <a:tailEnd type="none" w="med" len="med"/>
-                    </a:lnL>
-                    <a:lnR w="9525" cap="flat" cmpd="sng" algn="ctr">
-                      <a:solidFill>
-                        <a:srgbClr val="CCCCCC"/>
-                      </a:solidFill>
-                      <a:prstDash val="solid"/>
-                      <a:round/>
-                      <a:headEnd type="none" w="med" len="med"/>
-                      <a:tailEnd type="none" w="med" len="med"/>
-                    </a:lnR>
-                    <a:lnT w="9525" cap="flat" cmpd="sng" algn="ctr">
-                      <a:solidFill>
-                        <a:srgbClr val="CCCCCC"/>
-                      </a:solidFill>
-                      <a:prstDash val="solid"/>
-                      <a:round/>
-                      <a:headEnd type="none" w="med" len="med"/>
-                      <a:tailEnd type="none" w="med" len="med"/>
-                    </a:lnT>
-                    <a:lnB w="9525" cap="flat" cmpd="sng" algn="ctr">
-                      <a:solidFill>
-                        <a:srgbClr val="CCCCCC"/>
-                      </a:solidFill>
-                      <a:prstDash val="solid"/>
-                      <a:round/>
-                      <a:headEnd type="none" w="med" len="med"/>
-                      <a:tailEnd type="none" w="med" len="med"/>
-                    </a:lnB>
-                  </a:tcPr>
-                </a:tc>
-                <a:extLst>
-                  <a:ext uri="{0D108BD9-81ED-4DB2-BD59-A6C34878D82A}">
-                    <a16:rowId xmlns:a16="http://schemas.microsoft.com/office/drawing/2014/main" val="757700957"/>
-                  </a:ext>
-                </a:extLst>
-              </a:tr>
-              <a:tr h="200025">
-                <a:tc>
-                  <a:txBody>
-                    <a:bodyPr/>
-                    <a:lstStyle/>
-                    <a:p>
-                      <a:pPr algn="r" rtl="0" fontAlgn="b"/>
-                      <a:r>
-                        <a:rPr lang="en-US" altLang="ko-KR">
-                          <a:effectLst/>
-                        </a:rPr>
-                        <a:t>2021</a:t>
-                      </a:r>
-                    </a:p>
-                  </a:txBody>
-                  <a:tcPr marL="28575" marR="28575" marT="19050" marB="19050" anchor="b">
-                    <a:lnL w="9525" cap="flat" cmpd="sng" algn="ctr">
-                      <a:solidFill>
-                        <a:srgbClr val="CCCCCC"/>
-                      </a:solidFill>
-                      <a:prstDash val="solid"/>
-                      <a:round/>
-                      <a:headEnd type="none" w="med" len="med"/>
-                      <a:tailEnd type="none" w="med" len="med"/>
-                    </a:lnL>
-                    <a:lnR w="9525" cap="flat" cmpd="sng" algn="ctr">
-                      <a:solidFill>
-                        <a:srgbClr val="CCCCCC"/>
-                      </a:solidFill>
-                      <a:prstDash val="solid"/>
-                      <a:round/>
-                      <a:headEnd type="none" w="med" len="med"/>
-                      <a:tailEnd type="none" w="med" len="med"/>
-                    </a:lnR>
-                    <a:lnT w="9525" cap="flat" cmpd="sng" algn="ctr">
-                      <a:solidFill>
-                        <a:srgbClr val="CCCCCC"/>
-                      </a:solidFill>
-                      <a:prstDash val="solid"/>
-                      <a:round/>
-                      <a:headEnd type="none" w="med" len="med"/>
-                      <a:tailEnd type="none" w="med" len="med"/>
-                    </a:lnT>
-                    <a:lnB w="9525" cap="flat" cmpd="sng" algn="ctr">
-                      <a:solidFill>
-                        <a:srgbClr val="CCCCCC"/>
-                      </a:solidFill>
-                      <a:prstDash val="solid"/>
-                      <a:round/>
-                      <a:headEnd type="none" w="med" len="med"/>
-                      <a:tailEnd type="none" w="med" len="med"/>
-                    </a:lnB>
-                  </a:tcPr>
-                </a:tc>
-                <a:tc>
-                  <a:txBody>
-                    <a:bodyPr/>
-                    <a:lstStyle/>
-                    <a:p>
-                      <a:pPr rtl="0" fontAlgn="b"/>
-                      <a:r>
-                        <a:rPr lang="en-US">
-                          <a:effectLst/>
-                        </a:rPr>
-                        <a:t>Bard is first announced by Google AI.</a:t>
-                      </a:r>
-                    </a:p>
-                  </a:txBody>
-                  <a:tcPr marL="28575" marR="28575" marT="19050" marB="19050" anchor="b">
-                    <a:lnL w="9525" cap="flat" cmpd="sng" algn="ctr">
-                      <a:solidFill>
-                        <a:srgbClr val="CCCCCC"/>
-                      </a:solidFill>
-                      <a:prstDash val="solid"/>
-                      <a:round/>
-                      <a:headEnd type="none" w="med" len="med"/>
-                      <a:tailEnd type="none" w="med" len="med"/>
-                    </a:lnL>
-                    <a:lnR w="9525" cap="flat" cmpd="sng" algn="ctr">
-                      <a:solidFill>
-                        <a:srgbClr val="CCCCCC"/>
-                      </a:solidFill>
-                      <a:prstDash val="solid"/>
-                      <a:round/>
-                      <a:headEnd type="none" w="med" len="med"/>
-                      <a:tailEnd type="none" w="med" len="med"/>
-                    </a:lnR>
-                    <a:lnT w="9525" cap="flat" cmpd="sng" algn="ctr">
-                      <a:solidFill>
-                        <a:srgbClr val="CCCCCC"/>
-                      </a:solidFill>
-                      <a:prstDash val="solid"/>
-                      <a:round/>
-                      <a:headEnd type="none" w="med" len="med"/>
-                      <a:tailEnd type="none" w="med" len="med"/>
-                    </a:lnT>
-                    <a:lnB w="9525" cap="flat" cmpd="sng" algn="ctr">
-                      <a:solidFill>
-                        <a:srgbClr val="CCCCCC"/>
-                      </a:solidFill>
-                      <a:prstDash val="solid"/>
-                      <a:round/>
-                      <a:headEnd type="none" w="med" len="med"/>
-                      <a:tailEnd type="none" w="med" len="med"/>
-                    </a:lnB>
-                  </a:tcPr>
-                </a:tc>
-                <a:extLst>
-                  <a:ext uri="{0D108BD9-81ED-4DB2-BD59-A6C34878D82A}">
-                    <a16:rowId xmlns:a16="http://schemas.microsoft.com/office/drawing/2014/main" val="2205176755"/>
-                  </a:ext>
-                </a:extLst>
-              </a:tr>
-              <a:tr h="200025">
-                <a:tc>
-                  <a:txBody>
-                    <a:bodyPr/>
-                    <a:lstStyle/>
-                    <a:p>
-                      <a:pPr algn="r" rtl="0" fontAlgn="b"/>
-                      <a:r>
-                        <a:rPr lang="en-US" altLang="ko-KR">
-                          <a:effectLst/>
-                        </a:rPr>
-                        <a:t>2022</a:t>
-                      </a:r>
-                    </a:p>
-                  </a:txBody>
-                  <a:tcPr marL="28575" marR="28575" marT="19050" marB="19050" anchor="b">
-                    <a:lnL w="9525" cap="flat" cmpd="sng" algn="ctr">
-                      <a:solidFill>
-                        <a:srgbClr val="CCCCCC"/>
-                      </a:solidFill>
-                      <a:prstDash val="solid"/>
-                      <a:round/>
-                      <a:headEnd type="none" w="med" len="med"/>
-                      <a:tailEnd type="none" w="med" len="med"/>
-                    </a:lnL>
-                    <a:lnR w="9525" cap="flat" cmpd="sng" algn="ctr">
-                      <a:solidFill>
-                        <a:srgbClr val="CCCCCC"/>
-                      </a:solidFill>
-                      <a:prstDash val="solid"/>
-                      <a:round/>
-                      <a:headEnd type="none" w="med" len="med"/>
-                      <a:tailEnd type="none" w="med" len="med"/>
-                    </a:lnR>
-                    <a:lnT w="9525" cap="flat" cmpd="sng" algn="ctr">
-                      <a:solidFill>
-                        <a:srgbClr val="CCCCCC"/>
-                      </a:solidFill>
-                      <a:prstDash val="solid"/>
-                      <a:round/>
-                      <a:headEnd type="none" w="med" len="med"/>
-                      <a:tailEnd type="none" w="med" len="med"/>
-                    </a:lnT>
-                    <a:lnB w="9525" cap="flat" cmpd="sng" algn="ctr">
-                      <a:solidFill>
-                        <a:srgbClr val="CCCCCC"/>
-                      </a:solidFill>
-                      <a:prstDash val="solid"/>
-                      <a:round/>
-                      <a:headEnd type="none" w="med" len="med"/>
-                      <a:tailEnd type="none" w="med" len="med"/>
-                    </a:lnB>
-                  </a:tcPr>
-                </a:tc>
-                <a:tc>
-                  <a:txBody>
-                    <a:bodyPr/>
-                    <a:lstStyle/>
-                    <a:p>
-                      <a:pPr rtl="0" fontAlgn="b"/>
-                      <a:r>
-                        <a:rPr lang="en-US">
-                          <a:effectLst/>
-                        </a:rPr>
-                        <a:t>Bard is released in beta to a small group of users.</a:t>
-                      </a:r>
-                    </a:p>
-                  </a:txBody>
-                  <a:tcPr marL="28575" marR="28575" marT="19050" marB="19050" anchor="b">
-                    <a:lnL w="9525" cap="flat" cmpd="sng" algn="ctr">
-                      <a:solidFill>
-                        <a:srgbClr val="CCCCCC"/>
-                      </a:solidFill>
-                      <a:prstDash val="solid"/>
-                      <a:round/>
-                      <a:headEnd type="none" w="med" len="med"/>
-                      <a:tailEnd type="none" w="med" len="med"/>
-                    </a:lnL>
-                    <a:lnR w="9525" cap="flat" cmpd="sng" algn="ctr">
-                      <a:solidFill>
-                        <a:srgbClr val="CCCCCC"/>
-                      </a:solidFill>
-                      <a:prstDash val="solid"/>
-                      <a:round/>
-                      <a:headEnd type="none" w="med" len="med"/>
-                      <a:tailEnd type="none" w="med" len="med"/>
-                    </a:lnR>
-                    <a:lnT w="9525" cap="flat" cmpd="sng" algn="ctr">
-                      <a:solidFill>
-                        <a:srgbClr val="CCCCCC"/>
-                      </a:solidFill>
-                      <a:prstDash val="solid"/>
-                      <a:round/>
-                      <a:headEnd type="none" w="med" len="med"/>
-                      <a:tailEnd type="none" w="med" len="med"/>
-                    </a:lnT>
-                    <a:lnB w="9525" cap="flat" cmpd="sng" algn="ctr">
-                      <a:solidFill>
-                        <a:srgbClr val="CCCCCC"/>
-                      </a:solidFill>
-                      <a:prstDash val="solid"/>
-                      <a:round/>
-                      <a:headEnd type="none" w="med" len="med"/>
-                      <a:tailEnd type="none" w="med" len="med"/>
-                    </a:lnB>
-                  </a:tcPr>
-                </a:tc>
-                <a:extLst>
-                  <a:ext uri="{0D108BD9-81ED-4DB2-BD59-A6C34878D82A}">
-                    <a16:rowId xmlns:a16="http://schemas.microsoft.com/office/drawing/2014/main" val="4221497265"/>
-                  </a:ext>
-                </a:extLst>
-              </a:tr>
-              <a:tr h="200025">
-                <a:tc>
-                  <a:txBody>
-                    <a:bodyPr/>
-                    <a:lstStyle/>
-                    <a:p>
-                      <a:pPr algn="r" rtl="0" fontAlgn="b"/>
-                      <a:r>
-                        <a:rPr lang="en-US" altLang="ko-KR">
-                          <a:effectLst/>
-                        </a:rPr>
-                        <a:t>2023</a:t>
-                      </a:r>
-                    </a:p>
-                  </a:txBody>
-                  <a:tcPr marL="28575" marR="28575" marT="19050" marB="19050" anchor="b">
-                    <a:lnL w="9525" cap="flat" cmpd="sng" algn="ctr">
-                      <a:solidFill>
-                        <a:srgbClr val="CCCCCC"/>
-                      </a:solidFill>
-                      <a:prstDash val="solid"/>
-                      <a:round/>
-                      <a:headEnd type="none" w="med" len="med"/>
-                      <a:tailEnd type="none" w="med" len="med"/>
-                    </a:lnL>
-                    <a:lnR w="9525" cap="flat" cmpd="sng" algn="ctr">
-                      <a:solidFill>
-                        <a:srgbClr val="CCCCCC"/>
-                      </a:solidFill>
-                      <a:prstDash val="solid"/>
-                      <a:round/>
-                      <a:headEnd type="none" w="med" len="med"/>
-                      <a:tailEnd type="none" w="med" len="med"/>
-                    </a:lnR>
-                    <a:lnT w="9525" cap="flat" cmpd="sng" algn="ctr">
-                      <a:solidFill>
-                        <a:srgbClr val="CCCCCC"/>
-                      </a:solidFill>
-                      <a:prstDash val="solid"/>
-                      <a:round/>
-                      <a:headEnd type="none" w="med" len="med"/>
-                      <a:tailEnd type="none" w="med" len="med"/>
-                    </a:lnT>
-                    <a:lnB w="9525" cap="flat" cmpd="sng" algn="ctr">
-                      <a:solidFill>
-                        <a:srgbClr val="CCCCCC"/>
-                      </a:solidFill>
-                      <a:prstDash val="solid"/>
-                      <a:round/>
-                      <a:headEnd type="none" w="med" len="med"/>
-                      <a:tailEnd type="none" w="med" len="med"/>
-                    </a:lnB>
-                  </a:tcPr>
-                </a:tc>
-                <a:tc>
-                  <a:txBody>
-                    <a:bodyPr/>
-                    <a:lstStyle/>
-                    <a:p>
-                      <a:pPr rtl="0" fontAlgn="b"/>
-                      <a:r>
-                        <a:rPr lang="en-US">
-                          <a:effectLst/>
-                        </a:rPr>
-                        <a:t>Bard is released to the public in early 2023.</a:t>
-                      </a:r>
-                    </a:p>
-                  </a:txBody>
-                  <a:tcPr marL="28575" marR="28575" marT="19050" marB="19050" anchor="b">
-                    <a:lnL w="9525" cap="flat" cmpd="sng" algn="ctr">
-                      <a:solidFill>
-                        <a:srgbClr val="CCCCCC"/>
-                      </a:solidFill>
-                      <a:prstDash val="solid"/>
-                      <a:round/>
-                      <a:headEnd type="none" w="med" len="med"/>
-                      <a:tailEnd type="none" w="med" len="med"/>
-                    </a:lnL>
-                    <a:lnR w="9525" cap="flat" cmpd="sng" algn="ctr">
-                      <a:solidFill>
-                        <a:srgbClr val="CCCCCC"/>
-                      </a:solidFill>
-                      <a:prstDash val="solid"/>
-                      <a:round/>
-                      <a:headEnd type="none" w="med" len="med"/>
-                      <a:tailEnd type="none" w="med" len="med"/>
-                    </a:lnR>
-                    <a:lnT w="9525" cap="flat" cmpd="sng" algn="ctr">
-                      <a:solidFill>
-                        <a:srgbClr val="CCCCCC"/>
-                      </a:solidFill>
-                      <a:prstDash val="solid"/>
-                      <a:round/>
-                      <a:headEnd type="none" w="med" len="med"/>
-                      <a:tailEnd type="none" w="med" len="med"/>
-                    </a:lnT>
-                    <a:lnB w="9525" cap="flat" cmpd="sng" algn="ctr">
-                      <a:solidFill>
-                        <a:srgbClr val="CCCCCC"/>
-                      </a:solidFill>
-                      <a:prstDash val="solid"/>
-                      <a:round/>
-                      <a:headEnd type="none" w="med" len="med"/>
-                      <a:tailEnd type="none" w="med" len="med"/>
-                    </a:lnB>
-                  </a:tcPr>
-                </a:tc>
-                <a:extLst>
-                  <a:ext uri="{0D108BD9-81ED-4DB2-BD59-A6C34878D82A}">
-                    <a16:rowId xmlns:a16="http://schemas.microsoft.com/office/drawing/2014/main" val="2492565240"/>
-                  </a:ext>
-                </a:extLst>
-              </a:tr>
-              <a:tr h="200025">
-                <a:tc>
-                  <a:txBody>
-                    <a:bodyPr/>
-                    <a:lstStyle/>
-                    <a:p>
-                      <a:pPr rtl="0" fontAlgn="b"/>
-                      <a:r>
-                        <a:rPr lang="en-US">
-                          <a:effectLst/>
-                        </a:rPr>
-                        <a:t>Current</a:t>
-                      </a:r>
-                    </a:p>
-                  </a:txBody>
-                  <a:tcPr marL="28575" marR="28575" marT="19050" marB="19050" anchor="b">
-                    <a:lnL w="9525" cap="flat" cmpd="sng" algn="ctr">
-                      <a:solidFill>
-                        <a:srgbClr val="CCCCCC"/>
-                      </a:solidFill>
-                      <a:prstDash val="solid"/>
-                      <a:round/>
-                      <a:headEnd type="none" w="med" len="med"/>
-                      <a:tailEnd type="none" w="med" len="med"/>
-                    </a:lnL>
-                    <a:lnR w="9525" cap="flat" cmpd="sng" algn="ctr">
-                      <a:solidFill>
-                        <a:srgbClr val="CCCCCC"/>
-                      </a:solidFill>
-                      <a:prstDash val="solid"/>
-                      <a:round/>
-                      <a:headEnd type="none" w="med" len="med"/>
-                      <a:tailEnd type="none" w="med" len="med"/>
-                    </a:lnR>
-                    <a:lnT w="9525" cap="flat" cmpd="sng" algn="ctr">
-                      <a:solidFill>
-                        <a:srgbClr val="CCCCCC"/>
-                      </a:solidFill>
-                      <a:prstDash val="solid"/>
-                      <a:round/>
-                      <a:headEnd type="none" w="med" len="med"/>
-                      <a:tailEnd type="none" w="med" len="med"/>
-                    </a:lnT>
-                    <a:lnB w="9525" cap="flat" cmpd="sng" algn="ctr">
-                      <a:solidFill>
-                        <a:srgbClr val="CCCCCC"/>
-                      </a:solidFill>
-                      <a:prstDash val="solid"/>
-                      <a:round/>
-                      <a:headEnd type="none" w="med" len="med"/>
-                      <a:tailEnd type="none" w="med" len="med"/>
-                    </a:lnB>
-                  </a:tcPr>
-                </a:tc>
-                <a:tc>
-                  <a:txBody>
-                    <a:bodyPr/>
-                    <a:lstStyle/>
-                    <a:p>
-                      <a:pPr rtl="0" fontAlgn="b"/>
-                      <a:r>
-                        <a:rPr lang="en-US" dirty="0">
-                          <a:effectLst/>
-                        </a:rPr>
-                        <a:t>Bard is still under development, but it is learning new things every day.</a:t>
-                      </a:r>
-                    </a:p>
-                  </a:txBody>
-                  <a:tcPr marL="28575" marR="28575" marT="19050" marB="19050" anchor="b">
-                    <a:lnL w="9525" cap="flat" cmpd="sng" algn="ctr">
-                      <a:solidFill>
-                        <a:srgbClr val="CCCCCC"/>
-                      </a:solidFill>
-                      <a:prstDash val="solid"/>
-                      <a:round/>
-                      <a:headEnd type="none" w="med" len="med"/>
-                      <a:tailEnd type="none" w="med" len="med"/>
-                    </a:lnL>
-                    <a:lnR w="9525" cap="flat" cmpd="sng" algn="ctr">
-                      <a:solidFill>
-                        <a:srgbClr val="CCCCCC"/>
-                      </a:solidFill>
-                      <a:prstDash val="solid"/>
-                      <a:round/>
-                      <a:headEnd type="none" w="med" len="med"/>
-                      <a:tailEnd type="none" w="med" len="med"/>
-                    </a:lnR>
-                    <a:lnT w="9525" cap="flat" cmpd="sng" algn="ctr">
-                      <a:solidFill>
-                        <a:srgbClr val="CCCCCC"/>
-                      </a:solidFill>
-                      <a:prstDash val="solid"/>
-                      <a:round/>
-                      <a:headEnd type="none" w="med" len="med"/>
-                      <a:tailEnd type="none" w="med" len="med"/>
-                    </a:lnT>
-                    <a:lnB w="9525" cap="flat" cmpd="sng" algn="ctr">
-                      <a:solidFill>
-                        <a:srgbClr val="CCCCCC"/>
-                      </a:solidFill>
-                      <a:prstDash val="solid"/>
-                      <a:round/>
-                      <a:headEnd type="none" w="med" len="med"/>
-                      <a:tailEnd type="none" w="med" len="med"/>
-                    </a:lnB>
-                  </a:tcPr>
-                </a:tc>
-                <a:extLst>
-                  <a:ext uri="{0D108BD9-81ED-4DB2-BD59-A6C34878D82A}">
-                    <a16:rowId xmlns:a16="http://schemas.microsoft.com/office/drawing/2014/main" val="3458783750"/>
-                  </a:ext>
-                </a:extLst>
-              </a:tr>
-            </a:tbl>
-          </a:graphicData>
-        </a:graphic>
-      </p:graphicFrame>
-      <p:pic>
-        <p:nvPicPr>
-          <p:cNvPr id="8" name="그림 7">
-            <a:extLst>
-              <a:ext uri="{FF2B5EF4-FFF2-40B4-BE49-F238E27FC236}">
-                <a16:creationId xmlns:a16="http://schemas.microsoft.com/office/drawing/2014/main" id="{AE8AE277-D9B5-4FD3-825E-2FA0FEFDB3F8}"/>
-              </a:ext>
-            </a:extLst>
-          </p:cNvPr>
-          <p:cNvPicPr>
-            <a:picLocks noChangeAspect="1"/>
-          </p:cNvPicPr>
-          <p:nvPr/>
-        </p:nvPicPr>
-        <p:blipFill>
-          <a:blip r:embed="rId2"/>
-          <a:stretch>
-            <a:fillRect/>
-          </a:stretch>
-        </p:blipFill>
-        <p:spPr>
-          <a:xfrm>
-            <a:off x="7293136" y="2004714"/>
-            <a:ext cx="4619625" cy="4657725"/>
-          </a:xfrm>
-          <a:prstGeom prst="rect">
-            <a:avLst/>
-          </a:prstGeom>
-        </p:spPr>
-      </p:pic>
-      <p:sp>
-        <p:nvSpPr>
-          <p:cNvPr id="9" name="직사각형 8">
-            <a:extLst>
-              <a:ext uri="{FF2B5EF4-FFF2-40B4-BE49-F238E27FC236}">
-                <a16:creationId xmlns:a16="http://schemas.microsoft.com/office/drawing/2014/main" id="{222FE62C-813A-4C02-ABF8-908C030F710A}"/>
-              </a:ext>
-            </a:extLst>
-          </p:cNvPr>
-          <p:cNvSpPr/>
-          <p:nvPr/>
-        </p:nvSpPr>
-        <p:spPr>
-          <a:xfrm>
-            <a:off x="933887" y="2416029"/>
-            <a:ext cx="2505512" cy="3170099"/>
-          </a:xfrm>
-          <a:prstGeom prst="rect">
-            <a:avLst/>
-          </a:prstGeom>
-        </p:spPr>
-        <p:txBody>
-          <a:bodyPr wrap="square">
-            <a:spAutoFit/>
-          </a:bodyPr>
-          <a:lstStyle/>
-          <a:p>
-            <a:pPr>
-              <a:buFont typeface="Arial" panose="020B0604020202020204" pitchFamily="34" charset="0"/>
-              <a:buChar char="•"/>
-            </a:pPr>
-            <a:r>
-              <a:rPr lang="en-US" altLang="ko-KR" sz="800" dirty="0">
-                <a:solidFill>
-                  <a:srgbClr val="1F1F1F"/>
-                </a:solidFill>
-                <a:latin typeface="Google Sans"/>
-              </a:rPr>
-              <a:t>GPT-3: GPT-3 is a large language model developed by </a:t>
-            </a:r>
-            <a:r>
-              <a:rPr lang="en-US" altLang="ko-KR" sz="800" dirty="0" err="1">
-                <a:solidFill>
-                  <a:srgbClr val="1F1F1F"/>
-                </a:solidFill>
-                <a:latin typeface="Google Sans"/>
-              </a:rPr>
-              <a:t>OpenAI</a:t>
-            </a:r>
-            <a:r>
-              <a:rPr lang="en-US" altLang="ko-KR" sz="800" dirty="0">
-                <a:solidFill>
-                  <a:srgbClr val="1F1F1F"/>
-                </a:solidFill>
-                <a:latin typeface="Google Sans"/>
-              </a:rPr>
-              <a:t>. It is one of the most widely used large language models, and it is known for its ability to generate realistic and coherent text.</a:t>
-            </a:r>
-          </a:p>
-          <a:p>
-            <a:pPr>
-              <a:buFont typeface="Arial" panose="020B0604020202020204" pitchFamily="34" charset="0"/>
-              <a:buChar char="•"/>
-            </a:pPr>
-            <a:r>
-              <a:rPr lang="en-US" altLang="ko-KR" sz="800" dirty="0" err="1">
-                <a:solidFill>
-                  <a:srgbClr val="1F1F1F"/>
-                </a:solidFill>
-                <a:latin typeface="Google Sans"/>
-              </a:rPr>
-              <a:t>LaMDA</a:t>
-            </a:r>
-            <a:r>
-              <a:rPr lang="en-US" altLang="ko-KR" sz="800" dirty="0">
-                <a:solidFill>
-                  <a:srgbClr val="1F1F1F"/>
-                </a:solidFill>
-                <a:latin typeface="Google Sans"/>
-              </a:rPr>
-              <a:t>: </a:t>
-            </a:r>
-            <a:r>
-              <a:rPr lang="en-US" altLang="ko-KR" sz="800" dirty="0" err="1">
-                <a:solidFill>
-                  <a:srgbClr val="1F1F1F"/>
-                </a:solidFill>
-                <a:latin typeface="Google Sans"/>
-              </a:rPr>
-              <a:t>LaMDA</a:t>
-            </a:r>
-            <a:r>
-              <a:rPr lang="en-US" altLang="ko-KR" sz="800" dirty="0">
-                <a:solidFill>
-                  <a:srgbClr val="1F1F1F"/>
-                </a:solidFill>
-                <a:latin typeface="Google Sans"/>
-              </a:rPr>
-              <a:t> is a large language model developed by Google AI. It is known for its ability to answer questions in an informative way, even if they are open ended, challenging, or strange.</a:t>
-            </a:r>
-          </a:p>
-          <a:p>
-            <a:pPr>
-              <a:buFont typeface="Arial" panose="020B0604020202020204" pitchFamily="34" charset="0"/>
-              <a:buChar char="•"/>
-            </a:pPr>
-            <a:r>
-              <a:rPr lang="en-US" altLang="ko-KR" sz="800" dirty="0" err="1">
-                <a:solidFill>
-                  <a:srgbClr val="1F1F1F"/>
-                </a:solidFill>
-                <a:latin typeface="Google Sans"/>
-              </a:rPr>
-              <a:t>PaLM</a:t>
-            </a:r>
-            <a:r>
-              <a:rPr lang="en-US" altLang="ko-KR" sz="800" dirty="0">
-                <a:solidFill>
-                  <a:srgbClr val="1F1F1F"/>
-                </a:solidFill>
-                <a:latin typeface="Google Sans"/>
-              </a:rPr>
-              <a:t>: </a:t>
-            </a:r>
-            <a:r>
-              <a:rPr lang="en-US" altLang="ko-KR" sz="800" dirty="0" err="1">
-                <a:solidFill>
-                  <a:srgbClr val="1F1F1F"/>
-                </a:solidFill>
-                <a:latin typeface="Google Sans"/>
-              </a:rPr>
-              <a:t>PaLM</a:t>
-            </a:r>
-            <a:r>
-              <a:rPr lang="en-US" altLang="ko-KR" sz="800" dirty="0">
-                <a:solidFill>
-                  <a:srgbClr val="1F1F1F"/>
-                </a:solidFill>
-                <a:latin typeface="Google Sans"/>
-              </a:rPr>
-              <a:t> is a large language model developed by Google AI. It is the largest language model in the world, and it is known for its ability to perform a wide range of tasks, including translation, summarization, and code generation.</a:t>
-            </a:r>
-          </a:p>
-          <a:p>
-            <a:pPr>
-              <a:buFont typeface="Arial" panose="020B0604020202020204" pitchFamily="34" charset="0"/>
-              <a:buChar char="•"/>
-            </a:pPr>
-            <a:r>
-              <a:rPr lang="en-US" altLang="ko-KR" sz="800" dirty="0">
-                <a:solidFill>
-                  <a:srgbClr val="1F1F1F"/>
-                </a:solidFill>
-                <a:latin typeface="Google Sans"/>
-              </a:rPr>
-              <a:t>Flamingo: Flamingo is a large language model developed by DeepMind. It is known for its ability to generate creative text formats, such as poems, code, scripts, musical pieces, email, letters, etc.</a:t>
-            </a:r>
-          </a:p>
-          <a:p>
-            <a:pPr>
-              <a:buFont typeface="Arial" panose="020B0604020202020204" pitchFamily="34" charset="0"/>
-              <a:buChar char="•"/>
-            </a:pPr>
-            <a:r>
-              <a:rPr lang="en-US" altLang="ko-KR" sz="800" dirty="0">
-                <a:solidFill>
-                  <a:srgbClr val="1F1F1F"/>
-                </a:solidFill>
-                <a:latin typeface="Google Sans"/>
-              </a:rPr>
-              <a:t>BLIP-2: BLIP-2 is a large language model developed by Salesforce. It is known for its ability to understand and respond to natural language queries.</a:t>
-            </a:r>
-          </a:p>
-          <a:p>
-            <a:pPr>
-              <a:buFont typeface="Arial" panose="020B0604020202020204" pitchFamily="34" charset="0"/>
-              <a:buChar char="•"/>
-            </a:pPr>
-            <a:r>
-              <a:rPr lang="en-US" altLang="ko-KR" sz="800" dirty="0" err="1">
-                <a:solidFill>
-                  <a:srgbClr val="1F1F1F"/>
-                </a:solidFill>
-                <a:latin typeface="Google Sans"/>
-              </a:rPr>
-              <a:t>LLaMA</a:t>
-            </a:r>
-            <a:r>
-              <a:rPr lang="en-US" altLang="ko-KR" sz="800" dirty="0">
-                <a:solidFill>
-                  <a:srgbClr val="1F1F1F"/>
-                </a:solidFill>
-                <a:latin typeface="Google Sans"/>
-              </a:rPr>
-              <a:t>: </a:t>
-            </a:r>
-            <a:r>
-              <a:rPr lang="en-US" altLang="ko-KR" sz="800" dirty="0" err="1">
-                <a:solidFill>
-                  <a:srgbClr val="1F1F1F"/>
-                </a:solidFill>
-                <a:latin typeface="Google Sans"/>
-              </a:rPr>
-              <a:t>LLaMA</a:t>
-            </a:r>
-            <a:r>
-              <a:rPr lang="en-US" altLang="ko-KR" sz="800" dirty="0">
-                <a:solidFill>
-                  <a:srgbClr val="1F1F1F"/>
-                </a:solidFill>
-                <a:latin typeface="Google Sans"/>
-              </a:rPr>
-              <a:t> is a large language model developed by Meta AI. It is known for its ability to learn from human feedback and improve its performance over time.</a:t>
-            </a:r>
-          </a:p>
-          <a:p>
-            <a:pPr>
-              <a:buFont typeface="Arial" panose="020B0604020202020204" pitchFamily="34" charset="0"/>
-              <a:buChar char="•"/>
-            </a:pPr>
-            <a:r>
-              <a:rPr lang="en-US" altLang="ko-KR" sz="800" dirty="0">
-                <a:solidFill>
-                  <a:srgbClr val="1F1F1F"/>
-                </a:solidFill>
-                <a:latin typeface="Google Sans"/>
-              </a:rPr>
-              <a:t>GPT-4: GPT-4 is the next generation of GPT-3, and it is expected to be even more powerful and capable.</a:t>
-            </a:r>
-            <a:endParaRPr lang="en-US" altLang="ko-KR" sz="800" b="0" i="0" dirty="0">
-              <a:solidFill>
-                <a:srgbClr val="1F1F1F"/>
-              </a:solidFill>
-              <a:effectLst/>
-              <a:latin typeface="Google Sans"/>
-            </a:endParaRPr>
-          </a:p>
-        </p:txBody>
-      </p:sp>
-    </p:spTree>
-    <p:extLst>
-      <p:ext uri="{BB962C8B-B14F-4D97-AF65-F5344CB8AC3E}">
-        <p14:creationId xmlns:p14="http://schemas.microsoft.com/office/powerpoint/2010/main" val="1324759201"/>
-      </p:ext>
-    </p:extLst>
-  </p:cSld>
-  <p:clrMapOvr>
-    <a:masterClrMapping/>
-  </p:clrMapOvr>
-</p:sld>
-</file>
-
-<file path=ppt/slides/slide4.xml><?xml version="1.0" encoding="utf-8"?>
-<p:sld xmlns:a="http://schemas.openxmlformats.org/drawingml/2006/main" xmlns:r="http://schemas.openxmlformats.org/officeDocument/2006/relationships" xmlns:p="http://schemas.openxmlformats.org/presentationml/2006/main">
-  <p:cSld>
-    <p:spTree>
-      <p:nvGrpSpPr>
-        <p:cNvPr id="1" name=""/>
-        <p:cNvGrpSpPr/>
-        <p:nvPr/>
-      </p:nvGrpSpPr>
-      <p:grpSpPr>
-        <a:xfrm>
-          <a:off x="0" y="0"/>
-          <a:ext cx="0" cy="0"/>
-          <a:chOff x="0" y="0"/>
-          <a:chExt cx="0" cy="0"/>
-        </a:xfrm>
-      </p:grpSpPr>
-      <p:sp>
-        <p:nvSpPr>
-          <p:cNvPr id="2" name="제목 1">
-            <a:extLst>
-              <a:ext uri="{FF2B5EF4-FFF2-40B4-BE49-F238E27FC236}">
-                <a16:creationId xmlns:a16="http://schemas.microsoft.com/office/drawing/2014/main" id="{B44BEF5D-A5D7-4768-816C-D9ACDC378C39}"/>
-              </a:ext>
-            </a:extLst>
-          </p:cNvPr>
-          <p:cNvSpPr>
-            <a:spLocks noGrp="1"/>
-          </p:cNvSpPr>
-          <p:nvPr>
-            <p:ph type="title"/>
-          </p:nvPr>
-        </p:nvSpPr>
-        <p:spPr/>
-        <p:txBody>
-          <a:bodyPr/>
-          <a:lstStyle/>
-          <a:p>
-            <a:r>
-              <a:rPr lang="en-US" altLang="ko-KR" dirty="0"/>
-              <a:t>LLM</a:t>
-            </a:r>
-            <a:endParaRPr lang="ko-KR" altLang="en-US" dirty="0"/>
-          </a:p>
-        </p:txBody>
-      </p:sp>
-      <p:sp>
-        <p:nvSpPr>
-          <p:cNvPr id="3" name="내용 개체 틀 2">
-            <a:extLst>
-              <a:ext uri="{FF2B5EF4-FFF2-40B4-BE49-F238E27FC236}">
-                <a16:creationId xmlns:a16="http://schemas.microsoft.com/office/drawing/2014/main" id="{EA04B156-32CF-4AE7-8D89-CF5449D055FE}"/>
-              </a:ext>
-            </a:extLst>
-          </p:cNvPr>
-          <p:cNvSpPr>
-            <a:spLocks noGrp="1"/>
-          </p:cNvSpPr>
-          <p:nvPr>
-            <p:ph idx="1"/>
-          </p:nvPr>
-        </p:nvSpPr>
-        <p:spPr>
-          <a:xfrm>
-            <a:off x="838200" y="1825625"/>
-            <a:ext cx="6804171" cy="4351338"/>
-          </a:xfrm>
-        </p:spPr>
-        <p:txBody>
-          <a:bodyPr>
-            <a:normAutofit/>
-          </a:bodyPr>
-          <a:lstStyle/>
-          <a:p>
-            <a:r>
-              <a:rPr lang="ko-KR" altLang="en-US" sz="2000" b="1" dirty="0"/>
-              <a:t>대형 언어 모델</a:t>
-            </a:r>
-            <a:r>
-              <a:rPr lang="en-US" altLang="ko-KR" sz="2000" dirty="0"/>
-              <a:t>(Large language model, LLM) </a:t>
-            </a:r>
-            <a:r>
-              <a:rPr lang="ko-KR" altLang="en-US" sz="2000" dirty="0"/>
-              <a:t>또는 </a:t>
-            </a:r>
-            <a:r>
-              <a:rPr lang="ko-KR" altLang="en-US" sz="2000" b="1" dirty="0"/>
-              <a:t>거대 언어 모델</a:t>
-            </a:r>
-            <a:r>
-              <a:rPr lang="ko-KR" altLang="en-US" sz="2000" dirty="0"/>
-              <a:t>은 수많은 파라미터</a:t>
-            </a:r>
-            <a:r>
-              <a:rPr lang="en-US" altLang="ko-KR" sz="2000" dirty="0"/>
-              <a:t>(</a:t>
-            </a:r>
-            <a:r>
-              <a:rPr lang="ko-KR" altLang="en-US" sz="2000" dirty="0"/>
-              <a:t>보통 수십억 웨이트 이상</a:t>
-            </a:r>
-            <a:r>
-              <a:rPr lang="en-US" altLang="ko-KR" sz="2000" dirty="0"/>
-              <a:t>)</a:t>
-            </a:r>
-            <a:r>
-              <a:rPr lang="ko-KR" altLang="en-US" sz="2000" dirty="0"/>
-              <a:t>를 보유한 </a:t>
-            </a:r>
-            <a:r>
-              <a:rPr lang="ko-KR" altLang="en-US" sz="2000" dirty="0">
-                <a:hlinkClick r:id="rId2" tooltip="인공 신경망"/>
-              </a:rPr>
-              <a:t>인공 신경망</a:t>
-            </a:r>
-            <a:r>
-              <a:rPr lang="ko-KR" altLang="en-US" sz="2000" dirty="0"/>
-              <a:t>으로 구성되는 </a:t>
-            </a:r>
-            <a:r>
-              <a:rPr lang="ko-KR" altLang="en-US" sz="2000" dirty="0">
-                <a:hlinkClick r:id="rId3" tooltip="언어 모델"/>
-              </a:rPr>
-              <a:t>언어 모델</a:t>
-            </a:r>
-            <a:r>
-              <a:rPr lang="ko-KR" altLang="en-US" sz="2000" dirty="0"/>
-              <a:t>이다</a:t>
-            </a:r>
-            <a:r>
-              <a:rPr lang="en-US" altLang="ko-KR" sz="2000" dirty="0"/>
-              <a:t>. </a:t>
-            </a:r>
-            <a:r>
-              <a:rPr lang="ko-KR" altLang="en-US" sz="2000" dirty="0">
-                <a:hlinkClick r:id="rId4" tooltip="자기 지도 학습"/>
-              </a:rPr>
-              <a:t>자기 지도 학습</a:t>
-            </a:r>
-            <a:r>
-              <a:rPr lang="ko-KR" altLang="en-US" sz="2000" dirty="0"/>
-              <a:t>이나 반자기지도학습을 사용하여 </a:t>
-            </a:r>
-            <a:r>
-              <a:rPr lang="ko-KR" altLang="en-US" sz="2000" dirty="0" err="1"/>
-              <a:t>레이블링되지</a:t>
-            </a:r>
-            <a:r>
-              <a:rPr lang="ko-KR" altLang="en-US" sz="2000" dirty="0"/>
-              <a:t> 않은 상당한 양의 텍스트로 훈련된다</a:t>
-            </a:r>
-            <a:r>
-              <a:rPr lang="en-US" altLang="ko-KR" sz="2000" dirty="0"/>
-              <a:t>.</a:t>
-            </a:r>
-            <a:r>
-              <a:rPr lang="en-US" altLang="ko-KR" sz="2000" baseline="30000" dirty="0">
-                <a:hlinkClick r:id="rId5"/>
-              </a:rPr>
-              <a:t>[1]</a:t>
-            </a:r>
-            <a:r>
-              <a:rPr lang="ko-KR" altLang="en-US" sz="2000" dirty="0"/>
-              <a:t> </a:t>
-            </a:r>
-            <a:r>
-              <a:rPr lang="en-US" altLang="ko-KR" sz="2000" dirty="0"/>
-              <a:t>LLM</a:t>
-            </a:r>
-            <a:r>
-              <a:rPr lang="ko-KR" altLang="en-US" sz="2000" dirty="0"/>
-              <a:t>은 </a:t>
-            </a:r>
-            <a:r>
-              <a:rPr lang="en-US" altLang="ko-KR" sz="2000" dirty="0">
-                <a:highlight>
-                  <a:srgbClr val="FFFF00"/>
-                </a:highlight>
-              </a:rPr>
-              <a:t>2018</a:t>
-            </a:r>
-            <a:r>
-              <a:rPr lang="ko-KR" altLang="en-US" sz="2000" dirty="0"/>
-              <a:t>년 즈음에 모습을 드러냈으며 다양한 작업을 위해 수행된다</a:t>
-            </a:r>
-            <a:r>
-              <a:rPr lang="en-US" altLang="ko-KR" sz="2000" dirty="0"/>
-              <a:t>. </a:t>
-            </a:r>
-            <a:r>
-              <a:rPr lang="ko-KR" altLang="en-US" sz="2000" dirty="0"/>
-              <a:t>이전의 특정 작업의 특수한 </a:t>
-            </a:r>
-            <a:r>
-              <a:rPr lang="ko-KR" altLang="en-US" sz="2000" dirty="0">
-                <a:hlinkClick r:id="rId6" tooltip="지도 학습"/>
-              </a:rPr>
-              <a:t>지도 학습</a:t>
-            </a:r>
-            <a:r>
-              <a:rPr lang="ko-KR" altLang="en-US" sz="2000" dirty="0"/>
-              <a:t> 모델의 훈련 패러다임에서 벗어나 </a:t>
-            </a:r>
-            <a:r>
-              <a:rPr lang="ko-KR" altLang="en-US" sz="2000" dirty="0">
-                <a:hlinkClick r:id="rId7" tooltip="자연어 처리"/>
-              </a:rPr>
-              <a:t>자연어 처리</a:t>
-            </a:r>
-            <a:r>
-              <a:rPr lang="ko-KR" altLang="en-US" sz="2000" dirty="0"/>
-              <a:t> 연구로 초점이 옮겨졌다</a:t>
-            </a:r>
-            <a:r>
-              <a:rPr lang="en-US" altLang="ko-KR" sz="2000" dirty="0"/>
-              <a:t>.</a:t>
-            </a:r>
-            <a:endParaRPr lang="ko-KR" altLang="en-US" sz="2000" dirty="0"/>
-          </a:p>
-        </p:txBody>
-      </p:sp>
-      <p:pic>
-        <p:nvPicPr>
-          <p:cNvPr id="4" name="그림 3">
-            <a:extLst>
-              <a:ext uri="{FF2B5EF4-FFF2-40B4-BE49-F238E27FC236}">
-                <a16:creationId xmlns:a16="http://schemas.microsoft.com/office/drawing/2014/main" id="{CFA9122E-4F5E-4963-BD46-5F6DA59CA278}"/>
-              </a:ext>
-            </a:extLst>
-          </p:cNvPr>
-          <p:cNvPicPr>
-            <a:picLocks noChangeAspect="1"/>
-          </p:cNvPicPr>
-          <p:nvPr/>
-        </p:nvPicPr>
-        <p:blipFill>
-          <a:blip r:embed="rId8"/>
-          <a:stretch>
-            <a:fillRect/>
-          </a:stretch>
-        </p:blipFill>
-        <p:spPr>
-          <a:xfrm>
-            <a:off x="7702765" y="0"/>
-            <a:ext cx="4353339" cy="6858000"/>
-          </a:xfrm>
-          <a:prstGeom prst="rect">
-            <a:avLst/>
-          </a:prstGeom>
-        </p:spPr>
-      </p:pic>
-      <p:sp>
-        <p:nvSpPr>
-          <p:cNvPr id="5" name="직사각형 4">
-            <a:extLst>
-              <a:ext uri="{FF2B5EF4-FFF2-40B4-BE49-F238E27FC236}">
-                <a16:creationId xmlns:a16="http://schemas.microsoft.com/office/drawing/2014/main" id="{F36DEB7A-3D72-4C7A-8E22-131DEFB45B9C}"/>
-              </a:ext>
-            </a:extLst>
-          </p:cNvPr>
-          <p:cNvSpPr/>
-          <p:nvPr/>
-        </p:nvSpPr>
-        <p:spPr>
-          <a:xfrm>
-            <a:off x="346745" y="4808800"/>
-            <a:ext cx="6096000" cy="646331"/>
-          </a:xfrm>
-          <a:prstGeom prst="rect">
-            <a:avLst/>
-          </a:prstGeom>
-        </p:spPr>
-        <p:txBody>
-          <a:bodyPr>
-            <a:spAutoFit/>
-          </a:bodyPr>
-          <a:lstStyle/>
-          <a:p>
-            <a:r>
-              <a:rPr lang="ko-KR" altLang="en-US" b="1" dirty="0">
-                <a:solidFill>
-                  <a:srgbClr val="202122"/>
-                </a:solidFill>
-                <a:latin typeface="Arial" panose="020B0604020202020204" pitchFamily="34" charset="0"/>
-              </a:rPr>
-              <a:t>언어 모델</a:t>
-            </a:r>
-            <a:r>
-              <a:rPr lang="en-US" altLang="ko-KR" dirty="0">
-                <a:solidFill>
-                  <a:srgbClr val="202122"/>
-                </a:solidFill>
-                <a:latin typeface="Arial" panose="020B0604020202020204" pitchFamily="34" charset="0"/>
-              </a:rPr>
-              <a:t>(language model) </a:t>
-            </a:r>
-            <a:r>
-              <a:rPr lang="ko-KR" altLang="en-US" dirty="0">
-                <a:solidFill>
-                  <a:srgbClr val="202122"/>
-                </a:solidFill>
-                <a:latin typeface="Arial" panose="020B0604020202020204" pitchFamily="34" charset="0"/>
-              </a:rPr>
-              <a:t>또는 </a:t>
-            </a:r>
-            <a:r>
-              <a:rPr lang="ko-KR" altLang="en-US" b="1" dirty="0">
-                <a:solidFill>
-                  <a:srgbClr val="202122"/>
-                </a:solidFill>
-                <a:latin typeface="Arial" panose="020B0604020202020204" pitchFamily="34" charset="0"/>
-              </a:rPr>
-              <a:t>언어 모형</a:t>
-            </a:r>
-            <a:r>
-              <a:rPr lang="ko-KR" altLang="en-US" dirty="0">
-                <a:solidFill>
-                  <a:srgbClr val="202122"/>
-                </a:solidFill>
-                <a:latin typeface="Arial" panose="020B0604020202020204" pitchFamily="34" charset="0"/>
-              </a:rPr>
-              <a:t>은 일련의 단어들의 </a:t>
-            </a:r>
-            <a:r>
-              <a:rPr lang="ko-KR" altLang="en-US" dirty="0">
-                <a:solidFill>
-                  <a:srgbClr val="3366CC"/>
-                </a:solidFill>
-                <a:latin typeface="Arial" panose="020B0604020202020204" pitchFamily="34" charset="0"/>
-                <a:hlinkClick r:id="rId9" tooltip="확률 분포"/>
-              </a:rPr>
-              <a:t>확률 분포</a:t>
-            </a:r>
-            <a:r>
-              <a:rPr lang="ko-KR" altLang="en-US" dirty="0">
-                <a:solidFill>
-                  <a:srgbClr val="202122"/>
-                </a:solidFill>
-                <a:latin typeface="Arial" panose="020B0604020202020204" pitchFamily="34" charset="0"/>
-              </a:rPr>
-              <a:t>이다</a:t>
-            </a:r>
-            <a:endParaRPr lang="ko-KR" altLang="en-US" dirty="0"/>
-          </a:p>
-        </p:txBody>
-      </p:sp>
-      <p:sp>
-        <p:nvSpPr>
-          <p:cNvPr id="6" name="직사각형 5">
-            <a:extLst>
-              <a:ext uri="{FF2B5EF4-FFF2-40B4-BE49-F238E27FC236}">
-                <a16:creationId xmlns:a16="http://schemas.microsoft.com/office/drawing/2014/main" id="{C9C2EFFA-C837-4DDB-8FB2-2DB702A39AAF}"/>
-              </a:ext>
-            </a:extLst>
-          </p:cNvPr>
-          <p:cNvSpPr/>
-          <p:nvPr/>
-        </p:nvSpPr>
-        <p:spPr>
-          <a:xfrm>
-            <a:off x="346745" y="5569545"/>
-            <a:ext cx="6096000" cy="923330"/>
-          </a:xfrm>
-          <a:prstGeom prst="rect">
-            <a:avLst/>
-          </a:prstGeom>
-        </p:spPr>
-        <p:txBody>
-          <a:bodyPr>
-            <a:spAutoFit/>
-          </a:bodyPr>
-          <a:lstStyle/>
-          <a:p>
-            <a:r>
-              <a:rPr lang="en-US" altLang="ko-KR" dirty="0">
-                <a:latin typeface="Söhne"/>
-              </a:rPr>
-              <a:t>A language model in artificial intelligence </a:t>
-            </a:r>
-            <a:r>
-              <a:rPr lang="en-US" altLang="ko-KR" dirty="0">
-                <a:highlight>
-                  <a:srgbClr val="FFFF00"/>
-                </a:highlight>
-                <a:latin typeface="Söhne"/>
-              </a:rPr>
-              <a:t>is a type of model that is trained to understand, generate, and interpret human language.</a:t>
-            </a:r>
-            <a:endParaRPr lang="ko-KR" altLang="en-US" dirty="0">
-              <a:highlight>
-                <a:srgbClr val="FFFF00"/>
-              </a:highlight>
-            </a:endParaRPr>
-          </a:p>
-        </p:txBody>
-      </p:sp>
-    </p:spTree>
-    <p:extLst>
-      <p:ext uri="{BB962C8B-B14F-4D97-AF65-F5344CB8AC3E}">
-        <p14:creationId xmlns:p14="http://schemas.microsoft.com/office/powerpoint/2010/main" val="4256480470"/>
-      </p:ext>
-    </p:extLst>
-  </p:cSld>
-  <p:clrMapOvr>
-    <a:masterClrMapping/>
-  </p:clrMapOvr>
-</p:sld>
-</file>
-
-<file path=ppt/slides/slide5.xml><?xml version="1.0" encoding="utf-8"?>
+<file path=ppt/slides/slide7.xml><?xml version="1.0" encoding="utf-8"?>
 <p:sld xmlns:a="http://schemas.openxmlformats.org/drawingml/2006/main" xmlns:r="http://schemas.openxmlformats.org/officeDocument/2006/relationships" xmlns:p="http://schemas.openxmlformats.org/presentationml/2006/main">
   <p:cSld>
     <p:spTree>
@@ -4955,10 +4438,228 @@
       </p:grpSpPr>
       <p:pic>
         <p:nvPicPr>
+          <p:cNvPr id="4098" name="Picture 2" descr="THE POWER OF NATURAL LANGUAGE PROCESSING (NLP)">
+            <a:extLst>
+              <a:ext uri="{FF2B5EF4-FFF2-40B4-BE49-F238E27FC236}">
+                <a16:creationId xmlns:a16="http://schemas.microsoft.com/office/drawing/2014/main" id="{A672B0EB-FAC6-4E90-853B-AA6BEFBDF1F2}"/>
+              </a:ext>
+            </a:extLst>
+          </p:cNvPr>
+          <p:cNvPicPr>
+            <a:picLocks noChangeAspect="1" noChangeArrowheads="1"/>
+          </p:cNvPicPr>
+          <p:nvPr/>
+        </p:nvPicPr>
+        <p:blipFill>
+          <a:blip r:embed="rId2">
+            <a:extLst>
+              <a:ext uri="{28A0092B-C50C-407E-A947-70E740481C1C}">
+                <a14:useLocalDpi xmlns:a14="http://schemas.microsoft.com/office/drawing/2010/main" val="0"/>
+              </a:ext>
+            </a:extLst>
+          </a:blip>
+          <a:srcRect/>
+          <a:stretch>
+            <a:fillRect/>
+          </a:stretch>
+        </p:blipFill>
+        <p:spPr bwMode="auto">
+          <a:xfrm>
+            <a:off x="1247775" y="0"/>
+            <a:ext cx="9696450" cy="6858000"/>
+          </a:xfrm>
+          <a:prstGeom prst="rect">
+            <a:avLst/>
+          </a:prstGeom>
+          <a:noFill/>
+          <a:extLst>
+            <a:ext uri="{909E8E84-426E-40DD-AFC4-6F175D3DCCD1}">
+              <a14:hiddenFill xmlns:a14="http://schemas.microsoft.com/office/drawing/2010/main">
+                <a:solidFill>
+                  <a:srgbClr val="FFFFFF"/>
+                </a:solidFill>
+              </a14:hiddenFill>
+            </a:ext>
+          </a:extLst>
+        </p:spPr>
+      </p:pic>
+    </p:spTree>
+    <p:extLst>
+      <p:ext uri="{BB962C8B-B14F-4D97-AF65-F5344CB8AC3E}">
+        <p14:creationId xmlns:p14="http://schemas.microsoft.com/office/powerpoint/2010/main" val="1273389811"/>
+      </p:ext>
+    </p:extLst>
+  </p:cSld>
+  <p:clrMapOvr>
+    <a:masterClrMapping/>
+  </p:clrMapOvr>
+</p:sld>
+</file>
+
+<file path=ppt/slides/slide8.xml><?xml version="1.0" encoding="utf-8"?>
+<p:sld xmlns:a="http://schemas.openxmlformats.org/drawingml/2006/main" xmlns:r="http://schemas.openxmlformats.org/officeDocument/2006/relationships" xmlns:p="http://schemas.openxmlformats.org/presentationml/2006/main">
+  <p:cSld>
+    <p:spTree>
+      <p:nvGrpSpPr>
+        <p:cNvPr id="1" name=""/>
+        <p:cNvGrpSpPr/>
+        <p:nvPr/>
+      </p:nvGrpSpPr>
+      <p:grpSpPr>
+        <a:xfrm>
+          <a:off x="0" y="0"/>
+          <a:ext cx="0" cy="0"/>
+          <a:chOff x="0" y="0"/>
+          <a:chExt cx="0" cy="0"/>
+        </a:xfrm>
+      </p:grpSpPr>
+      <p:pic>
+        <p:nvPicPr>
+          <p:cNvPr id="2052" name="Picture 4" descr="Supervised learning training data">
+            <a:extLst>
+              <a:ext uri="{FF2B5EF4-FFF2-40B4-BE49-F238E27FC236}">
+                <a16:creationId xmlns:a16="http://schemas.microsoft.com/office/drawing/2014/main" id="{365BD62D-3BEE-4B7E-B5AD-DEEE025199B3}"/>
+              </a:ext>
+            </a:extLst>
+          </p:cNvPr>
+          <p:cNvPicPr>
+            <a:picLocks noChangeAspect="1" noChangeArrowheads="1"/>
+          </p:cNvPicPr>
+          <p:nvPr/>
+        </p:nvPicPr>
+        <p:blipFill>
+          <a:blip r:embed="rId2">
+            <a:extLst>
+              <a:ext uri="{28A0092B-C50C-407E-A947-70E740481C1C}">
+                <a14:useLocalDpi xmlns:a14="http://schemas.microsoft.com/office/drawing/2010/main" val="0"/>
+              </a:ext>
+            </a:extLst>
+          </a:blip>
+          <a:srcRect/>
+          <a:stretch>
+            <a:fillRect/>
+          </a:stretch>
+        </p:blipFill>
+        <p:spPr bwMode="auto">
+          <a:xfrm>
+            <a:off x="1524000" y="43773"/>
+            <a:ext cx="9143999" cy="6814227"/>
+          </a:xfrm>
+          <a:prstGeom prst="rect">
+            <a:avLst/>
+          </a:prstGeom>
+          <a:noFill/>
+          <a:extLst>
+            <a:ext uri="{909E8E84-426E-40DD-AFC4-6F175D3DCCD1}">
+              <a14:hiddenFill xmlns:a14="http://schemas.microsoft.com/office/drawing/2010/main">
+                <a:solidFill>
+                  <a:srgbClr val="FFFFFF"/>
+                </a:solidFill>
+              </a14:hiddenFill>
+            </a:ext>
+          </a:extLst>
+        </p:spPr>
+      </p:pic>
+    </p:spTree>
+    <p:extLst>
+      <p:ext uri="{BB962C8B-B14F-4D97-AF65-F5344CB8AC3E}">
+        <p14:creationId xmlns:p14="http://schemas.microsoft.com/office/powerpoint/2010/main" val="2581452256"/>
+      </p:ext>
+    </p:extLst>
+  </p:cSld>
+  <p:clrMapOvr>
+    <a:masterClrMapping/>
+  </p:clrMapOvr>
+</p:sld>
+</file>
+
+<file path=ppt/slides/slide9.xml><?xml version="1.0" encoding="utf-8"?>
+<p:sld xmlns:a="http://schemas.openxmlformats.org/drawingml/2006/main" xmlns:r="http://schemas.openxmlformats.org/officeDocument/2006/relationships" xmlns:p="http://schemas.openxmlformats.org/presentationml/2006/main">
+  <p:cSld>
+    <p:spTree>
+      <p:nvGrpSpPr>
+        <p:cNvPr id="1" name=""/>
+        <p:cNvGrpSpPr/>
+        <p:nvPr/>
+      </p:nvGrpSpPr>
+      <p:grpSpPr>
+        <a:xfrm>
+          <a:off x="0" y="0"/>
+          <a:ext cx="0" cy="0"/>
+          <a:chOff x="0" y="0"/>
+          <a:chExt cx="0" cy="0"/>
+        </a:xfrm>
+      </p:grpSpPr>
+      <p:sp>
+        <p:nvSpPr>
+          <p:cNvPr id="2" name="제목 1">
+            <a:extLst>
+              <a:ext uri="{FF2B5EF4-FFF2-40B4-BE49-F238E27FC236}">
+                <a16:creationId xmlns:a16="http://schemas.microsoft.com/office/drawing/2014/main" id="{F57B0A47-B9CD-4FFA-89E5-78C66529B0A1}"/>
+              </a:ext>
+            </a:extLst>
+          </p:cNvPr>
+          <p:cNvSpPr>
+            <a:spLocks noGrp="1"/>
+          </p:cNvSpPr>
+          <p:nvPr>
+            <p:ph type="title"/>
+          </p:nvPr>
+        </p:nvSpPr>
+        <p:spPr/>
+        <p:txBody>
+          <a:bodyPr/>
+          <a:lstStyle/>
+          <a:p>
+            <a:r>
+              <a:rPr lang="en-US" altLang="ko-KR" dirty="0">
+                <a:hlinkClick r:id="rId2"/>
+              </a:rPr>
+              <a:t>Natural Language Processing</a:t>
+            </a:r>
+            <a:endParaRPr lang="ko-KR" altLang="en-US" dirty="0"/>
+          </a:p>
+        </p:txBody>
+      </p:sp>
+      <p:sp>
+        <p:nvSpPr>
+          <p:cNvPr id="3" name="내용 개체 틀 2">
+            <a:extLst>
+              <a:ext uri="{FF2B5EF4-FFF2-40B4-BE49-F238E27FC236}">
+                <a16:creationId xmlns:a16="http://schemas.microsoft.com/office/drawing/2014/main" id="{EFC5DA8C-1000-4BD7-A423-247F8827DDF5}"/>
+              </a:ext>
+            </a:extLst>
+          </p:cNvPr>
+          <p:cNvSpPr>
+            <a:spLocks noGrp="1"/>
+          </p:cNvSpPr>
+          <p:nvPr>
+            <p:ph idx="1"/>
+          </p:nvPr>
+        </p:nvSpPr>
+        <p:spPr/>
+        <p:txBody>
+          <a:bodyPr>
+            <a:normAutofit/>
+          </a:bodyPr>
+          <a:lstStyle/>
+          <a:p>
+            <a:r>
+              <a:rPr lang="en-US" altLang="ko-KR" sz="2400" dirty="0">
+                <a:hlinkClick r:id="rId2"/>
+              </a:rPr>
+              <a:t>Natural Language Processing (NLP) [A Complete Guide] (deeplearning.ai)</a:t>
+            </a:r>
+            <a:endParaRPr lang="ko-KR" altLang="en-US" sz="2400" dirty="0"/>
+          </a:p>
+        </p:txBody>
+      </p:sp>
+      <p:pic>
+        <p:nvPicPr>
           <p:cNvPr id="4" name="그림 3">
             <a:extLst>
               <a:ext uri="{FF2B5EF4-FFF2-40B4-BE49-F238E27FC236}">
-                <a16:creationId xmlns:a16="http://schemas.microsoft.com/office/drawing/2014/main" id="{4EEF4CBC-70BB-4CF7-A8E7-D9CAACE47D53}"/>
+                <a16:creationId xmlns:a16="http://schemas.microsoft.com/office/drawing/2014/main" id="{3C44C756-8A92-4D9A-BF05-06AE2786961F}"/>
               </a:ext>
             </a:extLst>
           </p:cNvPr>
@@ -4968,15 +4669,15 @@
           <p:nvPr/>
         </p:nvPicPr>
         <p:blipFill>
-          <a:blip r:embed="rId2"/>
+          <a:blip r:embed="rId3"/>
           <a:stretch>
             <a:fillRect/>
           </a:stretch>
         </p:blipFill>
         <p:spPr>
           <a:xfrm>
-            <a:off x="1962150" y="52387"/>
-            <a:ext cx="8267700" cy="6753225"/>
+            <a:off x="3690937" y="2778125"/>
+            <a:ext cx="4810125" cy="3714750"/>
           </a:xfrm>
           <a:prstGeom prst="rect">
             <a:avLst/>
@@ -4986,7 +4687,7 @@
     </p:spTree>
     <p:extLst>
       <p:ext uri="{BB962C8B-B14F-4D97-AF65-F5344CB8AC3E}">
-        <p14:creationId xmlns:p14="http://schemas.microsoft.com/office/powerpoint/2010/main" val="1894296648"/>
+        <p14:creationId xmlns:p14="http://schemas.microsoft.com/office/powerpoint/2010/main" val="96469733"/>
       </p:ext>
     </p:extLst>
   </p:cSld>

--- a/AI_05_LLM large language mosels.pptx
+++ b/AI_05_LLM large language mosels.pptx
@@ -5,15 +5,26 @@
     <p:sldMasterId id="2147483648" r:id="rId1"/>
   </p:sldMasterIdLst>
   <p:sldIdLst>
-    <p:sldId id="356" r:id="rId2"/>
-    <p:sldId id="357" r:id="rId3"/>
-    <p:sldId id="358" r:id="rId4"/>
-    <p:sldId id="275" r:id="rId5"/>
-    <p:sldId id="351" r:id="rId6"/>
-    <p:sldId id="353" r:id="rId7"/>
-    <p:sldId id="359" r:id="rId8"/>
-    <p:sldId id="355" r:id="rId9"/>
-    <p:sldId id="360" r:id="rId10"/>
+    <p:sldId id="367" r:id="rId2"/>
+    <p:sldId id="349" r:id="rId3"/>
+    <p:sldId id="359" r:id="rId4"/>
+    <p:sldId id="276" r:id="rId5"/>
+    <p:sldId id="297" r:id="rId6"/>
+    <p:sldId id="357" r:id="rId7"/>
+    <p:sldId id="363" r:id="rId8"/>
+    <p:sldId id="364" r:id="rId9"/>
+    <p:sldId id="365" r:id="rId10"/>
+    <p:sldId id="362" r:id="rId11"/>
+    <p:sldId id="358" r:id="rId12"/>
+    <p:sldId id="366" r:id="rId13"/>
+    <p:sldId id="354" r:id="rId14"/>
+    <p:sldId id="351" r:id="rId15"/>
+    <p:sldId id="275" r:id="rId16"/>
+    <p:sldId id="356" r:id="rId17"/>
+    <p:sldId id="361" r:id="rId18"/>
+    <p:sldId id="355" r:id="rId19"/>
+    <p:sldId id="353" r:id="rId20"/>
+    <p:sldId id="360" r:id="rId21"/>
   </p:sldIdLst>
   <p:sldSz cx="12192000" cy="6858000"/>
   <p:notesSz cx="6858000" cy="9144000"/>
@@ -267,7 +278,7 @@
           <a:p>
             <a:fld id="{67A46350-8085-47BA-B09D-FF4137AFE6B1}" type="datetimeFigureOut">
               <a:rPr lang="ko-KR" altLang="en-US" smtClean="0"/>
-              <a:t>2023-07-16</a:t>
+              <a:t>2023-07-20</a:t>
             </a:fld>
             <a:endParaRPr lang="ko-KR" altLang="en-US"/>
           </a:p>
@@ -465,7 +476,7 @@
           <a:p>
             <a:fld id="{67A46350-8085-47BA-B09D-FF4137AFE6B1}" type="datetimeFigureOut">
               <a:rPr lang="ko-KR" altLang="en-US" smtClean="0"/>
-              <a:t>2023-07-16</a:t>
+              <a:t>2023-07-20</a:t>
             </a:fld>
             <a:endParaRPr lang="ko-KR" altLang="en-US"/>
           </a:p>
@@ -673,7 +684,7 @@
           <a:p>
             <a:fld id="{67A46350-8085-47BA-B09D-FF4137AFE6B1}" type="datetimeFigureOut">
               <a:rPr lang="ko-KR" altLang="en-US" smtClean="0"/>
-              <a:t>2023-07-16</a:t>
+              <a:t>2023-07-20</a:t>
             </a:fld>
             <a:endParaRPr lang="ko-KR" altLang="en-US"/>
           </a:p>
@@ -871,7 +882,7 @@
           <a:p>
             <a:fld id="{67A46350-8085-47BA-B09D-FF4137AFE6B1}" type="datetimeFigureOut">
               <a:rPr lang="ko-KR" altLang="en-US" smtClean="0"/>
-              <a:t>2023-07-16</a:t>
+              <a:t>2023-07-20</a:t>
             </a:fld>
             <a:endParaRPr lang="ko-KR" altLang="en-US"/>
           </a:p>
@@ -1146,7 +1157,7 @@
           <a:p>
             <a:fld id="{67A46350-8085-47BA-B09D-FF4137AFE6B1}" type="datetimeFigureOut">
               <a:rPr lang="ko-KR" altLang="en-US" smtClean="0"/>
-              <a:t>2023-07-16</a:t>
+              <a:t>2023-07-20</a:t>
             </a:fld>
             <a:endParaRPr lang="ko-KR" altLang="en-US"/>
           </a:p>
@@ -1411,7 +1422,7 @@
           <a:p>
             <a:fld id="{67A46350-8085-47BA-B09D-FF4137AFE6B1}" type="datetimeFigureOut">
               <a:rPr lang="ko-KR" altLang="en-US" smtClean="0"/>
-              <a:t>2023-07-16</a:t>
+              <a:t>2023-07-20</a:t>
             </a:fld>
             <a:endParaRPr lang="ko-KR" altLang="en-US"/>
           </a:p>
@@ -1823,7 +1834,7 @@
           <a:p>
             <a:fld id="{67A46350-8085-47BA-B09D-FF4137AFE6B1}" type="datetimeFigureOut">
               <a:rPr lang="ko-KR" altLang="en-US" smtClean="0"/>
-              <a:t>2023-07-16</a:t>
+              <a:t>2023-07-20</a:t>
             </a:fld>
             <a:endParaRPr lang="ko-KR" altLang="en-US"/>
           </a:p>
@@ -1964,7 +1975,7 @@
           <a:p>
             <a:fld id="{67A46350-8085-47BA-B09D-FF4137AFE6B1}" type="datetimeFigureOut">
               <a:rPr lang="ko-KR" altLang="en-US" smtClean="0"/>
-              <a:t>2023-07-16</a:t>
+              <a:t>2023-07-20</a:t>
             </a:fld>
             <a:endParaRPr lang="ko-KR" altLang="en-US"/>
           </a:p>
@@ -2077,7 +2088,7 @@
           <a:p>
             <a:fld id="{67A46350-8085-47BA-B09D-FF4137AFE6B1}" type="datetimeFigureOut">
               <a:rPr lang="ko-KR" altLang="en-US" smtClean="0"/>
-              <a:t>2023-07-16</a:t>
+              <a:t>2023-07-20</a:t>
             </a:fld>
             <a:endParaRPr lang="ko-KR" altLang="en-US"/>
           </a:p>
@@ -2388,7 +2399,7 @@
           <a:p>
             <a:fld id="{67A46350-8085-47BA-B09D-FF4137AFE6B1}" type="datetimeFigureOut">
               <a:rPr lang="ko-KR" altLang="en-US" smtClean="0"/>
-              <a:t>2023-07-16</a:t>
+              <a:t>2023-07-20</a:t>
             </a:fld>
             <a:endParaRPr lang="ko-KR" altLang="en-US"/>
           </a:p>
@@ -2676,7 +2687,7 @@
           <a:p>
             <a:fld id="{67A46350-8085-47BA-B09D-FF4137AFE6B1}" type="datetimeFigureOut">
               <a:rPr lang="ko-KR" altLang="en-US" smtClean="0"/>
-              <a:t>2023-07-16</a:t>
+              <a:t>2023-07-20</a:t>
             </a:fld>
             <a:endParaRPr lang="ko-KR" altLang="en-US"/>
           </a:p>
@@ -2917,7 +2928,7 @@
           <a:p>
             <a:fld id="{67A46350-8085-47BA-B09D-FF4137AFE6B1}" type="datetimeFigureOut">
               <a:rPr lang="ko-KR" altLang="en-US" smtClean="0"/>
-              <a:t>2023-07-16</a:t>
+              <a:t>2023-07-20</a:t>
             </a:fld>
             <a:endParaRPr lang="ko-KR" altLang="en-US"/>
           </a:p>
@@ -3336,28 +3347,49 @@
       </p:grpSpPr>
       <p:sp>
         <p:nvSpPr>
-          <p:cNvPr id="2" name="제목 1">
-            <a:extLst>
-              <a:ext uri="{FF2B5EF4-FFF2-40B4-BE49-F238E27FC236}">
-                <a16:creationId xmlns:a16="http://schemas.microsoft.com/office/drawing/2014/main" id="{45990E47-D086-495A-AFE5-34DF7A0A7051}"/>
-              </a:ext>
-            </a:extLst>
-          </p:cNvPr>
-          <p:cNvSpPr>
-            <a:spLocks noGrp="1"/>
-          </p:cNvSpPr>
-          <p:nvPr>
-            <p:ph type="title"/>
-          </p:nvPr>
+          <p:cNvPr id="4" name="직사각형 3">
+            <a:extLst>
+              <a:ext uri="{FF2B5EF4-FFF2-40B4-BE49-F238E27FC236}">
+                <a16:creationId xmlns:a16="http://schemas.microsoft.com/office/drawing/2014/main" id="{03369733-1D7A-413E-ACA1-18D6B4C2A308}"/>
+              </a:ext>
+            </a:extLst>
+          </p:cNvPr>
+          <p:cNvSpPr/>
+          <p:nvPr/>
         </p:nvSpPr>
-        <p:spPr/>
+        <p:spPr>
+          <a:xfrm>
+            <a:off x="3102220" y="1138601"/>
+            <a:ext cx="1776046" cy="465993"/>
+          </a:xfrm>
+          <a:prstGeom prst="rect">
+            <a:avLst/>
+          </a:prstGeom>
+        </p:spPr>
+        <p:style>
+          <a:lnRef idx="2">
+            <a:schemeClr val="accent1">
+              <a:shade val="50000"/>
+            </a:schemeClr>
+          </a:lnRef>
+          <a:fillRef idx="1">
+            <a:schemeClr val="accent1"/>
+          </a:fillRef>
+          <a:effectRef idx="0">
+            <a:schemeClr val="accent1"/>
+          </a:effectRef>
+          <a:fontRef idx="minor">
+            <a:schemeClr val="lt1"/>
+          </a:fontRef>
+        </p:style>
         <p:txBody>
-          <a:bodyPr/>
+          <a:bodyPr rtlCol="0" anchor="ctr"/>
           <a:lstStyle/>
           <a:p>
+            <a:pPr algn="ctr"/>
             <a:r>
               <a:rPr lang="en-US" altLang="ko-KR" dirty="0"/>
-              <a:t>Model</a:t>
+              <a:t>DeepMind</a:t>
             </a:r>
             <a:endParaRPr lang="ko-KR" altLang="en-US" dirty="0"/>
           </a:p>
@@ -3365,191 +3397,1422 @@
       </p:sp>
       <p:sp>
         <p:nvSpPr>
-          <p:cNvPr id="3" name="내용 개체 틀 2">
-            <a:extLst>
-              <a:ext uri="{FF2B5EF4-FFF2-40B4-BE49-F238E27FC236}">
-                <a16:creationId xmlns:a16="http://schemas.microsoft.com/office/drawing/2014/main" id="{7A923A82-D339-4AE8-8374-5B356065A9AC}"/>
-              </a:ext>
-            </a:extLst>
-          </p:cNvPr>
-          <p:cNvSpPr>
-            <a:spLocks noGrp="1"/>
-          </p:cNvSpPr>
-          <p:nvPr>
-            <p:ph idx="1"/>
-          </p:nvPr>
+          <p:cNvPr id="5" name="직사각형 4">
+            <a:extLst>
+              <a:ext uri="{FF2B5EF4-FFF2-40B4-BE49-F238E27FC236}">
+                <a16:creationId xmlns:a16="http://schemas.microsoft.com/office/drawing/2014/main" id="{245D836C-C39E-4F72-B375-9C83FAF66733}"/>
+              </a:ext>
+            </a:extLst>
+          </p:cNvPr>
+          <p:cNvSpPr/>
+          <p:nvPr/>
         </p:nvSpPr>
         <p:spPr>
           <a:xfrm>
-            <a:off x="838199" y="1825625"/>
-            <a:ext cx="10705051" cy="4351338"/>
+            <a:off x="6048061" y="3550607"/>
+            <a:ext cx="1776046" cy="465993"/>
           </a:xfrm>
+          <a:prstGeom prst="rect">
+            <a:avLst/>
+          </a:prstGeom>
+        </p:spPr>
+        <p:style>
+          <a:lnRef idx="2">
+            <a:schemeClr val="accent1">
+              <a:shade val="50000"/>
+            </a:schemeClr>
+          </a:lnRef>
+          <a:fillRef idx="1">
+            <a:schemeClr val="accent1"/>
+          </a:fillRef>
+          <a:effectRef idx="0">
+            <a:schemeClr val="accent1"/>
+          </a:effectRef>
+          <a:fontRef idx="minor">
+            <a:schemeClr val="lt1"/>
+          </a:fontRef>
+        </p:style>
+        <p:txBody>
+          <a:bodyPr rtlCol="0" anchor="ctr"/>
+          <a:lstStyle/>
+          <a:p>
+            <a:pPr algn="ctr"/>
+            <a:r>
+              <a:rPr lang="en-US" altLang="ko-KR" dirty="0" err="1"/>
+              <a:t>OpenAI</a:t>
+            </a:r>
+            <a:endParaRPr lang="ko-KR" altLang="en-US" dirty="0"/>
+          </a:p>
+        </p:txBody>
+      </p:sp>
+      <p:sp>
+        <p:nvSpPr>
+          <p:cNvPr id="6" name="직사각형 5">
+            <a:extLst>
+              <a:ext uri="{FF2B5EF4-FFF2-40B4-BE49-F238E27FC236}">
+                <a16:creationId xmlns:a16="http://schemas.microsoft.com/office/drawing/2014/main" id="{FBA80506-C03E-4F5E-AE7A-6E84588FC2BB}"/>
+              </a:ext>
+            </a:extLst>
+          </p:cNvPr>
+          <p:cNvSpPr/>
+          <p:nvPr/>
+        </p:nvSpPr>
+        <p:spPr>
+          <a:xfrm>
+            <a:off x="1337066" y="2696348"/>
+            <a:ext cx="2003236" cy="465993"/>
+          </a:xfrm>
+          <a:prstGeom prst="rect">
+            <a:avLst/>
+          </a:prstGeom>
+        </p:spPr>
+        <p:style>
+          <a:lnRef idx="2">
+            <a:schemeClr val="accent1">
+              <a:shade val="50000"/>
+            </a:schemeClr>
+          </a:lnRef>
+          <a:fillRef idx="1">
+            <a:schemeClr val="accent1"/>
+          </a:fillRef>
+          <a:effectRef idx="0">
+            <a:schemeClr val="accent1"/>
+          </a:effectRef>
+          <a:fontRef idx="minor">
+            <a:schemeClr val="lt1"/>
+          </a:fontRef>
+        </p:style>
+        <p:txBody>
+          <a:bodyPr rtlCol="0" anchor="ctr"/>
+          <a:lstStyle/>
+          <a:p>
+            <a:pPr algn="ctr"/>
+            <a:r>
+              <a:rPr lang="en-US" altLang="ko-KR" dirty="0"/>
+              <a:t>Google</a:t>
+            </a:r>
+            <a:endParaRPr lang="ko-KR" altLang="en-US" dirty="0"/>
+          </a:p>
+        </p:txBody>
+      </p:sp>
+      <p:sp>
+        <p:nvSpPr>
+          <p:cNvPr id="7" name="직사각형 6">
+            <a:extLst>
+              <a:ext uri="{FF2B5EF4-FFF2-40B4-BE49-F238E27FC236}">
+                <a16:creationId xmlns:a16="http://schemas.microsoft.com/office/drawing/2014/main" id="{BDB979B4-8A25-4203-8101-D96E9A448E4C}"/>
+              </a:ext>
+            </a:extLst>
+          </p:cNvPr>
+          <p:cNvSpPr/>
+          <p:nvPr/>
+        </p:nvSpPr>
+        <p:spPr>
+          <a:xfrm>
+            <a:off x="9127295" y="4213406"/>
+            <a:ext cx="1776046" cy="465993"/>
+          </a:xfrm>
+          <a:prstGeom prst="rect">
+            <a:avLst/>
+          </a:prstGeom>
+        </p:spPr>
+        <p:style>
+          <a:lnRef idx="2">
+            <a:schemeClr val="accent1">
+              <a:shade val="50000"/>
+            </a:schemeClr>
+          </a:lnRef>
+          <a:fillRef idx="1">
+            <a:schemeClr val="accent1"/>
+          </a:fillRef>
+          <a:effectRef idx="0">
+            <a:schemeClr val="accent1"/>
+          </a:effectRef>
+          <a:fontRef idx="minor">
+            <a:schemeClr val="lt1"/>
+          </a:fontRef>
+        </p:style>
+        <p:txBody>
+          <a:bodyPr rtlCol="0" anchor="ctr"/>
+          <a:lstStyle/>
+          <a:p>
+            <a:pPr algn="ctr"/>
+            <a:r>
+              <a:rPr lang="en-US" altLang="ko-KR" dirty="0"/>
+              <a:t>Twitter</a:t>
+            </a:r>
+            <a:endParaRPr lang="ko-KR" altLang="en-US" dirty="0"/>
+          </a:p>
+        </p:txBody>
+      </p:sp>
+      <p:sp>
+        <p:nvSpPr>
+          <p:cNvPr id="8" name="직사각형 7">
+            <a:extLst>
+              <a:ext uri="{FF2B5EF4-FFF2-40B4-BE49-F238E27FC236}">
+                <a16:creationId xmlns:a16="http://schemas.microsoft.com/office/drawing/2014/main" id="{A498E37E-BB49-4460-B7EA-E28B30712481}"/>
+              </a:ext>
+            </a:extLst>
+          </p:cNvPr>
+          <p:cNvSpPr/>
+          <p:nvPr/>
+        </p:nvSpPr>
+        <p:spPr>
+          <a:xfrm>
+            <a:off x="5080908" y="5116703"/>
+            <a:ext cx="1776046" cy="465993"/>
+          </a:xfrm>
+          <a:prstGeom prst="rect">
+            <a:avLst/>
+          </a:prstGeom>
+        </p:spPr>
+        <p:style>
+          <a:lnRef idx="2">
+            <a:schemeClr val="accent1">
+              <a:shade val="50000"/>
+            </a:schemeClr>
+          </a:lnRef>
+          <a:fillRef idx="1">
+            <a:schemeClr val="accent1"/>
+          </a:fillRef>
+          <a:effectRef idx="0">
+            <a:schemeClr val="accent1"/>
+          </a:effectRef>
+          <a:fontRef idx="minor">
+            <a:schemeClr val="lt1"/>
+          </a:fontRef>
+        </p:style>
+        <p:txBody>
+          <a:bodyPr rtlCol="0" anchor="ctr"/>
+          <a:lstStyle/>
+          <a:p>
+            <a:pPr algn="ctr"/>
+            <a:r>
+              <a:rPr lang="en-US" altLang="ko-KR" dirty="0"/>
+              <a:t>Microsoft</a:t>
+            </a:r>
+            <a:endParaRPr lang="ko-KR" altLang="en-US" dirty="0"/>
+          </a:p>
+        </p:txBody>
+      </p:sp>
+      <p:sp>
+        <p:nvSpPr>
+          <p:cNvPr id="9" name="직사각형 8">
+            <a:extLst>
+              <a:ext uri="{FF2B5EF4-FFF2-40B4-BE49-F238E27FC236}">
+                <a16:creationId xmlns:a16="http://schemas.microsoft.com/office/drawing/2014/main" id="{5BE0D7D7-C452-4BC9-8AF6-BE4A4DF1FB4C}"/>
+              </a:ext>
+            </a:extLst>
+          </p:cNvPr>
+          <p:cNvSpPr/>
+          <p:nvPr/>
+        </p:nvSpPr>
+        <p:spPr>
+          <a:xfrm>
+            <a:off x="9192359" y="6069621"/>
+            <a:ext cx="1776046" cy="465993"/>
+          </a:xfrm>
+          <a:prstGeom prst="rect">
+            <a:avLst/>
+          </a:prstGeom>
+        </p:spPr>
+        <p:style>
+          <a:lnRef idx="2">
+            <a:schemeClr val="accent6">
+              <a:shade val="50000"/>
+            </a:schemeClr>
+          </a:lnRef>
+          <a:fillRef idx="1">
+            <a:schemeClr val="accent6"/>
+          </a:fillRef>
+          <a:effectRef idx="0">
+            <a:schemeClr val="accent6"/>
+          </a:effectRef>
+          <a:fontRef idx="minor">
+            <a:schemeClr val="lt1"/>
+          </a:fontRef>
+        </p:style>
+        <p:txBody>
+          <a:bodyPr rtlCol="0" anchor="ctr"/>
+          <a:lstStyle/>
+          <a:p>
+            <a:pPr algn="ctr"/>
+            <a:r>
+              <a:rPr lang="en-US" altLang="ko-KR" dirty="0"/>
+              <a:t>x.AI</a:t>
+            </a:r>
+            <a:endParaRPr lang="ko-KR" altLang="en-US" dirty="0"/>
+          </a:p>
+        </p:txBody>
+      </p:sp>
+      <p:sp>
+        <p:nvSpPr>
+          <p:cNvPr id="11" name="직사각형 10">
+            <a:extLst>
+              <a:ext uri="{FF2B5EF4-FFF2-40B4-BE49-F238E27FC236}">
+                <a16:creationId xmlns:a16="http://schemas.microsoft.com/office/drawing/2014/main" id="{49E4D080-F9BE-4251-B85A-35E27D82A95B}"/>
+              </a:ext>
+            </a:extLst>
+          </p:cNvPr>
+          <p:cNvSpPr/>
+          <p:nvPr/>
+        </p:nvSpPr>
+        <p:spPr>
+          <a:xfrm>
+            <a:off x="1282810" y="6069621"/>
+            <a:ext cx="2003236" cy="465993"/>
+          </a:xfrm>
+          <a:prstGeom prst="rect">
+            <a:avLst/>
+          </a:prstGeom>
+        </p:spPr>
+        <p:style>
+          <a:lnRef idx="2">
+            <a:schemeClr val="accent6">
+              <a:shade val="50000"/>
+            </a:schemeClr>
+          </a:lnRef>
+          <a:fillRef idx="1">
+            <a:schemeClr val="accent6"/>
+          </a:fillRef>
+          <a:effectRef idx="0">
+            <a:schemeClr val="accent6"/>
+          </a:effectRef>
+          <a:fontRef idx="minor">
+            <a:schemeClr val="lt1"/>
+          </a:fontRef>
+        </p:style>
+        <p:txBody>
+          <a:bodyPr rtlCol="0" anchor="ctr"/>
+          <a:lstStyle/>
+          <a:p>
+            <a:pPr algn="ctr"/>
+            <a:r>
+              <a:rPr lang="en-US" altLang="ko-KR" dirty="0"/>
+              <a:t>Bard</a:t>
+            </a:r>
+            <a:endParaRPr lang="ko-KR" altLang="en-US" dirty="0"/>
+          </a:p>
+        </p:txBody>
+      </p:sp>
+      <p:sp>
+        <p:nvSpPr>
+          <p:cNvPr id="12" name="화살표: 아래쪽 11">
+            <a:extLst>
+              <a:ext uri="{FF2B5EF4-FFF2-40B4-BE49-F238E27FC236}">
+                <a16:creationId xmlns:a16="http://schemas.microsoft.com/office/drawing/2014/main" id="{36325DDE-FD8F-4C26-A222-8EF91BA62528}"/>
+              </a:ext>
+            </a:extLst>
+          </p:cNvPr>
+          <p:cNvSpPr/>
+          <p:nvPr/>
+        </p:nvSpPr>
+        <p:spPr>
+          <a:xfrm>
+            <a:off x="2214392" y="3237724"/>
+            <a:ext cx="110196" cy="2714669"/>
+          </a:xfrm>
+          <a:prstGeom prst="downArrow">
+            <a:avLst/>
+          </a:prstGeom>
+        </p:spPr>
+        <p:style>
+          <a:lnRef idx="2">
+            <a:schemeClr val="accent1">
+              <a:shade val="50000"/>
+            </a:schemeClr>
+          </a:lnRef>
+          <a:fillRef idx="1">
+            <a:schemeClr val="accent1"/>
+          </a:fillRef>
+          <a:effectRef idx="0">
+            <a:schemeClr val="accent1"/>
+          </a:effectRef>
+          <a:fontRef idx="minor">
+            <a:schemeClr val="lt1"/>
+          </a:fontRef>
+        </p:style>
+        <p:txBody>
+          <a:bodyPr rtlCol="0" anchor="ctr"/>
+          <a:lstStyle/>
+          <a:p>
+            <a:pPr algn="ctr"/>
+            <a:endParaRPr lang="ko-KR" altLang="en-US"/>
+          </a:p>
+        </p:txBody>
+      </p:sp>
+      <p:sp>
+        <p:nvSpPr>
+          <p:cNvPr id="13" name="화살표: 아래쪽 12">
+            <a:extLst>
+              <a:ext uri="{FF2B5EF4-FFF2-40B4-BE49-F238E27FC236}">
+                <a16:creationId xmlns:a16="http://schemas.microsoft.com/office/drawing/2014/main" id="{07AE824B-2982-4608-9147-BE3EA27E4191}"/>
+              </a:ext>
+            </a:extLst>
+          </p:cNvPr>
+          <p:cNvSpPr/>
+          <p:nvPr/>
+        </p:nvSpPr>
+        <p:spPr>
+          <a:xfrm flipH="1">
+            <a:off x="5881824" y="5538811"/>
+            <a:ext cx="110195" cy="435563"/>
+          </a:xfrm>
+          <a:prstGeom prst="downArrow">
+            <a:avLst/>
+          </a:prstGeom>
+        </p:spPr>
+        <p:style>
+          <a:lnRef idx="2">
+            <a:schemeClr val="accent1">
+              <a:shade val="50000"/>
+            </a:schemeClr>
+          </a:lnRef>
+          <a:fillRef idx="1">
+            <a:schemeClr val="accent1"/>
+          </a:fillRef>
+          <a:effectRef idx="0">
+            <a:schemeClr val="accent1"/>
+          </a:effectRef>
+          <a:fontRef idx="minor">
+            <a:schemeClr val="lt1"/>
+          </a:fontRef>
+        </p:style>
+        <p:txBody>
+          <a:bodyPr rtlCol="0" anchor="ctr"/>
+          <a:lstStyle/>
+          <a:p>
+            <a:pPr algn="ctr"/>
+            <a:endParaRPr lang="ko-KR" altLang="en-US"/>
+          </a:p>
+        </p:txBody>
+      </p:sp>
+      <p:sp>
+        <p:nvSpPr>
+          <p:cNvPr id="14" name="화살표: 아래쪽 13">
+            <a:extLst>
+              <a:ext uri="{FF2B5EF4-FFF2-40B4-BE49-F238E27FC236}">
+                <a16:creationId xmlns:a16="http://schemas.microsoft.com/office/drawing/2014/main" id="{5BB53BAA-BB8E-49AC-AF67-486BE119BDBA}"/>
+              </a:ext>
+            </a:extLst>
+          </p:cNvPr>
+          <p:cNvSpPr/>
+          <p:nvPr/>
+        </p:nvSpPr>
+        <p:spPr>
+          <a:xfrm>
+            <a:off x="9960220" y="4760401"/>
+            <a:ext cx="110197" cy="1213973"/>
+          </a:xfrm>
+          <a:prstGeom prst="downArrow">
+            <a:avLst/>
+          </a:prstGeom>
+        </p:spPr>
+        <p:style>
+          <a:lnRef idx="2">
+            <a:schemeClr val="accent1">
+              <a:shade val="50000"/>
+            </a:schemeClr>
+          </a:lnRef>
+          <a:fillRef idx="1">
+            <a:schemeClr val="accent1"/>
+          </a:fillRef>
+          <a:effectRef idx="0">
+            <a:schemeClr val="accent1"/>
+          </a:effectRef>
+          <a:fontRef idx="minor">
+            <a:schemeClr val="lt1"/>
+          </a:fontRef>
+        </p:style>
+        <p:txBody>
+          <a:bodyPr rtlCol="0" anchor="ctr"/>
+          <a:lstStyle/>
+          <a:p>
+            <a:pPr algn="ctr"/>
+            <a:endParaRPr lang="ko-KR" altLang="en-US"/>
+          </a:p>
+        </p:txBody>
+      </p:sp>
+      <p:sp>
+        <p:nvSpPr>
+          <p:cNvPr id="15" name="직사각형 14">
+            <a:extLst>
+              <a:ext uri="{FF2B5EF4-FFF2-40B4-BE49-F238E27FC236}">
+                <a16:creationId xmlns:a16="http://schemas.microsoft.com/office/drawing/2014/main" id="{3C00BB09-1286-4653-AA31-39352FD3209D}"/>
+              </a:ext>
+            </a:extLst>
+          </p:cNvPr>
+          <p:cNvSpPr/>
+          <p:nvPr/>
+        </p:nvSpPr>
+        <p:spPr>
+          <a:xfrm>
+            <a:off x="9552843" y="141375"/>
+            <a:ext cx="2089638" cy="461665"/>
+          </a:xfrm>
+          <a:prstGeom prst="rect">
+            <a:avLst/>
+          </a:prstGeom>
         </p:spPr>
         <p:txBody>
-          <a:bodyPr>
-            <a:normAutofit/>
+          <a:bodyPr wrap="square">
+            <a:spAutoFit/>
           </a:bodyPr>
           <a:lstStyle/>
           <a:p>
-            <a:br>
-              <a:rPr lang="en-US" altLang="ko-KR" dirty="0"/>
-            </a:br>
-            <a:r>
-              <a:rPr lang="en-US" altLang="ko-KR" sz="1050" dirty="0"/>
-              <a:t>Sure. In artificial intelligence (AI), </a:t>
-            </a:r>
-          </a:p>
-          <a:p>
-            <a:pPr marL="0" indent="0">
-              <a:buNone/>
-            </a:pPr>
-            <a:r>
-              <a:rPr lang="en-US" altLang="ko-KR" sz="1050" dirty="0">
-                <a:highlight>
-                  <a:srgbClr val="FFFF00"/>
-                </a:highlight>
-              </a:rPr>
-              <a:t>   </a:t>
-            </a:r>
-            <a:r>
-              <a:rPr lang="en-US" altLang="ko-KR" sz="1100" dirty="0">
-                <a:highlight>
-                  <a:srgbClr val="FFFF00"/>
-                </a:highlight>
-              </a:rPr>
-              <a:t>a model is a </a:t>
-            </a:r>
-            <a:r>
-              <a:rPr lang="en-US" altLang="ko-KR" sz="3600" dirty="0">
-                <a:highlight>
-                  <a:srgbClr val="FFFF00"/>
-                </a:highlight>
-              </a:rPr>
-              <a:t>mathematical representation </a:t>
-            </a:r>
-            <a:r>
-              <a:rPr lang="en-US" altLang="ko-KR" sz="1200" dirty="0">
-                <a:highlight>
-                  <a:srgbClr val="FFFF00"/>
-                </a:highlight>
-              </a:rPr>
-              <a:t>of a real-world system</a:t>
-            </a:r>
-            <a:r>
-              <a:rPr lang="en-US" altLang="ko-KR" sz="2000" dirty="0"/>
-              <a:t>. </a:t>
-            </a:r>
-          </a:p>
-          <a:p>
-            <a:pPr marL="0" indent="0">
-              <a:buNone/>
-            </a:pPr>
-            <a:r>
-              <a:rPr lang="en-US" altLang="ko-KR" sz="1050" dirty="0"/>
-              <a:t>Models are used to make predictions about the behavior of the system, and they can also be used to control the system.</a:t>
-            </a:r>
-          </a:p>
-          <a:p>
-            <a:r>
-              <a:rPr lang="en-US" altLang="ko-KR" sz="1050" dirty="0"/>
-              <a:t>There are many different types of models in AI, including:</a:t>
-            </a:r>
-          </a:p>
-          <a:p>
-            <a:pPr lvl="1"/>
-            <a:r>
-              <a:rPr lang="en-US" altLang="ko-KR" sz="900" dirty="0">
-                <a:highlight>
-                  <a:srgbClr val="FFFF00"/>
-                </a:highlight>
-              </a:rPr>
-              <a:t>Statistical models </a:t>
-            </a:r>
-            <a:r>
-              <a:rPr lang="en-US" altLang="ko-KR" sz="900" dirty="0"/>
-              <a:t>are based on statistical data, and they are used to make predictions about future events. For example, a statistical model could be used to predict the weather or the stock market.</a:t>
-            </a:r>
-          </a:p>
-          <a:p>
-            <a:pPr lvl="1"/>
-            <a:r>
-              <a:rPr lang="en-US" altLang="ko-KR" sz="1050" dirty="0">
-                <a:highlight>
-                  <a:srgbClr val="FFFF00"/>
-                </a:highlight>
-              </a:rPr>
-              <a:t>Neural networks </a:t>
-            </a:r>
-            <a:r>
-              <a:rPr lang="en-US" altLang="ko-KR" sz="900" dirty="0"/>
-              <a:t>are inspired by the human brain, and they are used to learn complex relationships between data. For example, a neural network could be used to recognize objects in images or to translate languages.</a:t>
-            </a:r>
-          </a:p>
-          <a:p>
-            <a:pPr lvl="1"/>
-            <a:r>
-              <a:rPr lang="en-US" altLang="ko-KR" sz="900" dirty="0">
-                <a:highlight>
-                  <a:srgbClr val="FFFF00"/>
-                </a:highlight>
-              </a:rPr>
-              <a:t>Rule-based models </a:t>
-            </a:r>
-            <a:r>
-              <a:rPr lang="en-US" altLang="ko-KR" sz="900" dirty="0"/>
-              <a:t>are based on a set of rules, and they are used to make decisions based on those rules. For example, a rule-based model could be used to determine whether a loan application should be approved or denied.</a:t>
-            </a:r>
-          </a:p>
-          <a:p>
-            <a:r>
-              <a:rPr lang="en-US" altLang="ko-KR" sz="1050" dirty="0"/>
-              <a:t>Models are used in a wide variety of AI applications, including:</a:t>
-            </a:r>
-          </a:p>
-          <a:p>
-            <a:pPr lvl="1"/>
-            <a:r>
-              <a:rPr lang="en-US" altLang="ko-KR" sz="900" dirty="0"/>
+            <a:pPr fontAlgn="ctr"/>
+            <a:r>
+              <a:rPr lang="en-US" altLang="ko-KR" sz="1200" dirty="0"/>
+              <a:t>Artificial Intelligence 1950</a:t>
+            </a:r>
+          </a:p>
+          <a:p>
+            <a:pPr fontAlgn="ctr"/>
+            <a:r>
+              <a:rPr lang="en-US" altLang="ko-KR" sz="1200" dirty="0"/>
               <a:t>Machine learning</a:t>
             </a:r>
-          </a:p>
-          <a:p>
-            <a:pPr lvl="1"/>
-            <a:r>
-              <a:rPr lang="en-US" altLang="ko-KR" sz="900" dirty="0"/>
-              <a:t>Natural language processing</a:t>
-            </a:r>
-          </a:p>
-          <a:p>
-            <a:pPr lvl="1"/>
-            <a:r>
-              <a:rPr lang="en-US" altLang="ko-KR" sz="900" dirty="0"/>
-              <a:t>Computer vision</a:t>
-            </a:r>
-          </a:p>
-          <a:p>
-            <a:pPr lvl="1"/>
-            <a:r>
-              <a:rPr lang="en-US" altLang="ko-KR" sz="900" dirty="0"/>
-              <a:t>Robotics</a:t>
-            </a:r>
-          </a:p>
-          <a:p>
-            <a:pPr lvl="1"/>
-            <a:r>
-              <a:rPr lang="en-US" altLang="ko-KR" sz="900" dirty="0"/>
-              <a:t>Game playing</a:t>
-            </a:r>
-          </a:p>
-          <a:p>
-            <a:endParaRPr lang="ko-KR" altLang="en-US" dirty="0"/>
+            <a:endParaRPr lang="ko-KR" altLang="ko-KR" sz="1200" dirty="0"/>
           </a:p>
         </p:txBody>
       </p:sp>
+      <p:sp>
+        <p:nvSpPr>
+          <p:cNvPr id="16" name="직사각형 15">
+            <a:extLst>
+              <a:ext uri="{FF2B5EF4-FFF2-40B4-BE49-F238E27FC236}">
+                <a16:creationId xmlns:a16="http://schemas.microsoft.com/office/drawing/2014/main" id="{E830D79E-A797-4A05-8B8B-BC871E442459}"/>
+              </a:ext>
+            </a:extLst>
+          </p:cNvPr>
+          <p:cNvSpPr/>
+          <p:nvPr/>
+        </p:nvSpPr>
+        <p:spPr>
+          <a:xfrm>
+            <a:off x="517282" y="141374"/>
+            <a:ext cx="1485900" cy="646331"/>
+          </a:xfrm>
+          <a:prstGeom prst="rect">
+            <a:avLst/>
+          </a:prstGeom>
+        </p:spPr>
+        <p:txBody>
+          <a:bodyPr wrap="square">
+            <a:spAutoFit/>
+          </a:bodyPr>
+          <a:lstStyle/>
+          <a:p>
+            <a:pPr fontAlgn="ctr"/>
+            <a:r>
+              <a:rPr lang="en-US" altLang="ko-KR" sz="1200" dirty="0"/>
+              <a:t>Perceptron 1957</a:t>
+            </a:r>
+          </a:p>
+          <a:p>
+            <a:pPr fontAlgn="ctr"/>
+            <a:r>
+              <a:rPr lang="en-US" altLang="ko-KR" sz="1200" dirty="0"/>
+              <a:t>Neural Networks</a:t>
+            </a:r>
+          </a:p>
+          <a:p>
+            <a:pPr fontAlgn="ctr"/>
+            <a:r>
+              <a:rPr lang="en-US" altLang="ko-KR" sz="1200" dirty="0"/>
+              <a:t>Deep Learning</a:t>
+            </a:r>
+            <a:endParaRPr lang="ko-KR" altLang="ko-KR" sz="1200" dirty="0"/>
+          </a:p>
+        </p:txBody>
+      </p:sp>
+      <p:sp>
+        <p:nvSpPr>
+          <p:cNvPr id="17" name="직사각형 16">
+            <a:extLst>
+              <a:ext uri="{FF2B5EF4-FFF2-40B4-BE49-F238E27FC236}">
+                <a16:creationId xmlns:a16="http://schemas.microsoft.com/office/drawing/2014/main" id="{7EC89886-ED40-4857-BB29-0AB80DB7038F}"/>
+              </a:ext>
+            </a:extLst>
+          </p:cNvPr>
+          <p:cNvSpPr/>
+          <p:nvPr/>
+        </p:nvSpPr>
+        <p:spPr>
+          <a:xfrm>
+            <a:off x="4831374" y="1116619"/>
+            <a:ext cx="2089638" cy="276999"/>
+          </a:xfrm>
+          <a:prstGeom prst="rect">
+            <a:avLst/>
+          </a:prstGeom>
+        </p:spPr>
+        <p:txBody>
+          <a:bodyPr wrap="square">
+            <a:spAutoFit/>
+          </a:bodyPr>
+          <a:lstStyle/>
+          <a:p>
+            <a:pPr fontAlgn="ctr"/>
+            <a:r>
+              <a:rPr lang="en-US" altLang="ko-KR" sz="1200" dirty="0"/>
+              <a:t>2010</a:t>
+            </a:r>
+            <a:endParaRPr lang="ko-KR" altLang="ko-KR" sz="1200" dirty="0"/>
+          </a:p>
+        </p:txBody>
+      </p:sp>
+      <p:sp>
+        <p:nvSpPr>
+          <p:cNvPr id="18" name="직사각형 17">
+            <a:extLst>
+              <a:ext uri="{FF2B5EF4-FFF2-40B4-BE49-F238E27FC236}">
+                <a16:creationId xmlns:a16="http://schemas.microsoft.com/office/drawing/2014/main" id="{D34D4612-5C2F-4C32-B23A-F4337EBAC3D4}"/>
+              </a:ext>
+            </a:extLst>
+          </p:cNvPr>
+          <p:cNvSpPr/>
+          <p:nvPr/>
+        </p:nvSpPr>
+        <p:spPr>
+          <a:xfrm>
+            <a:off x="7824107" y="3506604"/>
+            <a:ext cx="2089638" cy="276999"/>
+          </a:xfrm>
+          <a:prstGeom prst="rect">
+            <a:avLst/>
+          </a:prstGeom>
+        </p:spPr>
+        <p:txBody>
+          <a:bodyPr wrap="square">
+            <a:spAutoFit/>
+          </a:bodyPr>
+          <a:lstStyle/>
+          <a:p>
+            <a:pPr fontAlgn="ctr"/>
+            <a:r>
+              <a:rPr lang="en-US" altLang="ko-KR" sz="1200" dirty="0"/>
+              <a:t>2015 Elon Musk</a:t>
+            </a:r>
+            <a:endParaRPr lang="ko-KR" altLang="ko-KR" sz="1200" dirty="0"/>
+          </a:p>
+        </p:txBody>
+      </p:sp>
+      <p:cxnSp>
+        <p:nvCxnSpPr>
+          <p:cNvPr id="21" name="직선 화살표 연결선 20">
+            <a:extLst>
+              <a:ext uri="{FF2B5EF4-FFF2-40B4-BE49-F238E27FC236}">
+                <a16:creationId xmlns:a16="http://schemas.microsoft.com/office/drawing/2014/main" id="{4DD736BC-91DD-4B3A-A874-7D45FA6A0896}"/>
+              </a:ext>
+            </a:extLst>
+          </p:cNvPr>
+          <p:cNvCxnSpPr/>
+          <p:nvPr/>
+        </p:nvCxnSpPr>
+        <p:spPr>
+          <a:xfrm>
+            <a:off x="1800959" y="668215"/>
+            <a:ext cx="1301261" cy="448404"/>
+          </a:xfrm>
+          <a:prstGeom prst="straightConnector1">
+            <a:avLst/>
+          </a:prstGeom>
+          <a:ln>
+            <a:tailEnd type="triangle"/>
+          </a:ln>
+        </p:spPr>
+        <p:style>
+          <a:lnRef idx="1">
+            <a:schemeClr val="accent1"/>
+          </a:lnRef>
+          <a:fillRef idx="0">
+            <a:schemeClr val="accent1"/>
+          </a:fillRef>
+          <a:effectRef idx="0">
+            <a:schemeClr val="accent1"/>
+          </a:effectRef>
+          <a:fontRef idx="minor">
+            <a:schemeClr val="tx1"/>
+          </a:fontRef>
+        </p:style>
+      </p:cxnSp>
+      <p:cxnSp>
+        <p:nvCxnSpPr>
+          <p:cNvPr id="23" name="직선 화살표 연결선 22">
+            <a:extLst>
+              <a:ext uri="{FF2B5EF4-FFF2-40B4-BE49-F238E27FC236}">
+                <a16:creationId xmlns:a16="http://schemas.microsoft.com/office/drawing/2014/main" id="{5A7A9F46-158B-498A-BB4C-0C874FF01FA6}"/>
+              </a:ext>
+            </a:extLst>
+          </p:cNvPr>
+          <p:cNvCxnSpPr/>
+          <p:nvPr/>
+        </p:nvCxnSpPr>
+        <p:spPr>
+          <a:xfrm flipH="1">
+            <a:off x="5370636" y="372207"/>
+            <a:ext cx="4097215" cy="882911"/>
+          </a:xfrm>
+          <a:prstGeom prst="straightConnector1">
+            <a:avLst/>
+          </a:prstGeom>
+          <a:ln>
+            <a:tailEnd type="triangle"/>
+          </a:ln>
+        </p:spPr>
+        <p:style>
+          <a:lnRef idx="1">
+            <a:schemeClr val="accent1"/>
+          </a:lnRef>
+          <a:fillRef idx="0">
+            <a:schemeClr val="accent1"/>
+          </a:fillRef>
+          <a:effectRef idx="0">
+            <a:schemeClr val="accent1"/>
+          </a:effectRef>
+          <a:fontRef idx="minor">
+            <a:schemeClr val="tx1"/>
+          </a:fontRef>
+        </p:style>
+      </p:cxnSp>
+      <p:cxnSp>
+        <p:nvCxnSpPr>
+          <p:cNvPr id="25" name="직선 화살표 연결선 24">
+            <a:extLst>
+              <a:ext uri="{FF2B5EF4-FFF2-40B4-BE49-F238E27FC236}">
+                <a16:creationId xmlns:a16="http://schemas.microsoft.com/office/drawing/2014/main" id="{68A9CB02-02DE-4919-BBE2-B56B18653480}"/>
+              </a:ext>
+            </a:extLst>
+          </p:cNvPr>
+          <p:cNvCxnSpPr>
+            <a:cxnSpLocks/>
+          </p:cNvCxnSpPr>
+          <p:nvPr/>
+        </p:nvCxnSpPr>
+        <p:spPr>
+          <a:xfrm flipH="1">
+            <a:off x="7217559" y="372207"/>
+            <a:ext cx="2250293" cy="3116542"/>
+          </a:xfrm>
+          <a:prstGeom prst="straightConnector1">
+            <a:avLst/>
+          </a:prstGeom>
+          <a:ln>
+            <a:tailEnd type="triangle"/>
+          </a:ln>
+        </p:spPr>
+        <p:style>
+          <a:lnRef idx="1">
+            <a:schemeClr val="accent1"/>
+          </a:lnRef>
+          <a:fillRef idx="0">
+            <a:schemeClr val="accent1"/>
+          </a:fillRef>
+          <a:effectRef idx="0">
+            <a:schemeClr val="accent1"/>
+          </a:effectRef>
+          <a:fontRef idx="minor">
+            <a:schemeClr val="tx1"/>
+          </a:fontRef>
+        </p:style>
+      </p:cxnSp>
+      <p:cxnSp>
+        <p:nvCxnSpPr>
+          <p:cNvPr id="27" name="직선 화살표 연결선 26">
+            <a:extLst>
+              <a:ext uri="{FF2B5EF4-FFF2-40B4-BE49-F238E27FC236}">
+                <a16:creationId xmlns:a16="http://schemas.microsoft.com/office/drawing/2014/main" id="{0700923C-D9AA-448F-99ED-A1B07805DCA9}"/>
+              </a:ext>
+            </a:extLst>
+          </p:cNvPr>
+          <p:cNvCxnSpPr>
+            <a:cxnSpLocks/>
+          </p:cNvCxnSpPr>
+          <p:nvPr/>
+        </p:nvCxnSpPr>
+        <p:spPr>
+          <a:xfrm flipH="1">
+            <a:off x="2451589" y="1179660"/>
+            <a:ext cx="1781798" cy="1434367"/>
+          </a:xfrm>
+          <a:prstGeom prst="straightConnector1">
+            <a:avLst/>
+          </a:prstGeom>
+          <a:ln>
+            <a:tailEnd type="triangle"/>
+          </a:ln>
+        </p:spPr>
+        <p:style>
+          <a:lnRef idx="1">
+            <a:schemeClr val="accent1"/>
+          </a:lnRef>
+          <a:fillRef idx="0">
+            <a:schemeClr val="accent1"/>
+          </a:fillRef>
+          <a:effectRef idx="0">
+            <a:schemeClr val="accent1"/>
+          </a:effectRef>
+          <a:fontRef idx="minor">
+            <a:schemeClr val="tx1"/>
+          </a:fontRef>
+        </p:style>
+      </p:cxnSp>
+      <p:sp>
+        <p:nvSpPr>
+          <p:cNvPr id="28" name="직사각형 27">
+            <a:extLst>
+              <a:ext uri="{FF2B5EF4-FFF2-40B4-BE49-F238E27FC236}">
+                <a16:creationId xmlns:a16="http://schemas.microsoft.com/office/drawing/2014/main" id="{8977EC8D-1637-4A5F-945D-EAB04B0F25F5}"/>
+              </a:ext>
+            </a:extLst>
+          </p:cNvPr>
+          <p:cNvSpPr/>
+          <p:nvPr/>
+        </p:nvSpPr>
+        <p:spPr>
+          <a:xfrm>
+            <a:off x="3300434" y="2614027"/>
+            <a:ext cx="2089638" cy="276999"/>
+          </a:xfrm>
+          <a:prstGeom prst="rect">
+            <a:avLst/>
+          </a:prstGeom>
+        </p:spPr>
+        <p:txBody>
+          <a:bodyPr wrap="square">
+            <a:spAutoFit/>
+          </a:bodyPr>
+          <a:lstStyle/>
+          <a:p>
+            <a:pPr fontAlgn="ctr"/>
+            <a:r>
+              <a:rPr lang="en-US" altLang="ko-KR" sz="1200" dirty="0"/>
+              <a:t>2014</a:t>
+            </a:r>
+            <a:endParaRPr lang="ko-KR" altLang="ko-KR" sz="1200" dirty="0"/>
+          </a:p>
+        </p:txBody>
+      </p:sp>
+      <p:cxnSp>
+        <p:nvCxnSpPr>
+          <p:cNvPr id="31" name="직선 화살표 연결선 30">
+            <a:extLst>
+              <a:ext uri="{FF2B5EF4-FFF2-40B4-BE49-F238E27FC236}">
+                <a16:creationId xmlns:a16="http://schemas.microsoft.com/office/drawing/2014/main" id="{0E810A58-7F50-47E8-A343-D97CF574995D}"/>
+              </a:ext>
+            </a:extLst>
+          </p:cNvPr>
+          <p:cNvCxnSpPr>
+            <a:cxnSpLocks/>
+          </p:cNvCxnSpPr>
+          <p:nvPr/>
+        </p:nvCxnSpPr>
+        <p:spPr>
+          <a:xfrm flipH="1">
+            <a:off x="5968931" y="4111435"/>
+            <a:ext cx="746374" cy="961857"/>
+          </a:xfrm>
+          <a:prstGeom prst="straightConnector1">
+            <a:avLst/>
+          </a:prstGeom>
+          <a:ln>
+            <a:tailEnd type="triangle"/>
+          </a:ln>
+        </p:spPr>
+        <p:style>
+          <a:lnRef idx="1">
+            <a:schemeClr val="accent1"/>
+          </a:lnRef>
+          <a:fillRef idx="0">
+            <a:schemeClr val="accent1"/>
+          </a:fillRef>
+          <a:effectRef idx="0">
+            <a:schemeClr val="accent1"/>
+          </a:effectRef>
+          <a:fontRef idx="minor">
+            <a:schemeClr val="tx1"/>
+          </a:fontRef>
+        </p:style>
+      </p:cxnSp>
+      <p:sp>
+        <p:nvSpPr>
+          <p:cNvPr id="37" name="직사각형 36">
+            <a:extLst>
+              <a:ext uri="{FF2B5EF4-FFF2-40B4-BE49-F238E27FC236}">
+                <a16:creationId xmlns:a16="http://schemas.microsoft.com/office/drawing/2014/main" id="{F83B3876-916C-460C-9D11-CBAB94DA5B33}"/>
+              </a:ext>
+            </a:extLst>
+          </p:cNvPr>
+          <p:cNvSpPr/>
+          <p:nvPr/>
+        </p:nvSpPr>
+        <p:spPr>
+          <a:xfrm>
+            <a:off x="787622" y="3929332"/>
+            <a:ext cx="1485899" cy="646331"/>
+          </a:xfrm>
+          <a:prstGeom prst="rect">
+            <a:avLst/>
+          </a:prstGeom>
+        </p:spPr>
+        <p:txBody>
+          <a:bodyPr wrap="square">
+            <a:spAutoFit/>
+          </a:bodyPr>
+          <a:lstStyle/>
+          <a:p>
+            <a:pPr algn="r" fontAlgn="ctr"/>
+            <a:r>
+              <a:rPr lang="en-US" altLang="ko-KR" sz="1200" dirty="0"/>
+              <a:t>AlphaGo 2016</a:t>
+            </a:r>
+          </a:p>
+          <a:p>
+            <a:pPr algn="r" fontAlgn="ctr"/>
+            <a:r>
+              <a:rPr lang="en-US" altLang="ko-KR" sz="1200" dirty="0" err="1"/>
+              <a:t>AlphaZero</a:t>
+            </a:r>
+            <a:r>
+              <a:rPr lang="en-US" altLang="ko-KR" sz="1200" dirty="0"/>
+              <a:t> 2017</a:t>
+            </a:r>
+          </a:p>
+          <a:p>
+            <a:pPr algn="r" fontAlgn="ctr"/>
+            <a:endParaRPr lang="en-US" altLang="ko-KR" sz="1200" dirty="0"/>
+          </a:p>
+        </p:txBody>
+      </p:sp>
+      <p:cxnSp>
+        <p:nvCxnSpPr>
+          <p:cNvPr id="39" name="직선 화살표 연결선 38">
+            <a:extLst>
+              <a:ext uri="{FF2B5EF4-FFF2-40B4-BE49-F238E27FC236}">
+                <a16:creationId xmlns:a16="http://schemas.microsoft.com/office/drawing/2014/main" id="{9B062B3C-FC24-43BA-9029-6D61C690D5AE}"/>
+              </a:ext>
+            </a:extLst>
+          </p:cNvPr>
+          <p:cNvCxnSpPr>
+            <a:cxnSpLocks/>
+          </p:cNvCxnSpPr>
+          <p:nvPr/>
+        </p:nvCxnSpPr>
+        <p:spPr>
+          <a:xfrm flipV="1">
+            <a:off x="3637149" y="4838266"/>
+            <a:ext cx="2410912" cy="3074"/>
+          </a:xfrm>
+          <a:prstGeom prst="straightConnector1">
+            <a:avLst/>
+          </a:prstGeom>
+          <a:ln>
+            <a:tailEnd type="triangle"/>
+          </a:ln>
+        </p:spPr>
+        <p:style>
+          <a:lnRef idx="1">
+            <a:schemeClr val="accent1"/>
+          </a:lnRef>
+          <a:fillRef idx="0">
+            <a:schemeClr val="accent1"/>
+          </a:fillRef>
+          <a:effectRef idx="0">
+            <a:schemeClr val="accent1"/>
+          </a:effectRef>
+          <a:fontRef idx="minor">
+            <a:schemeClr val="tx1"/>
+          </a:fontRef>
+        </p:style>
+      </p:cxnSp>
+      <p:sp>
+        <p:nvSpPr>
+          <p:cNvPr id="40" name="직사각형 39">
+            <a:extLst>
+              <a:ext uri="{FF2B5EF4-FFF2-40B4-BE49-F238E27FC236}">
+                <a16:creationId xmlns:a16="http://schemas.microsoft.com/office/drawing/2014/main" id="{825166AF-0B64-462F-BCF9-201E29A6571A}"/>
+              </a:ext>
+            </a:extLst>
+          </p:cNvPr>
+          <p:cNvSpPr/>
+          <p:nvPr/>
+        </p:nvSpPr>
+        <p:spPr>
+          <a:xfrm>
+            <a:off x="5144966" y="6069621"/>
+            <a:ext cx="1776046" cy="465993"/>
+          </a:xfrm>
+          <a:prstGeom prst="rect">
+            <a:avLst/>
+          </a:prstGeom>
+        </p:spPr>
+        <p:style>
+          <a:lnRef idx="2">
+            <a:schemeClr val="accent6">
+              <a:shade val="50000"/>
+            </a:schemeClr>
+          </a:lnRef>
+          <a:fillRef idx="1">
+            <a:schemeClr val="accent6"/>
+          </a:fillRef>
+          <a:effectRef idx="0">
+            <a:schemeClr val="accent6"/>
+          </a:effectRef>
+          <a:fontRef idx="minor">
+            <a:schemeClr val="lt1"/>
+          </a:fontRef>
+        </p:style>
+        <p:txBody>
+          <a:bodyPr rtlCol="0" anchor="ctr"/>
+          <a:lstStyle/>
+          <a:p>
+            <a:pPr algn="ctr"/>
+            <a:r>
+              <a:rPr lang="en-US" altLang="ko-KR" dirty="0"/>
+              <a:t>chat GPT</a:t>
+            </a:r>
+            <a:endParaRPr lang="ko-KR" altLang="en-US" dirty="0"/>
+          </a:p>
+        </p:txBody>
+      </p:sp>
+      <p:sp>
+        <p:nvSpPr>
+          <p:cNvPr id="42" name="직사각형 41">
+            <a:extLst>
+              <a:ext uri="{FF2B5EF4-FFF2-40B4-BE49-F238E27FC236}">
+                <a16:creationId xmlns:a16="http://schemas.microsoft.com/office/drawing/2014/main" id="{8202A562-20DB-43B3-93EC-CC2969CAA740}"/>
+              </a:ext>
+            </a:extLst>
+          </p:cNvPr>
+          <p:cNvSpPr/>
+          <p:nvPr/>
+        </p:nvSpPr>
+        <p:spPr>
+          <a:xfrm>
+            <a:off x="3286046" y="6063263"/>
+            <a:ext cx="595489" cy="277000"/>
+          </a:xfrm>
+          <a:prstGeom prst="rect">
+            <a:avLst/>
+          </a:prstGeom>
+        </p:spPr>
+        <p:txBody>
+          <a:bodyPr wrap="square">
+            <a:spAutoFit/>
+          </a:bodyPr>
+          <a:lstStyle/>
+          <a:p>
+            <a:pPr fontAlgn="ctr"/>
+            <a:r>
+              <a:rPr lang="en-US" altLang="ko-KR" sz="1200" dirty="0"/>
+              <a:t>2023</a:t>
+            </a:r>
+            <a:endParaRPr lang="ko-KR" altLang="ko-KR" sz="1200" dirty="0"/>
+          </a:p>
+        </p:txBody>
+      </p:sp>
+      <p:cxnSp>
+        <p:nvCxnSpPr>
+          <p:cNvPr id="51" name="직선 화살표 연결선 50">
+            <a:extLst>
+              <a:ext uri="{FF2B5EF4-FFF2-40B4-BE49-F238E27FC236}">
+                <a16:creationId xmlns:a16="http://schemas.microsoft.com/office/drawing/2014/main" id="{49C9CCF0-7756-4A04-B369-EA4D4AD2BB62}"/>
+              </a:ext>
+            </a:extLst>
+          </p:cNvPr>
+          <p:cNvCxnSpPr>
+            <a:cxnSpLocks/>
+          </p:cNvCxnSpPr>
+          <p:nvPr/>
+        </p:nvCxnSpPr>
+        <p:spPr>
+          <a:xfrm>
+            <a:off x="9127295" y="3744961"/>
+            <a:ext cx="888023" cy="377399"/>
+          </a:xfrm>
+          <a:prstGeom prst="straightConnector1">
+            <a:avLst/>
+          </a:prstGeom>
+          <a:ln>
+            <a:tailEnd type="triangle"/>
+          </a:ln>
+        </p:spPr>
+        <p:style>
+          <a:lnRef idx="1">
+            <a:schemeClr val="accent1"/>
+          </a:lnRef>
+          <a:fillRef idx="0">
+            <a:schemeClr val="accent1"/>
+          </a:fillRef>
+          <a:effectRef idx="0">
+            <a:schemeClr val="accent1"/>
+          </a:effectRef>
+          <a:fontRef idx="minor">
+            <a:schemeClr val="tx1"/>
+          </a:fontRef>
+        </p:style>
+      </p:cxnSp>
+      <p:sp>
+        <p:nvSpPr>
+          <p:cNvPr id="52" name="직사각형 51">
+            <a:extLst>
+              <a:ext uri="{FF2B5EF4-FFF2-40B4-BE49-F238E27FC236}">
+                <a16:creationId xmlns:a16="http://schemas.microsoft.com/office/drawing/2014/main" id="{955EF9FE-3CB4-43A5-BDEA-5613EF01D8F8}"/>
+              </a:ext>
+            </a:extLst>
+          </p:cNvPr>
+          <p:cNvSpPr/>
+          <p:nvPr/>
+        </p:nvSpPr>
+        <p:spPr>
+          <a:xfrm>
+            <a:off x="2209745" y="4702465"/>
+            <a:ext cx="1404231" cy="276999"/>
+          </a:xfrm>
+          <a:prstGeom prst="rect">
+            <a:avLst/>
+          </a:prstGeom>
+        </p:spPr>
+        <p:txBody>
+          <a:bodyPr wrap="none">
+            <a:spAutoFit/>
+          </a:bodyPr>
+          <a:lstStyle/>
+          <a:p>
+            <a:pPr algn="r" fontAlgn="ctr"/>
+            <a:r>
+              <a:rPr lang="en-US" altLang="ko-KR" sz="1200" dirty="0">
+                <a:effectLst>
+                  <a:outerShdw blurRad="38100" dist="38100" dir="2700000" algn="tl">
+                    <a:srgbClr val="000000">
+                      <a:alpha val="43137"/>
+                    </a:srgbClr>
+                  </a:outerShdw>
+                </a:effectLst>
+              </a:rPr>
+              <a:t>Transformer 2018</a:t>
+            </a:r>
+            <a:endParaRPr lang="ko-KR" altLang="ko-KR" sz="1200" dirty="0">
+              <a:effectLst>
+                <a:outerShdw blurRad="38100" dist="38100" dir="2700000" algn="tl">
+                  <a:srgbClr val="000000">
+                    <a:alpha val="43137"/>
+                  </a:srgbClr>
+                </a:outerShdw>
+              </a:effectLst>
+            </a:endParaRPr>
+          </a:p>
+        </p:txBody>
+      </p:sp>
+      <p:sp>
+        <p:nvSpPr>
+          <p:cNvPr id="65" name="직사각형 64">
+            <a:extLst>
+              <a:ext uri="{FF2B5EF4-FFF2-40B4-BE49-F238E27FC236}">
+                <a16:creationId xmlns:a16="http://schemas.microsoft.com/office/drawing/2014/main" id="{9F17BBE1-DB2B-4F29-8BC5-135C4159FB8A}"/>
+              </a:ext>
+            </a:extLst>
+          </p:cNvPr>
+          <p:cNvSpPr/>
+          <p:nvPr/>
+        </p:nvSpPr>
+        <p:spPr>
+          <a:xfrm>
+            <a:off x="3241610" y="1868186"/>
+            <a:ext cx="2007281" cy="276999"/>
+          </a:xfrm>
+          <a:prstGeom prst="rect">
+            <a:avLst/>
+          </a:prstGeom>
+        </p:spPr>
+        <p:txBody>
+          <a:bodyPr wrap="none">
+            <a:spAutoFit/>
+          </a:bodyPr>
+          <a:lstStyle/>
+          <a:p>
+            <a:r>
+              <a:rPr lang="en-US" altLang="ko-KR" sz="1200" dirty="0"/>
+              <a:t>ImageNet Challenge 2012</a:t>
+            </a:r>
+            <a:endParaRPr lang="ko-KR" altLang="en-US" sz="1200" dirty="0"/>
+          </a:p>
+        </p:txBody>
+      </p:sp>
+      <p:sp>
+        <p:nvSpPr>
+          <p:cNvPr id="32" name="직사각형 31">
+            <a:extLst>
+              <a:ext uri="{FF2B5EF4-FFF2-40B4-BE49-F238E27FC236}">
+                <a16:creationId xmlns:a16="http://schemas.microsoft.com/office/drawing/2014/main" id="{2388F914-7DF8-410C-BB50-B4EA486C2634}"/>
+              </a:ext>
+            </a:extLst>
+          </p:cNvPr>
+          <p:cNvSpPr/>
+          <p:nvPr/>
+        </p:nvSpPr>
+        <p:spPr>
+          <a:xfrm>
+            <a:off x="6833958" y="5073292"/>
+            <a:ext cx="2089638" cy="276999"/>
+          </a:xfrm>
+          <a:prstGeom prst="rect">
+            <a:avLst/>
+          </a:prstGeom>
+        </p:spPr>
+        <p:txBody>
+          <a:bodyPr wrap="square">
+            <a:spAutoFit/>
+          </a:bodyPr>
+          <a:lstStyle/>
+          <a:p>
+            <a:pPr fontAlgn="ctr"/>
+            <a:r>
+              <a:rPr lang="en-US" altLang="ko-KR" sz="1200" dirty="0"/>
+              <a:t>2019</a:t>
+            </a:r>
+            <a:endParaRPr lang="ko-KR" altLang="ko-KR" sz="1200" dirty="0"/>
+          </a:p>
+        </p:txBody>
+      </p:sp>
+      <p:sp>
+        <p:nvSpPr>
+          <p:cNvPr id="36" name="직사각형 35">
+            <a:extLst>
+              <a:ext uri="{FF2B5EF4-FFF2-40B4-BE49-F238E27FC236}">
+                <a16:creationId xmlns:a16="http://schemas.microsoft.com/office/drawing/2014/main" id="{F15E46D8-D6D3-428B-8C6C-EDE6070DCF18}"/>
+              </a:ext>
+            </a:extLst>
+          </p:cNvPr>
+          <p:cNvSpPr/>
+          <p:nvPr/>
+        </p:nvSpPr>
+        <p:spPr>
+          <a:xfrm>
+            <a:off x="2238276" y="3550747"/>
+            <a:ext cx="1352165" cy="276999"/>
+          </a:xfrm>
+          <a:prstGeom prst="rect">
+            <a:avLst/>
+          </a:prstGeom>
+        </p:spPr>
+        <p:txBody>
+          <a:bodyPr wrap="none">
+            <a:spAutoFit/>
+          </a:bodyPr>
+          <a:lstStyle/>
+          <a:p>
+            <a:pPr algn="r" fontAlgn="ctr"/>
+            <a:r>
+              <a:rPr lang="en-US" altLang="ko-KR" sz="1200" dirty="0">
+                <a:effectLst>
+                  <a:outerShdw blurRad="38100" dist="38100" dir="2700000" algn="tl">
+                    <a:srgbClr val="000000">
+                      <a:alpha val="43137"/>
+                    </a:srgbClr>
+                  </a:outerShdw>
+                </a:effectLst>
+              </a:rPr>
+              <a:t>TensorFlow 2015</a:t>
+            </a:r>
+            <a:endParaRPr lang="ko-KR" altLang="ko-KR" sz="1200" dirty="0">
+              <a:effectLst>
+                <a:outerShdw blurRad="38100" dist="38100" dir="2700000" algn="tl">
+                  <a:srgbClr val="000000">
+                    <a:alpha val="43137"/>
+                  </a:srgbClr>
+                </a:outerShdw>
+              </a:effectLst>
+            </a:endParaRPr>
+          </a:p>
+        </p:txBody>
+      </p:sp>
+      <p:sp>
+        <p:nvSpPr>
+          <p:cNvPr id="43" name="직사각형 42">
+            <a:extLst>
+              <a:ext uri="{FF2B5EF4-FFF2-40B4-BE49-F238E27FC236}">
+                <a16:creationId xmlns:a16="http://schemas.microsoft.com/office/drawing/2014/main" id="{5B47F0F9-5A22-4381-A238-6C4747582A2D}"/>
+              </a:ext>
+            </a:extLst>
+          </p:cNvPr>
+          <p:cNvSpPr/>
+          <p:nvPr/>
+        </p:nvSpPr>
+        <p:spPr>
+          <a:xfrm>
+            <a:off x="10903341" y="4169402"/>
+            <a:ext cx="595489" cy="276999"/>
+          </a:xfrm>
+          <a:prstGeom prst="rect">
+            <a:avLst/>
+          </a:prstGeom>
+        </p:spPr>
+        <p:txBody>
+          <a:bodyPr wrap="square">
+            <a:spAutoFit/>
+          </a:bodyPr>
+          <a:lstStyle/>
+          <a:p>
+            <a:pPr fontAlgn="ctr"/>
+            <a:r>
+              <a:rPr lang="en-US" altLang="ko-KR" sz="1200" dirty="0"/>
+              <a:t>2021</a:t>
+            </a:r>
+            <a:endParaRPr lang="ko-KR" altLang="ko-KR" sz="1200" dirty="0"/>
+          </a:p>
+        </p:txBody>
+      </p:sp>
+      <p:sp>
+        <p:nvSpPr>
+          <p:cNvPr id="44" name="직사각형 43">
+            <a:extLst>
+              <a:ext uri="{FF2B5EF4-FFF2-40B4-BE49-F238E27FC236}">
+                <a16:creationId xmlns:a16="http://schemas.microsoft.com/office/drawing/2014/main" id="{AC19CD2C-CC17-49C6-9F88-D16CF4F93BD6}"/>
+              </a:ext>
+            </a:extLst>
+          </p:cNvPr>
+          <p:cNvSpPr/>
+          <p:nvPr/>
+        </p:nvSpPr>
+        <p:spPr>
+          <a:xfrm>
+            <a:off x="10980846" y="6025617"/>
+            <a:ext cx="595489" cy="277000"/>
+          </a:xfrm>
+          <a:prstGeom prst="rect">
+            <a:avLst/>
+          </a:prstGeom>
+        </p:spPr>
+        <p:txBody>
+          <a:bodyPr wrap="square">
+            <a:spAutoFit/>
+          </a:bodyPr>
+          <a:lstStyle/>
+          <a:p>
+            <a:pPr fontAlgn="ctr"/>
+            <a:r>
+              <a:rPr lang="en-US" altLang="ko-KR" sz="1200" dirty="0"/>
+              <a:t>2023</a:t>
+            </a:r>
+            <a:endParaRPr lang="ko-KR" altLang="ko-KR" sz="1200" dirty="0"/>
+          </a:p>
+        </p:txBody>
+      </p:sp>
+      <p:sp>
+        <p:nvSpPr>
+          <p:cNvPr id="45" name="직사각형 44">
+            <a:extLst>
+              <a:ext uri="{FF2B5EF4-FFF2-40B4-BE49-F238E27FC236}">
+                <a16:creationId xmlns:a16="http://schemas.microsoft.com/office/drawing/2014/main" id="{1A57F181-8FB9-4176-A058-C6F4E09C78B9}"/>
+              </a:ext>
+            </a:extLst>
+          </p:cNvPr>
+          <p:cNvSpPr/>
+          <p:nvPr/>
+        </p:nvSpPr>
+        <p:spPr>
+          <a:xfrm>
+            <a:off x="6933453" y="6025617"/>
+            <a:ext cx="2089638" cy="276999"/>
+          </a:xfrm>
+          <a:prstGeom prst="rect">
+            <a:avLst/>
+          </a:prstGeom>
+        </p:spPr>
+        <p:txBody>
+          <a:bodyPr wrap="square">
+            <a:spAutoFit/>
+          </a:bodyPr>
+          <a:lstStyle/>
+          <a:p>
+            <a:pPr fontAlgn="ctr"/>
+            <a:r>
+              <a:rPr lang="en-US" altLang="ko-KR" sz="1200" dirty="0"/>
+              <a:t>2018~</a:t>
+            </a:r>
+            <a:endParaRPr lang="ko-KR" altLang="ko-KR" sz="1200" dirty="0"/>
+          </a:p>
+        </p:txBody>
+      </p:sp>
+      <p:cxnSp>
+        <p:nvCxnSpPr>
+          <p:cNvPr id="29" name="직선 화살표 연결선 28">
+            <a:extLst>
+              <a:ext uri="{FF2B5EF4-FFF2-40B4-BE49-F238E27FC236}">
+                <a16:creationId xmlns:a16="http://schemas.microsoft.com/office/drawing/2014/main" id="{E7B1D185-59CB-4F9F-AA9B-D807A7C14FEC}"/>
+              </a:ext>
+            </a:extLst>
+          </p:cNvPr>
+          <p:cNvCxnSpPr>
+            <a:cxnSpLocks/>
+          </p:cNvCxnSpPr>
+          <p:nvPr/>
+        </p:nvCxnSpPr>
+        <p:spPr>
+          <a:xfrm>
+            <a:off x="5144966" y="2145185"/>
+            <a:ext cx="1570339" cy="1283815"/>
+          </a:xfrm>
+          <a:prstGeom prst="straightConnector1">
+            <a:avLst/>
+          </a:prstGeom>
+          <a:ln>
+            <a:gradFill>
+              <a:gsLst>
+                <a:gs pos="41000">
+                  <a:srgbClr val="DAE3F3"/>
+                </a:gs>
+                <a:gs pos="0">
+                  <a:schemeClr val="accent1">
+                    <a:lumMod val="5000"/>
+                    <a:lumOff val="95000"/>
+                  </a:schemeClr>
+                </a:gs>
+                <a:gs pos="74000">
+                  <a:schemeClr val="accent1">
+                    <a:lumMod val="45000"/>
+                    <a:lumOff val="55000"/>
+                  </a:schemeClr>
+                </a:gs>
+                <a:gs pos="83000">
+                  <a:schemeClr val="accent1">
+                    <a:lumMod val="45000"/>
+                    <a:lumOff val="55000"/>
+                  </a:schemeClr>
+                </a:gs>
+                <a:gs pos="100000">
+                  <a:schemeClr val="accent1">
+                    <a:lumMod val="30000"/>
+                    <a:lumOff val="70000"/>
+                  </a:schemeClr>
+                </a:gs>
+              </a:gsLst>
+              <a:lin ang="5400000" scaled="1"/>
+            </a:gradFill>
+            <a:tailEnd type="triangle"/>
+          </a:ln>
+        </p:spPr>
+        <p:style>
+          <a:lnRef idx="1">
+            <a:schemeClr val="accent1"/>
+          </a:lnRef>
+          <a:fillRef idx="0">
+            <a:schemeClr val="accent1"/>
+          </a:fillRef>
+          <a:effectRef idx="0">
+            <a:schemeClr val="accent1"/>
+          </a:effectRef>
+          <a:fontRef idx="minor">
+            <a:schemeClr val="tx1"/>
+          </a:fontRef>
+        </p:style>
+      </p:cxnSp>
     </p:spTree>
     <p:extLst>
       <p:ext uri="{BB962C8B-B14F-4D97-AF65-F5344CB8AC3E}">
-        <p14:creationId xmlns:p14="http://schemas.microsoft.com/office/powerpoint/2010/main" val="1803899576"/>
+        <p14:creationId xmlns:p14="http://schemas.microsoft.com/office/powerpoint/2010/main" val="4109791516"/>
       </p:ext>
     </p:extLst>
   </p:cSld>
@@ -3559,7 +4822,67 @@
 </p:sld>
 </file>
 
-<file path=ppt/slides/slide2.xml><?xml version="1.0" encoding="utf-8"?>
+<file path=ppt/slides/slide10.xml><?xml version="1.0" encoding="utf-8"?>
+<p:sld xmlns:a="http://schemas.openxmlformats.org/drawingml/2006/main" xmlns:r="http://schemas.openxmlformats.org/officeDocument/2006/relationships" xmlns:p="http://schemas.openxmlformats.org/presentationml/2006/main">
+  <p:cSld>
+    <p:spTree>
+      <p:nvGrpSpPr>
+        <p:cNvPr id="1" name=""/>
+        <p:cNvGrpSpPr/>
+        <p:nvPr/>
+      </p:nvGrpSpPr>
+      <p:grpSpPr>
+        <a:xfrm>
+          <a:off x="0" y="0"/>
+          <a:ext cx="0" cy="0"/>
+          <a:chOff x="0" y="0"/>
+          <a:chExt cx="0" cy="0"/>
+        </a:xfrm>
+      </p:grpSpPr>
+      <p:pic>
+        <p:nvPicPr>
+          <p:cNvPr id="5" name="그림 4">
+            <a:extLst>
+              <a:ext uri="{FF2B5EF4-FFF2-40B4-BE49-F238E27FC236}">
+                <a16:creationId xmlns:a16="http://schemas.microsoft.com/office/drawing/2014/main" id="{A75AFE64-D73F-4261-B553-A38B31D6B703}"/>
+              </a:ext>
+            </a:extLst>
+          </p:cNvPr>
+          <p:cNvPicPr>
+            <a:picLocks noChangeAspect="1"/>
+          </p:cNvPicPr>
+          <p:nvPr/>
+        </p:nvPicPr>
+        <p:blipFill>
+          <a:blip r:embed="rId2"/>
+          <a:stretch>
+            <a:fillRect/>
+          </a:stretch>
+        </p:blipFill>
+        <p:spPr>
+          <a:xfrm>
+            <a:off x="935716" y="1132610"/>
+            <a:ext cx="10320568" cy="5309754"/>
+          </a:xfrm>
+          <a:prstGeom prst="rect">
+            <a:avLst/>
+          </a:prstGeom>
+        </p:spPr>
+      </p:pic>
+    </p:spTree>
+    <p:extLst>
+      <p:ext uri="{BB962C8B-B14F-4D97-AF65-F5344CB8AC3E}">
+        <p14:creationId xmlns:p14="http://schemas.microsoft.com/office/powerpoint/2010/main" val="1447170295"/>
+      </p:ext>
+    </p:extLst>
+  </p:cSld>
+  <p:clrMapOvr>
+    <a:masterClrMapping/>
+  </p:clrMapOvr>
+</p:sld>
+</file>
+
+<file path=ppt/slides/slide11.xml><?xml version="1.0" encoding="utf-8"?>
 <p:sld xmlns:a="http://schemas.openxmlformats.org/drawingml/2006/main" xmlns:r="http://schemas.openxmlformats.org/officeDocument/2006/relationships" xmlns:p="http://schemas.openxmlformats.org/presentationml/2006/main">
   <p:cSld>
     <p:spTree>
@@ -3581,7 +4904,7 @@
           <p:cNvPr id="2" name="제목 1">
             <a:extLst>
               <a:ext uri="{FF2B5EF4-FFF2-40B4-BE49-F238E27FC236}">
-                <a16:creationId xmlns:a16="http://schemas.microsoft.com/office/drawing/2014/main" id="{AFB123A5-ED9D-472E-97BF-CD090C7806AB}"/>
+                <a16:creationId xmlns:a16="http://schemas.microsoft.com/office/drawing/2014/main" id="{EC111908-B52C-4DF2-95AC-4FA6664D5750}"/>
               </a:ext>
             </a:extLst>
           </p:cNvPr>
@@ -3594,70 +4917,112 @@
         </p:nvSpPr>
         <p:spPr/>
         <p:txBody>
+          <a:bodyPr/>
+          <a:lstStyle/>
+          <a:p>
+            <a:r>
+              <a:rPr lang="en-US" altLang="ko-KR" dirty="0"/>
+              <a:t>Language Model</a:t>
+            </a:r>
+            <a:endParaRPr lang="ko-KR" altLang="en-US" dirty="0"/>
+          </a:p>
+        </p:txBody>
+      </p:sp>
+      <p:sp>
+        <p:nvSpPr>
+          <p:cNvPr id="3" name="내용 개체 틀 2">
+            <a:extLst>
+              <a:ext uri="{FF2B5EF4-FFF2-40B4-BE49-F238E27FC236}">
+                <a16:creationId xmlns:a16="http://schemas.microsoft.com/office/drawing/2014/main" id="{10CF1491-381C-4F48-B1A0-6F60CB8D5B7E}"/>
+              </a:ext>
+            </a:extLst>
+          </p:cNvPr>
+          <p:cNvSpPr>
+            <a:spLocks noGrp="1"/>
+          </p:cNvSpPr>
+          <p:nvPr>
+            <p:ph idx="1"/>
+          </p:nvPr>
+        </p:nvSpPr>
+        <p:spPr/>
+        <p:txBody>
           <a:bodyPr>
             <a:normAutofit/>
           </a:bodyPr>
           <a:lstStyle/>
           <a:p>
             <a:r>
-              <a:rPr lang="en-US" altLang="ko-KR" sz="2400" i="1" dirty="0"/>
-              <a:t>Diagram of Model use and Development</a:t>
-            </a:r>
-            <a:endParaRPr lang="ko-KR" altLang="en-US" sz="2400" dirty="0"/>
+              <a:rPr lang="en-US" altLang="ko-KR" sz="3200" dirty="0"/>
+              <a:t>As a form of </a:t>
+            </a:r>
+            <a:r>
+              <a:rPr lang="en-US" altLang="ko-KR" sz="3200" dirty="0">
+                <a:hlinkClick r:id="rId2"/>
+              </a:rPr>
+              <a:t>generative AI</a:t>
+            </a:r>
+            <a:r>
+              <a:rPr lang="en-US" altLang="ko-KR" sz="3200" dirty="0"/>
+              <a:t>, large language models can be used to </a:t>
+            </a:r>
+          </a:p>
+          <a:p>
+            <a:pPr lvl="1"/>
+            <a:endParaRPr lang="en-US" altLang="ko-KR" sz="3200" dirty="0">
+              <a:highlight>
+                <a:srgbClr val="FFFF00"/>
+              </a:highlight>
+            </a:endParaRPr>
+          </a:p>
+          <a:p>
+            <a:pPr marL="457200" lvl="1" indent="0">
+              <a:buNone/>
+            </a:pPr>
+            <a:r>
+              <a:rPr lang="en-US" altLang="ko-KR" sz="3200" dirty="0">
+                <a:highlight>
+                  <a:srgbClr val="FFFF00"/>
+                </a:highlight>
+              </a:rPr>
+              <a:t>not only</a:t>
+            </a:r>
+            <a:r>
+              <a:rPr lang="en-US" altLang="ko-KR" sz="3200" dirty="0"/>
+              <a:t> assess existing text </a:t>
+            </a:r>
+          </a:p>
+          <a:p>
+            <a:pPr lvl="1"/>
+            <a:endParaRPr lang="en-US" altLang="ko-KR" sz="3200" dirty="0">
+              <a:highlight>
+                <a:srgbClr val="FFFF00"/>
+              </a:highlight>
+            </a:endParaRPr>
+          </a:p>
+          <a:p>
+            <a:pPr marL="457200" lvl="1" indent="0">
+              <a:buNone/>
+            </a:pPr>
+            <a:r>
+              <a:rPr lang="en-US" altLang="ko-KR" sz="3200" dirty="0">
+                <a:highlight>
+                  <a:srgbClr val="FFFF00"/>
+                </a:highlight>
+              </a:rPr>
+              <a:t>but</a:t>
+            </a:r>
+            <a:r>
+              <a:rPr lang="en-US" altLang="ko-KR" sz="3200" dirty="0"/>
+              <a:t> to generate original content based on user inputs and queries.</a:t>
+            </a:r>
+            <a:endParaRPr lang="ko-KR" altLang="en-US" sz="3200" dirty="0"/>
           </a:p>
         </p:txBody>
       </p:sp>
-      <p:pic>
-        <p:nvPicPr>
-          <p:cNvPr id="3074" name="Picture 2" descr="Diagram shows the relationship between real world systems and models. Models represent real world systems and rea world systems, in turn, interpret model results.">
-            <a:extLst>
-              <a:ext uri="{FF2B5EF4-FFF2-40B4-BE49-F238E27FC236}">
-                <a16:creationId xmlns:a16="http://schemas.microsoft.com/office/drawing/2014/main" id="{68C0CE56-3B25-41EF-B895-330641F25178}"/>
-              </a:ext>
-            </a:extLst>
-          </p:cNvPr>
-          <p:cNvPicPr>
-            <a:picLocks noChangeAspect="1" noChangeArrowheads="1"/>
-          </p:cNvPicPr>
-          <p:nvPr/>
-        </p:nvPicPr>
-        <p:blipFill>
-          <a:blip r:embed="rId2">
-            <a:extLst>
-              <a:ext uri="{28A0092B-C50C-407E-A947-70E740481C1C}">
-                <a14:useLocalDpi xmlns:a14="http://schemas.microsoft.com/office/drawing/2010/main" val="0"/>
-              </a:ext>
-            </a:extLst>
-          </a:blip>
-          <a:srcRect/>
-          <a:stretch>
-            <a:fillRect/>
-          </a:stretch>
-        </p:blipFill>
-        <p:spPr bwMode="auto">
-          <a:xfrm>
-            <a:off x="2768367" y="1173519"/>
-            <a:ext cx="6811859" cy="5217363"/>
-          </a:xfrm>
-          <a:prstGeom prst="rect">
-            <a:avLst/>
-          </a:prstGeom>
-          <a:noFill/>
-          <a:extLst>
-            <a:ext uri="{909E8E84-426E-40DD-AFC4-6F175D3DCCD1}">
-              <a14:hiddenFill xmlns:a14="http://schemas.microsoft.com/office/drawing/2010/main">
-                <a:solidFill>
-                  <a:srgbClr val="FFFFFF"/>
-                </a:solidFill>
-              </a14:hiddenFill>
-            </a:ext>
-          </a:extLst>
-        </p:spPr>
-      </p:pic>
     </p:spTree>
     <p:extLst>
       <p:ext uri="{BB962C8B-B14F-4D97-AF65-F5344CB8AC3E}">
-        <p14:creationId xmlns:p14="http://schemas.microsoft.com/office/powerpoint/2010/main" val="27982994"/>
+        <p14:creationId xmlns:p14="http://schemas.microsoft.com/office/powerpoint/2010/main" val="3341951191"/>
       </p:ext>
     </p:extLst>
   </p:cSld>
@@ -3667,7 +5032,7 @@
 </p:sld>
 </file>
 
-<file path=ppt/slides/slide3.xml><?xml version="1.0" encoding="utf-8"?>
+<file path=ppt/slides/slide12.xml><?xml version="1.0" encoding="utf-8"?>
 <p:sld xmlns:a="http://schemas.openxmlformats.org/drawingml/2006/main" xmlns:r="http://schemas.openxmlformats.org/officeDocument/2006/relationships" xmlns:p="http://schemas.openxmlformats.org/presentationml/2006/main">
   <p:cSld>
     <p:spTree>
@@ -3684,198 +5049,1472 @@
           <a:chExt cx="0" cy="0"/>
         </a:xfrm>
       </p:grpSpPr>
-      <p:sp>
-        <p:nvSpPr>
-          <p:cNvPr id="2" name="제목 1">
-            <a:extLst>
-              <a:ext uri="{FF2B5EF4-FFF2-40B4-BE49-F238E27FC236}">
-                <a16:creationId xmlns:a16="http://schemas.microsoft.com/office/drawing/2014/main" id="{EC111908-B52C-4DF2-95AC-4FA6664D5750}"/>
-              </a:ext>
-            </a:extLst>
-          </p:cNvPr>
-          <p:cNvSpPr>
-            <a:spLocks noGrp="1"/>
-          </p:cNvSpPr>
-          <p:nvPr>
-            <p:ph type="title"/>
-          </p:nvPr>
-        </p:nvSpPr>
-        <p:spPr/>
-        <p:txBody>
-          <a:bodyPr/>
-          <a:lstStyle/>
-          <a:p>
-            <a:r>
-              <a:rPr lang="en-US" altLang="ko-KR" dirty="0"/>
-              <a:t>Language Model</a:t>
-            </a:r>
-            <a:endParaRPr lang="ko-KR" altLang="en-US" dirty="0"/>
-          </a:p>
-        </p:txBody>
-      </p:sp>
-      <p:sp>
-        <p:nvSpPr>
-          <p:cNvPr id="3" name="내용 개체 틀 2">
-            <a:extLst>
-              <a:ext uri="{FF2B5EF4-FFF2-40B4-BE49-F238E27FC236}">
-                <a16:creationId xmlns:a16="http://schemas.microsoft.com/office/drawing/2014/main" id="{10CF1491-381C-4F48-B1A0-6F60CB8D5B7E}"/>
-              </a:ext>
-            </a:extLst>
-          </p:cNvPr>
-          <p:cNvSpPr>
-            <a:spLocks noGrp="1"/>
-          </p:cNvSpPr>
+      <p:graphicFrame>
+        <p:nvGraphicFramePr>
+          <p:cNvPr id="4" name="내용 개체 틀 3">
+            <a:extLst>
+              <a:ext uri="{FF2B5EF4-FFF2-40B4-BE49-F238E27FC236}">
+                <a16:creationId xmlns:a16="http://schemas.microsoft.com/office/drawing/2014/main" id="{A9C391B9-8DDA-4DDA-A632-C0656AE1B797}"/>
+              </a:ext>
+            </a:extLst>
+          </p:cNvPr>
+          <p:cNvGraphicFramePr>
+            <a:graphicFrameLocks noGrp="1"/>
+          </p:cNvGraphicFramePr>
           <p:nvPr>
             <p:ph idx="1"/>
           </p:nvPr>
+        </p:nvGraphicFramePr>
+        <p:xfrm>
+          <a:off x="838200" y="1825624"/>
+          <a:ext cx="10515600" cy="4485680"/>
+        </p:xfrm>
+        <a:graphic>
+          <a:graphicData uri="http://schemas.openxmlformats.org/drawingml/2006/table">
+            <a:tbl>
+              <a:tblPr/>
+              <a:tblGrid>
+                <a:gridCol w="730541">
+                  <a:extLst>
+                    <a:ext uri="{9D8B030D-6E8A-4147-A177-3AD203B41FA5}">
+                      <a16:colId xmlns:a16="http://schemas.microsoft.com/office/drawing/2014/main" val="1040951276"/>
+                    </a:ext>
+                  </a:extLst>
+                </a:gridCol>
+                <a:gridCol w="9785059">
+                  <a:extLst>
+                    <a:ext uri="{9D8B030D-6E8A-4147-A177-3AD203B41FA5}">
+                      <a16:colId xmlns:a16="http://schemas.microsoft.com/office/drawing/2014/main" val="3484051065"/>
+                    </a:ext>
+                  </a:extLst>
+                </a:gridCol>
+              </a:tblGrid>
+              <a:tr h="37926">
+                <a:tc>
+                  <a:txBody>
+                    <a:bodyPr/>
+                    <a:lstStyle/>
+                    <a:p>
+                      <a:pPr rtl="0" fontAlgn="b"/>
+                      <a:r>
+                        <a:rPr lang="en-US" sz="1100">
+                          <a:effectLst/>
+                        </a:rPr>
+                        <a:t>Year</a:t>
+                      </a:r>
+                    </a:p>
+                  </a:txBody>
+                  <a:tcPr marL="3469" marR="3469" marT="2313" marB="2313" anchor="b">
+                    <a:lnL w="9525" cap="flat" cmpd="sng" algn="ctr">
+                      <a:solidFill>
+                        <a:srgbClr val="CCCCCC"/>
+                      </a:solidFill>
+                      <a:prstDash val="solid"/>
+                      <a:round/>
+                      <a:headEnd type="none" w="med" len="med"/>
+                      <a:tailEnd type="none" w="med" len="med"/>
+                    </a:lnL>
+                    <a:lnR w="9525" cap="flat" cmpd="sng" algn="ctr">
+                      <a:solidFill>
+                        <a:srgbClr val="CCCCCC"/>
+                      </a:solidFill>
+                      <a:prstDash val="solid"/>
+                      <a:round/>
+                      <a:headEnd type="none" w="med" len="med"/>
+                      <a:tailEnd type="none" w="med" len="med"/>
+                    </a:lnR>
+                    <a:lnT w="9525" cap="flat" cmpd="sng" algn="ctr">
+                      <a:solidFill>
+                        <a:srgbClr val="CCCCCC"/>
+                      </a:solidFill>
+                      <a:prstDash val="solid"/>
+                      <a:round/>
+                      <a:headEnd type="none" w="med" len="med"/>
+                      <a:tailEnd type="none" w="med" len="med"/>
+                    </a:lnT>
+                    <a:lnB w="9525" cap="flat" cmpd="sng" algn="ctr">
+                      <a:solidFill>
+                        <a:srgbClr val="CCCCCC"/>
+                      </a:solidFill>
+                      <a:prstDash val="solid"/>
+                      <a:round/>
+                      <a:headEnd type="none" w="med" len="med"/>
+                      <a:tailEnd type="none" w="med" len="med"/>
+                    </a:lnB>
+                  </a:tcPr>
+                </a:tc>
+                <a:tc>
+                  <a:txBody>
+                    <a:bodyPr/>
+                    <a:lstStyle/>
+                    <a:p>
+                      <a:pPr rtl="0" fontAlgn="b"/>
+                      <a:r>
+                        <a:rPr lang="en-US" sz="1100">
+                          <a:effectLst/>
+                        </a:rPr>
+                        <a:t>Event</a:t>
+                      </a:r>
+                    </a:p>
+                  </a:txBody>
+                  <a:tcPr marL="3469" marR="3469" marT="2313" marB="2313" anchor="b">
+                    <a:lnL w="9525" cap="flat" cmpd="sng" algn="ctr">
+                      <a:solidFill>
+                        <a:srgbClr val="CCCCCC"/>
+                      </a:solidFill>
+                      <a:prstDash val="solid"/>
+                      <a:round/>
+                      <a:headEnd type="none" w="med" len="med"/>
+                      <a:tailEnd type="none" w="med" len="med"/>
+                    </a:lnL>
+                    <a:lnR w="9525" cap="flat" cmpd="sng" algn="ctr">
+                      <a:solidFill>
+                        <a:srgbClr val="CCCCCC"/>
+                      </a:solidFill>
+                      <a:prstDash val="solid"/>
+                      <a:round/>
+                      <a:headEnd type="none" w="med" len="med"/>
+                      <a:tailEnd type="none" w="med" len="med"/>
+                    </a:lnR>
+                    <a:lnT w="9525" cap="flat" cmpd="sng" algn="ctr">
+                      <a:solidFill>
+                        <a:srgbClr val="CCCCCC"/>
+                      </a:solidFill>
+                      <a:prstDash val="solid"/>
+                      <a:round/>
+                      <a:headEnd type="none" w="med" len="med"/>
+                      <a:tailEnd type="none" w="med" len="med"/>
+                    </a:lnT>
+                    <a:lnB w="9525" cap="flat" cmpd="sng" algn="ctr">
+                      <a:solidFill>
+                        <a:srgbClr val="F0331A"/>
+                      </a:solidFill>
+                      <a:prstDash val="solid"/>
+                      <a:round/>
+                      <a:headEnd type="none" w="med" len="med"/>
+                      <a:tailEnd type="none" w="med" len="med"/>
+                    </a:lnB>
+                  </a:tcPr>
+                </a:tc>
+                <a:extLst>
+                  <a:ext uri="{0D108BD9-81ED-4DB2-BD59-A6C34878D82A}">
+                    <a16:rowId xmlns:a16="http://schemas.microsoft.com/office/drawing/2014/main" val="1615242746"/>
+                  </a:ext>
+                </a:extLst>
+              </a:tr>
+              <a:tr h="271034">
+                <a:tc>
+                  <a:txBody>
+                    <a:bodyPr/>
+                    <a:lstStyle/>
+                    <a:p>
+                      <a:pPr algn="r" rtl="0" fontAlgn="b"/>
+                      <a:r>
+                        <a:rPr lang="en-US" altLang="ko-KR" sz="1100">
+                          <a:effectLst/>
+                        </a:rPr>
+                        <a:t>1943</a:t>
+                      </a:r>
+                    </a:p>
+                  </a:txBody>
+                  <a:tcPr marL="3469" marR="3469" marT="2313" marB="2313" anchor="b">
+                    <a:lnL w="9525" cap="flat" cmpd="sng" algn="ctr">
+                      <a:solidFill>
+                        <a:srgbClr val="CCCCCC"/>
+                      </a:solidFill>
+                      <a:prstDash val="solid"/>
+                      <a:round/>
+                      <a:headEnd type="none" w="med" len="med"/>
+                      <a:tailEnd type="none" w="med" len="med"/>
+                    </a:lnL>
+                    <a:lnR w="9525" cap="flat" cmpd="sng" algn="ctr">
+                      <a:solidFill>
+                        <a:srgbClr val="F0331A"/>
+                      </a:solidFill>
+                      <a:prstDash val="solid"/>
+                      <a:round/>
+                      <a:headEnd type="none" w="med" len="med"/>
+                      <a:tailEnd type="none" w="med" len="med"/>
+                    </a:lnR>
+                    <a:lnT w="9525" cap="flat" cmpd="sng" algn="ctr">
+                      <a:solidFill>
+                        <a:srgbClr val="CCCCCC"/>
+                      </a:solidFill>
+                      <a:prstDash val="solid"/>
+                      <a:round/>
+                      <a:headEnd type="none" w="med" len="med"/>
+                      <a:tailEnd type="none" w="med" len="med"/>
+                    </a:lnT>
+                    <a:lnB w="9525" cap="flat" cmpd="sng" algn="ctr">
+                      <a:solidFill>
+                        <a:srgbClr val="CCCCCC"/>
+                      </a:solidFill>
+                      <a:prstDash val="solid"/>
+                      <a:round/>
+                      <a:headEnd type="none" w="med" len="med"/>
+                      <a:tailEnd type="none" w="med" len="med"/>
+                    </a:lnB>
+                  </a:tcPr>
+                </a:tc>
+                <a:tc>
+                  <a:txBody>
+                    <a:bodyPr/>
+                    <a:lstStyle/>
+                    <a:p>
+                      <a:pPr rtl="0" fontAlgn="b"/>
+                      <a:r>
+                        <a:rPr lang="en-US" sz="1100">
+                          <a:effectLst/>
+                        </a:rPr>
+                        <a:t>Warren McCulloch and Walter Pitts propose the perceptron.</a:t>
+                      </a:r>
+                    </a:p>
+                  </a:txBody>
+                  <a:tcPr marL="3469" marR="3469" marT="2313" marB="2313" anchor="b">
+                    <a:lnL w="9525" cap="flat" cmpd="sng" algn="ctr">
+                      <a:solidFill>
+                        <a:srgbClr val="F0331A"/>
+                      </a:solidFill>
+                      <a:prstDash val="solid"/>
+                      <a:round/>
+                      <a:headEnd type="none" w="med" len="med"/>
+                      <a:tailEnd type="none" w="med" len="med"/>
+                    </a:lnL>
+                    <a:lnR w="9525" cap="flat" cmpd="sng" algn="ctr">
+                      <a:solidFill>
+                        <a:srgbClr val="F0331A"/>
+                      </a:solidFill>
+                      <a:prstDash val="solid"/>
+                      <a:round/>
+                      <a:headEnd type="none" w="med" len="med"/>
+                      <a:tailEnd type="none" w="med" len="med"/>
+                    </a:lnR>
+                    <a:lnT w="9525" cap="flat" cmpd="sng" algn="ctr">
+                      <a:solidFill>
+                        <a:srgbClr val="F0331A"/>
+                      </a:solidFill>
+                      <a:prstDash val="solid"/>
+                      <a:round/>
+                      <a:headEnd type="none" w="med" len="med"/>
+                      <a:tailEnd type="none" w="med" len="med"/>
+                    </a:lnT>
+                    <a:lnB w="9525" cap="flat" cmpd="sng" algn="ctr">
+                      <a:solidFill>
+                        <a:srgbClr val="50371A"/>
+                      </a:solidFill>
+                      <a:prstDash val="solid"/>
+                      <a:round/>
+                      <a:headEnd type="none" w="med" len="med"/>
+                      <a:tailEnd type="none" w="med" len="med"/>
+                    </a:lnB>
+                  </a:tcPr>
+                </a:tc>
+                <a:extLst>
+                  <a:ext uri="{0D108BD9-81ED-4DB2-BD59-A6C34878D82A}">
+                    <a16:rowId xmlns:a16="http://schemas.microsoft.com/office/drawing/2014/main" val="433999138"/>
+                  </a:ext>
+                </a:extLst>
+              </a:tr>
+              <a:tr h="237733">
+                <a:tc>
+                  <a:txBody>
+                    <a:bodyPr/>
+                    <a:lstStyle/>
+                    <a:p>
+                      <a:pPr algn="r" rtl="0" fontAlgn="b"/>
+                      <a:r>
+                        <a:rPr lang="en-US" altLang="ko-KR" sz="1100">
+                          <a:effectLst/>
+                        </a:rPr>
+                        <a:t>1958</a:t>
+                      </a:r>
+                    </a:p>
+                  </a:txBody>
+                  <a:tcPr marL="3469" marR="3469" marT="2313" marB="2313" anchor="b">
+                    <a:lnL w="9525" cap="flat" cmpd="sng" algn="ctr">
+                      <a:solidFill>
+                        <a:srgbClr val="CCCCCC"/>
+                      </a:solidFill>
+                      <a:prstDash val="solid"/>
+                      <a:round/>
+                      <a:headEnd type="none" w="med" len="med"/>
+                      <a:tailEnd type="none" w="med" len="med"/>
+                    </a:lnL>
+                    <a:lnR w="9525" cap="flat" cmpd="sng" algn="ctr">
+                      <a:solidFill>
+                        <a:srgbClr val="50371A"/>
+                      </a:solidFill>
+                      <a:prstDash val="solid"/>
+                      <a:round/>
+                      <a:headEnd type="none" w="med" len="med"/>
+                      <a:tailEnd type="none" w="med" len="med"/>
+                    </a:lnR>
+                    <a:lnT w="9525" cap="flat" cmpd="sng" algn="ctr">
+                      <a:solidFill>
+                        <a:srgbClr val="CCCCCC"/>
+                      </a:solidFill>
+                      <a:prstDash val="solid"/>
+                      <a:round/>
+                      <a:headEnd type="none" w="med" len="med"/>
+                      <a:tailEnd type="none" w="med" len="med"/>
+                    </a:lnT>
+                    <a:lnB w="9525" cap="flat" cmpd="sng" algn="ctr">
+                      <a:solidFill>
+                        <a:srgbClr val="CCCCCC"/>
+                      </a:solidFill>
+                      <a:prstDash val="solid"/>
+                      <a:round/>
+                      <a:headEnd type="none" w="med" len="med"/>
+                      <a:tailEnd type="none" w="med" len="med"/>
+                    </a:lnB>
+                  </a:tcPr>
+                </a:tc>
+                <a:tc>
+                  <a:txBody>
+                    <a:bodyPr/>
+                    <a:lstStyle/>
+                    <a:p>
+                      <a:pPr rtl="0" fontAlgn="b"/>
+                      <a:r>
+                        <a:rPr lang="en-US" sz="1100">
+                          <a:effectLst/>
+                        </a:rPr>
+                        <a:t>Frank Rosenblatt builds the first perceptron machine.</a:t>
+                      </a:r>
+                    </a:p>
+                  </a:txBody>
+                  <a:tcPr marL="3469" marR="3469" marT="2313" marB="2313" anchor="b">
+                    <a:lnL w="9525" cap="flat" cmpd="sng" algn="ctr">
+                      <a:solidFill>
+                        <a:srgbClr val="50371A"/>
+                      </a:solidFill>
+                      <a:prstDash val="solid"/>
+                      <a:round/>
+                      <a:headEnd type="none" w="med" len="med"/>
+                      <a:tailEnd type="none" w="med" len="med"/>
+                    </a:lnL>
+                    <a:lnR w="9525" cap="flat" cmpd="sng" algn="ctr">
+                      <a:solidFill>
+                        <a:srgbClr val="50371A"/>
+                      </a:solidFill>
+                      <a:prstDash val="solid"/>
+                      <a:round/>
+                      <a:headEnd type="none" w="med" len="med"/>
+                      <a:tailEnd type="none" w="med" len="med"/>
+                    </a:lnR>
+                    <a:lnT w="9525" cap="flat" cmpd="sng" algn="ctr">
+                      <a:solidFill>
+                        <a:srgbClr val="50371A"/>
+                      </a:solidFill>
+                      <a:prstDash val="solid"/>
+                      <a:round/>
+                      <a:headEnd type="none" w="med" len="med"/>
+                      <a:tailEnd type="none" w="med" len="med"/>
+                    </a:lnT>
+                    <a:lnB w="9525" cap="flat" cmpd="sng" algn="ctr">
+                      <a:solidFill>
+                        <a:srgbClr val="50411A"/>
+                      </a:solidFill>
+                      <a:prstDash val="solid"/>
+                      <a:round/>
+                      <a:headEnd type="none" w="med" len="med"/>
+                      <a:tailEnd type="none" w="med" len="med"/>
+                    </a:lnB>
+                  </a:tcPr>
+                </a:tc>
+                <a:extLst>
+                  <a:ext uri="{0D108BD9-81ED-4DB2-BD59-A6C34878D82A}">
+                    <a16:rowId xmlns:a16="http://schemas.microsoft.com/office/drawing/2014/main" val="2214541491"/>
+                  </a:ext>
+                </a:extLst>
+              </a:tr>
+              <a:tr h="437539">
+                <a:tc>
+                  <a:txBody>
+                    <a:bodyPr/>
+                    <a:lstStyle/>
+                    <a:p>
+                      <a:pPr algn="r" rtl="0" fontAlgn="b"/>
+                      <a:r>
+                        <a:rPr lang="en-US" altLang="ko-KR" sz="1100">
+                          <a:effectLst/>
+                        </a:rPr>
+                        <a:t>1969</a:t>
+                      </a:r>
+                    </a:p>
+                  </a:txBody>
+                  <a:tcPr marL="3469" marR="3469" marT="2313" marB="2313" anchor="b">
+                    <a:lnL w="9525" cap="flat" cmpd="sng" algn="ctr">
+                      <a:solidFill>
+                        <a:srgbClr val="CCCCCC"/>
+                      </a:solidFill>
+                      <a:prstDash val="solid"/>
+                      <a:round/>
+                      <a:headEnd type="none" w="med" len="med"/>
+                      <a:tailEnd type="none" w="med" len="med"/>
+                    </a:lnL>
+                    <a:lnR w="9525" cap="flat" cmpd="sng" algn="ctr">
+                      <a:solidFill>
+                        <a:srgbClr val="50411A"/>
+                      </a:solidFill>
+                      <a:prstDash val="solid"/>
+                      <a:round/>
+                      <a:headEnd type="none" w="med" len="med"/>
+                      <a:tailEnd type="none" w="med" len="med"/>
+                    </a:lnR>
+                    <a:lnT w="9525" cap="flat" cmpd="sng" algn="ctr">
+                      <a:solidFill>
+                        <a:srgbClr val="CCCCCC"/>
+                      </a:solidFill>
+                      <a:prstDash val="solid"/>
+                      <a:round/>
+                      <a:headEnd type="none" w="med" len="med"/>
+                      <a:tailEnd type="none" w="med" len="med"/>
+                    </a:lnT>
+                    <a:lnB w="9525" cap="flat" cmpd="sng" algn="ctr">
+                      <a:solidFill>
+                        <a:srgbClr val="CCCCCC"/>
+                      </a:solidFill>
+                      <a:prstDash val="solid"/>
+                      <a:round/>
+                      <a:headEnd type="none" w="med" len="med"/>
+                      <a:tailEnd type="none" w="med" len="med"/>
+                    </a:lnB>
+                  </a:tcPr>
+                </a:tc>
+                <a:tc>
+                  <a:txBody>
+                    <a:bodyPr/>
+                    <a:lstStyle/>
+                    <a:p>
+                      <a:pPr rtl="0" fontAlgn="b"/>
+                      <a:r>
+                        <a:rPr lang="en-US" sz="1100">
+                          <a:effectLst/>
+                        </a:rPr>
+                        <a:t>Marvin Minsky and Seymour Papert publish "Perceptrons", which criticizes the perceptron's limitations.</a:t>
+                      </a:r>
+                    </a:p>
+                  </a:txBody>
+                  <a:tcPr marL="3469" marR="3469" marT="2313" marB="2313" anchor="b">
+                    <a:lnL w="9525" cap="flat" cmpd="sng" algn="ctr">
+                      <a:solidFill>
+                        <a:srgbClr val="50411A"/>
+                      </a:solidFill>
+                      <a:prstDash val="solid"/>
+                      <a:round/>
+                      <a:headEnd type="none" w="med" len="med"/>
+                      <a:tailEnd type="none" w="med" len="med"/>
+                    </a:lnL>
+                    <a:lnR w="9525" cap="flat" cmpd="sng" algn="ctr">
+                      <a:solidFill>
+                        <a:srgbClr val="50411A"/>
+                      </a:solidFill>
+                      <a:prstDash val="solid"/>
+                      <a:round/>
+                      <a:headEnd type="none" w="med" len="med"/>
+                      <a:tailEnd type="none" w="med" len="med"/>
+                    </a:lnR>
+                    <a:lnT w="9525" cap="flat" cmpd="sng" algn="ctr">
+                      <a:solidFill>
+                        <a:srgbClr val="50411A"/>
+                      </a:solidFill>
+                      <a:prstDash val="solid"/>
+                      <a:round/>
+                      <a:headEnd type="none" w="med" len="med"/>
+                      <a:tailEnd type="none" w="med" len="med"/>
+                    </a:lnT>
+                    <a:lnB w="9525" cap="flat" cmpd="sng" algn="ctr">
+                      <a:solidFill>
+                        <a:srgbClr val="903E1A"/>
+                      </a:solidFill>
+                      <a:prstDash val="solid"/>
+                      <a:round/>
+                      <a:headEnd type="none" w="med" len="med"/>
+                      <a:tailEnd type="none" w="med" len="med"/>
+                    </a:lnB>
+                  </a:tcPr>
+                </a:tc>
+                <a:extLst>
+                  <a:ext uri="{0D108BD9-81ED-4DB2-BD59-A6C34878D82A}">
+                    <a16:rowId xmlns:a16="http://schemas.microsoft.com/office/drawing/2014/main" val="2159406446"/>
+                  </a:ext>
+                </a:extLst>
+              </a:tr>
+              <a:tr h="570743">
+                <a:tc>
+                  <a:txBody>
+                    <a:bodyPr/>
+                    <a:lstStyle/>
+                    <a:p>
+                      <a:pPr algn="r" rtl="0" fontAlgn="b"/>
+                      <a:r>
+                        <a:rPr lang="en-US" altLang="ko-KR" sz="1100">
+                          <a:effectLst/>
+                        </a:rPr>
+                        <a:t>1986</a:t>
+                      </a:r>
+                    </a:p>
+                  </a:txBody>
+                  <a:tcPr marL="3469" marR="3469" marT="2313" marB="2313" anchor="b">
+                    <a:lnL w="9525" cap="flat" cmpd="sng" algn="ctr">
+                      <a:solidFill>
+                        <a:srgbClr val="CCCCCC"/>
+                      </a:solidFill>
+                      <a:prstDash val="solid"/>
+                      <a:round/>
+                      <a:headEnd type="none" w="med" len="med"/>
+                      <a:tailEnd type="none" w="med" len="med"/>
+                    </a:lnL>
+                    <a:lnR w="9525" cap="flat" cmpd="sng" algn="ctr">
+                      <a:solidFill>
+                        <a:srgbClr val="903E1A"/>
+                      </a:solidFill>
+                      <a:prstDash val="solid"/>
+                      <a:round/>
+                      <a:headEnd type="none" w="med" len="med"/>
+                      <a:tailEnd type="none" w="med" len="med"/>
+                    </a:lnR>
+                    <a:lnT w="9525" cap="flat" cmpd="sng" algn="ctr">
+                      <a:solidFill>
+                        <a:srgbClr val="CCCCCC"/>
+                      </a:solidFill>
+                      <a:prstDash val="solid"/>
+                      <a:round/>
+                      <a:headEnd type="none" w="med" len="med"/>
+                      <a:tailEnd type="none" w="med" len="med"/>
+                    </a:lnT>
+                    <a:lnB w="9525" cap="flat" cmpd="sng" algn="ctr">
+                      <a:solidFill>
+                        <a:srgbClr val="CCCCCC"/>
+                      </a:solidFill>
+                      <a:prstDash val="solid"/>
+                      <a:round/>
+                      <a:headEnd type="none" w="med" len="med"/>
+                      <a:tailEnd type="none" w="med" len="med"/>
+                    </a:lnB>
+                  </a:tcPr>
+                </a:tc>
+                <a:tc>
+                  <a:txBody>
+                    <a:bodyPr/>
+                    <a:lstStyle/>
+                    <a:p>
+                      <a:pPr rtl="0" fontAlgn="b"/>
+                      <a:r>
+                        <a:rPr lang="en-US" sz="1100">
+                          <a:effectLst/>
+                        </a:rPr>
+                        <a:t>Geoffrey Hinton, David Rumelhart, and Ronald Williams introduce backpropagation, a way to train neural networks with multiple layers.</a:t>
+                      </a:r>
+                    </a:p>
+                  </a:txBody>
+                  <a:tcPr marL="3469" marR="3469" marT="2313" marB="2313" anchor="b">
+                    <a:lnL w="9525" cap="flat" cmpd="sng" algn="ctr">
+                      <a:solidFill>
+                        <a:srgbClr val="903E1A"/>
+                      </a:solidFill>
+                      <a:prstDash val="solid"/>
+                      <a:round/>
+                      <a:headEnd type="none" w="med" len="med"/>
+                      <a:tailEnd type="none" w="med" len="med"/>
+                    </a:lnL>
+                    <a:lnR w="9525" cap="flat" cmpd="sng" algn="ctr">
+                      <a:solidFill>
+                        <a:srgbClr val="903E1A"/>
+                      </a:solidFill>
+                      <a:prstDash val="solid"/>
+                      <a:round/>
+                      <a:headEnd type="none" w="med" len="med"/>
+                      <a:tailEnd type="none" w="med" len="med"/>
+                    </a:lnR>
+                    <a:lnT w="9525" cap="flat" cmpd="sng" algn="ctr">
+                      <a:solidFill>
+                        <a:srgbClr val="903E1A"/>
+                      </a:solidFill>
+                      <a:prstDash val="solid"/>
+                      <a:round/>
+                      <a:headEnd type="none" w="med" len="med"/>
+                      <a:tailEnd type="none" w="med" len="med"/>
+                    </a:lnT>
+                    <a:lnB w="9525" cap="flat" cmpd="sng" algn="ctr">
+                      <a:solidFill>
+                        <a:srgbClr val="303C1A"/>
+                      </a:solidFill>
+                      <a:prstDash val="solid"/>
+                      <a:round/>
+                      <a:headEnd type="none" w="med" len="med"/>
+                      <a:tailEnd type="none" w="med" len="med"/>
+                    </a:lnB>
+                  </a:tcPr>
+                </a:tc>
+                <a:extLst>
+                  <a:ext uri="{0D108BD9-81ED-4DB2-BD59-A6C34878D82A}">
+                    <a16:rowId xmlns:a16="http://schemas.microsoft.com/office/drawing/2014/main" val="3845992352"/>
+                  </a:ext>
+                </a:extLst>
+              </a:tr>
+              <a:tr h="304335">
+                <a:tc>
+                  <a:txBody>
+                    <a:bodyPr/>
+                    <a:lstStyle/>
+                    <a:p>
+                      <a:pPr algn="r" rtl="0" fontAlgn="b"/>
+                      <a:r>
+                        <a:rPr lang="en-US" altLang="ko-KR" sz="1100">
+                          <a:effectLst/>
+                        </a:rPr>
+                        <a:t>1989</a:t>
+                      </a:r>
+                    </a:p>
+                  </a:txBody>
+                  <a:tcPr marL="3469" marR="3469" marT="2313" marB="2313" anchor="b">
+                    <a:lnL w="9525" cap="flat" cmpd="sng" algn="ctr">
+                      <a:solidFill>
+                        <a:srgbClr val="CCCCCC"/>
+                      </a:solidFill>
+                      <a:prstDash val="solid"/>
+                      <a:round/>
+                      <a:headEnd type="none" w="med" len="med"/>
+                      <a:tailEnd type="none" w="med" len="med"/>
+                    </a:lnL>
+                    <a:lnR w="9525" cap="flat" cmpd="sng" algn="ctr">
+                      <a:solidFill>
+                        <a:srgbClr val="303C1A"/>
+                      </a:solidFill>
+                      <a:prstDash val="solid"/>
+                      <a:round/>
+                      <a:headEnd type="none" w="med" len="med"/>
+                      <a:tailEnd type="none" w="med" len="med"/>
+                    </a:lnR>
+                    <a:lnT w="9525" cap="flat" cmpd="sng" algn="ctr">
+                      <a:solidFill>
+                        <a:srgbClr val="CCCCCC"/>
+                      </a:solidFill>
+                      <a:prstDash val="solid"/>
+                      <a:round/>
+                      <a:headEnd type="none" w="med" len="med"/>
+                      <a:tailEnd type="none" w="med" len="med"/>
+                    </a:lnT>
+                    <a:lnB w="9525" cap="flat" cmpd="sng" algn="ctr">
+                      <a:solidFill>
+                        <a:srgbClr val="CCCCCC"/>
+                      </a:solidFill>
+                      <a:prstDash val="solid"/>
+                      <a:round/>
+                      <a:headEnd type="none" w="med" len="med"/>
+                      <a:tailEnd type="none" w="med" len="med"/>
+                    </a:lnB>
+                  </a:tcPr>
+                </a:tc>
+                <a:tc>
+                  <a:txBody>
+                    <a:bodyPr/>
+                    <a:lstStyle/>
+                    <a:p>
+                      <a:pPr rtl="0" fontAlgn="b"/>
+                      <a:r>
+                        <a:rPr lang="en-US" sz="1100">
+                          <a:effectLst/>
+                        </a:rPr>
+                        <a:t>Yann LeCun et al. train a neural network to recognize handwritten digits.</a:t>
+                      </a:r>
+                    </a:p>
+                  </a:txBody>
+                  <a:tcPr marL="3469" marR="3469" marT="2313" marB="2313" anchor="b">
+                    <a:lnL w="9525" cap="flat" cmpd="sng" algn="ctr">
+                      <a:solidFill>
+                        <a:srgbClr val="303C1A"/>
+                      </a:solidFill>
+                      <a:prstDash val="solid"/>
+                      <a:round/>
+                      <a:headEnd type="none" w="med" len="med"/>
+                      <a:tailEnd type="none" w="med" len="med"/>
+                    </a:lnL>
+                    <a:lnR w="9525" cap="flat" cmpd="sng" algn="ctr">
+                      <a:solidFill>
+                        <a:srgbClr val="303C1A"/>
+                      </a:solidFill>
+                      <a:prstDash val="solid"/>
+                      <a:round/>
+                      <a:headEnd type="none" w="med" len="med"/>
+                      <a:tailEnd type="none" w="med" len="med"/>
+                    </a:lnR>
+                    <a:lnT w="9525" cap="flat" cmpd="sng" algn="ctr">
+                      <a:solidFill>
+                        <a:srgbClr val="303C1A"/>
+                      </a:solidFill>
+                      <a:prstDash val="solid"/>
+                      <a:round/>
+                      <a:headEnd type="none" w="med" len="med"/>
+                      <a:tailEnd type="none" w="med" len="med"/>
+                    </a:lnT>
+                    <a:lnB w="9525" cap="flat" cmpd="sng" algn="ctr">
+                      <a:solidFill>
+                        <a:srgbClr val="503F1A"/>
+                      </a:solidFill>
+                      <a:prstDash val="solid"/>
+                      <a:round/>
+                      <a:headEnd type="none" w="med" len="med"/>
+                      <a:tailEnd type="none" w="med" len="med"/>
+                    </a:lnB>
+                  </a:tcPr>
+                </a:tc>
+                <a:extLst>
+                  <a:ext uri="{0D108BD9-81ED-4DB2-BD59-A6C34878D82A}">
+                    <a16:rowId xmlns:a16="http://schemas.microsoft.com/office/drawing/2014/main" val="3883916433"/>
+                  </a:ext>
+                </a:extLst>
+              </a:tr>
+              <a:tr h="470840">
+                <a:tc>
+                  <a:txBody>
+                    <a:bodyPr/>
+                    <a:lstStyle/>
+                    <a:p>
+                      <a:pPr algn="r" rtl="0" fontAlgn="b"/>
+                      <a:r>
+                        <a:rPr lang="en-US" altLang="ko-KR" sz="1100">
+                          <a:effectLst/>
+                        </a:rPr>
+                        <a:t>1998</a:t>
+                      </a:r>
+                    </a:p>
+                  </a:txBody>
+                  <a:tcPr marL="3469" marR="3469" marT="2313" marB="2313" anchor="b">
+                    <a:lnL w="9525" cap="flat" cmpd="sng" algn="ctr">
+                      <a:solidFill>
+                        <a:srgbClr val="CCCCCC"/>
+                      </a:solidFill>
+                      <a:prstDash val="solid"/>
+                      <a:round/>
+                      <a:headEnd type="none" w="med" len="med"/>
+                      <a:tailEnd type="none" w="med" len="med"/>
+                    </a:lnL>
+                    <a:lnR w="9525" cap="flat" cmpd="sng" algn="ctr">
+                      <a:solidFill>
+                        <a:srgbClr val="503F1A"/>
+                      </a:solidFill>
+                      <a:prstDash val="solid"/>
+                      <a:round/>
+                      <a:headEnd type="none" w="med" len="med"/>
+                      <a:tailEnd type="none" w="med" len="med"/>
+                    </a:lnR>
+                    <a:lnT w="9525" cap="flat" cmpd="sng" algn="ctr">
+                      <a:solidFill>
+                        <a:srgbClr val="CCCCCC"/>
+                      </a:solidFill>
+                      <a:prstDash val="solid"/>
+                      <a:round/>
+                      <a:headEnd type="none" w="med" len="med"/>
+                      <a:tailEnd type="none" w="med" len="med"/>
+                    </a:lnT>
+                    <a:lnB w="9525" cap="flat" cmpd="sng" algn="ctr">
+                      <a:solidFill>
+                        <a:srgbClr val="CCCCCC"/>
+                      </a:solidFill>
+                      <a:prstDash val="solid"/>
+                      <a:round/>
+                      <a:headEnd type="none" w="med" len="med"/>
+                      <a:tailEnd type="none" w="med" len="med"/>
+                    </a:lnB>
+                  </a:tcPr>
+                </a:tc>
+                <a:tc>
+                  <a:txBody>
+                    <a:bodyPr/>
+                    <a:lstStyle/>
+                    <a:p>
+                      <a:pPr rtl="0" fontAlgn="b"/>
+                      <a:r>
+                        <a:rPr lang="en-US" sz="1100">
+                          <a:effectLst/>
+                        </a:rPr>
+                        <a:t>The ImageNet dataset is released, which allows for the training of larger and more complex neural networks.</a:t>
+                      </a:r>
+                    </a:p>
+                  </a:txBody>
+                  <a:tcPr marL="3469" marR="3469" marT="2313" marB="2313" anchor="b">
+                    <a:lnL w="9525" cap="flat" cmpd="sng" algn="ctr">
+                      <a:solidFill>
+                        <a:srgbClr val="503F1A"/>
+                      </a:solidFill>
+                      <a:prstDash val="solid"/>
+                      <a:round/>
+                      <a:headEnd type="none" w="med" len="med"/>
+                      <a:tailEnd type="none" w="med" len="med"/>
+                    </a:lnL>
+                    <a:lnR w="9525" cap="flat" cmpd="sng" algn="ctr">
+                      <a:solidFill>
+                        <a:srgbClr val="503F1A"/>
+                      </a:solidFill>
+                      <a:prstDash val="solid"/>
+                      <a:round/>
+                      <a:headEnd type="none" w="med" len="med"/>
+                      <a:tailEnd type="none" w="med" len="med"/>
+                    </a:lnR>
+                    <a:lnT w="9525" cap="flat" cmpd="sng" algn="ctr">
+                      <a:solidFill>
+                        <a:srgbClr val="503F1A"/>
+                      </a:solidFill>
+                      <a:prstDash val="solid"/>
+                      <a:round/>
+                      <a:headEnd type="none" w="med" len="med"/>
+                      <a:tailEnd type="none" w="med" len="med"/>
+                    </a:lnT>
+                    <a:lnB w="9525" cap="flat" cmpd="sng" algn="ctr">
+                      <a:solidFill>
+                        <a:srgbClr val="D03E1A"/>
+                      </a:solidFill>
+                      <a:prstDash val="solid"/>
+                      <a:round/>
+                      <a:headEnd type="none" w="med" len="med"/>
+                      <a:tailEnd type="none" w="med" len="med"/>
+                    </a:lnB>
+                  </a:tcPr>
+                </a:tc>
+                <a:extLst>
+                  <a:ext uri="{0D108BD9-81ED-4DB2-BD59-A6C34878D82A}">
+                    <a16:rowId xmlns:a16="http://schemas.microsoft.com/office/drawing/2014/main" val="773768447"/>
+                  </a:ext>
+                </a:extLst>
+              </a:tr>
+              <a:tr h="570743">
+                <a:tc>
+                  <a:txBody>
+                    <a:bodyPr/>
+                    <a:lstStyle/>
+                    <a:p>
+                      <a:pPr algn="r" rtl="0" fontAlgn="b"/>
+                      <a:r>
+                        <a:rPr lang="en-US" altLang="ko-KR" sz="1100">
+                          <a:effectLst/>
+                        </a:rPr>
+                        <a:t>2012</a:t>
+                      </a:r>
+                    </a:p>
+                  </a:txBody>
+                  <a:tcPr marL="3469" marR="3469" marT="2313" marB="2313" anchor="b">
+                    <a:lnL w="9525" cap="flat" cmpd="sng" algn="ctr">
+                      <a:solidFill>
+                        <a:srgbClr val="CCCCCC"/>
+                      </a:solidFill>
+                      <a:prstDash val="solid"/>
+                      <a:round/>
+                      <a:headEnd type="none" w="med" len="med"/>
+                      <a:tailEnd type="none" w="med" len="med"/>
+                    </a:lnL>
+                    <a:lnR w="9525" cap="flat" cmpd="sng" algn="ctr">
+                      <a:solidFill>
+                        <a:srgbClr val="D03E1A"/>
+                      </a:solidFill>
+                      <a:prstDash val="solid"/>
+                      <a:round/>
+                      <a:headEnd type="none" w="med" len="med"/>
+                      <a:tailEnd type="none" w="med" len="med"/>
+                    </a:lnR>
+                    <a:lnT w="9525" cap="flat" cmpd="sng" algn="ctr">
+                      <a:solidFill>
+                        <a:srgbClr val="CCCCCC"/>
+                      </a:solidFill>
+                      <a:prstDash val="solid"/>
+                      <a:round/>
+                      <a:headEnd type="none" w="med" len="med"/>
+                      <a:tailEnd type="none" w="med" len="med"/>
+                    </a:lnT>
+                    <a:lnB w="9525" cap="flat" cmpd="sng" algn="ctr">
+                      <a:solidFill>
+                        <a:srgbClr val="CCCCCC"/>
+                      </a:solidFill>
+                      <a:prstDash val="solid"/>
+                      <a:round/>
+                      <a:headEnd type="none" w="med" len="med"/>
+                      <a:tailEnd type="none" w="med" len="med"/>
+                    </a:lnB>
+                  </a:tcPr>
+                </a:tc>
+                <a:tc>
+                  <a:txBody>
+                    <a:bodyPr/>
+                    <a:lstStyle/>
+                    <a:p>
+                      <a:pPr rtl="0" fontAlgn="b"/>
+                      <a:r>
+                        <a:rPr lang="en-US" sz="1100">
+                          <a:effectLst/>
+                        </a:rPr>
+                        <a:t>Alex Krizhevsky et al. introduce AlexNet, a convolutional neural network that achieves state-of-the-art results on the ImageNet dataset.</a:t>
+                      </a:r>
+                    </a:p>
+                  </a:txBody>
+                  <a:tcPr marL="3469" marR="3469" marT="2313" marB="2313" anchor="b">
+                    <a:lnL w="9525" cap="flat" cmpd="sng" algn="ctr">
+                      <a:solidFill>
+                        <a:srgbClr val="D03E1A"/>
+                      </a:solidFill>
+                      <a:prstDash val="solid"/>
+                      <a:round/>
+                      <a:headEnd type="none" w="med" len="med"/>
+                      <a:tailEnd type="none" w="med" len="med"/>
+                    </a:lnL>
+                    <a:lnR w="9525" cap="flat" cmpd="sng" algn="ctr">
+                      <a:solidFill>
+                        <a:srgbClr val="D03E1A"/>
+                      </a:solidFill>
+                      <a:prstDash val="solid"/>
+                      <a:round/>
+                      <a:headEnd type="none" w="med" len="med"/>
+                      <a:tailEnd type="none" w="med" len="med"/>
+                    </a:lnR>
+                    <a:lnT w="9525" cap="flat" cmpd="sng" algn="ctr">
+                      <a:solidFill>
+                        <a:srgbClr val="D03E1A"/>
+                      </a:solidFill>
+                      <a:prstDash val="solid"/>
+                      <a:round/>
+                      <a:headEnd type="none" w="med" len="med"/>
+                      <a:tailEnd type="none" w="med" len="med"/>
+                    </a:lnT>
+                    <a:lnB w="9525" cap="flat" cmpd="sng" algn="ctr">
+                      <a:solidFill>
+                        <a:srgbClr val="F0431A"/>
+                      </a:solidFill>
+                      <a:prstDash val="solid"/>
+                      <a:round/>
+                      <a:headEnd type="none" w="med" len="med"/>
+                      <a:tailEnd type="none" w="med" len="med"/>
+                    </a:lnB>
+                  </a:tcPr>
+                </a:tc>
+                <a:extLst>
+                  <a:ext uri="{0D108BD9-81ED-4DB2-BD59-A6C34878D82A}">
+                    <a16:rowId xmlns:a16="http://schemas.microsoft.com/office/drawing/2014/main" val="1810402760"/>
+                  </a:ext>
+                </a:extLst>
+              </a:tr>
+              <a:tr h="404238">
+                <a:tc>
+                  <a:txBody>
+                    <a:bodyPr/>
+                    <a:lstStyle/>
+                    <a:p>
+                      <a:pPr algn="r" rtl="0" fontAlgn="b"/>
+                      <a:r>
+                        <a:rPr lang="en-US" altLang="ko-KR" sz="1100">
+                          <a:effectLst/>
+                        </a:rPr>
+                        <a:t>2015</a:t>
+                      </a:r>
+                    </a:p>
+                  </a:txBody>
+                  <a:tcPr marL="3469" marR="3469" marT="2313" marB="2313" anchor="b">
+                    <a:lnL w="9525" cap="flat" cmpd="sng" algn="ctr">
+                      <a:solidFill>
+                        <a:srgbClr val="CCCCCC"/>
+                      </a:solidFill>
+                      <a:prstDash val="solid"/>
+                      <a:round/>
+                      <a:headEnd type="none" w="med" len="med"/>
+                      <a:tailEnd type="none" w="med" len="med"/>
+                    </a:lnL>
+                    <a:lnR w="9525" cap="flat" cmpd="sng" algn="ctr">
+                      <a:solidFill>
+                        <a:srgbClr val="F0431A"/>
+                      </a:solidFill>
+                      <a:prstDash val="solid"/>
+                      <a:round/>
+                      <a:headEnd type="none" w="med" len="med"/>
+                      <a:tailEnd type="none" w="med" len="med"/>
+                    </a:lnR>
+                    <a:lnT w="9525" cap="flat" cmpd="sng" algn="ctr">
+                      <a:solidFill>
+                        <a:srgbClr val="CCCCCC"/>
+                      </a:solidFill>
+                      <a:prstDash val="solid"/>
+                      <a:round/>
+                      <a:headEnd type="none" w="med" len="med"/>
+                      <a:tailEnd type="none" w="med" len="med"/>
+                    </a:lnT>
+                    <a:lnB w="9525" cap="flat" cmpd="sng" algn="ctr">
+                      <a:solidFill>
+                        <a:srgbClr val="CCCCCC"/>
+                      </a:solidFill>
+                      <a:prstDash val="solid"/>
+                      <a:round/>
+                      <a:headEnd type="none" w="med" len="med"/>
+                      <a:tailEnd type="none" w="med" len="med"/>
+                    </a:lnB>
+                  </a:tcPr>
+                </a:tc>
+                <a:tc>
+                  <a:txBody>
+                    <a:bodyPr/>
+                    <a:lstStyle/>
+                    <a:p>
+                      <a:pPr rtl="0" fontAlgn="b"/>
+                      <a:r>
+                        <a:rPr lang="en-US" sz="1100">
+                          <a:effectLst/>
+                        </a:rPr>
+                        <a:t>Google DeepMind introduces AlphaGo, a neural network that defeats a professional Go player.</a:t>
+                      </a:r>
+                    </a:p>
+                  </a:txBody>
+                  <a:tcPr marL="3469" marR="3469" marT="2313" marB="2313" anchor="b">
+                    <a:lnL w="9525" cap="flat" cmpd="sng" algn="ctr">
+                      <a:solidFill>
+                        <a:srgbClr val="F0431A"/>
+                      </a:solidFill>
+                      <a:prstDash val="solid"/>
+                      <a:round/>
+                      <a:headEnd type="none" w="med" len="med"/>
+                      <a:tailEnd type="none" w="med" len="med"/>
+                    </a:lnL>
+                    <a:lnR w="9525" cap="flat" cmpd="sng" algn="ctr">
+                      <a:solidFill>
+                        <a:srgbClr val="F0431A"/>
+                      </a:solidFill>
+                      <a:prstDash val="solid"/>
+                      <a:round/>
+                      <a:headEnd type="none" w="med" len="med"/>
+                      <a:tailEnd type="none" w="med" len="med"/>
+                    </a:lnR>
+                    <a:lnT w="9525" cap="flat" cmpd="sng" algn="ctr">
+                      <a:solidFill>
+                        <a:srgbClr val="F0431A"/>
+                      </a:solidFill>
+                      <a:prstDash val="solid"/>
+                      <a:round/>
+                      <a:headEnd type="none" w="med" len="med"/>
+                      <a:tailEnd type="none" w="med" len="med"/>
+                    </a:lnT>
+                    <a:lnB w="9525" cap="flat" cmpd="sng" algn="ctr">
+                      <a:solidFill>
+                        <a:srgbClr val="D0431A"/>
+                      </a:solidFill>
+                      <a:prstDash val="solid"/>
+                      <a:round/>
+                      <a:headEnd type="none" w="med" len="med"/>
+                      <a:tailEnd type="none" w="med" len="med"/>
+                    </a:lnB>
+                  </a:tcPr>
+                </a:tc>
+                <a:extLst>
+                  <a:ext uri="{0D108BD9-81ED-4DB2-BD59-A6C34878D82A}">
+                    <a16:rowId xmlns:a16="http://schemas.microsoft.com/office/drawing/2014/main" val="2889684477"/>
+                  </a:ext>
+                </a:extLst>
+              </a:tr>
+              <a:tr h="437539">
+                <a:tc>
+                  <a:txBody>
+                    <a:bodyPr/>
+                    <a:lstStyle/>
+                    <a:p>
+                      <a:pPr algn="r" rtl="0" fontAlgn="b"/>
+                      <a:r>
+                        <a:rPr lang="en-US" altLang="ko-KR" sz="1100">
+                          <a:effectLst/>
+                        </a:rPr>
+                        <a:t>2017</a:t>
+                      </a:r>
+                    </a:p>
+                  </a:txBody>
+                  <a:tcPr marL="3469" marR="3469" marT="2313" marB="2313" anchor="b">
+                    <a:lnL w="9525" cap="flat" cmpd="sng" algn="ctr">
+                      <a:solidFill>
+                        <a:srgbClr val="CCCCCC"/>
+                      </a:solidFill>
+                      <a:prstDash val="solid"/>
+                      <a:round/>
+                      <a:headEnd type="none" w="med" len="med"/>
+                      <a:tailEnd type="none" w="med" len="med"/>
+                    </a:lnL>
+                    <a:lnR w="9525" cap="flat" cmpd="sng" algn="ctr">
+                      <a:solidFill>
+                        <a:srgbClr val="D0431A"/>
+                      </a:solidFill>
+                      <a:prstDash val="solid"/>
+                      <a:round/>
+                      <a:headEnd type="none" w="med" len="med"/>
+                      <a:tailEnd type="none" w="med" len="med"/>
+                    </a:lnR>
+                    <a:lnT w="9525" cap="flat" cmpd="sng" algn="ctr">
+                      <a:solidFill>
+                        <a:srgbClr val="CCCCCC"/>
+                      </a:solidFill>
+                      <a:prstDash val="solid"/>
+                      <a:round/>
+                      <a:headEnd type="none" w="med" len="med"/>
+                      <a:tailEnd type="none" w="med" len="med"/>
+                    </a:lnT>
+                    <a:lnB w="9525" cap="flat" cmpd="sng" algn="ctr">
+                      <a:solidFill>
+                        <a:srgbClr val="CCCCCC"/>
+                      </a:solidFill>
+                      <a:prstDash val="solid"/>
+                      <a:round/>
+                      <a:headEnd type="none" w="med" len="med"/>
+                      <a:tailEnd type="none" w="med" len="med"/>
+                    </a:lnB>
+                  </a:tcPr>
+                </a:tc>
+                <a:tc>
+                  <a:txBody>
+                    <a:bodyPr/>
+                    <a:lstStyle/>
+                    <a:p>
+                      <a:pPr rtl="0" fontAlgn="b"/>
+                      <a:r>
+                        <a:rPr lang="en-US" sz="1100">
+                          <a:effectLst/>
+                        </a:rPr>
+                        <a:t>OpenAI introduces GPT-1, a large language model that can generate realistic and coherent text.</a:t>
+                      </a:r>
+                    </a:p>
+                  </a:txBody>
+                  <a:tcPr marL="3469" marR="3469" marT="2313" marB="2313" anchor="b">
+                    <a:lnL w="9525" cap="flat" cmpd="sng" algn="ctr">
+                      <a:solidFill>
+                        <a:srgbClr val="D0431A"/>
+                      </a:solidFill>
+                      <a:prstDash val="solid"/>
+                      <a:round/>
+                      <a:headEnd type="none" w="med" len="med"/>
+                      <a:tailEnd type="none" w="med" len="med"/>
+                    </a:lnL>
+                    <a:lnR w="9525" cap="flat" cmpd="sng" algn="ctr">
+                      <a:solidFill>
+                        <a:srgbClr val="D0431A"/>
+                      </a:solidFill>
+                      <a:prstDash val="solid"/>
+                      <a:round/>
+                      <a:headEnd type="none" w="med" len="med"/>
+                      <a:tailEnd type="none" w="med" len="med"/>
+                    </a:lnR>
+                    <a:lnT w="9525" cap="flat" cmpd="sng" algn="ctr">
+                      <a:solidFill>
+                        <a:srgbClr val="D0431A"/>
+                      </a:solidFill>
+                      <a:prstDash val="solid"/>
+                      <a:round/>
+                      <a:headEnd type="none" w="med" len="med"/>
+                      <a:tailEnd type="none" w="med" len="med"/>
+                    </a:lnT>
+                    <a:lnB w="9525" cap="flat" cmpd="sng" algn="ctr">
+                      <a:solidFill>
+                        <a:srgbClr val="30471A"/>
+                      </a:solidFill>
+                      <a:prstDash val="solid"/>
+                      <a:round/>
+                      <a:headEnd type="none" w="med" len="med"/>
+                      <a:tailEnd type="none" w="med" len="med"/>
+                    </a:lnB>
+                  </a:tcPr>
+                </a:tc>
+                <a:extLst>
+                  <a:ext uri="{0D108BD9-81ED-4DB2-BD59-A6C34878D82A}">
+                    <a16:rowId xmlns:a16="http://schemas.microsoft.com/office/drawing/2014/main" val="3090144246"/>
+                  </a:ext>
+                </a:extLst>
+              </a:tr>
+              <a:tr h="304335">
+                <a:tc>
+                  <a:txBody>
+                    <a:bodyPr/>
+                    <a:lstStyle/>
+                    <a:p>
+                      <a:pPr algn="r" rtl="0" fontAlgn="b"/>
+                      <a:r>
+                        <a:rPr lang="en-US" altLang="ko-KR" sz="1100">
+                          <a:effectLst/>
+                        </a:rPr>
+                        <a:t>2020</a:t>
+                      </a:r>
+                    </a:p>
+                  </a:txBody>
+                  <a:tcPr marL="3469" marR="3469" marT="2313" marB="2313" anchor="b">
+                    <a:lnL w="9525" cap="flat" cmpd="sng" algn="ctr">
+                      <a:solidFill>
+                        <a:srgbClr val="CCCCCC"/>
+                      </a:solidFill>
+                      <a:prstDash val="solid"/>
+                      <a:round/>
+                      <a:headEnd type="none" w="med" len="med"/>
+                      <a:tailEnd type="none" w="med" len="med"/>
+                    </a:lnL>
+                    <a:lnR w="9525" cap="flat" cmpd="sng" algn="ctr">
+                      <a:solidFill>
+                        <a:srgbClr val="30471A"/>
+                      </a:solidFill>
+                      <a:prstDash val="solid"/>
+                      <a:round/>
+                      <a:headEnd type="none" w="med" len="med"/>
+                      <a:tailEnd type="none" w="med" len="med"/>
+                    </a:lnR>
+                    <a:lnT w="9525" cap="flat" cmpd="sng" algn="ctr">
+                      <a:solidFill>
+                        <a:srgbClr val="CCCCCC"/>
+                      </a:solidFill>
+                      <a:prstDash val="solid"/>
+                      <a:round/>
+                      <a:headEnd type="none" w="med" len="med"/>
+                      <a:tailEnd type="none" w="med" len="med"/>
+                    </a:lnT>
+                    <a:lnB w="9525" cap="flat" cmpd="sng" algn="ctr">
+                      <a:solidFill>
+                        <a:srgbClr val="CCCCCC"/>
+                      </a:solidFill>
+                      <a:prstDash val="solid"/>
+                      <a:round/>
+                      <a:headEnd type="none" w="med" len="med"/>
+                      <a:tailEnd type="none" w="med" len="med"/>
+                    </a:lnB>
+                  </a:tcPr>
+                </a:tc>
+                <a:tc>
+                  <a:txBody>
+                    <a:bodyPr/>
+                    <a:lstStyle/>
+                    <a:p>
+                      <a:pPr rtl="0" fontAlgn="b"/>
+                      <a:r>
+                        <a:rPr lang="en-US" sz="1100">
+                          <a:effectLst/>
+                        </a:rPr>
+                        <a:t>OpenAI introduces GPT-3, a larger and more powerful language model.</a:t>
+                      </a:r>
+                    </a:p>
+                  </a:txBody>
+                  <a:tcPr marL="3469" marR="3469" marT="2313" marB="2313" anchor="b">
+                    <a:lnL w="9525" cap="flat" cmpd="sng" algn="ctr">
+                      <a:solidFill>
+                        <a:srgbClr val="30471A"/>
+                      </a:solidFill>
+                      <a:prstDash val="solid"/>
+                      <a:round/>
+                      <a:headEnd type="none" w="med" len="med"/>
+                      <a:tailEnd type="none" w="med" len="med"/>
+                    </a:lnL>
+                    <a:lnR w="9525" cap="flat" cmpd="sng" algn="ctr">
+                      <a:solidFill>
+                        <a:srgbClr val="30471A"/>
+                      </a:solidFill>
+                      <a:prstDash val="solid"/>
+                      <a:round/>
+                      <a:headEnd type="none" w="med" len="med"/>
+                      <a:tailEnd type="none" w="med" len="med"/>
+                    </a:lnR>
+                    <a:lnT w="9525" cap="flat" cmpd="sng" algn="ctr">
+                      <a:solidFill>
+                        <a:srgbClr val="30471A"/>
+                      </a:solidFill>
+                      <a:prstDash val="solid"/>
+                      <a:round/>
+                      <a:headEnd type="none" w="med" len="med"/>
+                      <a:tailEnd type="none" w="med" len="med"/>
+                    </a:lnT>
+                    <a:lnB w="9525" cap="flat" cmpd="sng" algn="ctr">
+                      <a:solidFill>
+                        <a:srgbClr val="704C1A"/>
+                      </a:solidFill>
+                      <a:prstDash val="solid"/>
+                      <a:round/>
+                      <a:headEnd type="none" w="med" len="med"/>
+                      <a:tailEnd type="none" w="med" len="med"/>
+                    </a:lnB>
+                  </a:tcPr>
+                </a:tc>
+                <a:extLst>
+                  <a:ext uri="{0D108BD9-81ED-4DB2-BD59-A6C34878D82A}">
+                    <a16:rowId xmlns:a16="http://schemas.microsoft.com/office/drawing/2014/main" val="4106278749"/>
+                  </a:ext>
+                </a:extLst>
+              </a:tr>
+              <a:tr h="304335">
+                <a:tc>
+                  <a:txBody>
+                    <a:bodyPr/>
+                    <a:lstStyle/>
+                    <a:p>
+                      <a:pPr algn="r" rtl="0" fontAlgn="b"/>
+                      <a:r>
+                        <a:rPr lang="en-US" altLang="ko-KR" sz="1100">
+                          <a:effectLst/>
+                        </a:rPr>
+                        <a:t>2022</a:t>
+                      </a:r>
+                    </a:p>
+                  </a:txBody>
+                  <a:tcPr marL="3469" marR="3469" marT="2313" marB="2313" anchor="b">
+                    <a:lnL w="9525" cap="flat" cmpd="sng" algn="ctr">
+                      <a:solidFill>
+                        <a:srgbClr val="CCCCCC"/>
+                      </a:solidFill>
+                      <a:prstDash val="solid"/>
+                      <a:round/>
+                      <a:headEnd type="none" w="med" len="med"/>
+                      <a:tailEnd type="none" w="med" len="med"/>
+                    </a:lnL>
+                    <a:lnR w="9525" cap="flat" cmpd="sng" algn="ctr">
+                      <a:solidFill>
+                        <a:srgbClr val="704C1A"/>
+                      </a:solidFill>
+                      <a:prstDash val="solid"/>
+                      <a:round/>
+                      <a:headEnd type="none" w="med" len="med"/>
+                      <a:tailEnd type="none" w="med" len="med"/>
+                    </a:lnR>
+                    <a:lnT w="9525" cap="flat" cmpd="sng" algn="ctr">
+                      <a:solidFill>
+                        <a:srgbClr val="CCCCCC"/>
+                      </a:solidFill>
+                      <a:prstDash val="solid"/>
+                      <a:round/>
+                      <a:headEnd type="none" w="med" len="med"/>
+                      <a:tailEnd type="none" w="med" len="med"/>
+                    </a:lnT>
+                    <a:lnB w="9525" cap="flat" cmpd="sng" algn="ctr">
+                      <a:solidFill>
+                        <a:srgbClr val="CCCCCC"/>
+                      </a:solidFill>
+                      <a:prstDash val="solid"/>
+                      <a:round/>
+                      <a:headEnd type="none" w="med" len="med"/>
+                      <a:tailEnd type="none" w="med" len="med"/>
+                    </a:lnB>
+                  </a:tcPr>
+                </a:tc>
+                <a:tc>
+                  <a:txBody>
+                    <a:bodyPr/>
+                    <a:lstStyle/>
+                    <a:p>
+                      <a:pPr rtl="0" fontAlgn="b"/>
+                      <a:r>
+                        <a:rPr lang="en-US" sz="1100" dirty="0">
+                          <a:effectLst/>
+                        </a:rPr>
+                        <a:t>Google AI introduces </a:t>
+                      </a:r>
+                      <a:r>
+                        <a:rPr lang="en-US" sz="1100" dirty="0" err="1">
+                          <a:effectLst/>
+                        </a:rPr>
+                        <a:t>PaLM</a:t>
+                      </a:r>
+                      <a:r>
+                        <a:rPr lang="en-US" sz="1100" dirty="0">
+                          <a:effectLst/>
+                        </a:rPr>
+                        <a:t>, the largest language model in the world.</a:t>
+                      </a:r>
+                    </a:p>
+                  </a:txBody>
+                  <a:tcPr marL="3469" marR="3469" marT="2313" marB="2313" anchor="b">
+                    <a:lnL w="9525" cap="flat" cmpd="sng" algn="ctr">
+                      <a:solidFill>
+                        <a:srgbClr val="704C1A"/>
+                      </a:solidFill>
+                      <a:prstDash val="solid"/>
+                      <a:round/>
+                      <a:headEnd type="none" w="med" len="med"/>
+                      <a:tailEnd type="none" w="med" len="med"/>
+                    </a:lnL>
+                    <a:lnR w="9525" cap="flat" cmpd="sng" algn="ctr">
+                      <a:solidFill>
+                        <a:srgbClr val="704C1A"/>
+                      </a:solidFill>
+                      <a:prstDash val="solid"/>
+                      <a:round/>
+                      <a:headEnd type="none" w="med" len="med"/>
+                      <a:tailEnd type="none" w="med" len="med"/>
+                    </a:lnR>
+                    <a:lnT w="9525" cap="flat" cmpd="sng" algn="ctr">
+                      <a:solidFill>
+                        <a:srgbClr val="704C1A"/>
+                      </a:solidFill>
+                      <a:prstDash val="solid"/>
+                      <a:round/>
+                      <a:headEnd type="none" w="med" len="med"/>
+                      <a:tailEnd type="none" w="med" len="med"/>
+                    </a:lnT>
+                    <a:lnB w="9525" cap="flat" cmpd="sng" algn="ctr">
+                      <a:solidFill>
+                        <a:srgbClr val="704C1A"/>
+                      </a:solidFill>
+                      <a:prstDash val="solid"/>
+                      <a:round/>
+                      <a:headEnd type="none" w="med" len="med"/>
+                      <a:tailEnd type="none" w="med" len="med"/>
+                    </a:lnB>
+                  </a:tcPr>
+                </a:tc>
+                <a:extLst>
+                  <a:ext uri="{0D108BD9-81ED-4DB2-BD59-A6C34878D82A}">
+                    <a16:rowId xmlns:a16="http://schemas.microsoft.com/office/drawing/2014/main" val="3443996589"/>
+                  </a:ext>
+                </a:extLst>
+              </a:tr>
+            </a:tbl>
+          </a:graphicData>
+        </a:graphic>
+      </p:graphicFrame>
+      <p:sp>
+        <p:nvSpPr>
+          <p:cNvPr id="5" name="직사각형 4">
+            <a:extLst>
+              <a:ext uri="{FF2B5EF4-FFF2-40B4-BE49-F238E27FC236}">
+                <a16:creationId xmlns:a16="http://schemas.microsoft.com/office/drawing/2014/main" id="{F26CE72D-293B-4733-A903-D0C1CC7567B0}"/>
+              </a:ext>
+            </a:extLst>
+          </p:cNvPr>
+          <p:cNvSpPr/>
+          <p:nvPr/>
         </p:nvSpPr>
-        <p:spPr/>
+        <p:spPr>
+          <a:xfrm>
+            <a:off x="757806" y="223973"/>
+            <a:ext cx="6096000" cy="1477328"/>
+          </a:xfrm>
+          <a:prstGeom prst="rect">
+            <a:avLst/>
+          </a:prstGeom>
+        </p:spPr>
         <p:txBody>
-          <a:bodyPr/>
+          <a:bodyPr>
+            <a:spAutoFit/>
+          </a:bodyPr>
           <a:lstStyle/>
           <a:p>
+            <a:pPr>
+              <a:buFont typeface="Arial" panose="020B0604020202020204" pitchFamily="34" charset="0"/>
+              <a:buChar char="•"/>
+            </a:pPr>
             <a:r>
               <a:rPr lang="en-US" altLang="ko-KR" dirty="0">
-                <a:latin typeface="Söhne"/>
-              </a:rPr>
-              <a:t>A language model in artificial intelligence is a type of model that is trained to understand, generate, and interpret </a:t>
-            </a:r>
-            <a:r>
-              <a:rPr lang="en-US" altLang="ko-KR" dirty="0">
-                <a:highlight>
-                  <a:srgbClr val="FFFF00"/>
-                </a:highlight>
-                <a:latin typeface="Söhne"/>
-              </a:rPr>
-              <a:t>human language.</a:t>
-            </a:r>
-            <a:endParaRPr lang="ko-KR" altLang="en-US" dirty="0">
-              <a:highlight>
-                <a:srgbClr val="FFFF00"/>
-              </a:highlight>
+                <a:solidFill>
+                  <a:srgbClr val="1F1F1F"/>
+                </a:solidFill>
+                <a:latin typeface="Google Sans"/>
+              </a:rPr>
+              <a:t>A large language model (LLM) chatbot developed by Google AI. Bard is trained on a massive dataset of text and code, and can generate text, translate languages, write different kinds of creative content, and answer your questions in an informative way.</a:t>
+            </a:r>
+            <a:endParaRPr lang="en-US" altLang="ko-KR" b="0" i="0" dirty="0">
+              <a:solidFill>
+                <a:srgbClr val="1F1F1F"/>
+              </a:solidFill>
+              <a:effectLst/>
+              <a:latin typeface="Google Sans"/>
             </a:endParaRPr>
-          </a:p>
-          <a:p>
-            <a:endParaRPr lang="en-US" altLang="ko-KR" b="1" dirty="0">
-              <a:solidFill>
-                <a:srgbClr val="202122"/>
-              </a:solidFill>
-              <a:highlight>
-                <a:srgbClr val="FFFF00"/>
-              </a:highlight>
-              <a:latin typeface="Arial" panose="020B0604020202020204" pitchFamily="34" charset="0"/>
-            </a:endParaRPr>
-          </a:p>
-          <a:p>
-            <a:r>
-              <a:rPr lang="ko-KR" altLang="en-US" b="1" dirty="0">
-                <a:solidFill>
-                  <a:srgbClr val="202122"/>
-                </a:solidFill>
-                <a:latin typeface="Arial" panose="020B0604020202020204" pitchFamily="34" charset="0"/>
-              </a:rPr>
-              <a:t>언어 모델</a:t>
-            </a:r>
-            <a:r>
-              <a:rPr lang="en-US" altLang="ko-KR" dirty="0">
-                <a:solidFill>
-                  <a:srgbClr val="202122"/>
-                </a:solidFill>
-                <a:latin typeface="Arial" panose="020B0604020202020204" pitchFamily="34" charset="0"/>
-              </a:rPr>
-              <a:t>(language model) </a:t>
-            </a:r>
-            <a:r>
-              <a:rPr lang="ko-KR" altLang="en-US" dirty="0">
-                <a:solidFill>
-                  <a:srgbClr val="202122"/>
-                </a:solidFill>
-                <a:latin typeface="Arial" panose="020B0604020202020204" pitchFamily="34" charset="0"/>
-              </a:rPr>
-              <a:t>또는 </a:t>
-            </a:r>
-            <a:r>
-              <a:rPr lang="ko-KR" altLang="en-US" b="1" dirty="0">
-                <a:solidFill>
-                  <a:srgbClr val="202122"/>
-                </a:solidFill>
-                <a:latin typeface="Arial" panose="020B0604020202020204" pitchFamily="34" charset="0"/>
-              </a:rPr>
-              <a:t>언어 모형</a:t>
-            </a:r>
-            <a:r>
-              <a:rPr lang="ko-KR" altLang="en-US" dirty="0">
-                <a:solidFill>
-                  <a:srgbClr val="202122"/>
-                </a:solidFill>
-                <a:latin typeface="Arial" panose="020B0604020202020204" pitchFamily="34" charset="0"/>
-              </a:rPr>
-              <a:t>은 </a:t>
-            </a:r>
-            <a:r>
-              <a:rPr lang="ko-KR" altLang="en-US" dirty="0">
-                <a:solidFill>
-                  <a:srgbClr val="202122"/>
-                </a:solidFill>
-                <a:highlight>
-                  <a:srgbClr val="FFFF00"/>
-                </a:highlight>
-                <a:latin typeface="Arial" panose="020B0604020202020204" pitchFamily="34" charset="0"/>
-              </a:rPr>
-              <a:t>일련의 단어들의 </a:t>
-            </a:r>
-            <a:r>
-              <a:rPr lang="ko-KR" altLang="en-US" dirty="0">
-                <a:solidFill>
-                  <a:srgbClr val="3366CC"/>
-                </a:solidFill>
-                <a:highlight>
-                  <a:srgbClr val="FFFF00"/>
-                </a:highlight>
-                <a:latin typeface="Arial" panose="020B0604020202020204" pitchFamily="34" charset="0"/>
-                <a:hlinkClick r:id="rId2" tooltip="확률 분포"/>
-              </a:rPr>
-              <a:t>확률 분포</a:t>
-            </a:r>
-            <a:r>
-              <a:rPr lang="ko-KR" altLang="en-US" dirty="0">
-                <a:solidFill>
-                  <a:srgbClr val="202122"/>
-                </a:solidFill>
-                <a:highlight>
-                  <a:srgbClr val="FFFF00"/>
-                </a:highlight>
-                <a:latin typeface="Arial" panose="020B0604020202020204" pitchFamily="34" charset="0"/>
-              </a:rPr>
-              <a:t>이다</a:t>
-            </a:r>
-            <a:r>
-              <a:rPr lang="en-US" altLang="ko-KR" dirty="0">
-                <a:solidFill>
-                  <a:srgbClr val="202122"/>
-                </a:solidFill>
-                <a:highlight>
-                  <a:srgbClr val="FFFF00"/>
-                </a:highlight>
-                <a:latin typeface="Arial" panose="020B0604020202020204" pitchFamily="34" charset="0"/>
-              </a:rPr>
-              <a:t>.</a:t>
-            </a:r>
-            <a:endParaRPr lang="ko-KR" altLang="en-US" dirty="0">
-              <a:highlight>
-                <a:srgbClr val="FFFF00"/>
-              </a:highlight>
-            </a:endParaRPr>
-          </a:p>
-          <a:p>
-            <a:endParaRPr lang="ko-KR" altLang="en-US" dirty="0"/>
           </a:p>
         </p:txBody>
       </p:sp>
     </p:spTree>
     <p:extLst>
       <p:ext uri="{BB962C8B-B14F-4D97-AF65-F5344CB8AC3E}">
-        <p14:creationId xmlns:p14="http://schemas.microsoft.com/office/powerpoint/2010/main" val="3341951191"/>
+        <p14:creationId xmlns:p14="http://schemas.microsoft.com/office/powerpoint/2010/main" val="1497513838"/>
       </p:ext>
     </p:extLst>
   </p:cSld>
@@ -3885,7 +6524,7 @@
 </p:sld>
 </file>
 
-<file path=ppt/slides/slide4.xml><?xml version="1.0" encoding="utf-8"?>
+<file path=ppt/slides/slide13.xml><?xml version="1.0" encoding="utf-8"?>
 <p:sld xmlns:a="http://schemas.openxmlformats.org/drawingml/2006/main" xmlns:r="http://schemas.openxmlformats.org/officeDocument/2006/relationships" xmlns:p="http://schemas.openxmlformats.org/presentationml/2006/main">
   <p:cSld>
     <p:spTree>
@@ -3902,167 +6541,888 @@
           <a:chExt cx="0" cy="0"/>
         </a:xfrm>
       </p:grpSpPr>
-      <p:sp>
-        <p:nvSpPr>
-          <p:cNvPr id="2" name="제목 1">
-            <a:extLst>
-              <a:ext uri="{FF2B5EF4-FFF2-40B4-BE49-F238E27FC236}">
-                <a16:creationId xmlns:a16="http://schemas.microsoft.com/office/drawing/2014/main" id="{50875194-F17C-4A13-8809-2802C101BDCA}"/>
-              </a:ext>
-            </a:extLst>
-          </p:cNvPr>
-          <p:cNvSpPr>
-            <a:spLocks noGrp="1"/>
-          </p:cNvSpPr>
-          <p:nvPr>
-            <p:ph type="title"/>
-          </p:nvPr>
-        </p:nvSpPr>
-        <p:spPr/>
-        <p:txBody>
-          <a:bodyPr/>
-          <a:lstStyle/>
-          <a:p>
-            <a:r>
-              <a:rPr lang="en-US" altLang="ko-KR" dirty="0"/>
-              <a:t>Language models</a:t>
-            </a:r>
-            <a:endParaRPr lang="ko-KR" altLang="en-US" dirty="0"/>
-          </a:p>
-        </p:txBody>
-      </p:sp>
-      <p:sp>
-        <p:nvSpPr>
-          <p:cNvPr id="3" name="내용 개체 틀 2">
-            <a:extLst>
-              <a:ext uri="{FF2B5EF4-FFF2-40B4-BE49-F238E27FC236}">
-                <a16:creationId xmlns:a16="http://schemas.microsoft.com/office/drawing/2014/main" id="{09302E69-7D85-4AE5-894E-276D74C92DB8}"/>
-              </a:ext>
-            </a:extLst>
-          </p:cNvPr>
-          <p:cNvSpPr>
-            <a:spLocks noGrp="1"/>
-          </p:cNvSpPr>
+      <p:graphicFrame>
+        <p:nvGraphicFramePr>
+          <p:cNvPr id="7" name="내용 개체 틀 6">
+            <a:extLst>
+              <a:ext uri="{FF2B5EF4-FFF2-40B4-BE49-F238E27FC236}">
+                <a16:creationId xmlns:a16="http://schemas.microsoft.com/office/drawing/2014/main" id="{D5AC0921-78DE-4E31-A7D0-38CCF2B65E98}"/>
+              </a:ext>
+            </a:extLst>
+          </p:cNvPr>
+          <p:cNvGraphicFramePr>
+            <a:graphicFrameLocks noGrp="1"/>
+          </p:cNvGraphicFramePr>
           <p:nvPr>
             <p:ph idx="1"/>
           </p:nvPr>
+        </p:nvGraphicFramePr>
+        <p:xfrm>
+          <a:off x="279239" y="281161"/>
+          <a:ext cx="8713759" cy="1836420"/>
+        </p:xfrm>
+        <a:graphic>
+          <a:graphicData uri="http://schemas.openxmlformats.org/drawingml/2006/table">
+            <a:tbl>
+              <a:tblPr/>
+              <a:tblGrid>
+                <a:gridCol w="2153568">
+                  <a:extLst>
+                    <a:ext uri="{9D8B030D-6E8A-4147-A177-3AD203B41FA5}">
+                      <a16:colId xmlns:a16="http://schemas.microsoft.com/office/drawing/2014/main" val="4249791816"/>
+                    </a:ext>
+                  </a:extLst>
+                </a:gridCol>
+                <a:gridCol w="6560191">
+                  <a:extLst>
+                    <a:ext uri="{9D8B030D-6E8A-4147-A177-3AD203B41FA5}">
+                      <a16:colId xmlns:a16="http://schemas.microsoft.com/office/drawing/2014/main" val="1047621572"/>
+                    </a:ext>
+                  </a:extLst>
+                </a:gridCol>
+              </a:tblGrid>
+              <a:tr h="200025">
+                <a:tc>
+                  <a:txBody>
+                    <a:bodyPr/>
+                    <a:lstStyle/>
+                    <a:p>
+                      <a:pPr rtl="0" fontAlgn="b"/>
+                      <a:r>
+                        <a:rPr lang="en-US">
+                          <a:effectLst/>
+                        </a:rPr>
+                        <a:t>Year</a:t>
+                      </a:r>
+                    </a:p>
+                  </a:txBody>
+                  <a:tcPr marL="28575" marR="28575" marT="19050" marB="19050" anchor="b">
+                    <a:lnL w="9525" cap="flat" cmpd="sng" algn="ctr">
+                      <a:solidFill>
+                        <a:srgbClr val="CCCCCC"/>
+                      </a:solidFill>
+                      <a:prstDash val="solid"/>
+                      <a:round/>
+                      <a:headEnd type="none" w="med" len="med"/>
+                      <a:tailEnd type="none" w="med" len="med"/>
+                    </a:lnL>
+                    <a:lnR w="9525" cap="flat" cmpd="sng" algn="ctr">
+                      <a:solidFill>
+                        <a:srgbClr val="CCCCCC"/>
+                      </a:solidFill>
+                      <a:prstDash val="solid"/>
+                      <a:round/>
+                      <a:headEnd type="none" w="med" len="med"/>
+                      <a:tailEnd type="none" w="med" len="med"/>
+                    </a:lnR>
+                    <a:lnT w="9525" cap="flat" cmpd="sng" algn="ctr">
+                      <a:solidFill>
+                        <a:srgbClr val="CCCCCC"/>
+                      </a:solidFill>
+                      <a:prstDash val="solid"/>
+                      <a:round/>
+                      <a:headEnd type="none" w="med" len="med"/>
+                      <a:tailEnd type="none" w="med" len="med"/>
+                    </a:lnT>
+                    <a:lnB w="9525" cap="flat" cmpd="sng" algn="ctr">
+                      <a:solidFill>
+                        <a:srgbClr val="CCCCCC"/>
+                      </a:solidFill>
+                      <a:prstDash val="solid"/>
+                      <a:round/>
+                      <a:headEnd type="none" w="med" len="med"/>
+                      <a:tailEnd type="none" w="med" len="med"/>
+                    </a:lnB>
+                  </a:tcPr>
+                </a:tc>
+                <a:tc>
+                  <a:txBody>
+                    <a:bodyPr/>
+                    <a:lstStyle/>
+                    <a:p>
+                      <a:pPr rtl="0" fontAlgn="b"/>
+                      <a:r>
+                        <a:rPr lang="en-US">
+                          <a:effectLst/>
+                        </a:rPr>
+                        <a:t>Event</a:t>
+                      </a:r>
+                    </a:p>
+                  </a:txBody>
+                  <a:tcPr marL="28575" marR="28575" marT="19050" marB="19050" anchor="b">
+                    <a:lnL w="9525" cap="flat" cmpd="sng" algn="ctr">
+                      <a:solidFill>
+                        <a:srgbClr val="CCCCCC"/>
+                      </a:solidFill>
+                      <a:prstDash val="solid"/>
+                      <a:round/>
+                      <a:headEnd type="none" w="med" len="med"/>
+                      <a:tailEnd type="none" w="med" len="med"/>
+                    </a:lnL>
+                    <a:lnR w="9525" cap="flat" cmpd="sng" algn="ctr">
+                      <a:solidFill>
+                        <a:srgbClr val="CCCCCC"/>
+                      </a:solidFill>
+                      <a:prstDash val="solid"/>
+                      <a:round/>
+                      <a:headEnd type="none" w="med" len="med"/>
+                      <a:tailEnd type="none" w="med" len="med"/>
+                    </a:lnR>
+                    <a:lnT w="9525" cap="flat" cmpd="sng" algn="ctr">
+                      <a:solidFill>
+                        <a:srgbClr val="CCCCCC"/>
+                      </a:solidFill>
+                      <a:prstDash val="solid"/>
+                      <a:round/>
+                      <a:headEnd type="none" w="med" len="med"/>
+                      <a:tailEnd type="none" w="med" len="med"/>
+                    </a:lnT>
+                    <a:lnB w="9525" cap="flat" cmpd="sng" algn="ctr">
+                      <a:solidFill>
+                        <a:srgbClr val="CCCCCC"/>
+                      </a:solidFill>
+                      <a:prstDash val="solid"/>
+                      <a:round/>
+                      <a:headEnd type="none" w="med" len="med"/>
+                      <a:tailEnd type="none" w="med" len="med"/>
+                    </a:lnB>
+                  </a:tcPr>
+                </a:tc>
+                <a:extLst>
+                  <a:ext uri="{0D108BD9-81ED-4DB2-BD59-A6C34878D82A}">
+                    <a16:rowId xmlns:a16="http://schemas.microsoft.com/office/drawing/2014/main" val="757700957"/>
+                  </a:ext>
+                </a:extLst>
+              </a:tr>
+              <a:tr h="200025">
+                <a:tc>
+                  <a:txBody>
+                    <a:bodyPr/>
+                    <a:lstStyle/>
+                    <a:p>
+                      <a:pPr algn="r" rtl="0" fontAlgn="b"/>
+                      <a:r>
+                        <a:rPr lang="en-US" altLang="ko-KR">
+                          <a:effectLst/>
+                        </a:rPr>
+                        <a:t>2021</a:t>
+                      </a:r>
+                    </a:p>
+                  </a:txBody>
+                  <a:tcPr marL="28575" marR="28575" marT="19050" marB="19050" anchor="b">
+                    <a:lnL w="9525" cap="flat" cmpd="sng" algn="ctr">
+                      <a:solidFill>
+                        <a:srgbClr val="CCCCCC"/>
+                      </a:solidFill>
+                      <a:prstDash val="solid"/>
+                      <a:round/>
+                      <a:headEnd type="none" w="med" len="med"/>
+                      <a:tailEnd type="none" w="med" len="med"/>
+                    </a:lnL>
+                    <a:lnR w="9525" cap="flat" cmpd="sng" algn="ctr">
+                      <a:solidFill>
+                        <a:srgbClr val="CCCCCC"/>
+                      </a:solidFill>
+                      <a:prstDash val="solid"/>
+                      <a:round/>
+                      <a:headEnd type="none" w="med" len="med"/>
+                      <a:tailEnd type="none" w="med" len="med"/>
+                    </a:lnR>
+                    <a:lnT w="9525" cap="flat" cmpd="sng" algn="ctr">
+                      <a:solidFill>
+                        <a:srgbClr val="CCCCCC"/>
+                      </a:solidFill>
+                      <a:prstDash val="solid"/>
+                      <a:round/>
+                      <a:headEnd type="none" w="med" len="med"/>
+                      <a:tailEnd type="none" w="med" len="med"/>
+                    </a:lnT>
+                    <a:lnB w="9525" cap="flat" cmpd="sng" algn="ctr">
+                      <a:solidFill>
+                        <a:srgbClr val="CCCCCC"/>
+                      </a:solidFill>
+                      <a:prstDash val="solid"/>
+                      <a:round/>
+                      <a:headEnd type="none" w="med" len="med"/>
+                      <a:tailEnd type="none" w="med" len="med"/>
+                    </a:lnB>
+                  </a:tcPr>
+                </a:tc>
+                <a:tc>
+                  <a:txBody>
+                    <a:bodyPr/>
+                    <a:lstStyle/>
+                    <a:p>
+                      <a:pPr rtl="0" fontAlgn="b"/>
+                      <a:r>
+                        <a:rPr lang="en-US">
+                          <a:effectLst/>
+                        </a:rPr>
+                        <a:t>Bard is first announced by Google AI.</a:t>
+                      </a:r>
+                    </a:p>
+                  </a:txBody>
+                  <a:tcPr marL="28575" marR="28575" marT="19050" marB="19050" anchor="b">
+                    <a:lnL w="9525" cap="flat" cmpd="sng" algn="ctr">
+                      <a:solidFill>
+                        <a:srgbClr val="CCCCCC"/>
+                      </a:solidFill>
+                      <a:prstDash val="solid"/>
+                      <a:round/>
+                      <a:headEnd type="none" w="med" len="med"/>
+                      <a:tailEnd type="none" w="med" len="med"/>
+                    </a:lnL>
+                    <a:lnR w="9525" cap="flat" cmpd="sng" algn="ctr">
+                      <a:solidFill>
+                        <a:srgbClr val="CCCCCC"/>
+                      </a:solidFill>
+                      <a:prstDash val="solid"/>
+                      <a:round/>
+                      <a:headEnd type="none" w="med" len="med"/>
+                      <a:tailEnd type="none" w="med" len="med"/>
+                    </a:lnR>
+                    <a:lnT w="9525" cap="flat" cmpd="sng" algn="ctr">
+                      <a:solidFill>
+                        <a:srgbClr val="CCCCCC"/>
+                      </a:solidFill>
+                      <a:prstDash val="solid"/>
+                      <a:round/>
+                      <a:headEnd type="none" w="med" len="med"/>
+                      <a:tailEnd type="none" w="med" len="med"/>
+                    </a:lnT>
+                    <a:lnB w="9525" cap="flat" cmpd="sng" algn="ctr">
+                      <a:solidFill>
+                        <a:srgbClr val="CCCCCC"/>
+                      </a:solidFill>
+                      <a:prstDash val="solid"/>
+                      <a:round/>
+                      <a:headEnd type="none" w="med" len="med"/>
+                      <a:tailEnd type="none" w="med" len="med"/>
+                    </a:lnB>
+                  </a:tcPr>
+                </a:tc>
+                <a:extLst>
+                  <a:ext uri="{0D108BD9-81ED-4DB2-BD59-A6C34878D82A}">
+                    <a16:rowId xmlns:a16="http://schemas.microsoft.com/office/drawing/2014/main" val="2205176755"/>
+                  </a:ext>
+                </a:extLst>
+              </a:tr>
+              <a:tr h="200025">
+                <a:tc>
+                  <a:txBody>
+                    <a:bodyPr/>
+                    <a:lstStyle/>
+                    <a:p>
+                      <a:pPr algn="r" rtl="0" fontAlgn="b"/>
+                      <a:r>
+                        <a:rPr lang="en-US" altLang="ko-KR">
+                          <a:effectLst/>
+                        </a:rPr>
+                        <a:t>2022</a:t>
+                      </a:r>
+                    </a:p>
+                  </a:txBody>
+                  <a:tcPr marL="28575" marR="28575" marT="19050" marB="19050" anchor="b">
+                    <a:lnL w="9525" cap="flat" cmpd="sng" algn="ctr">
+                      <a:solidFill>
+                        <a:srgbClr val="CCCCCC"/>
+                      </a:solidFill>
+                      <a:prstDash val="solid"/>
+                      <a:round/>
+                      <a:headEnd type="none" w="med" len="med"/>
+                      <a:tailEnd type="none" w="med" len="med"/>
+                    </a:lnL>
+                    <a:lnR w="9525" cap="flat" cmpd="sng" algn="ctr">
+                      <a:solidFill>
+                        <a:srgbClr val="CCCCCC"/>
+                      </a:solidFill>
+                      <a:prstDash val="solid"/>
+                      <a:round/>
+                      <a:headEnd type="none" w="med" len="med"/>
+                      <a:tailEnd type="none" w="med" len="med"/>
+                    </a:lnR>
+                    <a:lnT w="9525" cap="flat" cmpd="sng" algn="ctr">
+                      <a:solidFill>
+                        <a:srgbClr val="CCCCCC"/>
+                      </a:solidFill>
+                      <a:prstDash val="solid"/>
+                      <a:round/>
+                      <a:headEnd type="none" w="med" len="med"/>
+                      <a:tailEnd type="none" w="med" len="med"/>
+                    </a:lnT>
+                    <a:lnB w="9525" cap="flat" cmpd="sng" algn="ctr">
+                      <a:solidFill>
+                        <a:srgbClr val="CCCCCC"/>
+                      </a:solidFill>
+                      <a:prstDash val="solid"/>
+                      <a:round/>
+                      <a:headEnd type="none" w="med" len="med"/>
+                      <a:tailEnd type="none" w="med" len="med"/>
+                    </a:lnB>
+                  </a:tcPr>
+                </a:tc>
+                <a:tc>
+                  <a:txBody>
+                    <a:bodyPr/>
+                    <a:lstStyle/>
+                    <a:p>
+                      <a:pPr rtl="0" fontAlgn="b"/>
+                      <a:r>
+                        <a:rPr lang="en-US">
+                          <a:effectLst/>
+                        </a:rPr>
+                        <a:t>Bard is released in beta to a small group of users.</a:t>
+                      </a:r>
+                    </a:p>
+                  </a:txBody>
+                  <a:tcPr marL="28575" marR="28575" marT="19050" marB="19050" anchor="b">
+                    <a:lnL w="9525" cap="flat" cmpd="sng" algn="ctr">
+                      <a:solidFill>
+                        <a:srgbClr val="CCCCCC"/>
+                      </a:solidFill>
+                      <a:prstDash val="solid"/>
+                      <a:round/>
+                      <a:headEnd type="none" w="med" len="med"/>
+                      <a:tailEnd type="none" w="med" len="med"/>
+                    </a:lnL>
+                    <a:lnR w="9525" cap="flat" cmpd="sng" algn="ctr">
+                      <a:solidFill>
+                        <a:srgbClr val="CCCCCC"/>
+                      </a:solidFill>
+                      <a:prstDash val="solid"/>
+                      <a:round/>
+                      <a:headEnd type="none" w="med" len="med"/>
+                      <a:tailEnd type="none" w="med" len="med"/>
+                    </a:lnR>
+                    <a:lnT w="9525" cap="flat" cmpd="sng" algn="ctr">
+                      <a:solidFill>
+                        <a:srgbClr val="CCCCCC"/>
+                      </a:solidFill>
+                      <a:prstDash val="solid"/>
+                      <a:round/>
+                      <a:headEnd type="none" w="med" len="med"/>
+                      <a:tailEnd type="none" w="med" len="med"/>
+                    </a:lnT>
+                    <a:lnB w="9525" cap="flat" cmpd="sng" algn="ctr">
+                      <a:solidFill>
+                        <a:srgbClr val="CCCCCC"/>
+                      </a:solidFill>
+                      <a:prstDash val="solid"/>
+                      <a:round/>
+                      <a:headEnd type="none" w="med" len="med"/>
+                      <a:tailEnd type="none" w="med" len="med"/>
+                    </a:lnB>
+                  </a:tcPr>
+                </a:tc>
+                <a:extLst>
+                  <a:ext uri="{0D108BD9-81ED-4DB2-BD59-A6C34878D82A}">
+                    <a16:rowId xmlns:a16="http://schemas.microsoft.com/office/drawing/2014/main" val="4221497265"/>
+                  </a:ext>
+                </a:extLst>
+              </a:tr>
+              <a:tr h="200025">
+                <a:tc>
+                  <a:txBody>
+                    <a:bodyPr/>
+                    <a:lstStyle/>
+                    <a:p>
+                      <a:pPr algn="r" rtl="0" fontAlgn="b"/>
+                      <a:r>
+                        <a:rPr lang="en-US" altLang="ko-KR">
+                          <a:effectLst/>
+                        </a:rPr>
+                        <a:t>2023</a:t>
+                      </a:r>
+                    </a:p>
+                  </a:txBody>
+                  <a:tcPr marL="28575" marR="28575" marT="19050" marB="19050" anchor="b">
+                    <a:lnL w="9525" cap="flat" cmpd="sng" algn="ctr">
+                      <a:solidFill>
+                        <a:srgbClr val="CCCCCC"/>
+                      </a:solidFill>
+                      <a:prstDash val="solid"/>
+                      <a:round/>
+                      <a:headEnd type="none" w="med" len="med"/>
+                      <a:tailEnd type="none" w="med" len="med"/>
+                    </a:lnL>
+                    <a:lnR w="9525" cap="flat" cmpd="sng" algn="ctr">
+                      <a:solidFill>
+                        <a:srgbClr val="CCCCCC"/>
+                      </a:solidFill>
+                      <a:prstDash val="solid"/>
+                      <a:round/>
+                      <a:headEnd type="none" w="med" len="med"/>
+                      <a:tailEnd type="none" w="med" len="med"/>
+                    </a:lnR>
+                    <a:lnT w="9525" cap="flat" cmpd="sng" algn="ctr">
+                      <a:solidFill>
+                        <a:srgbClr val="CCCCCC"/>
+                      </a:solidFill>
+                      <a:prstDash val="solid"/>
+                      <a:round/>
+                      <a:headEnd type="none" w="med" len="med"/>
+                      <a:tailEnd type="none" w="med" len="med"/>
+                    </a:lnT>
+                    <a:lnB w="9525" cap="flat" cmpd="sng" algn="ctr">
+                      <a:solidFill>
+                        <a:srgbClr val="CCCCCC"/>
+                      </a:solidFill>
+                      <a:prstDash val="solid"/>
+                      <a:round/>
+                      <a:headEnd type="none" w="med" len="med"/>
+                      <a:tailEnd type="none" w="med" len="med"/>
+                    </a:lnB>
+                  </a:tcPr>
+                </a:tc>
+                <a:tc>
+                  <a:txBody>
+                    <a:bodyPr/>
+                    <a:lstStyle/>
+                    <a:p>
+                      <a:pPr rtl="0" fontAlgn="b"/>
+                      <a:r>
+                        <a:rPr lang="en-US">
+                          <a:effectLst/>
+                        </a:rPr>
+                        <a:t>Bard is released to the public in early 2023.</a:t>
+                      </a:r>
+                    </a:p>
+                  </a:txBody>
+                  <a:tcPr marL="28575" marR="28575" marT="19050" marB="19050" anchor="b">
+                    <a:lnL w="9525" cap="flat" cmpd="sng" algn="ctr">
+                      <a:solidFill>
+                        <a:srgbClr val="CCCCCC"/>
+                      </a:solidFill>
+                      <a:prstDash val="solid"/>
+                      <a:round/>
+                      <a:headEnd type="none" w="med" len="med"/>
+                      <a:tailEnd type="none" w="med" len="med"/>
+                    </a:lnL>
+                    <a:lnR w="9525" cap="flat" cmpd="sng" algn="ctr">
+                      <a:solidFill>
+                        <a:srgbClr val="CCCCCC"/>
+                      </a:solidFill>
+                      <a:prstDash val="solid"/>
+                      <a:round/>
+                      <a:headEnd type="none" w="med" len="med"/>
+                      <a:tailEnd type="none" w="med" len="med"/>
+                    </a:lnR>
+                    <a:lnT w="9525" cap="flat" cmpd="sng" algn="ctr">
+                      <a:solidFill>
+                        <a:srgbClr val="CCCCCC"/>
+                      </a:solidFill>
+                      <a:prstDash val="solid"/>
+                      <a:round/>
+                      <a:headEnd type="none" w="med" len="med"/>
+                      <a:tailEnd type="none" w="med" len="med"/>
+                    </a:lnT>
+                    <a:lnB w="9525" cap="flat" cmpd="sng" algn="ctr">
+                      <a:solidFill>
+                        <a:srgbClr val="CCCCCC"/>
+                      </a:solidFill>
+                      <a:prstDash val="solid"/>
+                      <a:round/>
+                      <a:headEnd type="none" w="med" len="med"/>
+                      <a:tailEnd type="none" w="med" len="med"/>
+                    </a:lnB>
+                  </a:tcPr>
+                </a:tc>
+                <a:extLst>
+                  <a:ext uri="{0D108BD9-81ED-4DB2-BD59-A6C34878D82A}">
+                    <a16:rowId xmlns:a16="http://schemas.microsoft.com/office/drawing/2014/main" val="2492565240"/>
+                  </a:ext>
+                </a:extLst>
+              </a:tr>
+              <a:tr h="200025">
+                <a:tc>
+                  <a:txBody>
+                    <a:bodyPr/>
+                    <a:lstStyle/>
+                    <a:p>
+                      <a:pPr rtl="0" fontAlgn="b"/>
+                      <a:r>
+                        <a:rPr lang="en-US">
+                          <a:effectLst/>
+                        </a:rPr>
+                        <a:t>Current</a:t>
+                      </a:r>
+                    </a:p>
+                  </a:txBody>
+                  <a:tcPr marL="28575" marR="28575" marT="19050" marB="19050" anchor="b">
+                    <a:lnL w="9525" cap="flat" cmpd="sng" algn="ctr">
+                      <a:solidFill>
+                        <a:srgbClr val="CCCCCC"/>
+                      </a:solidFill>
+                      <a:prstDash val="solid"/>
+                      <a:round/>
+                      <a:headEnd type="none" w="med" len="med"/>
+                      <a:tailEnd type="none" w="med" len="med"/>
+                    </a:lnL>
+                    <a:lnR w="9525" cap="flat" cmpd="sng" algn="ctr">
+                      <a:solidFill>
+                        <a:srgbClr val="CCCCCC"/>
+                      </a:solidFill>
+                      <a:prstDash val="solid"/>
+                      <a:round/>
+                      <a:headEnd type="none" w="med" len="med"/>
+                      <a:tailEnd type="none" w="med" len="med"/>
+                    </a:lnR>
+                    <a:lnT w="9525" cap="flat" cmpd="sng" algn="ctr">
+                      <a:solidFill>
+                        <a:srgbClr val="CCCCCC"/>
+                      </a:solidFill>
+                      <a:prstDash val="solid"/>
+                      <a:round/>
+                      <a:headEnd type="none" w="med" len="med"/>
+                      <a:tailEnd type="none" w="med" len="med"/>
+                    </a:lnT>
+                    <a:lnB w="9525" cap="flat" cmpd="sng" algn="ctr">
+                      <a:solidFill>
+                        <a:srgbClr val="CCCCCC"/>
+                      </a:solidFill>
+                      <a:prstDash val="solid"/>
+                      <a:round/>
+                      <a:headEnd type="none" w="med" len="med"/>
+                      <a:tailEnd type="none" w="med" len="med"/>
+                    </a:lnB>
+                  </a:tcPr>
+                </a:tc>
+                <a:tc>
+                  <a:txBody>
+                    <a:bodyPr/>
+                    <a:lstStyle/>
+                    <a:p>
+                      <a:pPr rtl="0" fontAlgn="b"/>
+                      <a:r>
+                        <a:rPr lang="en-US" dirty="0">
+                          <a:effectLst/>
+                        </a:rPr>
+                        <a:t>Bard is still under development, but it is learning new things every day.</a:t>
+                      </a:r>
+                    </a:p>
+                  </a:txBody>
+                  <a:tcPr marL="28575" marR="28575" marT="19050" marB="19050" anchor="b">
+                    <a:lnL w="9525" cap="flat" cmpd="sng" algn="ctr">
+                      <a:solidFill>
+                        <a:srgbClr val="CCCCCC"/>
+                      </a:solidFill>
+                      <a:prstDash val="solid"/>
+                      <a:round/>
+                      <a:headEnd type="none" w="med" len="med"/>
+                      <a:tailEnd type="none" w="med" len="med"/>
+                    </a:lnL>
+                    <a:lnR w="9525" cap="flat" cmpd="sng" algn="ctr">
+                      <a:solidFill>
+                        <a:srgbClr val="CCCCCC"/>
+                      </a:solidFill>
+                      <a:prstDash val="solid"/>
+                      <a:round/>
+                      <a:headEnd type="none" w="med" len="med"/>
+                      <a:tailEnd type="none" w="med" len="med"/>
+                    </a:lnR>
+                    <a:lnT w="9525" cap="flat" cmpd="sng" algn="ctr">
+                      <a:solidFill>
+                        <a:srgbClr val="CCCCCC"/>
+                      </a:solidFill>
+                      <a:prstDash val="solid"/>
+                      <a:round/>
+                      <a:headEnd type="none" w="med" len="med"/>
+                      <a:tailEnd type="none" w="med" len="med"/>
+                    </a:lnT>
+                    <a:lnB w="9525" cap="flat" cmpd="sng" algn="ctr">
+                      <a:solidFill>
+                        <a:srgbClr val="CCCCCC"/>
+                      </a:solidFill>
+                      <a:prstDash val="solid"/>
+                      <a:round/>
+                      <a:headEnd type="none" w="med" len="med"/>
+                      <a:tailEnd type="none" w="med" len="med"/>
+                    </a:lnB>
+                  </a:tcPr>
+                </a:tc>
+                <a:extLst>
+                  <a:ext uri="{0D108BD9-81ED-4DB2-BD59-A6C34878D82A}">
+                    <a16:rowId xmlns:a16="http://schemas.microsoft.com/office/drawing/2014/main" val="3458783750"/>
+                  </a:ext>
+                </a:extLst>
+              </a:tr>
+            </a:tbl>
+          </a:graphicData>
+        </a:graphic>
+      </p:graphicFrame>
+      <p:pic>
+        <p:nvPicPr>
+          <p:cNvPr id="8" name="그림 7">
+            <a:extLst>
+              <a:ext uri="{FF2B5EF4-FFF2-40B4-BE49-F238E27FC236}">
+                <a16:creationId xmlns:a16="http://schemas.microsoft.com/office/drawing/2014/main" id="{AE8AE277-D9B5-4FD3-825E-2FA0FEFDB3F8}"/>
+              </a:ext>
+            </a:extLst>
+          </p:cNvPr>
+          <p:cNvPicPr>
+            <a:picLocks noChangeAspect="1"/>
+          </p:cNvPicPr>
+          <p:nvPr/>
+        </p:nvPicPr>
+        <p:blipFill>
+          <a:blip r:embed="rId2"/>
+          <a:stretch>
+            <a:fillRect/>
+          </a:stretch>
+        </p:blipFill>
+        <p:spPr>
+          <a:xfrm>
+            <a:off x="7293136" y="2004714"/>
+            <a:ext cx="4619625" cy="4657725"/>
+          </a:xfrm>
+          <a:prstGeom prst="rect">
+            <a:avLst/>
+          </a:prstGeom>
+        </p:spPr>
+      </p:pic>
+      <p:sp>
+        <p:nvSpPr>
+          <p:cNvPr id="9" name="직사각형 8">
+            <a:extLst>
+              <a:ext uri="{FF2B5EF4-FFF2-40B4-BE49-F238E27FC236}">
+                <a16:creationId xmlns:a16="http://schemas.microsoft.com/office/drawing/2014/main" id="{222FE62C-813A-4C02-ABF8-908C030F710A}"/>
+              </a:ext>
+            </a:extLst>
+          </p:cNvPr>
+          <p:cNvSpPr/>
+          <p:nvPr/>
         </p:nvSpPr>
         <p:spPr>
           <a:xfrm>
-            <a:off x="838199" y="1825625"/>
-            <a:ext cx="10923165" cy="4351338"/>
+            <a:off x="933887" y="2416029"/>
+            <a:ext cx="5591604" cy="4616648"/>
           </a:xfrm>
+          <a:prstGeom prst="rect">
+            <a:avLst/>
+          </a:prstGeom>
         </p:spPr>
         <p:txBody>
-          <a:bodyPr>
-            <a:normAutofit/>
+          <a:bodyPr wrap="square">
+            <a:spAutoFit/>
           </a:bodyPr>
           <a:lstStyle/>
           <a:p>
-            <a:endParaRPr lang="en-US" altLang="ko-KR" sz="1200" dirty="0">
-              <a:highlight>
-                <a:srgbClr val="FFFF00"/>
-              </a:highlight>
+            <a:pPr>
+              <a:buFont typeface="Arial" panose="020B0604020202020204" pitchFamily="34" charset="0"/>
+              <a:buChar char="•"/>
+            </a:pPr>
+            <a:r>
+              <a:rPr lang="en-US" altLang="ko-KR" sz="1400" dirty="0">
+                <a:solidFill>
+                  <a:srgbClr val="1F1F1F"/>
+                </a:solidFill>
+                <a:latin typeface="Google Sans"/>
+              </a:rPr>
+              <a:t>GPT-3: GPT-3 is a large language model developed by </a:t>
+            </a:r>
+            <a:r>
+              <a:rPr lang="en-US" altLang="ko-KR" sz="1400" dirty="0" err="1">
+                <a:solidFill>
+                  <a:srgbClr val="1F1F1F"/>
+                </a:solidFill>
+                <a:latin typeface="Google Sans"/>
+              </a:rPr>
+              <a:t>OpenAI</a:t>
+            </a:r>
+            <a:r>
+              <a:rPr lang="en-US" altLang="ko-KR" sz="1400" dirty="0">
+                <a:solidFill>
+                  <a:srgbClr val="1F1F1F"/>
+                </a:solidFill>
+                <a:latin typeface="Google Sans"/>
+              </a:rPr>
+              <a:t>. It is one of the most widely used large language models, and it is known for its ability to generate realistic and coherent text.</a:t>
+            </a:r>
+          </a:p>
+          <a:p>
+            <a:pPr>
+              <a:buFont typeface="Arial" panose="020B0604020202020204" pitchFamily="34" charset="0"/>
+              <a:buChar char="•"/>
+            </a:pPr>
+            <a:r>
+              <a:rPr lang="en-US" altLang="ko-KR" sz="1400" dirty="0" err="1">
+                <a:solidFill>
+                  <a:srgbClr val="1F1F1F"/>
+                </a:solidFill>
+                <a:latin typeface="Google Sans"/>
+              </a:rPr>
+              <a:t>LaMDA</a:t>
+            </a:r>
+            <a:r>
+              <a:rPr lang="en-US" altLang="ko-KR" sz="1400" dirty="0">
+                <a:solidFill>
+                  <a:srgbClr val="1F1F1F"/>
+                </a:solidFill>
+                <a:latin typeface="Google Sans"/>
+              </a:rPr>
+              <a:t>: </a:t>
+            </a:r>
+            <a:r>
+              <a:rPr lang="en-US" altLang="ko-KR" sz="1400" dirty="0" err="1">
+                <a:solidFill>
+                  <a:srgbClr val="1F1F1F"/>
+                </a:solidFill>
+                <a:latin typeface="Google Sans"/>
+              </a:rPr>
+              <a:t>LaMDA</a:t>
+            </a:r>
+            <a:r>
+              <a:rPr lang="en-US" altLang="ko-KR" sz="1400" dirty="0">
+                <a:solidFill>
+                  <a:srgbClr val="1F1F1F"/>
+                </a:solidFill>
+                <a:latin typeface="Google Sans"/>
+              </a:rPr>
+              <a:t> is a large language model developed by Google AI. It is known for its ability to answer questions in an informative way, even if they are open ended, challenging, or strange.</a:t>
+            </a:r>
+          </a:p>
+          <a:p>
+            <a:pPr>
+              <a:buFont typeface="Arial" panose="020B0604020202020204" pitchFamily="34" charset="0"/>
+              <a:buChar char="•"/>
+            </a:pPr>
+            <a:r>
+              <a:rPr lang="en-US" altLang="ko-KR" sz="1400" dirty="0" err="1">
+                <a:solidFill>
+                  <a:srgbClr val="1F1F1F"/>
+                </a:solidFill>
+                <a:latin typeface="Google Sans"/>
+              </a:rPr>
+              <a:t>PaLM</a:t>
+            </a:r>
+            <a:r>
+              <a:rPr lang="en-US" altLang="ko-KR" sz="1400" dirty="0">
+                <a:solidFill>
+                  <a:srgbClr val="1F1F1F"/>
+                </a:solidFill>
+                <a:latin typeface="Google Sans"/>
+              </a:rPr>
+              <a:t>: </a:t>
+            </a:r>
+            <a:r>
+              <a:rPr lang="en-US" altLang="ko-KR" sz="1400" dirty="0" err="1">
+                <a:solidFill>
+                  <a:srgbClr val="1F1F1F"/>
+                </a:solidFill>
+                <a:latin typeface="Google Sans"/>
+              </a:rPr>
+              <a:t>PaLM</a:t>
+            </a:r>
+            <a:r>
+              <a:rPr lang="en-US" altLang="ko-KR" sz="1400" dirty="0">
+                <a:solidFill>
+                  <a:srgbClr val="1F1F1F"/>
+                </a:solidFill>
+                <a:latin typeface="Google Sans"/>
+              </a:rPr>
+              <a:t> is a large language model developed by Google AI. It is the largest language model in the world, and it is known for its ability to perform a wide range of tasks, including translation, summarization, and code generation.</a:t>
+            </a:r>
+          </a:p>
+          <a:p>
+            <a:pPr>
+              <a:buFont typeface="Arial" panose="020B0604020202020204" pitchFamily="34" charset="0"/>
+              <a:buChar char="•"/>
+            </a:pPr>
+            <a:r>
+              <a:rPr lang="en-US" altLang="ko-KR" sz="1400" dirty="0">
+                <a:solidFill>
+                  <a:srgbClr val="1F1F1F"/>
+                </a:solidFill>
+                <a:latin typeface="Google Sans"/>
+              </a:rPr>
+              <a:t>Flamingo: Flamingo is a large language model developed by DeepMind. It is known for its ability to generate creative text formats, such as poems, code, scripts, musical pieces, email, letters, etc.</a:t>
+            </a:r>
+          </a:p>
+          <a:p>
+            <a:pPr>
+              <a:buFont typeface="Arial" panose="020B0604020202020204" pitchFamily="34" charset="0"/>
+              <a:buChar char="•"/>
+            </a:pPr>
+            <a:r>
+              <a:rPr lang="en-US" altLang="ko-KR" sz="1400" dirty="0">
+                <a:solidFill>
+                  <a:srgbClr val="1F1F1F"/>
+                </a:solidFill>
+                <a:latin typeface="Google Sans"/>
+              </a:rPr>
+              <a:t>BLIP-2: BLIP-2 is a large language model developed by Salesforce. It is known for its ability to understand and respond to natural language queries.</a:t>
+            </a:r>
+          </a:p>
+          <a:p>
+            <a:pPr>
+              <a:buFont typeface="Arial" panose="020B0604020202020204" pitchFamily="34" charset="0"/>
+              <a:buChar char="•"/>
+            </a:pPr>
+            <a:r>
+              <a:rPr lang="en-US" altLang="ko-KR" sz="1400" dirty="0" err="1">
+                <a:solidFill>
+                  <a:srgbClr val="1F1F1F"/>
+                </a:solidFill>
+                <a:latin typeface="Google Sans"/>
+              </a:rPr>
+              <a:t>LLaMA</a:t>
+            </a:r>
+            <a:r>
+              <a:rPr lang="en-US" altLang="ko-KR" sz="1400" dirty="0">
+                <a:solidFill>
+                  <a:srgbClr val="1F1F1F"/>
+                </a:solidFill>
+                <a:latin typeface="Google Sans"/>
+              </a:rPr>
+              <a:t>: </a:t>
+            </a:r>
+            <a:r>
+              <a:rPr lang="en-US" altLang="ko-KR" sz="1400" dirty="0" err="1">
+                <a:solidFill>
+                  <a:srgbClr val="1F1F1F"/>
+                </a:solidFill>
+                <a:latin typeface="Google Sans"/>
+              </a:rPr>
+              <a:t>LLaMA</a:t>
+            </a:r>
+            <a:r>
+              <a:rPr lang="en-US" altLang="ko-KR" sz="1400" dirty="0">
+                <a:solidFill>
+                  <a:srgbClr val="1F1F1F"/>
+                </a:solidFill>
+                <a:latin typeface="Google Sans"/>
+              </a:rPr>
+              <a:t> is a large language model developed by Meta AI. It is known for its ability to learn from human feedback and improve its performance over time.</a:t>
+            </a:r>
+          </a:p>
+          <a:p>
+            <a:pPr>
+              <a:buFont typeface="Arial" panose="020B0604020202020204" pitchFamily="34" charset="0"/>
+              <a:buChar char="•"/>
+            </a:pPr>
+            <a:r>
+              <a:rPr lang="en-US" altLang="ko-KR" sz="1400" dirty="0">
+                <a:solidFill>
+                  <a:srgbClr val="1F1F1F"/>
+                </a:solidFill>
+                <a:latin typeface="Google Sans"/>
+              </a:rPr>
+              <a:t>GPT-4: GPT-4 is the next generation of GPT-3, and it is expected to be even more powerful and capable.</a:t>
+            </a:r>
+            <a:endParaRPr lang="en-US" altLang="ko-KR" sz="1400" b="0" i="0" dirty="0">
+              <a:solidFill>
+                <a:srgbClr val="1F1F1F"/>
+              </a:solidFill>
+              <a:effectLst/>
+              <a:latin typeface="Google Sans"/>
             </a:endParaRPr>
-          </a:p>
-          <a:p>
-            <a:endParaRPr lang="en-US" altLang="ko-KR" sz="1200" dirty="0">
-              <a:highlight>
-                <a:srgbClr val="FFFF00"/>
-              </a:highlight>
-            </a:endParaRPr>
-          </a:p>
-          <a:p>
-            <a:r>
-              <a:rPr lang="en-US" altLang="ko-KR" sz="1200" dirty="0">
-                <a:highlight>
-                  <a:srgbClr val="FFFF00"/>
-                </a:highlight>
-              </a:rPr>
-              <a:t>Language models are trained using </a:t>
-            </a:r>
-            <a:r>
-              <a:rPr lang="en-US" altLang="ko-KR" sz="4000" dirty="0">
-                <a:highlight>
-                  <a:srgbClr val="FFFF00"/>
-                </a:highlight>
-              </a:rPr>
-              <a:t>a technique called "deep learning</a:t>
-            </a:r>
-            <a:r>
-              <a:rPr lang="en-US" altLang="ko-KR" sz="1200" dirty="0">
-                <a:highlight>
-                  <a:srgbClr val="FFFF00"/>
-                </a:highlight>
-              </a:rPr>
-              <a:t>," which involves training a large neural network on massive datasets.</a:t>
-            </a:r>
-          </a:p>
-          <a:p>
-            <a:endParaRPr lang="en-US" altLang="ko-KR" dirty="0"/>
-          </a:p>
-          <a:p>
-            <a:r>
-              <a:rPr lang="en-US" altLang="ko-KR" dirty="0"/>
-              <a:t>How many words trained by chat GPT?</a:t>
-            </a:r>
-          </a:p>
-          <a:p>
-            <a:r>
-              <a:rPr lang="en-US" altLang="ko-KR" sz="1400" dirty="0" err="1">
-                <a:highlight>
-                  <a:srgbClr val="FFFF00"/>
-                </a:highlight>
-              </a:rPr>
-              <a:t>ChatGPT</a:t>
-            </a:r>
-            <a:r>
-              <a:rPr lang="en-US" altLang="ko-KR" sz="1400" dirty="0">
-                <a:highlight>
-                  <a:srgbClr val="FFFF00"/>
-                </a:highlight>
-              </a:rPr>
-              <a:t>, based on the GPT-3.5 architecture, was trained on a vast amount of data containing </a:t>
-            </a:r>
-            <a:r>
-              <a:rPr lang="en-US" altLang="ko-KR" sz="3200" dirty="0">
-                <a:highlight>
-                  <a:srgbClr val="FFFF00"/>
-                </a:highlight>
-              </a:rPr>
-              <a:t>570GB</a:t>
-            </a:r>
-            <a:r>
-              <a:rPr lang="en-US" altLang="ko-KR" sz="1400" dirty="0">
-                <a:highlight>
-                  <a:srgbClr val="FFFF00"/>
-                </a:highlight>
-              </a:rPr>
-              <a:t> of text. However, it's important to note that the number of words in the training data is not explicitly specified by </a:t>
-            </a:r>
-            <a:r>
-              <a:rPr lang="en-US" altLang="ko-KR" sz="1400" dirty="0" err="1">
-                <a:highlight>
-                  <a:srgbClr val="FFFF00"/>
-                </a:highlight>
-              </a:rPr>
-              <a:t>OpenAI</a:t>
-            </a:r>
-            <a:r>
-              <a:rPr lang="en-US" altLang="ko-KR" sz="1400" dirty="0">
-                <a:highlight>
-                  <a:srgbClr val="FFFF00"/>
-                </a:highlight>
-              </a:rPr>
-              <a:t>.</a:t>
-            </a:r>
           </a:p>
         </p:txBody>
       </p:sp>
     </p:spTree>
     <p:extLst>
       <p:ext uri="{BB962C8B-B14F-4D97-AF65-F5344CB8AC3E}">
-        <p14:creationId xmlns:p14="http://schemas.microsoft.com/office/powerpoint/2010/main" val="1648664426"/>
+        <p14:creationId xmlns:p14="http://schemas.microsoft.com/office/powerpoint/2010/main" val="1324759201"/>
       </p:ext>
     </p:extLst>
   </p:cSld>
@@ -4072,7 +7432,7 @@
 </p:sld>
 </file>
 
-<file path=ppt/slides/slide5.xml><?xml version="1.0" encoding="utf-8"?>
+<file path=ppt/slides/slide14.xml><?xml version="1.0" encoding="utf-8"?>
 <p:sld xmlns:a="http://schemas.openxmlformats.org/drawingml/2006/main" xmlns:r="http://schemas.openxmlformats.org/officeDocument/2006/relationships" xmlns:p="http://schemas.openxmlformats.org/presentationml/2006/main">
   <p:cSld>
     <p:spTree>
@@ -4328,7 +7688,603 @@
 </p:sld>
 </file>
 
-<file path=ppt/slides/slide6.xml><?xml version="1.0" encoding="utf-8"?>
+<file path=ppt/slides/slide15.xml><?xml version="1.0" encoding="utf-8"?>
+<p:sld xmlns:a="http://schemas.openxmlformats.org/drawingml/2006/main" xmlns:r="http://schemas.openxmlformats.org/officeDocument/2006/relationships" xmlns:p="http://schemas.openxmlformats.org/presentationml/2006/main">
+  <p:cSld>
+    <p:spTree>
+      <p:nvGrpSpPr>
+        <p:cNvPr id="1" name=""/>
+        <p:cNvGrpSpPr/>
+        <p:nvPr/>
+      </p:nvGrpSpPr>
+      <p:grpSpPr>
+        <a:xfrm>
+          <a:off x="0" y="0"/>
+          <a:ext cx="0" cy="0"/>
+          <a:chOff x="0" y="0"/>
+          <a:chExt cx="0" cy="0"/>
+        </a:xfrm>
+      </p:grpSpPr>
+      <p:sp>
+        <p:nvSpPr>
+          <p:cNvPr id="2" name="제목 1">
+            <a:extLst>
+              <a:ext uri="{FF2B5EF4-FFF2-40B4-BE49-F238E27FC236}">
+                <a16:creationId xmlns:a16="http://schemas.microsoft.com/office/drawing/2014/main" id="{50875194-F17C-4A13-8809-2802C101BDCA}"/>
+              </a:ext>
+            </a:extLst>
+          </p:cNvPr>
+          <p:cNvSpPr>
+            <a:spLocks noGrp="1"/>
+          </p:cNvSpPr>
+          <p:nvPr>
+            <p:ph type="title"/>
+          </p:nvPr>
+        </p:nvSpPr>
+        <p:spPr/>
+        <p:txBody>
+          <a:bodyPr/>
+          <a:lstStyle/>
+          <a:p>
+            <a:r>
+              <a:rPr lang="en-US" altLang="ko-KR" dirty="0"/>
+              <a:t>Language models</a:t>
+            </a:r>
+            <a:endParaRPr lang="ko-KR" altLang="en-US" dirty="0"/>
+          </a:p>
+        </p:txBody>
+      </p:sp>
+      <p:sp>
+        <p:nvSpPr>
+          <p:cNvPr id="3" name="내용 개체 틀 2">
+            <a:extLst>
+              <a:ext uri="{FF2B5EF4-FFF2-40B4-BE49-F238E27FC236}">
+                <a16:creationId xmlns:a16="http://schemas.microsoft.com/office/drawing/2014/main" id="{09302E69-7D85-4AE5-894E-276D74C92DB8}"/>
+              </a:ext>
+            </a:extLst>
+          </p:cNvPr>
+          <p:cNvSpPr>
+            <a:spLocks noGrp="1"/>
+          </p:cNvSpPr>
+          <p:nvPr>
+            <p:ph idx="1"/>
+          </p:nvPr>
+        </p:nvSpPr>
+        <p:spPr>
+          <a:xfrm>
+            <a:off x="838199" y="1825625"/>
+            <a:ext cx="10923165" cy="4351338"/>
+          </a:xfrm>
+        </p:spPr>
+        <p:txBody>
+          <a:bodyPr>
+            <a:normAutofit/>
+          </a:bodyPr>
+          <a:lstStyle/>
+          <a:p>
+            <a:endParaRPr lang="en-US" altLang="ko-KR" sz="1200" dirty="0">
+              <a:highlight>
+                <a:srgbClr val="FFFF00"/>
+              </a:highlight>
+            </a:endParaRPr>
+          </a:p>
+          <a:p>
+            <a:endParaRPr lang="en-US" altLang="ko-KR" sz="1200" dirty="0">
+              <a:highlight>
+                <a:srgbClr val="FFFF00"/>
+              </a:highlight>
+            </a:endParaRPr>
+          </a:p>
+          <a:p>
+            <a:r>
+              <a:rPr lang="en-US" altLang="ko-KR" sz="1200" dirty="0">
+                <a:highlight>
+                  <a:srgbClr val="FFFF00"/>
+                </a:highlight>
+              </a:rPr>
+              <a:t>Language models are trained using </a:t>
+            </a:r>
+            <a:r>
+              <a:rPr lang="en-US" altLang="ko-KR" sz="4000" dirty="0">
+                <a:highlight>
+                  <a:srgbClr val="FFFF00"/>
+                </a:highlight>
+              </a:rPr>
+              <a:t>a technique called "deep learning”</a:t>
+            </a:r>
+            <a:r>
+              <a:rPr lang="en-US" altLang="ko-KR" sz="1200" dirty="0">
+                <a:highlight>
+                  <a:srgbClr val="FFFF00"/>
+                </a:highlight>
+              </a:rPr>
+              <a:t> which involves training a large neural network on massive datasets.</a:t>
+            </a:r>
+          </a:p>
+          <a:p>
+            <a:endParaRPr lang="en-US" altLang="ko-KR" dirty="0"/>
+          </a:p>
+          <a:p>
+            <a:r>
+              <a:rPr lang="en-US" altLang="ko-KR" dirty="0"/>
+              <a:t>How many words trained by chat GPT?</a:t>
+            </a:r>
+          </a:p>
+          <a:p>
+            <a:r>
+              <a:rPr lang="en-US" altLang="ko-KR" sz="1400" dirty="0" err="1">
+                <a:highlight>
+                  <a:srgbClr val="FFFF00"/>
+                </a:highlight>
+              </a:rPr>
+              <a:t>ChatGPT</a:t>
+            </a:r>
+            <a:r>
+              <a:rPr lang="en-US" altLang="ko-KR" sz="1400" dirty="0">
+                <a:highlight>
+                  <a:srgbClr val="FFFF00"/>
+                </a:highlight>
+              </a:rPr>
+              <a:t>, based on the GPT-3.5 architecture, was trained on a vast amount of data containing </a:t>
+            </a:r>
+            <a:r>
+              <a:rPr lang="en-US" altLang="ko-KR" sz="3200" dirty="0">
+                <a:highlight>
+                  <a:srgbClr val="FFFF00"/>
+                </a:highlight>
+              </a:rPr>
+              <a:t>570GB</a:t>
+            </a:r>
+            <a:r>
+              <a:rPr lang="en-US" altLang="ko-KR" sz="1400" dirty="0">
+                <a:highlight>
+                  <a:srgbClr val="FFFF00"/>
+                </a:highlight>
+              </a:rPr>
+              <a:t> of text. However, it's important to note that the number of words in the training data is not explicitly specified by </a:t>
+            </a:r>
+            <a:r>
+              <a:rPr lang="en-US" altLang="ko-KR" sz="1400" dirty="0" err="1">
+                <a:highlight>
+                  <a:srgbClr val="FFFF00"/>
+                </a:highlight>
+              </a:rPr>
+              <a:t>OpenAI</a:t>
+            </a:r>
+            <a:r>
+              <a:rPr lang="en-US" altLang="ko-KR" sz="1400" dirty="0">
+                <a:highlight>
+                  <a:srgbClr val="FFFF00"/>
+                </a:highlight>
+              </a:rPr>
+              <a:t>.</a:t>
+            </a:r>
+          </a:p>
+        </p:txBody>
+      </p:sp>
+    </p:spTree>
+    <p:extLst>
+      <p:ext uri="{BB962C8B-B14F-4D97-AF65-F5344CB8AC3E}">
+        <p14:creationId xmlns:p14="http://schemas.microsoft.com/office/powerpoint/2010/main" val="1648664426"/>
+      </p:ext>
+    </p:extLst>
+  </p:cSld>
+  <p:clrMapOvr>
+    <a:masterClrMapping/>
+  </p:clrMapOvr>
+</p:sld>
+</file>
+
+<file path=ppt/slides/slide16.xml><?xml version="1.0" encoding="utf-8"?>
+<p:sld xmlns:a="http://schemas.openxmlformats.org/drawingml/2006/main" xmlns:r="http://schemas.openxmlformats.org/officeDocument/2006/relationships" xmlns:p="http://schemas.openxmlformats.org/presentationml/2006/main">
+  <p:cSld>
+    <p:spTree>
+      <p:nvGrpSpPr>
+        <p:cNvPr id="1" name=""/>
+        <p:cNvGrpSpPr/>
+        <p:nvPr/>
+      </p:nvGrpSpPr>
+      <p:grpSpPr>
+        <a:xfrm>
+          <a:off x="0" y="0"/>
+          <a:ext cx="0" cy="0"/>
+          <a:chOff x="0" y="0"/>
+          <a:chExt cx="0" cy="0"/>
+        </a:xfrm>
+      </p:grpSpPr>
+      <p:sp>
+        <p:nvSpPr>
+          <p:cNvPr id="2" name="제목 1">
+            <a:extLst>
+              <a:ext uri="{FF2B5EF4-FFF2-40B4-BE49-F238E27FC236}">
+                <a16:creationId xmlns:a16="http://schemas.microsoft.com/office/drawing/2014/main" id="{45990E47-D086-495A-AFE5-34DF7A0A7051}"/>
+              </a:ext>
+            </a:extLst>
+          </p:cNvPr>
+          <p:cNvSpPr>
+            <a:spLocks noGrp="1"/>
+          </p:cNvSpPr>
+          <p:nvPr>
+            <p:ph type="title"/>
+          </p:nvPr>
+        </p:nvSpPr>
+        <p:spPr/>
+        <p:txBody>
+          <a:bodyPr/>
+          <a:lstStyle/>
+          <a:p>
+            <a:r>
+              <a:rPr lang="en-US" altLang="ko-KR" dirty="0"/>
+              <a:t>Model</a:t>
+            </a:r>
+            <a:endParaRPr lang="ko-KR" altLang="en-US" dirty="0"/>
+          </a:p>
+        </p:txBody>
+      </p:sp>
+      <p:sp>
+        <p:nvSpPr>
+          <p:cNvPr id="3" name="내용 개체 틀 2">
+            <a:extLst>
+              <a:ext uri="{FF2B5EF4-FFF2-40B4-BE49-F238E27FC236}">
+                <a16:creationId xmlns:a16="http://schemas.microsoft.com/office/drawing/2014/main" id="{7A923A82-D339-4AE8-8374-5B356065A9AC}"/>
+              </a:ext>
+            </a:extLst>
+          </p:cNvPr>
+          <p:cNvSpPr>
+            <a:spLocks noGrp="1"/>
+          </p:cNvSpPr>
+          <p:nvPr>
+            <p:ph idx="1"/>
+          </p:nvPr>
+        </p:nvSpPr>
+        <p:spPr>
+          <a:xfrm>
+            <a:off x="838199" y="1825625"/>
+            <a:ext cx="10705051" cy="4351338"/>
+          </a:xfrm>
+        </p:spPr>
+        <p:txBody>
+          <a:bodyPr>
+            <a:normAutofit/>
+          </a:bodyPr>
+          <a:lstStyle/>
+          <a:p>
+            <a:br>
+              <a:rPr lang="en-US" altLang="ko-KR" dirty="0"/>
+            </a:br>
+            <a:r>
+              <a:rPr lang="en-US" altLang="ko-KR" sz="1050" dirty="0"/>
+              <a:t>Sure. In artificial intelligence (AI), </a:t>
+            </a:r>
+          </a:p>
+          <a:p>
+            <a:pPr marL="0" indent="0">
+              <a:buNone/>
+            </a:pPr>
+            <a:r>
+              <a:rPr lang="en-US" altLang="ko-KR" sz="1050" dirty="0">
+                <a:highlight>
+                  <a:srgbClr val="FFFF00"/>
+                </a:highlight>
+              </a:rPr>
+              <a:t>   </a:t>
+            </a:r>
+            <a:r>
+              <a:rPr lang="en-US" altLang="ko-KR" sz="1100" dirty="0">
+                <a:highlight>
+                  <a:srgbClr val="FFFF00"/>
+                </a:highlight>
+              </a:rPr>
+              <a:t>a model is a </a:t>
+            </a:r>
+            <a:r>
+              <a:rPr lang="en-US" altLang="ko-KR" sz="3600" dirty="0">
+                <a:highlight>
+                  <a:srgbClr val="FFFF00"/>
+                </a:highlight>
+              </a:rPr>
+              <a:t>mathematical representation </a:t>
+            </a:r>
+            <a:r>
+              <a:rPr lang="en-US" altLang="ko-KR" sz="1200" dirty="0">
+                <a:highlight>
+                  <a:srgbClr val="FFFF00"/>
+                </a:highlight>
+              </a:rPr>
+              <a:t>of a real-world system</a:t>
+            </a:r>
+            <a:r>
+              <a:rPr lang="en-US" altLang="ko-KR" sz="2000" dirty="0"/>
+              <a:t>. </a:t>
+            </a:r>
+          </a:p>
+          <a:p>
+            <a:pPr marL="0" indent="0">
+              <a:buNone/>
+            </a:pPr>
+            <a:r>
+              <a:rPr lang="en-US" altLang="ko-KR" sz="1050" dirty="0"/>
+              <a:t>Models are used to make predictions about the behavior of the system, and they can also be used to control the system.</a:t>
+            </a:r>
+          </a:p>
+          <a:p>
+            <a:r>
+              <a:rPr lang="en-US" altLang="ko-KR" sz="1050" dirty="0"/>
+              <a:t>There are many different types of models in AI, including:</a:t>
+            </a:r>
+          </a:p>
+          <a:p>
+            <a:pPr lvl="1"/>
+            <a:r>
+              <a:rPr lang="en-US" altLang="ko-KR" sz="900" dirty="0">
+                <a:highlight>
+                  <a:srgbClr val="FFFF00"/>
+                </a:highlight>
+              </a:rPr>
+              <a:t>Statistical models </a:t>
+            </a:r>
+            <a:r>
+              <a:rPr lang="en-US" altLang="ko-KR" sz="900" dirty="0"/>
+              <a:t>are based on statistical data, and they are used to make predictions about future events. For example, a statistical model could be used to predict the weather or the stock market.</a:t>
+            </a:r>
+          </a:p>
+          <a:p>
+            <a:pPr lvl="1"/>
+            <a:r>
+              <a:rPr lang="en-US" altLang="ko-KR" sz="1050" dirty="0">
+                <a:highlight>
+                  <a:srgbClr val="FFFF00"/>
+                </a:highlight>
+              </a:rPr>
+              <a:t>Neural networks </a:t>
+            </a:r>
+            <a:r>
+              <a:rPr lang="en-US" altLang="ko-KR" sz="900" dirty="0"/>
+              <a:t>are inspired by the human brain, and they are used to learn complex relationships between data. For example, a neural network could be used to recognize objects in images or to translate languages.</a:t>
+            </a:r>
+          </a:p>
+          <a:p>
+            <a:pPr lvl="1"/>
+            <a:r>
+              <a:rPr lang="en-US" altLang="ko-KR" sz="900" dirty="0">
+                <a:highlight>
+                  <a:srgbClr val="FFFF00"/>
+                </a:highlight>
+              </a:rPr>
+              <a:t>Rule-based models </a:t>
+            </a:r>
+            <a:r>
+              <a:rPr lang="en-US" altLang="ko-KR" sz="900" dirty="0"/>
+              <a:t>are based on a set of rules, and they are used to make decisions based on those rules. For example, a rule-based model could be used to determine whether a loan application should be approved or denied.</a:t>
+            </a:r>
+          </a:p>
+          <a:p>
+            <a:r>
+              <a:rPr lang="en-US" altLang="ko-KR" sz="1050" dirty="0"/>
+              <a:t>Models are used in a wide variety of AI applications, including:</a:t>
+            </a:r>
+          </a:p>
+          <a:p>
+            <a:pPr lvl="1"/>
+            <a:r>
+              <a:rPr lang="en-US" altLang="ko-KR" sz="900" dirty="0"/>
+              <a:t>Machine learning</a:t>
+            </a:r>
+          </a:p>
+          <a:p>
+            <a:pPr lvl="1"/>
+            <a:r>
+              <a:rPr lang="en-US" altLang="ko-KR" sz="900" dirty="0"/>
+              <a:t>Natural language processing</a:t>
+            </a:r>
+          </a:p>
+          <a:p>
+            <a:pPr lvl="1"/>
+            <a:r>
+              <a:rPr lang="en-US" altLang="ko-KR" sz="900" dirty="0"/>
+              <a:t>Computer vision</a:t>
+            </a:r>
+          </a:p>
+          <a:p>
+            <a:pPr lvl="1"/>
+            <a:r>
+              <a:rPr lang="en-US" altLang="ko-KR" sz="900" dirty="0"/>
+              <a:t>Robotics</a:t>
+            </a:r>
+          </a:p>
+          <a:p>
+            <a:pPr lvl="1"/>
+            <a:r>
+              <a:rPr lang="en-US" altLang="ko-KR" sz="900" dirty="0"/>
+              <a:t>Game playing</a:t>
+            </a:r>
+          </a:p>
+          <a:p>
+            <a:endParaRPr lang="ko-KR" altLang="en-US" dirty="0"/>
+          </a:p>
+        </p:txBody>
+      </p:sp>
+    </p:spTree>
+    <p:extLst>
+      <p:ext uri="{BB962C8B-B14F-4D97-AF65-F5344CB8AC3E}">
+        <p14:creationId xmlns:p14="http://schemas.microsoft.com/office/powerpoint/2010/main" val="1803899576"/>
+      </p:ext>
+    </p:extLst>
+  </p:cSld>
+  <p:clrMapOvr>
+    <a:masterClrMapping/>
+  </p:clrMapOvr>
+</p:sld>
+</file>
+
+<file path=ppt/slides/slide17.xml><?xml version="1.0" encoding="utf-8"?>
+<p:sld xmlns:a="http://schemas.openxmlformats.org/drawingml/2006/main" xmlns:r="http://schemas.openxmlformats.org/officeDocument/2006/relationships" xmlns:p="http://schemas.openxmlformats.org/presentationml/2006/main">
+  <p:cSld>
+    <p:spTree>
+      <p:nvGrpSpPr>
+        <p:cNvPr id="1" name=""/>
+        <p:cNvGrpSpPr/>
+        <p:nvPr/>
+      </p:nvGrpSpPr>
+      <p:grpSpPr>
+        <a:xfrm>
+          <a:off x="0" y="0"/>
+          <a:ext cx="0" cy="0"/>
+          <a:chOff x="0" y="0"/>
+          <a:chExt cx="0" cy="0"/>
+        </a:xfrm>
+      </p:grpSpPr>
+      <p:pic>
+        <p:nvPicPr>
+          <p:cNvPr id="4" name="그림 3">
+            <a:extLst>
+              <a:ext uri="{FF2B5EF4-FFF2-40B4-BE49-F238E27FC236}">
+                <a16:creationId xmlns:a16="http://schemas.microsoft.com/office/drawing/2014/main" id="{62524ABD-6B51-484D-B626-7BA9DC05B76E}"/>
+              </a:ext>
+            </a:extLst>
+          </p:cNvPr>
+          <p:cNvPicPr>
+            <a:picLocks noChangeAspect="1"/>
+          </p:cNvPicPr>
+          <p:nvPr/>
+        </p:nvPicPr>
+        <p:blipFill>
+          <a:blip r:embed="rId2"/>
+          <a:stretch>
+            <a:fillRect/>
+          </a:stretch>
+        </p:blipFill>
+        <p:spPr>
+          <a:xfrm>
+            <a:off x="2181225" y="1766887"/>
+            <a:ext cx="7829550" cy="3324225"/>
+          </a:xfrm>
+          <a:prstGeom prst="rect">
+            <a:avLst/>
+          </a:prstGeom>
+        </p:spPr>
+      </p:pic>
+      <p:pic>
+        <p:nvPicPr>
+          <p:cNvPr id="5" name="그림 4">
+            <a:extLst>
+              <a:ext uri="{FF2B5EF4-FFF2-40B4-BE49-F238E27FC236}">
+                <a16:creationId xmlns:a16="http://schemas.microsoft.com/office/drawing/2014/main" id="{C10F23F1-B27B-4E4E-AE1C-3E6628851A4F}"/>
+              </a:ext>
+            </a:extLst>
+          </p:cNvPr>
+          <p:cNvPicPr>
+            <a:picLocks noChangeAspect="1"/>
+          </p:cNvPicPr>
+          <p:nvPr/>
+        </p:nvPicPr>
+        <p:blipFill>
+          <a:blip r:embed="rId3"/>
+          <a:stretch>
+            <a:fillRect/>
+          </a:stretch>
+        </p:blipFill>
+        <p:spPr>
+          <a:xfrm>
+            <a:off x="2572347" y="0"/>
+            <a:ext cx="7047305" cy="6858000"/>
+          </a:xfrm>
+          <a:prstGeom prst="rect">
+            <a:avLst/>
+          </a:prstGeom>
+        </p:spPr>
+      </p:pic>
+    </p:spTree>
+    <p:extLst>
+      <p:ext uri="{BB962C8B-B14F-4D97-AF65-F5344CB8AC3E}">
+        <p14:creationId xmlns:p14="http://schemas.microsoft.com/office/powerpoint/2010/main" val="1618952287"/>
+      </p:ext>
+    </p:extLst>
+  </p:cSld>
+  <p:clrMapOvr>
+    <a:masterClrMapping/>
+  </p:clrMapOvr>
+</p:sld>
+</file>
+
+<file path=ppt/slides/slide18.xml><?xml version="1.0" encoding="utf-8"?>
+<p:sld xmlns:a="http://schemas.openxmlformats.org/drawingml/2006/main" xmlns:r="http://schemas.openxmlformats.org/officeDocument/2006/relationships" xmlns:p="http://schemas.openxmlformats.org/presentationml/2006/main">
+  <p:cSld>
+    <p:spTree>
+      <p:nvGrpSpPr>
+        <p:cNvPr id="1" name=""/>
+        <p:cNvGrpSpPr/>
+        <p:nvPr/>
+      </p:nvGrpSpPr>
+      <p:grpSpPr>
+        <a:xfrm>
+          <a:off x="0" y="0"/>
+          <a:ext cx="0" cy="0"/>
+          <a:chOff x="0" y="0"/>
+          <a:chExt cx="0" cy="0"/>
+        </a:xfrm>
+      </p:grpSpPr>
+      <p:pic>
+        <p:nvPicPr>
+          <p:cNvPr id="2052" name="Picture 4" descr="Supervised learning training data">
+            <a:extLst>
+              <a:ext uri="{FF2B5EF4-FFF2-40B4-BE49-F238E27FC236}">
+                <a16:creationId xmlns:a16="http://schemas.microsoft.com/office/drawing/2014/main" id="{365BD62D-3BEE-4B7E-B5AD-DEEE025199B3}"/>
+              </a:ext>
+            </a:extLst>
+          </p:cNvPr>
+          <p:cNvPicPr>
+            <a:picLocks noChangeAspect="1" noChangeArrowheads="1"/>
+          </p:cNvPicPr>
+          <p:nvPr/>
+        </p:nvPicPr>
+        <p:blipFill>
+          <a:blip r:embed="rId2">
+            <a:extLst>
+              <a:ext uri="{28A0092B-C50C-407E-A947-70E740481C1C}">
+                <a14:useLocalDpi xmlns:a14="http://schemas.microsoft.com/office/drawing/2010/main" val="0"/>
+              </a:ext>
+            </a:extLst>
+          </a:blip>
+          <a:srcRect/>
+          <a:stretch>
+            <a:fillRect/>
+          </a:stretch>
+        </p:blipFill>
+        <p:spPr bwMode="auto">
+          <a:xfrm>
+            <a:off x="1524000" y="43773"/>
+            <a:ext cx="9143999" cy="6814227"/>
+          </a:xfrm>
+          <a:prstGeom prst="rect">
+            <a:avLst/>
+          </a:prstGeom>
+          <a:noFill/>
+          <a:extLst>
+            <a:ext uri="{909E8E84-426E-40DD-AFC4-6F175D3DCCD1}">
+              <a14:hiddenFill xmlns:a14="http://schemas.microsoft.com/office/drawing/2010/main">
+                <a:solidFill>
+                  <a:srgbClr val="FFFFFF"/>
+                </a:solidFill>
+              </a14:hiddenFill>
+            </a:ext>
+          </a:extLst>
+        </p:spPr>
+      </p:pic>
+    </p:spTree>
+    <p:extLst>
+      <p:ext uri="{BB962C8B-B14F-4D97-AF65-F5344CB8AC3E}">
+        <p14:creationId xmlns:p14="http://schemas.microsoft.com/office/powerpoint/2010/main" val="2581452256"/>
+      </p:ext>
+    </p:extLst>
+  </p:cSld>
+  <p:clrMapOvr>
+    <a:masterClrMapping/>
+  </p:clrMapOvr>
+</p:sld>
+</file>
+
+<file path=ppt/slides/slide19.xml><?xml version="1.0" encoding="utf-8"?>
 <p:sld xmlns:a="http://schemas.openxmlformats.org/drawingml/2006/main" xmlns:r="http://schemas.openxmlformats.org/officeDocument/2006/relationships" xmlns:p="http://schemas.openxmlformats.org/presentationml/2006/main">
   <p:cSld>
     <p:spTree>
@@ -4419,7 +8375,258 @@
 </p:sld>
 </file>
 
-<file path=ppt/slides/slide7.xml><?xml version="1.0" encoding="utf-8"?>
+<file path=ppt/slides/slide2.xml><?xml version="1.0" encoding="utf-8"?>
+<p:sld xmlns:a="http://schemas.openxmlformats.org/drawingml/2006/main" xmlns:r="http://schemas.openxmlformats.org/officeDocument/2006/relationships" xmlns:p="http://schemas.openxmlformats.org/presentationml/2006/main">
+  <p:cSld>
+    <p:spTree>
+      <p:nvGrpSpPr>
+        <p:cNvPr id="1" name=""/>
+        <p:cNvGrpSpPr/>
+        <p:nvPr/>
+      </p:nvGrpSpPr>
+      <p:grpSpPr>
+        <a:xfrm>
+          <a:off x="0" y="0"/>
+          <a:ext cx="0" cy="0"/>
+          <a:chOff x="0" y="0"/>
+          <a:chExt cx="0" cy="0"/>
+        </a:xfrm>
+      </p:grpSpPr>
+      <p:pic>
+        <p:nvPicPr>
+          <p:cNvPr id="2050" name="Picture 2" descr="Figure 3. Subsections of artificial intelligence. Source: generated by the authors. &#10;Reg &#10;Classification &#10;Self Training &#10;Low Density &#10;Se aration Models &#10;Graph Bmd &#10;Algorit h ms &#10;Dynamic programming &#10;Monte Carlo Methods &#10;Heuristic Methods &#10;Deep Feed Forward Networks &#10;Convolution &#10;Neural Networks &#10;Neural Networks &#10;Siamese Neural &#10;Networks &#10;Tra n sformers &#10;Generative &#10;net Wor k s &#10;Graph Neural &#10;Networ &#10;Supervised Learning &#10;Unsupervised &#10;Learning &#10;Dimensiona 'ty &#10;Reduction &#10;Semi Supervised Learning &#10;Reinforcement Learning &#10;Deep Learning &#10;Machine Translation &#10;Content Extraction &#10;Question Answering &#10;Information Retrieval &#10;Sentiment Analysis &#10;Text Generation &#10;Topic Modelin &#10;Image Recognition &#10;Machine Vision &#10;Machine &#10;Learning &#10;Planning &#10;Robotics &#10;Natural Language &#10;Processing &#10;Expert &#10;systems &#10;Speech &#10;Vision &#10;Artificial &#10;intelligence ">
+            <a:extLst>
+              <a:ext uri="{FF2B5EF4-FFF2-40B4-BE49-F238E27FC236}">
+                <a16:creationId xmlns:a16="http://schemas.microsoft.com/office/drawing/2014/main" id="{1DE0A47F-4442-4308-AB10-91A1FBD5F501}"/>
+              </a:ext>
+            </a:extLst>
+          </p:cNvPr>
+          <p:cNvPicPr>
+            <a:picLocks noChangeAspect="1" noChangeArrowheads="1"/>
+          </p:cNvPicPr>
+          <p:nvPr/>
+        </p:nvPicPr>
+        <p:blipFill>
+          <a:blip r:embed="rId2">
+            <a:extLst>
+              <a:ext uri="{28A0092B-C50C-407E-A947-70E740481C1C}">
+                <a14:useLocalDpi xmlns:a14="http://schemas.microsoft.com/office/drawing/2010/main" val="0"/>
+              </a:ext>
+            </a:extLst>
+          </a:blip>
+          <a:srcRect/>
+          <a:stretch>
+            <a:fillRect/>
+          </a:stretch>
+        </p:blipFill>
+        <p:spPr bwMode="auto">
+          <a:xfrm>
+            <a:off x="2405063" y="0"/>
+            <a:ext cx="7380287" cy="6858000"/>
+          </a:xfrm>
+          <a:prstGeom prst="rect">
+            <a:avLst/>
+          </a:prstGeom>
+          <a:noFill/>
+          <a:extLst>
+            <a:ext uri="{909E8E84-426E-40DD-AFC4-6F175D3DCCD1}">
+              <a14:hiddenFill xmlns:a14="http://schemas.microsoft.com/office/drawing/2010/main">
+                <a:solidFill>
+                  <a:srgbClr val="FFFFFF"/>
+                </a:solidFill>
+              </a14:hiddenFill>
+            </a:ext>
+          </a:extLst>
+        </p:spPr>
+      </p:pic>
+      <p:sp>
+        <p:nvSpPr>
+          <p:cNvPr id="4" name="설명선: 오른쪽 화살표 3">
+            <a:extLst>
+              <a:ext uri="{FF2B5EF4-FFF2-40B4-BE49-F238E27FC236}">
+                <a16:creationId xmlns:a16="http://schemas.microsoft.com/office/drawing/2014/main" id="{5589EEFB-FD6D-4A8F-A807-52F3CFE6765B}"/>
+              </a:ext>
+            </a:extLst>
+          </p:cNvPr>
+          <p:cNvSpPr/>
+          <p:nvPr/>
+        </p:nvSpPr>
+        <p:spPr>
+          <a:xfrm>
+            <a:off x="117446" y="4043494"/>
+            <a:ext cx="2558642" cy="302003"/>
+          </a:xfrm>
+          <a:prstGeom prst="rightArrowCallout">
+            <a:avLst/>
+          </a:prstGeom>
+        </p:spPr>
+        <p:style>
+          <a:lnRef idx="2">
+            <a:schemeClr val="accent1">
+              <a:shade val="50000"/>
+            </a:schemeClr>
+          </a:lnRef>
+          <a:fillRef idx="1">
+            <a:schemeClr val="accent1"/>
+          </a:fillRef>
+          <a:effectRef idx="0">
+            <a:schemeClr val="accent1"/>
+          </a:effectRef>
+          <a:fontRef idx="minor">
+            <a:schemeClr val="lt1"/>
+          </a:fontRef>
+        </p:style>
+        <p:txBody>
+          <a:bodyPr rtlCol="0" anchor="ctr"/>
+          <a:lstStyle/>
+          <a:p>
+            <a:pPr algn="ctr"/>
+            <a:r>
+              <a:rPr lang="en-US" altLang="ko-KR" dirty="0"/>
+              <a:t>Transformer</a:t>
+            </a:r>
+            <a:endParaRPr lang="ko-KR" altLang="en-US" dirty="0"/>
+          </a:p>
+        </p:txBody>
+      </p:sp>
+    </p:spTree>
+    <p:extLst>
+      <p:ext uri="{BB962C8B-B14F-4D97-AF65-F5344CB8AC3E}">
+        <p14:creationId xmlns:p14="http://schemas.microsoft.com/office/powerpoint/2010/main" val="1615918082"/>
+      </p:ext>
+    </p:extLst>
+  </p:cSld>
+  <p:clrMapOvr>
+    <a:masterClrMapping/>
+  </p:clrMapOvr>
+</p:sld>
+</file>
+
+<file path=ppt/slides/slide20.xml><?xml version="1.0" encoding="utf-8"?>
+<p:sld xmlns:a="http://schemas.openxmlformats.org/drawingml/2006/main" xmlns:r="http://schemas.openxmlformats.org/officeDocument/2006/relationships" xmlns:p="http://schemas.openxmlformats.org/presentationml/2006/main">
+  <p:cSld>
+    <p:spTree>
+      <p:nvGrpSpPr>
+        <p:cNvPr id="1" name=""/>
+        <p:cNvGrpSpPr/>
+        <p:nvPr/>
+      </p:nvGrpSpPr>
+      <p:grpSpPr>
+        <a:xfrm>
+          <a:off x="0" y="0"/>
+          <a:ext cx="0" cy="0"/>
+          <a:chOff x="0" y="0"/>
+          <a:chExt cx="0" cy="0"/>
+        </a:xfrm>
+      </p:grpSpPr>
+      <p:sp>
+        <p:nvSpPr>
+          <p:cNvPr id="2" name="제목 1">
+            <a:extLst>
+              <a:ext uri="{FF2B5EF4-FFF2-40B4-BE49-F238E27FC236}">
+                <a16:creationId xmlns:a16="http://schemas.microsoft.com/office/drawing/2014/main" id="{F57B0A47-B9CD-4FFA-89E5-78C66529B0A1}"/>
+              </a:ext>
+            </a:extLst>
+          </p:cNvPr>
+          <p:cNvSpPr>
+            <a:spLocks noGrp="1"/>
+          </p:cNvSpPr>
+          <p:nvPr>
+            <p:ph type="title"/>
+          </p:nvPr>
+        </p:nvSpPr>
+        <p:spPr/>
+        <p:txBody>
+          <a:bodyPr/>
+          <a:lstStyle/>
+          <a:p>
+            <a:r>
+              <a:rPr lang="en-US" altLang="ko-KR" dirty="0">
+                <a:hlinkClick r:id="rId2"/>
+              </a:rPr>
+              <a:t>Natural Language Processing</a:t>
+            </a:r>
+            <a:endParaRPr lang="ko-KR" altLang="en-US" dirty="0"/>
+          </a:p>
+        </p:txBody>
+      </p:sp>
+      <p:sp>
+        <p:nvSpPr>
+          <p:cNvPr id="3" name="내용 개체 틀 2">
+            <a:extLst>
+              <a:ext uri="{FF2B5EF4-FFF2-40B4-BE49-F238E27FC236}">
+                <a16:creationId xmlns:a16="http://schemas.microsoft.com/office/drawing/2014/main" id="{EFC5DA8C-1000-4BD7-A423-247F8827DDF5}"/>
+              </a:ext>
+            </a:extLst>
+          </p:cNvPr>
+          <p:cNvSpPr>
+            <a:spLocks noGrp="1"/>
+          </p:cNvSpPr>
+          <p:nvPr>
+            <p:ph idx="1"/>
+          </p:nvPr>
+        </p:nvSpPr>
+        <p:spPr/>
+        <p:txBody>
+          <a:bodyPr>
+            <a:normAutofit/>
+          </a:bodyPr>
+          <a:lstStyle/>
+          <a:p>
+            <a:r>
+              <a:rPr lang="en-US" altLang="ko-KR" sz="2400" dirty="0">
+                <a:hlinkClick r:id="rId2"/>
+              </a:rPr>
+              <a:t>Natural Language Processing (NLP) [A Complete Guide] (deeplearning.ai)</a:t>
+            </a:r>
+            <a:endParaRPr lang="ko-KR" altLang="en-US" sz="2400" dirty="0"/>
+          </a:p>
+        </p:txBody>
+      </p:sp>
+      <p:pic>
+        <p:nvPicPr>
+          <p:cNvPr id="4" name="그림 3">
+            <a:extLst>
+              <a:ext uri="{FF2B5EF4-FFF2-40B4-BE49-F238E27FC236}">
+                <a16:creationId xmlns:a16="http://schemas.microsoft.com/office/drawing/2014/main" id="{3C44C756-8A92-4D9A-BF05-06AE2786961F}"/>
+              </a:ext>
+            </a:extLst>
+          </p:cNvPr>
+          <p:cNvPicPr>
+            <a:picLocks noChangeAspect="1"/>
+          </p:cNvPicPr>
+          <p:nvPr/>
+        </p:nvPicPr>
+        <p:blipFill>
+          <a:blip r:embed="rId3"/>
+          <a:stretch>
+            <a:fillRect/>
+          </a:stretch>
+        </p:blipFill>
+        <p:spPr>
+          <a:xfrm>
+            <a:off x="3690937" y="2778125"/>
+            <a:ext cx="4810125" cy="3714750"/>
+          </a:xfrm>
+          <a:prstGeom prst="rect">
+            <a:avLst/>
+          </a:prstGeom>
+        </p:spPr>
+      </p:pic>
+    </p:spTree>
+    <p:extLst>
+      <p:ext uri="{BB962C8B-B14F-4D97-AF65-F5344CB8AC3E}">
+        <p14:creationId xmlns:p14="http://schemas.microsoft.com/office/powerpoint/2010/main" val="96469733"/>
+      </p:ext>
+    </p:extLst>
+  </p:cSld>
+  <p:clrMapOvr>
+    <a:masterClrMapping/>
+  </p:clrMapOvr>
+</p:sld>
+</file>
+
+<file path=ppt/slides/slide3.xml><?xml version="1.0" encoding="utf-8"?>
 <p:sld xmlns:a="http://schemas.openxmlformats.org/drawingml/2006/main" xmlns:r="http://schemas.openxmlformats.org/officeDocument/2006/relationships" xmlns:p="http://schemas.openxmlformats.org/presentationml/2006/main">
   <p:cSld>
     <p:spTree>
@@ -4487,6 +8694,2038 @@
     <p:extLst>
       <p:ext uri="{BB962C8B-B14F-4D97-AF65-F5344CB8AC3E}">
         <p14:creationId xmlns:p14="http://schemas.microsoft.com/office/powerpoint/2010/main" val="1273389811"/>
+      </p:ext>
+    </p:extLst>
+  </p:cSld>
+  <p:clrMapOvr>
+    <a:masterClrMapping/>
+  </p:clrMapOvr>
+</p:sld>
+</file>
+
+<file path=ppt/slides/slide4.xml><?xml version="1.0" encoding="utf-8"?>
+<p:sld xmlns:a="http://schemas.openxmlformats.org/drawingml/2006/main" xmlns:r="http://schemas.openxmlformats.org/officeDocument/2006/relationships" xmlns:p="http://schemas.openxmlformats.org/presentationml/2006/main">
+  <p:cSld>
+    <p:spTree>
+      <p:nvGrpSpPr>
+        <p:cNvPr id="1" name=""/>
+        <p:cNvGrpSpPr/>
+        <p:nvPr/>
+      </p:nvGrpSpPr>
+      <p:grpSpPr>
+        <a:xfrm>
+          <a:off x="0" y="0"/>
+          <a:ext cx="0" cy="0"/>
+          <a:chOff x="0" y="0"/>
+          <a:chExt cx="0" cy="0"/>
+        </a:xfrm>
+      </p:grpSpPr>
+      <p:sp>
+        <p:nvSpPr>
+          <p:cNvPr id="2" name="제목 1">
+            <a:extLst>
+              <a:ext uri="{FF2B5EF4-FFF2-40B4-BE49-F238E27FC236}">
+                <a16:creationId xmlns:a16="http://schemas.microsoft.com/office/drawing/2014/main" id="{93D6B248-0092-41B9-B53E-7829EE3C9DA5}"/>
+              </a:ext>
+            </a:extLst>
+          </p:cNvPr>
+          <p:cNvSpPr>
+            <a:spLocks noGrp="1"/>
+          </p:cNvSpPr>
+          <p:nvPr>
+            <p:ph type="title"/>
+          </p:nvPr>
+        </p:nvSpPr>
+        <p:spPr/>
+        <p:txBody>
+          <a:bodyPr/>
+          <a:lstStyle/>
+          <a:p>
+            <a:endParaRPr lang="ko-KR" altLang="en-US"/>
+          </a:p>
+        </p:txBody>
+      </p:sp>
+      <p:sp>
+        <p:nvSpPr>
+          <p:cNvPr id="3" name="내용 개체 틀 2">
+            <a:extLst>
+              <a:ext uri="{FF2B5EF4-FFF2-40B4-BE49-F238E27FC236}">
+                <a16:creationId xmlns:a16="http://schemas.microsoft.com/office/drawing/2014/main" id="{EAC7316B-DE68-4CDD-950B-E8A9D71CF314}"/>
+              </a:ext>
+            </a:extLst>
+          </p:cNvPr>
+          <p:cNvSpPr>
+            <a:spLocks noGrp="1"/>
+          </p:cNvSpPr>
+          <p:nvPr>
+            <p:ph idx="1"/>
+          </p:nvPr>
+        </p:nvSpPr>
+        <p:spPr/>
+        <p:txBody>
+          <a:bodyPr/>
+          <a:lstStyle/>
+          <a:p>
+            <a:endParaRPr lang="ko-KR" altLang="en-US"/>
+          </a:p>
+        </p:txBody>
+      </p:sp>
+      <p:pic>
+        <p:nvPicPr>
+          <p:cNvPr id="4" name="그림 3">
+            <a:extLst>
+              <a:ext uri="{FF2B5EF4-FFF2-40B4-BE49-F238E27FC236}">
+                <a16:creationId xmlns:a16="http://schemas.microsoft.com/office/drawing/2014/main" id="{C8F29F76-4600-43AD-AA48-CAD3EDCE7045}"/>
+              </a:ext>
+            </a:extLst>
+          </p:cNvPr>
+          <p:cNvPicPr>
+            <a:picLocks noChangeAspect="1"/>
+          </p:cNvPicPr>
+          <p:nvPr/>
+        </p:nvPicPr>
+        <p:blipFill>
+          <a:blip r:embed="rId2"/>
+          <a:stretch>
+            <a:fillRect/>
+          </a:stretch>
+        </p:blipFill>
+        <p:spPr>
+          <a:xfrm>
+            <a:off x="469900" y="64609"/>
+            <a:ext cx="11061700" cy="6614864"/>
+          </a:xfrm>
+          <a:prstGeom prst="rect">
+            <a:avLst/>
+          </a:prstGeom>
+        </p:spPr>
+      </p:pic>
+      <p:sp>
+        <p:nvSpPr>
+          <p:cNvPr id="5" name="직사각형 4">
+            <a:extLst>
+              <a:ext uri="{FF2B5EF4-FFF2-40B4-BE49-F238E27FC236}">
+                <a16:creationId xmlns:a16="http://schemas.microsoft.com/office/drawing/2014/main" id="{3E3B8BC1-6270-4F1C-8F5E-4CE245E68679}"/>
+              </a:ext>
+            </a:extLst>
+          </p:cNvPr>
+          <p:cNvSpPr/>
+          <p:nvPr/>
+        </p:nvSpPr>
+        <p:spPr>
+          <a:xfrm>
+            <a:off x="2590800" y="6123543"/>
+            <a:ext cx="8851900" cy="369332"/>
+          </a:xfrm>
+          <a:prstGeom prst="rect">
+            <a:avLst/>
+          </a:prstGeom>
+        </p:spPr>
+        <p:txBody>
+          <a:bodyPr wrap="square">
+            <a:spAutoFit/>
+          </a:bodyPr>
+          <a:lstStyle/>
+          <a:p>
+            <a:r>
+              <a:rPr lang="en-US" altLang="ko-KR" dirty="0">
+                <a:hlinkClick r:id="rId3"/>
+              </a:rPr>
+              <a:t>https://contents.premium.naver.com/chatgpt/buff/contents/230622235641423mo</a:t>
+            </a:r>
+            <a:endParaRPr lang="ko-KR" altLang="en-US" dirty="0"/>
+          </a:p>
+        </p:txBody>
+      </p:sp>
+    </p:spTree>
+    <p:extLst>
+      <p:ext uri="{BB962C8B-B14F-4D97-AF65-F5344CB8AC3E}">
+        <p14:creationId xmlns:p14="http://schemas.microsoft.com/office/powerpoint/2010/main" val="1103785561"/>
+      </p:ext>
+    </p:extLst>
+  </p:cSld>
+  <p:clrMapOvr>
+    <a:masterClrMapping/>
+  </p:clrMapOvr>
+</p:sld>
+</file>
+
+<file path=ppt/slides/slide5.xml><?xml version="1.0" encoding="utf-8"?>
+<p:sld xmlns:a="http://schemas.openxmlformats.org/drawingml/2006/main" xmlns:r="http://schemas.openxmlformats.org/officeDocument/2006/relationships" xmlns:p="http://schemas.openxmlformats.org/presentationml/2006/main">
+  <p:cSld>
+    <p:spTree>
+      <p:nvGrpSpPr>
+        <p:cNvPr id="1" name=""/>
+        <p:cNvGrpSpPr/>
+        <p:nvPr/>
+      </p:nvGrpSpPr>
+      <p:grpSpPr>
+        <a:xfrm>
+          <a:off x="0" y="0"/>
+          <a:ext cx="0" cy="0"/>
+          <a:chOff x="0" y="0"/>
+          <a:chExt cx="0" cy="0"/>
+        </a:xfrm>
+      </p:grpSpPr>
+      <p:sp>
+        <p:nvSpPr>
+          <p:cNvPr id="3" name="내용 개체 틀 2">
+            <a:extLst>
+              <a:ext uri="{FF2B5EF4-FFF2-40B4-BE49-F238E27FC236}">
+                <a16:creationId xmlns:a16="http://schemas.microsoft.com/office/drawing/2014/main" id="{80628268-3A1F-45BF-80F8-82F91504C284}"/>
+              </a:ext>
+            </a:extLst>
+          </p:cNvPr>
+          <p:cNvSpPr>
+            <a:spLocks noGrp="1"/>
+          </p:cNvSpPr>
+          <p:nvPr>
+            <p:ph idx="1"/>
+          </p:nvPr>
+        </p:nvSpPr>
+        <p:spPr>
+          <a:xfrm>
+            <a:off x="707572" y="681135"/>
+            <a:ext cx="10955694" cy="4030922"/>
+          </a:xfrm>
+        </p:spPr>
+        <p:txBody>
+          <a:bodyPr>
+            <a:normAutofit/>
+          </a:bodyPr>
+          <a:lstStyle/>
+          <a:p>
+            <a:r>
+              <a:rPr lang="en-US" altLang="ko-KR" dirty="0"/>
+              <a:t>Conventional Search Engine:</a:t>
+            </a:r>
+          </a:p>
+          <a:p>
+            <a:pPr lvl="1"/>
+            <a:r>
+              <a:rPr lang="en-US" altLang="ko-KR" sz="1000" dirty="0"/>
+              <a:t>Relies on keyword matching and indexing.</a:t>
+            </a:r>
+          </a:p>
+          <a:p>
+            <a:pPr lvl="1"/>
+            <a:r>
+              <a:rPr lang="en-US" altLang="ko-KR" sz="1000" dirty="0"/>
+              <a:t>Results are based on factors like keyword density and page rankings.</a:t>
+            </a:r>
+          </a:p>
+          <a:p>
+            <a:pPr lvl="1"/>
+            <a:r>
+              <a:rPr lang="en-US" altLang="ko-KR" sz="1000" dirty="0"/>
+              <a:t>Provides a list of relevant web pages.</a:t>
+            </a:r>
+          </a:p>
+          <a:p>
+            <a:pPr lvl="1"/>
+            <a:r>
+              <a:rPr lang="en-US" altLang="ko-KR" sz="1000" dirty="0"/>
+              <a:t>Emphasizes popularity and authority of web pages.</a:t>
+            </a:r>
+          </a:p>
+          <a:p>
+            <a:pPr lvl="1"/>
+            <a:r>
+              <a:rPr lang="en-US" altLang="ko-KR" sz="1600" dirty="0"/>
+              <a:t>Does not focus on understanding the meaning or context of the search query.</a:t>
+            </a:r>
+          </a:p>
+          <a:p>
+            <a:r>
+              <a:rPr lang="en-US" altLang="ko-KR" dirty="0"/>
+              <a:t>Semantic Search Engine:</a:t>
+            </a:r>
+          </a:p>
+          <a:p>
+            <a:pPr lvl="1"/>
+            <a:r>
+              <a:rPr lang="en-US" altLang="ko-KR" sz="900" dirty="0"/>
+              <a:t>Analyzes the meaning and context of the search query.</a:t>
+            </a:r>
+          </a:p>
+          <a:p>
+            <a:pPr lvl="1"/>
+            <a:r>
+              <a:rPr lang="en-US" altLang="ko-KR" sz="900" dirty="0"/>
+              <a:t>Considers user's location, search history, and other factors.</a:t>
+            </a:r>
+          </a:p>
+          <a:p>
+            <a:pPr lvl="1"/>
+            <a:r>
+              <a:rPr lang="en-US" altLang="ko-KR" sz="900" dirty="0"/>
+              <a:t>Provides more personalized and context-aware results.</a:t>
+            </a:r>
+          </a:p>
+          <a:p>
+            <a:pPr lvl="1"/>
+            <a:r>
+              <a:rPr lang="en-US" altLang="ko-KR" sz="900" dirty="0"/>
+              <a:t>Understands relationships between words and concepts.</a:t>
+            </a:r>
+          </a:p>
+          <a:p>
+            <a:pPr lvl="1"/>
+            <a:r>
+              <a:rPr lang="en-US" altLang="ko-KR" sz="900" dirty="0"/>
+              <a:t>Uses natural language processing (NLP) techniques.</a:t>
+            </a:r>
+          </a:p>
+          <a:p>
+            <a:pPr lvl="1"/>
+            <a:r>
+              <a:rPr lang="en-US" altLang="ko-KR" sz="900" dirty="0"/>
+              <a:t>Presents rich snippets and leverages knowledge graphs for additional context.</a:t>
+            </a:r>
+          </a:p>
+          <a:p>
+            <a:pPr lvl="1"/>
+            <a:r>
+              <a:rPr lang="en-US" altLang="ko-KR" sz="1600" dirty="0"/>
+              <a:t>Aims to deliver more accurate and meaningful search results.</a:t>
+            </a:r>
+          </a:p>
+          <a:p>
+            <a:endParaRPr lang="ko-KR" altLang="en-US" dirty="0"/>
+          </a:p>
+        </p:txBody>
+      </p:sp>
+      <p:sp>
+        <p:nvSpPr>
+          <p:cNvPr id="6" name="Rectangle 1">
+            <a:extLst>
+              <a:ext uri="{FF2B5EF4-FFF2-40B4-BE49-F238E27FC236}">
+                <a16:creationId xmlns:a16="http://schemas.microsoft.com/office/drawing/2014/main" id="{7ADBA410-52DB-427C-8FE6-B9C2D7581F2F}"/>
+              </a:ext>
+            </a:extLst>
+          </p:cNvPr>
+          <p:cNvSpPr>
+            <a:spLocks noChangeArrowheads="1"/>
+          </p:cNvSpPr>
+          <p:nvPr/>
+        </p:nvSpPr>
+        <p:spPr bwMode="auto">
+          <a:xfrm>
+            <a:off x="528734" y="4591406"/>
+            <a:ext cx="11199846" cy="1938992"/>
+          </a:xfrm>
+          <a:prstGeom prst="rect">
+            <a:avLst/>
+          </a:prstGeom>
+          <a:noFill/>
+          <a:ln>
+            <a:noFill/>
+          </a:ln>
+          <a:effectLst/>
+          <a:extLst>
+            <a:ext uri="{909E8E84-426E-40DD-AFC4-6F175D3DCCD1}">
+              <a14:hiddenFill xmlns:a14="http://schemas.microsoft.com/office/drawing/2010/main">
+                <a:solidFill>
+                  <a:schemeClr val="accent1"/>
+                </a:solidFill>
+              </a14:hiddenFill>
+            </a:ext>
+            <a:ext uri="{91240B29-F687-4F45-9708-019B960494DF}">
+              <a14:hiddenLine xmlns:a14="http://schemas.microsoft.com/office/drawing/2010/main" w="9525">
+                <a:solidFill>
+                  <a:schemeClr val="tx1"/>
+                </a:solidFill>
+                <a:miter lim="800000"/>
+                <a:headEnd/>
+                <a:tailEnd/>
+              </a14:hiddenLine>
+            </a:ext>
+            <a:ext uri="{AF507438-7753-43E0-B8FC-AC1667EBCBE1}">
+              <a14:hiddenEffects xmlns:a14="http://schemas.microsoft.com/office/drawing/2010/main">
+                <a:effectLst>
+                  <a:outerShdw dist="35921" dir="2700000" algn="ctr" rotWithShape="0">
+                    <a:schemeClr val="bg2"/>
+                  </a:outerShdw>
+                </a:effectLst>
+              </a14:hiddenEffects>
+            </a:ext>
+          </a:extLst>
+        </p:spPr>
+        <p:txBody>
+          <a:bodyPr vert="horz" wrap="square" lIns="91440" tIns="45720" rIns="91440" bIns="45720" numCol="1" anchor="ctr" anchorCtr="0" compatLnSpc="1">
+            <a:prstTxWarp prst="textNoShape">
+              <a:avLst/>
+            </a:prstTxWarp>
+            <a:spAutoFit/>
+          </a:bodyPr>
+          <a:lstStyle>
+            <a:lvl1pPr eaLnBrk="0" fontAlgn="base" hangingPunct="0">
+              <a:spcBef>
+                <a:spcPct val="0"/>
+              </a:spcBef>
+              <a:spcAft>
+                <a:spcPct val="0"/>
+              </a:spcAft>
+              <a:defRPr>
+                <a:solidFill>
+                  <a:schemeClr val="tx1"/>
+                </a:solidFill>
+                <a:latin typeface="Arial" panose="020B0604020202020204" pitchFamily="34" charset="0"/>
+              </a:defRPr>
+            </a:lvl1pPr>
+            <a:lvl2pPr eaLnBrk="0" fontAlgn="base" hangingPunct="0">
+              <a:spcBef>
+                <a:spcPct val="0"/>
+              </a:spcBef>
+              <a:spcAft>
+                <a:spcPct val="0"/>
+              </a:spcAft>
+              <a:defRPr>
+                <a:solidFill>
+                  <a:schemeClr val="tx1"/>
+                </a:solidFill>
+                <a:latin typeface="Arial" panose="020B0604020202020204" pitchFamily="34" charset="0"/>
+              </a:defRPr>
+            </a:lvl2pPr>
+            <a:lvl3pPr eaLnBrk="0" fontAlgn="base" hangingPunct="0">
+              <a:spcBef>
+                <a:spcPct val="0"/>
+              </a:spcBef>
+              <a:spcAft>
+                <a:spcPct val="0"/>
+              </a:spcAft>
+              <a:defRPr>
+                <a:solidFill>
+                  <a:schemeClr val="tx1"/>
+                </a:solidFill>
+                <a:latin typeface="Arial" panose="020B0604020202020204" pitchFamily="34" charset="0"/>
+              </a:defRPr>
+            </a:lvl3pPr>
+            <a:lvl4pPr eaLnBrk="0" fontAlgn="base" hangingPunct="0">
+              <a:spcBef>
+                <a:spcPct val="0"/>
+              </a:spcBef>
+              <a:spcAft>
+                <a:spcPct val="0"/>
+              </a:spcAft>
+              <a:defRPr>
+                <a:solidFill>
+                  <a:schemeClr val="tx1"/>
+                </a:solidFill>
+                <a:latin typeface="Arial" panose="020B0604020202020204" pitchFamily="34" charset="0"/>
+              </a:defRPr>
+            </a:lvl4pPr>
+            <a:lvl5pPr eaLnBrk="0" fontAlgn="base" hangingPunct="0">
+              <a:spcBef>
+                <a:spcPct val="0"/>
+              </a:spcBef>
+              <a:spcAft>
+                <a:spcPct val="0"/>
+              </a:spcAft>
+              <a:defRPr>
+                <a:solidFill>
+                  <a:schemeClr val="tx1"/>
+                </a:solidFill>
+                <a:latin typeface="Arial" panose="020B0604020202020204" pitchFamily="34" charset="0"/>
+              </a:defRPr>
+            </a:lvl5pPr>
+            <a:lvl6pPr eaLnBrk="0" fontAlgn="base" hangingPunct="0">
+              <a:spcBef>
+                <a:spcPct val="0"/>
+              </a:spcBef>
+              <a:spcAft>
+                <a:spcPct val="0"/>
+              </a:spcAft>
+              <a:defRPr>
+                <a:solidFill>
+                  <a:schemeClr val="tx1"/>
+                </a:solidFill>
+                <a:latin typeface="Arial" panose="020B0604020202020204" pitchFamily="34" charset="0"/>
+              </a:defRPr>
+            </a:lvl6pPr>
+            <a:lvl7pPr eaLnBrk="0" fontAlgn="base" hangingPunct="0">
+              <a:spcBef>
+                <a:spcPct val="0"/>
+              </a:spcBef>
+              <a:spcAft>
+                <a:spcPct val="0"/>
+              </a:spcAft>
+              <a:defRPr>
+                <a:solidFill>
+                  <a:schemeClr val="tx1"/>
+                </a:solidFill>
+                <a:latin typeface="Arial" panose="020B0604020202020204" pitchFamily="34" charset="0"/>
+              </a:defRPr>
+            </a:lvl7pPr>
+            <a:lvl8pPr eaLnBrk="0" fontAlgn="base" hangingPunct="0">
+              <a:spcBef>
+                <a:spcPct val="0"/>
+              </a:spcBef>
+              <a:spcAft>
+                <a:spcPct val="0"/>
+              </a:spcAft>
+              <a:defRPr>
+                <a:solidFill>
+                  <a:schemeClr val="tx1"/>
+                </a:solidFill>
+                <a:latin typeface="Arial" panose="020B0604020202020204" pitchFamily="34" charset="0"/>
+              </a:defRPr>
+            </a:lvl8pPr>
+            <a:lvl9pPr eaLnBrk="0" fontAlgn="base" hangingPunct="0">
+              <a:spcBef>
+                <a:spcPct val="0"/>
+              </a:spcBef>
+              <a:spcAft>
+                <a:spcPct val="0"/>
+              </a:spcAft>
+              <a:defRPr>
+                <a:solidFill>
+                  <a:schemeClr val="tx1"/>
+                </a:solidFill>
+                <a:latin typeface="Arial" panose="020B0604020202020204" pitchFamily="34" charset="0"/>
+              </a:defRPr>
+            </a:lvl9pPr>
+          </a:lstStyle>
+          <a:p>
+            <a:pPr marL="0" marR="0" lvl="0" indent="0" algn="l" defTabSz="914400" rtl="0" eaLnBrk="0" fontAlgn="base" latinLnBrk="0" hangingPunct="0">
+              <a:lnSpc>
+                <a:spcPct val="100000"/>
+              </a:lnSpc>
+              <a:spcBef>
+                <a:spcPct val="0"/>
+              </a:spcBef>
+              <a:spcAft>
+                <a:spcPct val="0"/>
+              </a:spcAft>
+              <a:buClrTx/>
+              <a:buSzTx/>
+              <a:buFontTx/>
+              <a:buNone/>
+              <a:tabLst/>
+            </a:pPr>
+            <a:r>
+              <a:rPr kumimoji="0" lang="ko-KR" altLang="ko-KR" sz="2400" b="0" i="0" u="none" strike="noStrike" cap="none" normalizeH="0" baseline="0" dirty="0" err="1">
+                <a:ln>
+                  <a:noFill/>
+                </a:ln>
+                <a:solidFill>
+                  <a:schemeClr val="tx1"/>
+                </a:solidFill>
+                <a:effectLst/>
+                <a:highlight>
+                  <a:srgbClr val="FFFF00"/>
+                </a:highlight>
+                <a:latin typeface="Arial" panose="020B0604020202020204" pitchFamily="34" charset="0"/>
+                <a:ea typeface="Söhne"/>
+              </a:rPr>
+              <a:t>In</a:t>
+            </a:r>
+            <a:r>
+              <a:rPr kumimoji="0" lang="ko-KR" altLang="ko-KR" sz="2400" b="0" i="0" u="none" strike="noStrike" cap="none" normalizeH="0" baseline="0" dirty="0">
+                <a:ln>
+                  <a:noFill/>
+                </a:ln>
+                <a:solidFill>
+                  <a:schemeClr val="tx1"/>
+                </a:solidFill>
+                <a:effectLst/>
+                <a:highlight>
+                  <a:srgbClr val="FFFF00"/>
+                </a:highlight>
+                <a:latin typeface="Arial" panose="020B0604020202020204" pitchFamily="34" charset="0"/>
+                <a:ea typeface="Söhne"/>
+              </a:rPr>
+              <a:t> </a:t>
+            </a:r>
+            <a:r>
+              <a:rPr kumimoji="0" lang="ko-KR" altLang="ko-KR" sz="2400" b="0" i="0" u="none" strike="noStrike" cap="none" normalizeH="0" baseline="0" dirty="0" err="1">
+                <a:ln>
+                  <a:noFill/>
+                </a:ln>
+                <a:solidFill>
+                  <a:schemeClr val="tx1"/>
+                </a:solidFill>
+                <a:effectLst/>
+                <a:highlight>
+                  <a:srgbClr val="FFFF00"/>
+                </a:highlight>
+                <a:latin typeface="Arial" panose="020B0604020202020204" pitchFamily="34" charset="0"/>
+                <a:ea typeface="Söhne"/>
+              </a:rPr>
+              <a:t>summary</a:t>
+            </a:r>
+            <a:r>
+              <a:rPr kumimoji="0" lang="ko-KR" altLang="ko-KR" sz="2400" b="0" i="0" u="none" strike="noStrike" cap="none" normalizeH="0" baseline="0" dirty="0">
+                <a:ln>
+                  <a:noFill/>
+                </a:ln>
+                <a:solidFill>
+                  <a:schemeClr val="tx1"/>
+                </a:solidFill>
+                <a:effectLst/>
+                <a:highlight>
+                  <a:srgbClr val="FFFF00"/>
+                </a:highlight>
+                <a:latin typeface="Arial" panose="020B0604020202020204" pitchFamily="34" charset="0"/>
+                <a:ea typeface="Söhne"/>
+              </a:rPr>
+              <a:t>, </a:t>
+            </a:r>
+            <a:r>
+              <a:rPr kumimoji="0" lang="ko-KR" altLang="ko-KR" sz="2400" b="0" i="0" u="none" strike="noStrike" cap="none" normalizeH="0" baseline="0" dirty="0" err="1">
+                <a:ln>
+                  <a:noFill/>
+                </a:ln>
+                <a:solidFill>
+                  <a:schemeClr val="tx1"/>
+                </a:solidFill>
+                <a:effectLst/>
+                <a:highlight>
+                  <a:srgbClr val="FFFF00"/>
+                </a:highlight>
+                <a:latin typeface="Arial" panose="020B0604020202020204" pitchFamily="34" charset="0"/>
+                <a:ea typeface="Söhne"/>
+              </a:rPr>
+              <a:t>conventional</a:t>
+            </a:r>
+            <a:r>
+              <a:rPr kumimoji="0" lang="ko-KR" altLang="ko-KR" sz="2400" b="0" i="0" u="none" strike="noStrike" cap="none" normalizeH="0" baseline="0" dirty="0">
+                <a:ln>
+                  <a:noFill/>
+                </a:ln>
+                <a:solidFill>
+                  <a:schemeClr val="tx1"/>
+                </a:solidFill>
+                <a:effectLst/>
+                <a:highlight>
+                  <a:srgbClr val="FFFF00"/>
+                </a:highlight>
+                <a:latin typeface="Arial" panose="020B0604020202020204" pitchFamily="34" charset="0"/>
+                <a:ea typeface="Söhne"/>
+              </a:rPr>
+              <a:t> </a:t>
+            </a:r>
+            <a:r>
+              <a:rPr kumimoji="0" lang="ko-KR" altLang="ko-KR" sz="2400" b="0" i="0" u="none" strike="noStrike" cap="none" normalizeH="0" baseline="0" dirty="0" err="1">
+                <a:ln>
+                  <a:noFill/>
+                </a:ln>
+                <a:solidFill>
+                  <a:schemeClr val="tx1"/>
+                </a:solidFill>
+                <a:effectLst/>
+                <a:highlight>
+                  <a:srgbClr val="FFFF00"/>
+                </a:highlight>
+                <a:latin typeface="Arial" panose="020B0604020202020204" pitchFamily="34" charset="0"/>
+                <a:ea typeface="Söhne"/>
+              </a:rPr>
+              <a:t>search</a:t>
+            </a:r>
+            <a:r>
+              <a:rPr kumimoji="0" lang="ko-KR" altLang="ko-KR" sz="2400" b="0" i="0" u="none" strike="noStrike" cap="none" normalizeH="0" baseline="0" dirty="0">
+                <a:ln>
+                  <a:noFill/>
+                </a:ln>
+                <a:solidFill>
+                  <a:schemeClr val="tx1"/>
+                </a:solidFill>
+                <a:effectLst/>
+                <a:highlight>
+                  <a:srgbClr val="FFFF00"/>
+                </a:highlight>
+                <a:latin typeface="Arial" panose="020B0604020202020204" pitchFamily="34" charset="0"/>
+                <a:ea typeface="Söhne"/>
+              </a:rPr>
+              <a:t> </a:t>
+            </a:r>
+            <a:r>
+              <a:rPr kumimoji="0" lang="ko-KR" altLang="ko-KR" sz="2400" b="0" i="0" u="none" strike="noStrike" cap="none" normalizeH="0" baseline="0" dirty="0" err="1">
+                <a:ln>
+                  <a:noFill/>
+                </a:ln>
+                <a:solidFill>
+                  <a:schemeClr val="tx1"/>
+                </a:solidFill>
+                <a:effectLst/>
+                <a:highlight>
+                  <a:srgbClr val="FFFF00"/>
+                </a:highlight>
+                <a:latin typeface="Arial" panose="020B0604020202020204" pitchFamily="34" charset="0"/>
+                <a:ea typeface="Söhne"/>
+              </a:rPr>
+              <a:t>engines</a:t>
+            </a:r>
+            <a:r>
+              <a:rPr kumimoji="0" lang="ko-KR" altLang="ko-KR" sz="2400" b="0" i="0" u="none" strike="noStrike" cap="none" normalizeH="0" baseline="0" dirty="0">
+                <a:ln>
+                  <a:noFill/>
+                </a:ln>
+                <a:solidFill>
+                  <a:schemeClr val="tx1"/>
+                </a:solidFill>
+                <a:effectLst/>
+                <a:highlight>
+                  <a:srgbClr val="FFFF00"/>
+                </a:highlight>
+                <a:latin typeface="Arial" panose="020B0604020202020204" pitchFamily="34" charset="0"/>
+                <a:ea typeface="Söhne"/>
+              </a:rPr>
+              <a:t> </a:t>
+            </a:r>
+            <a:r>
+              <a:rPr kumimoji="0" lang="ko-KR" altLang="ko-KR" sz="2400" b="0" i="0" u="none" strike="noStrike" cap="none" normalizeH="0" baseline="0" dirty="0" err="1">
+                <a:ln>
+                  <a:noFill/>
+                </a:ln>
+                <a:solidFill>
+                  <a:schemeClr val="tx1"/>
+                </a:solidFill>
+                <a:effectLst/>
+                <a:highlight>
+                  <a:srgbClr val="FFFF00"/>
+                </a:highlight>
+                <a:latin typeface="Arial" panose="020B0604020202020204" pitchFamily="34" charset="0"/>
+                <a:ea typeface="Söhne"/>
+              </a:rPr>
+              <a:t>primarily</a:t>
+            </a:r>
+            <a:r>
+              <a:rPr kumimoji="0" lang="ko-KR" altLang="ko-KR" sz="2400" b="0" i="0" u="none" strike="noStrike" cap="none" normalizeH="0" baseline="0" dirty="0">
+                <a:ln>
+                  <a:noFill/>
+                </a:ln>
+                <a:solidFill>
+                  <a:schemeClr val="tx1"/>
+                </a:solidFill>
+                <a:effectLst/>
+                <a:highlight>
+                  <a:srgbClr val="FFFF00"/>
+                </a:highlight>
+                <a:latin typeface="Arial" panose="020B0604020202020204" pitchFamily="34" charset="0"/>
+                <a:ea typeface="Söhne"/>
+              </a:rPr>
+              <a:t> </a:t>
+            </a:r>
+            <a:r>
+              <a:rPr kumimoji="0" lang="ko-KR" altLang="ko-KR" sz="2400" b="0" i="0" u="none" strike="noStrike" cap="none" normalizeH="0" baseline="0" dirty="0" err="1">
+                <a:ln>
+                  <a:noFill/>
+                </a:ln>
+                <a:solidFill>
+                  <a:schemeClr val="tx1"/>
+                </a:solidFill>
+                <a:effectLst/>
+                <a:highlight>
+                  <a:srgbClr val="FFFF00"/>
+                </a:highlight>
+                <a:latin typeface="Arial" panose="020B0604020202020204" pitchFamily="34" charset="0"/>
+                <a:ea typeface="Söhne"/>
+              </a:rPr>
+              <a:t>rely</a:t>
+            </a:r>
+            <a:r>
+              <a:rPr kumimoji="0" lang="ko-KR" altLang="ko-KR" sz="2400" b="0" i="0" u="none" strike="noStrike" cap="none" normalizeH="0" baseline="0" dirty="0">
+                <a:ln>
+                  <a:noFill/>
+                </a:ln>
+                <a:solidFill>
+                  <a:schemeClr val="tx1"/>
+                </a:solidFill>
+                <a:effectLst/>
+                <a:highlight>
+                  <a:srgbClr val="FFFF00"/>
+                </a:highlight>
+                <a:latin typeface="Arial" panose="020B0604020202020204" pitchFamily="34" charset="0"/>
+                <a:ea typeface="Söhne"/>
+              </a:rPr>
+              <a:t> </a:t>
+            </a:r>
+            <a:r>
+              <a:rPr kumimoji="0" lang="ko-KR" altLang="ko-KR" sz="2400" b="0" i="0" u="none" strike="noStrike" cap="none" normalizeH="0" baseline="0" dirty="0" err="1">
+                <a:ln>
+                  <a:noFill/>
+                </a:ln>
+                <a:solidFill>
+                  <a:schemeClr val="tx1"/>
+                </a:solidFill>
+                <a:effectLst/>
+                <a:highlight>
+                  <a:srgbClr val="FFFF00"/>
+                </a:highlight>
+                <a:latin typeface="Arial" panose="020B0604020202020204" pitchFamily="34" charset="0"/>
+                <a:ea typeface="Söhne"/>
+              </a:rPr>
+              <a:t>on</a:t>
+            </a:r>
+            <a:r>
+              <a:rPr kumimoji="0" lang="ko-KR" altLang="ko-KR" sz="2400" b="0" i="0" u="none" strike="noStrike" cap="none" normalizeH="0" baseline="0" dirty="0">
+                <a:ln>
+                  <a:noFill/>
+                </a:ln>
+                <a:solidFill>
+                  <a:schemeClr val="tx1"/>
+                </a:solidFill>
+                <a:effectLst/>
+                <a:highlight>
+                  <a:srgbClr val="FFFF00"/>
+                </a:highlight>
+                <a:latin typeface="Arial" panose="020B0604020202020204" pitchFamily="34" charset="0"/>
+                <a:ea typeface="Söhne"/>
+              </a:rPr>
+              <a:t> </a:t>
+            </a:r>
+            <a:r>
+              <a:rPr kumimoji="0" lang="ko-KR" altLang="ko-KR" sz="2400" b="0" i="0" u="none" strike="noStrike" cap="none" normalizeH="0" baseline="0" dirty="0" err="1">
+                <a:ln>
+                  <a:noFill/>
+                </a:ln>
+                <a:solidFill>
+                  <a:schemeClr val="tx1"/>
+                </a:solidFill>
+                <a:effectLst/>
+                <a:highlight>
+                  <a:srgbClr val="FFFF00"/>
+                </a:highlight>
+                <a:latin typeface="Arial" panose="020B0604020202020204" pitchFamily="34" charset="0"/>
+                <a:ea typeface="Söhne"/>
+              </a:rPr>
+              <a:t>keyword</a:t>
+            </a:r>
+            <a:r>
+              <a:rPr kumimoji="0" lang="ko-KR" altLang="ko-KR" sz="2400" b="0" i="0" u="none" strike="noStrike" cap="none" normalizeH="0" baseline="0" dirty="0">
+                <a:ln>
+                  <a:noFill/>
+                </a:ln>
+                <a:solidFill>
+                  <a:schemeClr val="tx1"/>
+                </a:solidFill>
+                <a:effectLst/>
+                <a:highlight>
+                  <a:srgbClr val="FFFF00"/>
+                </a:highlight>
+                <a:latin typeface="Arial" panose="020B0604020202020204" pitchFamily="34" charset="0"/>
+                <a:ea typeface="Söhne"/>
+              </a:rPr>
+              <a:t> </a:t>
+            </a:r>
+            <a:r>
+              <a:rPr kumimoji="0" lang="ko-KR" altLang="ko-KR" sz="2400" b="0" i="0" u="none" strike="noStrike" cap="none" normalizeH="0" baseline="0" dirty="0" err="1">
+                <a:ln>
+                  <a:noFill/>
+                </a:ln>
+                <a:solidFill>
+                  <a:schemeClr val="tx1"/>
+                </a:solidFill>
+                <a:effectLst/>
+                <a:highlight>
+                  <a:srgbClr val="FFFF00"/>
+                </a:highlight>
+                <a:latin typeface="Arial" panose="020B0604020202020204" pitchFamily="34" charset="0"/>
+                <a:ea typeface="Söhne"/>
+              </a:rPr>
+              <a:t>matching</a:t>
+            </a:r>
+            <a:r>
+              <a:rPr kumimoji="0" lang="ko-KR" altLang="ko-KR" sz="2400" b="0" i="0" u="none" strike="noStrike" cap="none" normalizeH="0" baseline="0" dirty="0">
+                <a:ln>
+                  <a:noFill/>
+                </a:ln>
+                <a:solidFill>
+                  <a:schemeClr val="tx1"/>
+                </a:solidFill>
+                <a:effectLst/>
+                <a:highlight>
+                  <a:srgbClr val="FFFF00"/>
+                </a:highlight>
+                <a:latin typeface="Arial" panose="020B0604020202020204" pitchFamily="34" charset="0"/>
+                <a:ea typeface="Söhne"/>
+              </a:rPr>
+              <a:t>, </a:t>
+            </a:r>
+            <a:r>
+              <a:rPr kumimoji="0" lang="ko-KR" altLang="ko-KR" sz="2400" b="0" i="0" u="none" strike="noStrike" cap="none" normalizeH="0" baseline="0" dirty="0" err="1">
+                <a:ln>
+                  <a:noFill/>
+                </a:ln>
+                <a:solidFill>
+                  <a:schemeClr val="tx1"/>
+                </a:solidFill>
+                <a:effectLst/>
+                <a:highlight>
+                  <a:srgbClr val="FFFF00"/>
+                </a:highlight>
+                <a:latin typeface="Arial" panose="020B0604020202020204" pitchFamily="34" charset="0"/>
+                <a:ea typeface="Söhne"/>
+              </a:rPr>
+              <a:t>while</a:t>
+            </a:r>
+            <a:r>
+              <a:rPr kumimoji="0" lang="ko-KR" altLang="ko-KR" sz="2400" b="0" i="0" u="none" strike="noStrike" cap="none" normalizeH="0" baseline="0" dirty="0">
+                <a:ln>
+                  <a:noFill/>
+                </a:ln>
+                <a:solidFill>
+                  <a:schemeClr val="tx1"/>
+                </a:solidFill>
+                <a:effectLst/>
+                <a:highlight>
+                  <a:srgbClr val="FFFF00"/>
+                </a:highlight>
+                <a:latin typeface="Arial" panose="020B0604020202020204" pitchFamily="34" charset="0"/>
+                <a:ea typeface="Söhne"/>
+              </a:rPr>
+              <a:t> </a:t>
+            </a:r>
+            <a:r>
+              <a:rPr kumimoji="0" lang="ko-KR" altLang="ko-KR" sz="2400" b="0" i="0" u="none" strike="noStrike" cap="none" normalizeH="0" baseline="0" dirty="0" err="1">
+                <a:ln>
+                  <a:noFill/>
+                </a:ln>
+                <a:solidFill>
+                  <a:schemeClr val="tx1"/>
+                </a:solidFill>
+                <a:effectLst/>
+                <a:highlight>
+                  <a:srgbClr val="FFFF00"/>
+                </a:highlight>
+                <a:latin typeface="Arial" panose="020B0604020202020204" pitchFamily="34" charset="0"/>
+                <a:ea typeface="Söhne"/>
+              </a:rPr>
+              <a:t>semantic</a:t>
+            </a:r>
+            <a:r>
+              <a:rPr kumimoji="0" lang="ko-KR" altLang="ko-KR" sz="2400" b="0" i="0" u="none" strike="noStrike" cap="none" normalizeH="0" baseline="0" dirty="0">
+                <a:ln>
+                  <a:noFill/>
+                </a:ln>
+                <a:solidFill>
+                  <a:schemeClr val="tx1"/>
+                </a:solidFill>
+                <a:effectLst/>
+                <a:highlight>
+                  <a:srgbClr val="FFFF00"/>
+                </a:highlight>
+                <a:latin typeface="Arial" panose="020B0604020202020204" pitchFamily="34" charset="0"/>
+                <a:ea typeface="Söhne"/>
+              </a:rPr>
+              <a:t> </a:t>
+            </a:r>
+            <a:r>
+              <a:rPr kumimoji="0" lang="ko-KR" altLang="ko-KR" sz="2400" b="0" i="0" u="none" strike="noStrike" cap="none" normalizeH="0" baseline="0" dirty="0" err="1">
+                <a:ln>
+                  <a:noFill/>
+                </a:ln>
+                <a:solidFill>
+                  <a:schemeClr val="tx1"/>
+                </a:solidFill>
+                <a:effectLst/>
+                <a:highlight>
+                  <a:srgbClr val="FFFF00"/>
+                </a:highlight>
+                <a:latin typeface="Arial" panose="020B0604020202020204" pitchFamily="34" charset="0"/>
+                <a:ea typeface="Söhne"/>
+              </a:rPr>
+              <a:t>search</a:t>
+            </a:r>
+            <a:r>
+              <a:rPr kumimoji="0" lang="ko-KR" altLang="ko-KR" sz="2400" b="0" i="0" u="none" strike="noStrike" cap="none" normalizeH="0" baseline="0" dirty="0">
+                <a:ln>
+                  <a:noFill/>
+                </a:ln>
+                <a:solidFill>
+                  <a:schemeClr val="tx1"/>
+                </a:solidFill>
+                <a:effectLst/>
+                <a:highlight>
+                  <a:srgbClr val="FFFF00"/>
+                </a:highlight>
+                <a:latin typeface="Arial" panose="020B0604020202020204" pitchFamily="34" charset="0"/>
+                <a:ea typeface="Söhne"/>
+              </a:rPr>
+              <a:t> </a:t>
+            </a:r>
+            <a:r>
+              <a:rPr kumimoji="0" lang="ko-KR" altLang="ko-KR" sz="2400" b="0" i="0" u="none" strike="noStrike" cap="none" normalizeH="0" baseline="0" dirty="0" err="1">
+                <a:ln>
+                  <a:noFill/>
+                </a:ln>
+                <a:solidFill>
+                  <a:schemeClr val="tx1"/>
+                </a:solidFill>
+                <a:effectLst/>
+                <a:highlight>
+                  <a:srgbClr val="FFFF00"/>
+                </a:highlight>
+                <a:latin typeface="Arial" panose="020B0604020202020204" pitchFamily="34" charset="0"/>
+                <a:ea typeface="Söhne"/>
+              </a:rPr>
+              <a:t>engines</a:t>
+            </a:r>
+            <a:r>
+              <a:rPr kumimoji="0" lang="ko-KR" altLang="ko-KR" sz="2400" b="0" i="0" u="none" strike="noStrike" cap="none" normalizeH="0" baseline="0" dirty="0">
+                <a:ln>
+                  <a:noFill/>
+                </a:ln>
+                <a:solidFill>
+                  <a:schemeClr val="tx1"/>
+                </a:solidFill>
+                <a:effectLst/>
+                <a:highlight>
+                  <a:srgbClr val="FFFF00"/>
+                </a:highlight>
+                <a:latin typeface="Arial" panose="020B0604020202020204" pitchFamily="34" charset="0"/>
+                <a:ea typeface="Söhne"/>
+              </a:rPr>
+              <a:t> </a:t>
+            </a:r>
+            <a:r>
+              <a:rPr kumimoji="0" lang="ko-KR" altLang="ko-KR" sz="2400" b="0" i="0" u="none" strike="noStrike" cap="none" normalizeH="0" baseline="0" dirty="0" err="1">
+                <a:ln>
+                  <a:noFill/>
+                </a:ln>
+                <a:solidFill>
+                  <a:schemeClr val="tx1"/>
+                </a:solidFill>
+                <a:effectLst/>
+                <a:highlight>
+                  <a:srgbClr val="FFFF00"/>
+                </a:highlight>
+                <a:latin typeface="Arial" panose="020B0604020202020204" pitchFamily="34" charset="0"/>
+                <a:ea typeface="Söhne"/>
+              </a:rPr>
+              <a:t>aim</a:t>
+            </a:r>
+            <a:r>
+              <a:rPr kumimoji="0" lang="ko-KR" altLang="ko-KR" sz="2400" b="0" i="0" u="none" strike="noStrike" cap="none" normalizeH="0" baseline="0" dirty="0">
+                <a:ln>
+                  <a:noFill/>
+                </a:ln>
+                <a:solidFill>
+                  <a:schemeClr val="tx1"/>
+                </a:solidFill>
+                <a:effectLst/>
+                <a:highlight>
+                  <a:srgbClr val="FFFF00"/>
+                </a:highlight>
+                <a:latin typeface="Arial" panose="020B0604020202020204" pitchFamily="34" charset="0"/>
+                <a:ea typeface="Söhne"/>
+              </a:rPr>
+              <a:t> </a:t>
+            </a:r>
+            <a:r>
+              <a:rPr kumimoji="0" lang="ko-KR" altLang="ko-KR" sz="2400" b="0" i="0" u="none" strike="noStrike" cap="none" normalizeH="0" baseline="0" dirty="0" err="1">
+                <a:ln>
+                  <a:noFill/>
+                </a:ln>
+                <a:solidFill>
+                  <a:schemeClr val="tx1"/>
+                </a:solidFill>
+                <a:effectLst/>
+                <a:highlight>
+                  <a:srgbClr val="FFFF00"/>
+                </a:highlight>
+                <a:latin typeface="Arial" panose="020B0604020202020204" pitchFamily="34" charset="0"/>
+                <a:ea typeface="Söhne"/>
+              </a:rPr>
+              <a:t>to</a:t>
+            </a:r>
+            <a:r>
+              <a:rPr kumimoji="0" lang="ko-KR" altLang="ko-KR" sz="2400" b="0" i="0" u="none" strike="noStrike" cap="none" normalizeH="0" baseline="0" dirty="0">
+                <a:ln>
+                  <a:noFill/>
+                </a:ln>
+                <a:solidFill>
+                  <a:schemeClr val="tx1"/>
+                </a:solidFill>
+                <a:effectLst/>
+                <a:highlight>
+                  <a:srgbClr val="FFFF00"/>
+                </a:highlight>
+                <a:latin typeface="Arial" panose="020B0604020202020204" pitchFamily="34" charset="0"/>
+                <a:ea typeface="Söhne"/>
+              </a:rPr>
+              <a:t> </a:t>
+            </a:r>
+            <a:r>
+              <a:rPr kumimoji="0" lang="ko-KR" altLang="ko-KR" sz="2400" b="0" i="0" u="none" strike="noStrike" cap="none" normalizeH="0" baseline="0" dirty="0" err="1">
+                <a:ln>
+                  <a:noFill/>
+                </a:ln>
+                <a:solidFill>
+                  <a:schemeClr val="tx1"/>
+                </a:solidFill>
+                <a:effectLst/>
+                <a:highlight>
+                  <a:srgbClr val="FFFF00"/>
+                </a:highlight>
+                <a:latin typeface="Arial" panose="020B0604020202020204" pitchFamily="34" charset="0"/>
+                <a:ea typeface="Söhne"/>
+              </a:rPr>
+              <a:t>understand</a:t>
+            </a:r>
+            <a:r>
+              <a:rPr kumimoji="0" lang="ko-KR" altLang="ko-KR" sz="2400" b="0" i="0" u="none" strike="noStrike" cap="none" normalizeH="0" baseline="0" dirty="0">
+                <a:ln>
+                  <a:noFill/>
+                </a:ln>
+                <a:solidFill>
+                  <a:schemeClr val="tx1"/>
+                </a:solidFill>
+                <a:effectLst/>
+                <a:highlight>
+                  <a:srgbClr val="FFFF00"/>
+                </a:highlight>
+                <a:latin typeface="Arial" panose="020B0604020202020204" pitchFamily="34" charset="0"/>
+                <a:ea typeface="Söhne"/>
+              </a:rPr>
+              <a:t> </a:t>
+            </a:r>
+            <a:r>
+              <a:rPr kumimoji="0" lang="ko-KR" altLang="ko-KR" sz="2400" b="0" i="0" u="none" strike="noStrike" cap="none" normalizeH="0" baseline="0" dirty="0" err="1">
+                <a:ln>
+                  <a:noFill/>
+                </a:ln>
+                <a:solidFill>
+                  <a:schemeClr val="tx1"/>
+                </a:solidFill>
+                <a:effectLst/>
+                <a:highlight>
+                  <a:srgbClr val="FFFF00"/>
+                </a:highlight>
+                <a:latin typeface="Arial" panose="020B0604020202020204" pitchFamily="34" charset="0"/>
+                <a:ea typeface="Söhne"/>
+              </a:rPr>
+              <a:t>the</a:t>
+            </a:r>
+            <a:r>
+              <a:rPr kumimoji="0" lang="ko-KR" altLang="ko-KR" sz="2400" b="0" i="0" u="none" strike="noStrike" cap="none" normalizeH="0" baseline="0" dirty="0">
+                <a:ln>
+                  <a:noFill/>
+                </a:ln>
+                <a:solidFill>
+                  <a:schemeClr val="tx1"/>
+                </a:solidFill>
+                <a:effectLst/>
+                <a:highlight>
+                  <a:srgbClr val="FFFF00"/>
+                </a:highlight>
+                <a:latin typeface="Arial" panose="020B0604020202020204" pitchFamily="34" charset="0"/>
+                <a:ea typeface="Söhne"/>
+              </a:rPr>
+              <a:t> </a:t>
+            </a:r>
+            <a:r>
+              <a:rPr kumimoji="0" lang="ko-KR" altLang="ko-KR" sz="2400" b="0" i="0" u="none" strike="noStrike" cap="none" normalizeH="0" baseline="0" dirty="0" err="1">
+                <a:ln>
+                  <a:noFill/>
+                </a:ln>
+                <a:solidFill>
+                  <a:schemeClr val="tx1"/>
+                </a:solidFill>
+                <a:effectLst/>
+                <a:highlight>
+                  <a:srgbClr val="FFFF00"/>
+                </a:highlight>
+                <a:latin typeface="Arial" panose="020B0604020202020204" pitchFamily="34" charset="0"/>
+                <a:ea typeface="Söhne"/>
+              </a:rPr>
+              <a:t>meaning</a:t>
+            </a:r>
+            <a:r>
+              <a:rPr kumimoji="0" lang="ko-KR" altLang="ko-KR" sz="2400" b="0" i="0" u="none" strike="noStrike" cap="none" normalizeH="0" baseline="0" dirty="0">
+                <a:ln>
+                  <a:noFill/>
+                </a:ln>
+                <a:solidFill>
+                  <a:schemeClr val="tx1"/>
+                </a:solidFill>
+                <a:effectLst/>
+                <a:highlight>
+                  <a:srgbClr val="FFFF00"/>
+                </a:highlight>
+                <a:latin typeface="Arial" panose="020B0604020202020204" pitchFamily="34" charset="0"/>
+                <a:ea typeface="Söhne"/>
+              </a:rPr>
+              <a:t> and </a:t>
+            </a:r>
+            <a:r>
+              <a:rPr kumimoji="0" lang="ko-KR" altLang="ko-KR" sz="2400" b="0" i="0" u="none" strike="noStrike" cap="none" normalizeH="0" baseline="0" dirty="0" err="1">
+                <a:ln>
+                  <a:noFill/>
+                </a:ln>
+                <a:solidFill>
+                  <a:schemeClr val="tx1"/>
+                </a:solidFill>
+                <a:effectLst/>
+                <a:highlight>
+                  <a:srgbClr val="FFFF00"/>
+                </a:highlight>
+                <a:latin typeface="Arial" panose="020B0604020202020204" pitchFamily="34" charset="0"/>
+                <a:ea typeface="Söhne"/>
+              </a:rPr>
+              <a:t>intent</a:t>
+            </a:r>
+            <a:r>
+              <a:rPr kumimoji="0" lang="ko-KR" altLang="ko-KR" sz="2400" b="0" i="0" u="none" strike="noStrike" cap="none" normalizeH="0" baseline="0" dirty="0">
+                <a:ln>
+                  <a:noFill/>
+                </a:ln>
+                <a:solidFill>
+                  <a:schemeClr val="tx1"/>
+                </a:solidFill>
+                <a:effectLst/>
+                <a:highlight>
+                  <a:srgbClr val="FFFF00"/>
+                </a:highlight>
+                <a:latin typeface="Arial" panose="020B0604020202020204" pitchFamily="34" charset="0"/>
+                <a:ea typeface="Söhne"/>
+              </a:rPr>
+              <a:t> </a:t>
+            </a:r>
+            <a:r>
+              <a:rPr kumimoji="0" lang="ko-KR" altLang="ko-KR" sz="2400" b="0" i="0" u="none" strike="noStrike" cap="none" normalizeH="0" baseline="0" dirty="0" err="1">
+                <a:ln>
+                  <a:noFill/>
+                </a:ln>
+                <a:solidFill>
+                  <a:schemeClr val="tx1"/>
+                </a:solidFill>
+                <a:effectLst/>
+                <a:highlight>
+                  <a:srgbClr val="FFFF00"/>
+                </a:highlight>
+                <a:latin typeface="Arial" panose="020B0604020202020204" pitchFamily="34" charset="0"/>
+                <a:ea typeface="Söhne"/>
+              </a:rPr>
+              <a:t>behind</a:t>
+            </a:r>
+            <a:r>
+              <a:rPr kumimoji="0" lang="ko-KR" altLang="ko-KR" sz="2400" b="0" i="0" u="none" strike="noStrike" cap="none" normalizeH="0" baseline="0" dirty="0">
+                <a:ln>
+                  <a:noFill/>
+                </a:ln>
+                <a:solidFill>
+                  <a:schemeClr val="tx1"/>
+                </a:solidFill>
+                <a:effectLst/>
+                <a:highlight>
+                  <a:srgbClr val="FFFF00"/>
+                </a:highlight>
+                <a:latin typeface="Arial" panose="020B0604020202020204" pitchFamily="34" charset="0"/>
+                <a:ea typeface="Söhne"/>
+              </a:rPr>
+              <a:t> </a:t>
+            </a:r>
+            <a:r>
+              <a:rPr kumimoji="0" lang="ko-KR" altLang="ko-KR" sz="2400" b="0" i="0" u="none" strike="noStrike" cap="none" normalizeH="0" baseline="0" dirty="0" err="1">
+                <a:ln>
+                  <a:noFill/>
+                </a:ln>
+                <a:solidFill>
+                  <a:schemeClr val="tx1"/>
+                </a:solidFill>
+                <a:effectLst/>
+                <a:highlight>
+                  <a:srgbClr val="FFFF00"/>
+                </a:highlight>
+                <a:latin typeface="Arial" panose="020B0604020202020204" pitchFamily="34" charset="0"/>
+                <a:ea typeface="Söhne"/>
+              </a:rPr>
+              <a:t>search</a:t>
+            </a:r>
+            <a:r>
+              <a:rPr kumimoji="0" lang="ko-KR" altLang="ko-KR" sz="2400" b="0" i="0" u="none" strike="noStrike" cap="none" normalizeH="0" baseline="0" dirty="0">
+                <a:ln>
+                  <a:noFill/>
+                </a:ln>
+                <a:solidFill>
+                  <a:schemeClr val="tx1"/>
+                </a:solidFill>
+                <a:effectLst/>
+                <a:highlight>
+                  <a:srgbClr val="FFFF00"/>
+                </a:highlight>
+                <a:latin typeface="Arial" panose="020B0604020202020204" pitchFamily="34" charset="0"/>
+                <a:ea typeface="Söhne"/>
+              </a:rPr>
+              <a:t> </a:t>
+            </a:r>
+            <a:r>
+              <a:rPr kumimoji="0" lang="ko-KR" altLang="ko-KR" sz="2400" b="0" i="0" u="none" strike="noStrike" cap="none" normalizeH="0" baseline="0" dirty="0" err="1">
+                <a:ln>
+                  <a:noFill/>
+                </a:ln>
+                <a:solidFill>
+                  <a:schemeClr val="tx1"/>
+                </a:solidFill>
+                <a:effectLst/>
+                <a:highlight>
+                  <a:srgbClr val="FFFF00"/>
+                </a:highlight>
+                <a:latin typeface="Arial" panose="020B0604020202020204" pitchFamily="34" charset="0"/>
+                <a:ea typeface="Söhne"/>
+              </a:rPr>
+              <a:t>queries</a:t>
+            </a:r>
+            <a:r>
+              <a:rPr kumimoji="0" lang="ko-KR" altLang="ko-KR" sz="2400" b="0" i="0" u="none" strike="noStrike" cap="none" normalizeH="0" baseline="0" dirty="0">
+                <a:ln>
+                  <a:noFill/>
+                </a:ln>
+                <a:solidFill>
+                  <a:schemeClr val="tx1"/>
+                </a:solidFill>
+                <a:effectLst/>
+                <a:highlight>
+                  <a:srgbClr val="FFFF00"/>
+                </a:highlight>
+                <a:latin typeface="Arial" panose="020B0604020202020204" pitchFamily="34" charset="0"/>
+                <a:ea typeface="Söhne"/>
+              </a:rPr>
+              <a:t>, </a:t>
+            </a:r>
+            <a:r>
+              <a:rPr kumimoji="0" lang="ko-KR" altLang="ko-KR" sz="2400" b="0" i="0" u="none" strike="noStrike" cap="none" normalizeH="0" baseline="0" dirty="0" err="1">
+                <a:ln>
+                  <a:noFill/>
+                </a:ln>
+                <a:solidFill>
+                  <a:schemeClr val="tx1"/>
+                </a:solidFill>
+                <a:effectLst/>
+                <a:highlight>
+                  <a:srgbClr val="FFFF00"/>
+                </a:highlight>
+                <a:latin typeface="Arial" panose="020B0604020202020204" pitchFamily="34" charset="0"/>
+                <a:ea typeface="Söhne"/>
+              </a:rPr>
+              <a:t>providing</a:t>
+            </a:r>
+            <a:r>
+              <a:rPr kumimoji="0" lang="ko-KR" altLang="ko-KR" sz="2400" b="0" i="0" u="none" strike="noStrike" cap="none" normalizeH="0" baseline="0" dirty="0">
+                <a:ln>
+                  <a:noFill/>
+                </a:ln>
+                <a:solidFill>
+                  <a:schemeClr val="tx1"/>
+                </a:solidFill>
+                <a:effectLst/>
+                <a:highlight>
+                  <a:srgbClr val="FFFF00"/>
+                </a:highlight>
+                <a:latin typeface="Arial" panose="020B0604020202020204" pitchFamily="34" charset="0"/>
+                <a:ea typeface="Söhne"/>
+              </a:rPr>
+              <a:t> </a:t>
+            </a:r>
+            <a:r>
+              <a:rPr kumimoji="0" lang="ko-KR" altLang="ko-KR" sz="2400" b="0" i="0" u="none" strike="noStrike" cap="none" normalizeH="0" baseline="0" dirty="0" err="1">
+                <a:ln>
+                  <a:noFill/>
+                </a:ln>
+                <a:solidFill>
+                  <a:schemeClr val="tx1"/>
+                </a:solidFill>
+                <a:effectLst/>
+                <a:highlight>
+                  <a:srgbClr val="FFFF00"/>
+                </a:highlight>
+                <a:latin typeface="Arial" panose="020B0604020202020204" pitchFamily="34" charset="0"/>
+                <a:ea typeface="Söhne"/>
+              </a:rPr>
+              <a:t>more</a:t>
+            </a:r>
+            <a:r>
+              <a:rPr kumimoji="0" lang="ko-KR" altLang="ko-KR" sz="2400" b="0" i="0" u="none" strike="noStrike" cap="none" normalizeH="0" baseline="0" dirty="0">
+                <a:ln>
+                  <a:noFill/>
+                </a:ln>
+                <a:solidFill>
+                  <a:schemeClr val="tx1"/>
+                </a:solidFill>
+                <a:effectLst/>
+                <a:highlight>
+                  <a:srgbClr val="FFFF00"/>
+                </a:highlight>
+                <a:latin typeface="Arial" panose="020B0604020202020204" pitchFamily="34" charset="0"/>
+                <a:ea typeface="Söhne"/>
+              </a:rPr>
+              <a:t> </a:t>
+            </a:r>
+            <a:r>
+              <a:rPr kumimoji="0" lang="ko-KR" altLang="ko-KR" sz="2400" b="0" i="0" u="none" strike="noStrike" cap="none" normalizeH="0" baseline="0" dirty="0" err="1">
+                <a:ln>
+                  <a:noFill/>
+                </a:ln>
+                <a:solidFill>
+                  <a:schemeClr val="tx1"/>
+                </a:solidFill>
+                <a:effectLst/>
+                <a:highlight>
+                  <a:srgbClr val="FFFF00"/>
+                </a:highlight>
+                <a:latin typeface="Arial" panose="020B0604020202020204" pitchFamily="34" charset="0"/>
+                <a:ea typeface="Söhne"/>
+              </a:rPr>
+              <a:t>contextually</a:t>
+            </a:r>
+            <a:r>
+              <a:rPr kumimoji="0" lang="ko-KR" altLang="ko-KR" sz="2400" b="0" i="0" u="none" strike="noStrike" cap="none" normalizeH="0" baseline="0" dirty="0">
+                <a:ln>
+                  <a:noFill/>
+                </a:ln>
+                <a:solidFill>
+                  <a:schemeClr val="tx1"/>
+                </a:solidFill>
+                <a:effectLst/>
+                <a:highlight>
+                  <a:srgbClr val="FFFF00"/>
+                </a:highlight>
+                <a:latin typeface="Arial" panose="020B0604020202020204" pitchFamily="34" charset="0"/>
+                <a:ea typeface="Söhne"/>
+              </a:rPr>
+              <a:t> </a:t>
+            </a:r>
+            <a:r>
+              <a:rPr kumimoji="0" lang="ko-KR" altLang="ko-KR" sz="2400" b="0" i="0" u="none" strike="noStrike" cap="none" normalizeH="0" baseline="0" dirty="0" err="1">
+                <a:ln>
+                  <a:noFill/>
+                </a:ln>
+                <a:solidFill>
+                  <a:schemeClr val="tx1"/>
+                </a:solidFill>
+                <a:effectLst/>
+                <a:highlight>
+                  <a:srgbClr val="FFFF00"/>
+                </a:highlight>
+                <a:latin typeface="Arial" panose="020B0604020202020204" pitchFamily="34" charset="0"/>
+                <a:ea typeface="Söhne"/>
+              </a:rPr>
+              <a:t>relevant</a:t>
+            </a:r>
+            <a:r>
+              <a:rPr kumimoji="0" lang="ko-KR" altLang="ko-KR" sz="2400" b="0" i="0" u="none" strike="noStrike" cap="none" normalizeH="0" baseline="0" dirty="0">
+                <a:ln>
+                  <a:noFill/>
+                </a:ln>
+                <a:solidFill>
+                  <a:schemeClr val="tx1"/>
+                </a:solidFill>
+                <a:effectLst/>
+                <a:highlight>
+                  <a:srgbClr val="FFFF00"/>
+                </a:highlight>
+                <a:latin typeface="Arial" panose="020B0604020202020204" pitchFamily="34" charset="0"/>
+                <a:ea typeface="Söhne"/>
+              </a:rPr>
+              <a:t> </a:t>
+            </a:r>
+            <a:r>
+              <a:rPr kumimoji="0" lang="ko-KR" altLang="ko-KR" sz="2400" b="0" i="0" u="none" strike="noStrike" cap="none" normalizeH="0" baseline="0" dirty="0" err="1">
+                <a:ln>
+                  <a:noFill/>
+                </a:ln>
+                <a:solidFill>
+                  <a:schemeClr val="tx1"/>
+                </a:solidFill>
+                <a:effectLst/>
+                <a:highlight>
+                  <a:srgbClr val="FFFF00"/>
+                </a:highlight>
+                <a:latin typeface="Arial" panose="020B0604020202020204" pitchFamily="34" charset="0"/>
+                <a:ea typeface="Söhne"/>
+              </a:rPr>
+              <a:t>results</a:t>
+            </a:r>
+            <a:r>
+              <a:rPr kumimoji="0" lang="ko-KR" altLang="ko-KR" sz="2400" b="0" i="0" u="none" strike="noStrike" cap="none" normalizeH="0" baseline="0" dirty="0">
+                <a:ln>
+                  <a:noFill/>
+                </a:ln>
+                <a:solidFill>
+                  <a:schemeClr val="tx1"/>
+                </a:solidFill>
+                <a:effectLst/>
+                <a:highlight>
+                  <a:srgbClr val="FFFF00"/>
+                </a:highlight>
+                <a:latin typeface="Arial" panose="020B0604020202020204" pitchFamily="34" charset="0"/>
+                <a:ea typeface="Söhne"/>
+              </a:rPr>
+              <a:t>.</a:t>
+            </a:r>
+          </a:p>
+          <a:p>
+            <a:pPr marL="0" marR="0" lvl="0" indent="0" algn="l" defTabSz="914400" rtl="0" eaLnBrk="0" fontAlgn="base" latinLnBrk="0" hangingPunct="0">
+              <a:lnSpc>
+                <a:spcPct val="100000"/>
+              </a:lnSpc>
+              <a:spcBef>
+                <a:spcPct val="0"/>
+              </a:spcBef>
+              <a:spcAft>
+                <a:spcPct val="0"/>
+              </a:spcAft>
+              <a:buClrTx/>
+              <a:buSzTx/>
+              <a:buFontTx/>
+              <a:buNone/>
+              <a:tabLst/>
+            </a:pPr>
+            <a:br>
+              <a:rPr kumimoji="0" lang="ko-KR" altLang="ko-KR" sz="2400" b="0" i="0" u="none" strike="noStrike" cap="none" normalizeH="0" baseline="0" dirty="0">
+                <a:ln>
+                  <a:noFill/>
+                </a:ln>
+                <a:solidFill>
+                  <a:schemeClr val="tx1"/>
+                </a:solidFill>
+                <a:effectLst/>
+                <a:latin typeface="Arial" panose="020B0604020202020204" pitchFamily="34" charset="0"/>
+                <a:ea typeface="Söhne"/>
+              </a:rPr>
+            </a:br>
+            <a:endParaRPr kumimoji="0" lang="ko-KR" altLang="ko-KR" sz="2400" b="0" i="0" u="none" strike="noStrike" cap="none" normalizeH="0" baseline="0" dirty="0">
+              <a:ln>
+                <a:noFill/>
+              </a:ln>
+              <a:solidFill>
+                <a:schemeClr val="tx1"/>
+              </a:solidFill>
+              <a:effectLst/>
+              <a:latin typeface="Arial" panose="020B0604020202020204" pitchFamily="34" charset="0"/>
+            </a:endParaRPr>
+          </a:p>
+        </p:txBody>
+      </p:sp>
+    </p:spTree>
+    <p:extLst>
+      <p:ext uri="{BB962C8B-B14F-4D97-AF65-F5344CB8AC3E}">
+        <p14:creationId xmlns:p14="http://schemas.microsoft.com/office/powerpoint/2010/main" val="3584030007"/>
+      </p:ext>
+    </p:extLst>
+  </p:cSld>
+  <p:clrMapOvr>
+    <a:masterClrMapping/>
+  </p:clrMapOvr>
+</p:sld>
+</file>
+
+<file path=ppt/slides/slide6.xml><?xml version="1.0" encoding="utf-8"?>
+<p:sld xmlns:a="http://schemas.openxmlformats.org/drawingml/2006/main" xmlns:r="http://schemas.openxmlformats.org/officeDocument/2006/relationships" xmlns:p="http://schemas.openxmlformats.org/presentationml/2006/main">
+  <p:cSld>
+    <p:spTree>
+      <p:nvGrpSpPr>
+        <p:cNvPr id="1" name=""/>
+        <p:cNvGrpSpPr/>
+        <p:nvPr/>
+      </p:nvGrpSpPr>
+      <p:grpSpPr>
+        <a:xfrm>
+          <a:off x="0" y="0"/>
+          <a:ext cx="0" cy="0"/>
+          <a:chOff x="0" y="0"/>
+          <a:chExt cx="0" cy="0"/>
+        </a:xfrm>
+      </p:grpSpPr>
+      <p:sp>
+        <p:nvSpPr>
+          <p:cNvPr id="2" name="제목 1">
+            <a:extLst>
+              <a:ext uri="{FF2B5EF4-FFF2-40B4-BE49-F238E27FC236}">
+                <a16:creationId xmlns:a16="http://schemas.microsoft.com/office/drawing/2014/main" id="{AFB123A5-ED9D-472E-97BF-CD090C7806AB}"/>
+              </a:ext>
+            </a:extLst>
+          </p:cNvPr>
+          <p:cNvSpPr>
+            <a:spLocks noGrp="1"/>
+          </p:cNvSpPr>
+          <p:nvPr>
+            <p:ph type="title"/>
+          </p:nvPr>
+        </p:nvSpPr>
+        <p:spPr/>
+        <p:txBody>
+          <a:bodyPr>
+            <a:normAutofit/>
+          </a:bodyPr>
+          <a:lstStyle/>
+          <a:p>
+            <a:r>
+              <a:rPr lang="en-US" altLang="ko-KR" sz="2400" i="1" dirty="0"/>
+              <a:t>Diagram of Model use and Development</a:t>
+            </a:r>
+            <a:endParaRPr lang="ko-KR" altLang="en-US" sz="2400" dirty="0"/>
+          </a:p>
+        </p:txBody>
+      </p:sp>
+      <p:pic>
+        <p:nvPicPr>
+          <p:cNvPr id="3074" name="Picture 2" descr="Diagram shows the relationship between real world systems and models. Models represent real world systems and rea world systems, in turn, interpret model results.">
+            <a:extLst>
+              <a:ext uri="{FF2B5EF4-FFF2-40B4-BE49-F238E27FC236}">
+                <a16:creationId xmlns:a16="http://schemas.microsoft.com/office/drawing/2014/main" id="{68C0CE56-3B25-41EF-B895-330641F25178}"/>
+              </a:ext>
+            </a:extLst>
+          </p:cNvPr>
+          <p:cNvPicPr>
+            <a:picLocks noChangeAspect="1" noChangeArrowheads="1"/>
+          </p:cNvPicPr>
+          <p:nvPr/>
+        </p:nvPicPr>
+        <p:blipFill>
+          <a:blip r:embed="rId2">
+            <a:extLst>
+              <a:ext uri="{28A0092B-C50C-407E-A947-70E740481C1C}">
+                <a14:useLocalDpi xmlns:a14="http://schemas.microsoft.com/office/drawing/2010/main" val="0"/>
+              </a:ext>
+            </a:extLst>
+          </a:blip>
+          <a:srcRect/>
+          <a:stretch>
+            <a:fillRect/>
+          </a:stretch>
+        </p:blipFill>
+        <p:spPr bwMode="auto">
+          <a:xfrm>
+            <a:off x="2768367" y="1173519"/>
+            <a:ext cx="6811859" cy="5217363"/>
+          </a:xfrm>
+          <a:prstGeom prst="rect">
+            <a:avLst/>
+          </a:prstGeom>
+          <a:noFill/>
+          <a:extLst>
+            <a:ext uri="{909E8E84-426E-40DD-AFC4-6F175D3DCCD1}">
+              <a14:hiddenFill xmlns:a14="http://schemas.microsoft.com/office/drawing/2010/main">
+                <a:solidFill>
+                  <a:srgbClr val="FFFFFF"/>
+                </a:solidFill>
+              </a14:hiddenFill>
+            </a:ext>
+          </a:extLst>
+        </p:spPr>
+      </p:pic>
+    </p:spTree>
+    <p:extLst>
+      <p:ext uri="{BB962C8B-B14F-4D97-AF65-F5344CB8AC3E}">
+        <p14:creationId xmlns:p14="http://schemas.microsoft.com/office/powerpoint/2010/main" val="27982994"/>
+      </p:ext>
+    </p:extLst>
+  </p:cSld>
+  <p:clrMapOvr>
+    <a:masterClrMapping/>
+  </p:clrMapOvr>
+</p:sld>
+</file>
+
+<file path=ppt/slides/slide7.xml><?xml version="1.0" encoding="utf-8"?>
+<p:sld xmlns:a="http://schemas.openxmlformats.org/drawingml/2006/main" xmlns:r="http://schemas.openxmlformats.org/officeDocument/2006/relationships" xmlns:p="http://schemas.openxmlformats.org/presentationml/2006/main">
+  <p:cSld>
+    <p:spTree>
+      <p:nvGrpSpPr>
+        <p:cNvPr id="1" name=""/>
+        <p:cNvGrpSpPr/>
+        <p:nvPr/>
+      </p:nvGrpSpPr>
+      <p:grpSpPr>
+        <a:xfrm>
+          <a:off x="0" y="0"/>
+          <a:ext cx="0" cy="0"/>
+          <a:chOff x="0" y="0"/>
+          <a:chExt cx="0" cy="0"/>
+        </a:xfrm>
+      </p:grpSpPr>
+      <p:graphicFrame>
+        <p:nvGraphicFramePr>
+          <p:cNvPr id="4" name="표 3">
+            <a:extLst>
+              <a:ext uri="{FF2B5EF4-FFF2-40B4-BE49-F238E27FC236}">
+                <a16:creationId xmlns:a16="http://schemas.microsoft.com/office/drawing/2014/main" id="{02452953-84A5-4E29-B071-84F76F3BBAFA}"/>
+              </a:ext>
+            </a:extLst>
+          </p:cNvPr>
+          <p:cNvGraphicFramePr>
+            <a:graphicFrameLocks noGrp="1"/>
+          </p:cNvGraphicFramePr>
+          <p:nvPr>
+            <p:extLst>
+              <p:ext uri="{D42A27DB-BD31-4B8C-83A1-F6EECF244321}">
+                <p14:modId xmlns:p14="http://schemas.microsoft.com/office/powerpoint/2010/main" val="3506201840"/>
+              </p:ext>
+            </p:extLst>
+          </p:nvPr>
+        </p:nvGraphicFramePr>
+        <p:xfrm>
+          <a:off x="800101" y="768928"/>
+          <a:ext cx="10453254" cy="5611089"/>
+        </p:xfrm>
+        <a:graphic>
+          <a:graphicData uri="http://schemas.openxmlformats.org/drawingml/2006/table">
+            <a:tbl>
+              <a:tblPr/>
+              <a:tblGrid>
+                <a:gridCol w="3476389">
+                  <a:extLst>
+                    <a:ext uri="{9D8B030D-6E8A-4147-A177-3AD203B41FA5}">
+                      <a16:colId xmlns:a16="http://schemas.microsoft.com/office/drawing/2014/main" val="2991383534"/>
+                    </a:ext>
+                  </a:extLst>
+                </a:gridCol>
+                <a:gridCol w="6976865">
+                  <a:extLst>
+                    <a:ext uri="{9D8B030D-6E8A-4147-A177-3AD203B41FA5}">
+                      <a16:colId xmlns:a16="http://schemas.microsoft.com/office/drawing/2014/main" val="768191386"/>
+                    </a:ext>
+                  </a:extLst>
+                </a:gridCol>
+              </a:tblGrid>
+              <a:tr h="400792">
+                <a:tc>
+                  <a:txBody>
+                    <a:bodyPr/>
+                    <a:lstStyle/>
+                    <a:p>
+                      <a:pPr algn="l"/>
+                      <a:r>
+                        <a:rPr lang="en-US" sz="1500" b="0">
+                          <a:effectLst/>
+                          <a:latin typeface="Google Sans"/>
+                        </a:rPr>
+                        <a:t>Term</a:t>
+                      </a:r>
+                    </a:p>
+                  </a:txBody>
+                  <a:tcPr marL="77702" marR="77702" marT="38851" marB="38851" anchor="ctr">
+                    <a:lnL>
+                      <a:noFill/>
+                    </a:lnL>
+                    <a:lnR>
+                      <a:noFill/>
+                    </a:lnR>
+                    <a:lnT>
+                      <a:noFill/>
+                    </a:lnT>
+                    <a:lnB>
+                      <a:noFill/>
+                    </a:lnB>
+                    <a:solidFill>
+                      <a:srgbClr val="FFFFFF"/>
+                    </a:solidFill>
+                  </a:tcPr>
+                </a:tc>
+                <a:tc>
+                  <a:txBody>
+                    <a:bodyPr/>
+                    <a:lstStyle/>
+                    <a:p>
+                      <a:pPr algn="l"/>
+                      <a:r>
+                        <a:rPr lang="en-US" sz="1500" b="0">
+                          <a:effectLst/>
+                          <a:latin typeface="Google Sans"/>
+                        </a:rPr>
+                        <a:t>Definition</a:t>
+                      </a:r>
+                    </a:p>
+                  </a:txBody>
+                  <a:tcPr marL="77702" marR="77702" marT="38851" marB="38851" anchor="ctr">
+                    <a:lnL>
+                      <a:noFill/>
+                    </a:lnL>
+                    <a:lnR>
+                      <a:noFill/>
+                    </a:lnR>
+                    <a:lnT>
+                      <a:noFill/>
+                    </a:lnT>
+                    <a:lnB>
+                      <a:noFill/>
+                    </a:lnB>
+                    <a:solidFill>
+                      <a:srgbClr val="FFFFFF"/>
+                    </a:solidFill>
+                  </a:tcPr>
+                </a:tc>
+                <a:extLst>
+                  <a:ext uri="{0D108BD9-81ED-4DB2-BD59-A6C34878D82A}">
+                    <a16:rowId xmlns:a16="http://schemas.microsoft.com/office/drawing/2014/main" val="535495401"/>
+                  </a:ext>
+                </a:extLst>
+              </a:tr>
+              <a:tr h="1235775">
+                <a:tc>
+                  <a:txBody>
+                    <a:bodyPr/>
+                    <a:lstStyle/>
+                    <a:p>
+                      <a:r>
+                        <a:rPr lang="en-US" sz="1500" b="0">
+                          <a:effectLst/>
+                          <a:latin typeface="Google Sans"/>
+                        </a:rPr>
+                        <a:t>Model</a:t>
+                      </a:r>
+                    </a:p>
+                  </a:txBody>
+                  <a:tcPr marL="129504" marR="129504" marT="129504" marB="129504" anchor="ctr">
+                    <a:lnL>
+                      <a:noFill/>
+                    </a:lnL>
+                    <a:lnR>
+                      <a:noFill/>
+                    </a:lnR>
+                    <a:lnT>
+                      <a:noFill/>
+                    </a:lnT>
+                    <a:lnB>
+                      <a:noFill/>
+                    </a:lnB>
+                    <a:solidFill>
+                      <a:srgbClr val="FFFFFF"/>
+                    </a:solidFill>
+                  </a:tcPr>
+                </a:tc>
+                <a:tc>
+                  <a:txBody>
+                    <a:bodyPr/>
+                    <a:lstStyle/>
+                    <a:p>
+                      <a:r>
+                        <a:rPr lang="en-US" sz="1500" b="0" dirty="0">
+                          <a:effectLst/>
+                          <a:latin typeface="Google Sans"/>
+                        </a:rPr>
+                        <a:t>A </a:t>
+                      </a:r>
+                      <a:r>
+                        <a:rPr lang="en-US" sz="1500" b="0" dirty="0">
+                          <a:effectLst/>
+                          <a:highlight>
+                            <a:srgbClr val="FFFF00"/>
+                          </a:highlight>
+                          <a:latin typeface="Google Sans"/>
+                        </a:rPr>
+                        <a:t>mathematical representation </a:t>
+                      </a:r>
+                      <a:r>
+                        <a:rPr lang="en-US" sz="1500" b="0" dirty="0">
+                          <a:effectLst/>
+                          <a:latin typeface="Google Sans"/>
+                        </a:rPr>
+                        <a:t>of a system or process. A model can be used to predict the behavior of a system or to understand how a system works.</a:t>
+                      </a:r>
+                    </a:p>
+                  </a:txBody>
+                  <a:tcPr marL="129504" marR="129504" marT="129504" marB="129504" anchor="ctr">
+                    <a:lnL>
+                      <a:noFill/>
+                    </a:lnL>
+                    <a:lnR>
+                      <a:noFill/>
+                    </a:lnR>
+                    <a:lnT>
+                      <a:noFill/>
+                    </a:lnT>
+                    <a:lnB>
+                      <a:noFill/>
+                    </a:lnB>
+                    <a:solidFill>
+                      <a:srgbClr val="FFFFFF"/>
+                    </a:solidFill>
+                  </a:tcPr>
+                </a:tc>
+                <a:extLst>
+                  <a:ext uri="{0D108BD9-81ED-4DB2-BD59-A6C34878D82A}">
+                    <a16:rowId xmlns:a16="http://schemas.microsoft.com/office/drawing/2014/main" val="1027236725"/>
+                  </a:ext>
+                </a:extLst>
+              </a:tr>
+              <a:tr h="1836964">
+                <a:tc>
+                  <a:txBody>
+                    <a:bodyPr/>
+                    <a:lstStyle/>
+                    <a:p>
+                      <a:r>
+                        <a:rPr lang="en-US" sz="1500" b="0">
+                          <a:effectLst/>
+                          <a:latin typeface="Google Sans"/>
+                        </a:rPr>
+                        <a:t>Language model</a:t>
+                      </a:r>
+                    </a:p>
+                  </a:txBody>
+                  <a:tcPr marL="129504" marR="129504" marT="129504" marB="129504" anchor="ctr">
+                    <a:lnL>
+                      <a:noFill/>
+                    </a:lnL>
+                    <a:lnR>
+                      <a:noFill/>
+                    </a:lnR>
+                    <a:lnT>
+                      <a:noFill/>
+                    </a:lnT>
+                    <a:lnB>
+                      <a:noFill/>
+                    </a:lnB>
+                    <a:solidFill>
+                      <a:srgbClr val="FFFFFF"/>
+                    </a:solidFill>
+                  </a:tcPr>
+                </a:tc>
+                <a:tc>
+                  <a:txBody>
+                    <a:bodyPr/>
+                    <a:lstStyle/>
+                    <a:p>
+                      <a:r>
+                        <a:rPr lang="en-US" sz="1500" b="0" dirty="0">
+                          <a:effectLst/>
+                          <a:latin typeface="Google Sans"/>
+                        </a:rPr>
+                        <a:t>A </a:t>
+                      </a:r>
+                      <a:r>
+                        <a:rPr lang="en-US" sz="1500" b="0" dirty="0">
+                          <a:effectLst/>
+                          <a:highlight>
+                            <a:srgbClr val="FFFF00"/>
+                          </a:highlight>
+                          <a:latin typeface="Google Sans"/>
+                        </a:rPr>
+                        <a:t>statistical model </a:t>
+                      </a:r>
+                      <a:r>
+                        <a:rPr lang="en-US" sz="1500" b="0" dirty="0">
+                          <a:effectLst/>
+                          <a:latin typeface="Google Sans"/>
+                        </a:rPr>
+                        <a:t>that predicts the probability of a sequence of words. Language models are used in a variety of natural language processing tasks, such as speech recognition, machine translation, and text summarization.</a:t>
+                      </a:r>
+                    </a:p>
+                  </a:txBody>
+                  <a:tcPr marL="129504" marR="129504" marT="129504" marB="129504" anchor="ctr">
+                    <a:lnL>
+                      <a:noFill/>
+                    </a:lnL>
+                    <a:lnR>
+                      <a:noFill/>
+                    </a:lnR>
+                    <a:lnT>
+                      <a:noFill/>
+                    </a:lnT>
+                    <a:lnB>
+                      <a:noFill/>
+                    </a:lnB>
+                    <a:solidFill>
+                      <a:srgbClr val="FFFFFF"/>
+                    </a:solidFill>
+                  </a:tcPr>
+                </a:tc>
+                <a:extLst>
+                  <a:ext uri="{0D108BD9-81ED-4DB2-BD59-A6C34878D82A}">
+                    <a16:rowId xmlns:a16="http://schemas.microsoft.com/office/drawing/2014/main" val="4255421243"/>
+                  </a:ext>
+                </a:extLst>
+              </a:tr>
+              <a:tr h="2137558">
+                <a:tc>
+                  <a:txBody>
+                    <a:bodyPr/>
+                    <a:lstStyle/>
+                    <a:p>
+                      <a:r>
+                        <a:rPr lang="en-US" sz="1500" b="0">
+                          <a:effectLst/>
+                          <a:latin typeface="Google Sans"/>
+                        </a:rPr>
+                        <a:t>Large language model (LLM)</a:t>
+                      </a:r>
+                    </a:p>
+                  </a:txBody>
+                  <a:tcPr marL="129504" marR="129504" marT="129504" marB="129504" anchor="ctr">
+                    <a:lnL>
+                      <a:noFill/>
+                    </a:lnL>
+                    <a:lnR>
+                      <a:noFill/>
+                    </a:lnR>
+                    <a:lnT>
+                      <a:noFill/>
+                    </a:lnT>
+                    <a:lnB>
+                      <a:noFill/>
+                    </a:lnB>
+                    <a:solidFill>
+                      <a:srgbClr val="FFFFFF"/>
+                    </a:solidFill>
+                  </a:tcPr>
+                </a:tc>
+                <a:tc>
+                  <a:txBody>
+                    <a:bodyPr/>
+                    <a:lstStyle/>
+                    <a:p>
+                      <a:r>
+                        <a:rPr lang="en-US" sz="1500" b="0" dirty="0">
+                          <a:effectLst/>
+                          <a:latin typeface="Google Sans"/>
+                        </a:rPr>
+                        <a:t>A language model that has </a:t>
+                      </a:r>
+                      <a:r>
+                        <a:rPr lang="en-US" sz="1500" b="0" dirty="0">
+                          <a:effectLst/>
+                          <a:highlight>
+                            <a:srgbClr val="FFFF00"/>
+                          </a:highlight>
+                          <a:latin typeface="Google Sans"/>
+                        </a:rPr>
+                        <a:t>been trained on a massive dataset of text</a:t>
+                      </a:r>
+                      <a:r>
+                        <a:rPr lang="en-US" sz="1500" b="0" dirty="0">
+                          <a:effectLst/>
+                          <a:latin typeface="Google Sans"/>
+                        </a:rPr>
+                        <a:t>. LLMs have billions of parameters, which allows them to learn complex patterns in language. LLMs are used for a variety of tasks, such as question answering, summarization, and creative text generation.</a:t>
+                      </a:r>
+                    </a:p>
+                  </a:txBody>
+                  <a:tcPr marL="129504" marR="129504" marT="129504" marB="129504" anchor="ctr">
+                    <a:lnL>
+                      <a:noFill/>
+                    </a:lnL>
+                    <a:lnR>
+                      <a:noFill/>
+                    </a:lnR>
+                    <a:lnT>
+                      <a:noFill/>
+                    </a:lnT>
+                    <a:lnB>
+                      <a:noFill/>
+                    </a:lnB>
+                    <a:solidFill>
+                      <a:srgbClr val="FFFFFF"/>
+                    </a:solidFill>
+                  </a:tcPr>
+                </a:tc>
+                <a:extLst>
+                  <a:ext uri="{0D108BD9-81ED-4DB2-BD59-A6C34878D82A}">
+                    <a16:rowId xmlns:a16="http://schemas.microsoft.com/office/drawing/2014/main" val="2735285936"/>
+                  </a:ext>
+                </a:extLst>
+              </a:tr>
+            </a:tbl>
+          </a:graphicData>
+        </a:graphic>
+      </p:graphicFrame>
+    </p:spTree>
+    <p:extLst>
+      <p:ext uri="{BB962C8B-B14F-4D97-AF65-F5344CB8AC3E}">
+        <p14:creationId xmlns:p14="http://schemas.microsoft.com/office/powerpoint/2010/main" val="300316368"/>
       </p:ext>
     </p:extLst>
   </p:cSld>
@@ -4513,57 +10752,616 @@
           <a:chExt cx="0" cy="0"/>
         </a:xfrm>
       </p:grpSpPr>
-      <p:pic>
-        <p:nvPicPr>
-          <p:cNvPr id="2052" name="Picture 4" descr="Supervised learning training data">
-            <a:extLst>
-              <a:ext uri="{FF2B5EF4-FFF2-40B4-BE49-F238E27FC236}">
-                <a16:creationId xmlns:a16="http://schemas.microsoft.com/office/drawing/2014/main" id="{365BD62D-3BEE-4B7E-B5AD-DEEE025199B3}"/>
-              </a:ext>
-            </a:extLst>
-          </p:cNvPr>
-          <p:cNvPicPr>
-            <a:picLocks noChangeAspect="1" noChangeArrowheads="1"/>
-          </p:cNvPicPr>
-          <p:nvPr/>
-        </p:nvPicPr>
-        <p:blipFill>
-          <a:blip r:embed="rId2">
-            <a:extLst>
-              <a:ext uri="{28A0092B-C50C-407E-A947-70E740481C1C}">
-                <a14:useLocalDpi xmlns:a14="http://schemas.microsoft.com/office/drawing/2010/main" val="0"/>
-              </a:ext>
-            </a:extLst>
-          </a:blip>
-          <a:srcRect/>
-          <a:stretch>
-            <a:fillRect/>
-          </a:stretch>
-        </p:blipFill>
-        <p:spPr bwMode="auto">
-          <a:xfrm>
-            <a:off x="1524000" y="43773"/>
-            <a:ext cx="9143999" cy="6814227"/>
-          </a:xfrm>
-          <a:prstGeom prst="rect">
-            <a:avLst/>
-          </a:prstGeom>
-          <a:noFill/>
-          <a:extLst>
-            <a:ext uri="{909E8E84-426E-40DD-AFC4-6F175D3DCCD1}">
-              <a14:hiddenFill xmlns:a14="http://schemas.microsoft.com/office/drawing/2010/main">
-                <a:solidFill>
-                  <a:srgbClr val="FFFFFF"/>
-                </a:solidFill>
-              </a14:hiddenFill>
-            </a:ext>
-          </a:extLst>
-        </p:spPr>
-      </p:pic>
+      <p:graphicFrame>
+        <p:nvGraphicFramePr>
+          <p:cNvPr id="4" name="표 3">
+            <a:extLst>
+              <a:ext uri="{FF2B5EF4-FFF2-40B4-BE49-F238E27FC236}">
+                <a16:creationId xmlns:a16="http://schemas.microsoft.com/office/drawing/2014/main" id="{8B8C8306-8AEA-45F4-9D28-6D2C18F787AA}"/>
+              </a:ext>
+            </a:extLst>
+          </p:cNvPr>
+          <p:cNvGraphicFramePr>
+            <a:graphicFrameLocks noGrp="1"/>
+          </p:cNvGraphicFramePr>
+          <p:nvPr>
+            <p:extLst>
+              <p:ext uri="{D42A27DB-BD31-4B8C-83A1-F6EECF244321}">
+                <p14:modId xmlns:p14="http://schemas.microsoft.com/office/powerpoint/2010/main" val="87302469"/>
+              </p:ext>
+            </p:extLst>
+          </p:nvPr>
+        </p:nvGraphicFramePr>
+        <p:xfrm>
+          <a:off x="706582" y="457201"/>
+          <a:ext cx="10816936" cy="5891644"/>
+        </p:xfrm>
+        <a:graphic>
+          <a:graphicData uri="http://schemas.openxmlformats.org/drawingml/2006/table">
+            <a:tbl>
+              <a:tblPr/>
+              <a:tblGrid>
+                <a:gridCol w="2704234">
+                  <a:extLst>
+                    <a:ext uri="{9D8B030D-6E8A-4147-A177-3AD203B41FA5}">
+                      <a16:colId xmlns:a16="http://schemas.microsoft.com/office/drawing/2014/main" val="3457538595"/>
+                    </a:ext>
+                  </a:extLst>
+                </a:gridCol>
+                <a:gridCol w="1387687">
+                  <a:extLst>
+                    <a:ext uri="{9D8B030D-6E8A-4147-A177-3AD203B41FA5}">
+                      <a16:colId xmlns:a16="http://schemas.microsoft.com/office/drawing/2014/main" val="2809259899"/>
+                    </a:ext>
+                  </a:extLst>
+                </a:gridCol>
+                <a:gridCol w="3942825">
+                  <a:extLst>
+                    <a:ext uri="{9D8B030D-6E8A-4147-A177-3AD203B41FA5}">
+                      <a16:colId xmlns:a16="http://schemas.microsoft.com/office/drawing/2014/main" val="1556255350"/>
+                    </a:ext>
+                  </a:extLst>
+                </a:gridCol>
+                <a:gridCol w="2782190">
+                  <a:extLst>
+                    <a:ext uri="{9D8B030D-6E8A-4147-A177-3AD203B41FA5}">
+                      <a16:colId xmlns:a16="http://schemas.microsoft.com/office/drawing/2014/main" val="914601371"/>
+                    </a:ext>
+                  </a:extLst>
+                </a:gridCol>
+              </a:tblGrid>
+              <a:tr h="444652">
+                <a:tc>
+                  <a:txBody>
+                    <a:bodyPr/>
+                    <a:lstStyle/>
+                    <a:p>
+                      <a:pPr algn="l"/>
+                      <a:r>
+                        <a:rPr lang="en-US" sz="1600" b="0">
+                          <a:effectLst/>
+                          <a:latin typeface="Google Sans"/>
+                        </a:rPr>
+                        <a:t>Type</a:t>
+                      </a:r>
+                    </a:p>
+                  </a:txBody>
+                  <a:tcPr marL="82101" marR="82101" marT="41050" marB="41050" anchor="ctr">
+                    <a:lnL>
+                      <a:noFill/>
+                    </a:lnL>
+                    <a:lnR>
+                      <a:noFill/>
+                    </a:lnR>
+                    <a:lnT>
+                      <a:noFill/>
+                    </a:lnT>
+                    <a:lnB>
+                      <a:noFill/>
+                    </a:lnB>
+                    <a:solidFill>
+                      <a:srgbClr val="FFFFFF"/>
+                    </a:solidFill>
+                  </a:tcPr>
+                </a:tc>
+                <a:tc>
+                  <a:txBody>
+                    <a:bodyPr/>
+                    <a:lstStyle/>
+                    <a:p>
+                      <a:pPr algn="l"/>
+                      <a:r>
+                        <a:rPr lang="en-US" sz="1600" b="0">
+                          <a:effectLst/>
+                          <a:latin typeface="Google Sans"/>
+                        </a:rPr>
+                        <a:t>Parameters</a:t>
+                      </a:r>
+                    </a:p>
+                  </a:txBody>
+                  <a:tcPr marL="82101" marR="82101" marT="41050" marB="41050" anchor="ctr">
+                    <a:lnL>
+                      <a:noFill/>
+                    </a:lnL>
+                    <a:lnR>
+                      <a:noFill/>
+                    </a:lnR>
+                    <a:lnT>
+                      <a:noFill/>
+                    </a:lnT>
+                    <a:lnB>
+                      <a:noFill/>
+                    </a:lnB>
+                    <a:solidFill>
+                      <a:srgbClr val="FFFFFF"/>
+                    </a:solidFill>
+                  </a:tcPr>
+                </a:tc>
+                <a:tc>
+                  <a:txBody>
+                    <a:bodyPr/>
+                    <a:lstStyle/>
+                    <a:p>
+                      <a:pPr algn="l"/>
+                      <a:r>
+                        <a:rPr lang="en-US" sz="1600" b="0">
+                          <a:effectLst/>
+                          <a:latin typeface="Google Sans"/>
+                        </a:rPr>
+                        <a:t>Training Data</a:t>
+                      </a:r>
+                    </a:p>
+                  </a:txBody>
+                  <a:tcPr marL="82101" marR="82101" marT="41050" marB="41050" anchor="ctr">
+                    <a:lnL>
+                      <a:noFill/>
+                    </a:lnL>
+                    <a:lnR>
+                      <a:noFill/>
+                    </a:lnR>
+                    <a:lnT>
+                      <a:noFill/>
+                    </a:lnT>
+                    <a:lnB>
+                      <a:noFill/>
+                    </a:lnB>
+                    <a:solidFill>
+                      <a:srgbClr val="FFFFFF"/>
+                    </a:solidFill>
+                  </a:tcPr>
+                </a:tc>
+                <a:tc>
+                  <a:txBody>
+                    <a:bodyPr/>
+                    <a:lstStyle/>
+                    <a:p>
+                      <a:pPr algn="l"/>
+                      <a:r>
+                        <a:rPr lang="en-US" sz="1600" b="0">
+                          <a:effectLst/>
+                          <a:latin typeface="Google Sans"/>
+                        </a:rPr>
+                        <a:t>Tasks</a:t>
+                      </a:r>
+                    </a:p>
+                  </a:txBody>
+                  <a:tcPr marL="82101" marR="82101" marT="41050" marB="41050" anchor="ctr">
+                    <a:lnL>
+                      <a:noFill/>
+                    </a:lnL>
+                    <a:lnR>
+                      <a:noFill/>
+                    </a:lnR>
+                    <a:lnT>
+                      <a:noFill/>
+                    </a:lnT>
+                    <a:lnB>
+                      <a:noFill/>
+                    </a:lnB>
+                    <a:solidFill>
+                      <a:srgbClr val="FFFFFF"/>
+                    </a:solidFill>
+                  </a:tcPr>
+                </a:tc>
+                <a:extLst>
+                  <a:ext uri="{0D108BD9-81ED-4DB2-BD59-A6C34878D82A}">
+                    <a16:rowId xmlns:a16="http://schemas.microsoft.com/office/drawing/2014/main" val="4057986942"/>
+                  </a:ext>
+                </a:extLst>
+              </a:tr>
+              <a:tr h="1704501">
+                <a:tc>
+                  <a:txBody>
+                    <a:bodyPr/>
+                    <a:lstStyle/>
+                    <a:p>
+                      <a:r>
+                        <a:rPr lang="en-US" sz="1600" b="0">
+                          <a:effectLst/>
+                          <a:latin typeface="Google Sans"/>
+                        </a:rPr>
+                        <a:t>Probabilistic language model</a:t>
+                      </a:r>
+                    </a:p>
+                  </a:txBody>
+                  <a:tcPr marL="136835" marR="136835" marT="136835" marB="136835" anchor="ctr">
+                    <a:lnL>
+                      <a:noFill/>
+                    </a:lnL>
+                    <a:lnR>
+                      <a:noFill/>
+                    </a:lnR>
+                    <a:lnT>
+                      <a:noFill/>
+                    </a:lnT>
+                    <a:lnB>
+                      <a:noFill/>
+                    </a:lnB>
+                    <a:solidFill>
+                      <a:srgbClr val="FFFFFF"/>
+                    </a:solidFill>
+                  </a:tcPr>
+                </a:tc>
+                <a:tc>
+                  <a:txBody>
+                    <a:bodyPr/>
+                    <a:lstStyle/>
+                    <a:p>
+                      <a:r>
+                        <a:rPr lang="en-US" sz="1600" b="0">
+                          <a:effectLst/>
+                          <a:latin typeface="Google Sans"/>
+                        </a:rPr>
+                        <a:t>Millions</a:t>
+                      </a:r>
+                    </a:p>
+                  </a:txBody>
+                  <a:tcPr marL="136835" marR="136835" marT="136835" marB="136835" anchor="ctr">
+                    <a:lnL>
+                      <a:noFill/>
+                    </a:lnL>
+                    <a:lnR>
+                      <a:noFill/>
+                    </a:lnR>
+                    <a:lnT>
+                      <a:noFill/>
+                    </a:lnT>
+                    <a:lnB>
+                      <a:noFill/>
+                    </a:lnB>
+                    <a:solidFill>
+                      <a:srgbClr val="FFFFFF"/>
+                    </a:solidFill>
+                  </a:tcPr>
+                </a:tc>
+                <a:tc>
+                  <a:txBody>
+                    <a:bodyPr/>
+                    <a:lstStyle/>
+                    <a:p>
+                      <a:r>
+                        <a:rPr lang="en-US" sz="1600" b="0">
+                          <a:effectLst/>
+                          <a:latin typeface="Google Sans"/>
+                        </a:rPr>
+                        <a:t>Books, articles, code, etc.</a:t>
+                      </a:r>
+                    </a:p>
+                  </a:txBody>
+                  <a:tcPr marL="136835" marR="136835" marT="136835" marB="136835" anchor="ctr">
+                    <a:lnL>
+                      <a:noFill/>
+                    </a:lnL>
+                    <a:lnR>
+                      <a:noFill/>
+                    </a:lnR>
+                    <a:lnT>
+                      <a:noFill/>
+                    </a:lnT>
+                    <a:lnB>
+                      <a:noFill/>
+                    </a:lnB>
+                    <a:solidFill>
+                      <a:srgbClr val="FFFFFF"/>
+                    </a:solidFill>
+                  </a:tcPr>
+                </a:tc>
+                <a:tc>
+                  <a:txBody>
+                    <a:bodyPr/>
+                    <a:lstStyle/>
+                    <a:p>
+                      <a:r>
+                        <a:rPr lang="en-US" sz="1600" b="0">
+                          <a:effectLst/>
+                          <a:latin typeface="Google Sans"/>
+                        </a:rPr>
+                        <a:t>Speech recognition, machine translation, text summarization</a:t>
+                      </a:r>
+                    </a:p>
+                  </a:txBody>
+                  <a:tcPr marL="136835" marR="136835" marT="136835" marB="136835" anchor="ctr">
+                    <a:lnL>
+                      <a:noFill/>
+                    </a:lnL>
+                    <a:lnR>
+                      <a:noFill/>
+                    </a:lnR>
+                    <a:lnT>
+                      <a:noFill/>
+                    </a:lnT>
+                    <a:lnB>
+                      <a:noFill/>
+                    </a:lnB>
+                    <a:solidFill>
+                      <a:srgbClr val="FFFFFF"/>
+                    </a:solidFill>
+                  </a:tcPr>
+                </a:tc>
+                <a:extLst>
+                  <a:ext uri="{0D108BD9-81ED-4DB2-BD59-A6C34878D82A}">
+                    <a16:rowId xmlns:a16="http://schemas.microsoft.com/office/drawing/2014/main" val="3399243728"/>
+                  </a:ext>
+                </a:extLst>
+              </a:tr>
+              <a:tr h="1704501">
+                <a:tc>
+                  <a:txBody>
+                    <a:bodyPr/>
+                    <a:lstStyle/>
+                    <a:p>
+                      <a:r>
+                        <a:rPr lang="en-US" sz="1600" b="0">
+                          <a:effectLst/>
+                          <a:latin typeface="Google Sans"/>
+                        </a:rPr>
+                        <a:t>Neural language model</a:t>
+                      </a:r>
+                    </a:p>
+                  </a:txBody>
+                  <a:tcPr marL="136835" marR="136835" marT="136835" marB="136835" anchor="ctr">
+                    <a:lnL>
+                      <a:noFill/>
+                    </a:lnL>
+                    <a:lnR>
+                      <a:noFill/>
+                    </a:lnR>
+                    <a:lnT>
+                      <a:noFill/>
+                    </a:lnT>
+                    <a:lnB>
+                      <a:noFill/>
+                    </a:lnB>
+                    <a:solidFill>
+                      <a:srgbClr val="FFFFFF"/>
+                    </a:solidFill>
+                  </a:tcPr>
+                </a:tc>
+                <a:tc>
+                  <a:txBody>
+                    <a:bodyPr/>
+                    <a:lstStyle/>
+                    <a:p>
+                      <a:r>
+                        <a:rPr lang="en-US" sz="1600" b="0" dirty="0">
+                          <a:effectLst/>
+                          <a:latin typeface="Google Sans"/>
+                        </a:rPr>
+                        <a:t>Billions</a:t>
+                      </a:r>
+                    </a:p>
+                  </a:txBody>
+                  <a:tcPr marL="136835" marR="136835" marT="136835" marB="136835" anchor="ctr">
+                    <a:lnL>
+                      <a:noFill/>
+                    </a:lnL>
+                    <a:lnR>
+                      <a:noFill/>
+                    </a:lnR>
+                    <a:lnT>
+                      <a:noFill/>
+                    </a:lnT>
+                    <a:lnB>
+                      <a:noFill/>
+                    </a:lnB>
+                    <a:solidFill>
+                      <a:srgbClr val="FFFFFF"/>
+                    </a:solidFill>
+                  </a:tcPr>
+                </a:tc>
+                <a:tc>
+                  <a:txBody>
+                    <a:bodyPr/>
+                    <a:lstStyle/>
+                    <a:p>
+                      <a:r>
+                        <a:rPr lang="en-US" sz="1600" b="0" dirty="0">
+                          <a:effectLst/>
+                          <a:latin typeface="Google Sans"/>
+                        </a:rPr>
+                        <a:t>Books, articles, code, etc.</a:t>
+                      </a:r>
+                    </a:p>
+                  </a:txBody>
+                  <a:tcPr marL="136835" marR="136835" marT="136835" marB="136835" anchor="ctr">
+                    <a:lnL>
+                      <a:noFill/>
+                    </a:lnL>
+                    <a:lnR>
+                      <a:noFill/>
+                    </a:lnR>
+                    <a:lnT>
+                      <a:noFill/>
+                    </a:lnT>
+                    <a:lnB>
+                      <a:noFill/>
+                    </a:lnB>
+                    <a:solidFill>
+                      <a:srgbClr val="FFFFFF"/>
+                    </a:solidFill>
+                  </a:tcPr>
+                </a:tc>
+                <a:tc>
+                  <a:txBody>
+                    <a:bodyPr/>
+                    <a:lstStyle/>
+                    <a:p>
+                      <a:r>
+                        <a:rPr lang="en-US" sz="1600" b="0">
+                          <a:effectLst/>
+                          <a:latin typeface="Google Sans"/>
+                        </a:rPr>
+                        <a:t>Question answering, summarization, creative text generation</a:t>
+                      </a:r>
+                    </a:p>
+                  </a:txBody>
+                  <a:tcPr marL="136835" marR="136835" marT="136835" marB="136835" anchor="ctr">
+                    <a:lnL>
+                      <a:noFill/>
+                    </a:lnL>
+                    <a:lnR>
+                      <a:noFill/>
+                    </a:lnR>
+                    <a:lnT>
+                      <a:noFill/>
+                    </a:lnT>
+                    <a:lnB>
+                      <a:noFill/>
+                    </a:lnB>
+                    <a:solidFill>
+                      <a:srgbClr val="FFFFFF"/>
+                    </a:solidFill>
+                  </a:tcPr>
+                </a:tc>
+                <a:extLst>
+                  <a:ext uri="{0D108BD9-81ED-4DB2-BD59-A6C34878D82A}">
+                    <a16:rowId xmlns:a16="http://schemas.microsoft.com/office/drawing/2014/main" val="991789384"/>
+                  </a:ext>
+                </a:extLst>
+              </a:tr>
+              <a:tr h="2037990">
+                <a:tc>
+                  <a:txBody>
+                    <a:bodyPr/>
+                    <a:lstStyle/>
+                    <a:p>
+                      <a:r>
+                        <a:rPr lang="en-US" sz="1600" b="0">
+                          <a:effectLst/>
+                          <a:latin typeface="Google Sans"/>
+                        </a:rPr>
+                        <a:t>Large language model (LLM)</a:t>
+                      </a:r>
+                    </a:p>
+                  </a:txBody>
+                  <a:tcPr marL="136835" marR="136835" marT="136835" marB="136835" anchor="ctr">
+                    <a:lnL>
+                      <a:noFill/>
+                    </a:lnL>
+                    <a:lnR>
+                      <a:noFill/>
+                    </a:lnR>
+                    <a:lnT>
+                      <a:noFill/>
+                    </a:lnT>
+                    <a:lnB>
+                      <a:noFill/>
+                    </a:lnB>
+                    <a:solidFill>
+                      <a:srgbClr val="FFFFFF"/>
+                    </a:solidFill>
+                  </a:tcPr>
+                </a:tc>
+                <a:tc>
+                  <a:txBody>
+                    <a:bodyPr/>
+                    <a:lstStyle/>
+                    <a:p>
+                      <a:r>
+                        <a:rPr lang="en-US" sz="1600" b="0">
+                          <a:effectLst/>
+                          <a:latin typeface="Google Sans"/>
+                        </a:rPr>
+                        <a:t>Trillions</a:t>
+                      </a:r>
+                    </a:p>
+                  </a:txBody>
+                  <a:tcPr marL="136835" marR="136835" marT="136835" marB="136835" anchor="ctr">
+                    <a:lnL>
+                      <a:noFill/>
+                    </a:lnL>
+                    <a:lnR>
+                      <a:noFill/>
+                    </a:lnR>
+                    <a:lnT>
+                      <a:noFill/>
+                    </a:lnT>
+                    <a:lnB>
+                      <a:noFill/>
+                    </a:lnB>
+                    <a:solidFill>
+                      <a:srgbClr val="FFFFFF"/>
+                    </a:solidFill>
+                  </a:tcPr>
+                </a:tc>
+                <a:tc>
+                  <a:txBody>
+                    <a:bodyPr/>
+                    <a:lstStyle/>
+                    <a:p>
+                      <a:r>
+                        <a:rPr lang="fr-FR" sz="1600" b="0">
+                          <a:effectLst/>
+                          <a:latin typeface="Google Sans"/>
+                        </a:rPr>
+                        <a:t>Books, articles, code, web documents, etc.</a:t>
+                      </a:r>
+                    </a:p>
+                  </a:txBody>
+                  <a:tcPr marL="136835" marR="136835" marT="136835" marB="136835" anchor="ctr">
+                    <a:lnL>
+                      <a:noFill/>
+                    </a:lnL>
+                    <a:lnR>
+                      <a:noFill/>
+                    </a:lnR>
+                    <a:lnT>
+                      <a:noFill/>
+                    </a:lnT>
+                    <a:lnB>
+                      <a:noFill/>
+                    </a:lnB>
+                    <a:solidFill>
+                      <a:srgbClr val="FFFFFF"/>
+                    </a:solidFill>
+                  </a:tcPr>
+                </a:tc>
+                <a:tc>
+                  <a:txBody>
+                    <a:bodyPr/>
+                    <a:lstStyle/>
+                    <a:p>
+                      <a:r>
+                        <a:rPr lang="en-US" sz="1600" b="0" dirty="0">
+                          <a:effectLst/>
+                          <a:latin typeface="Google Sans"/>
+                        </a:rPr>
+                        <a:t>All of the above, plus more complex tasks such as code generation and translation</a:t>
+                      </a:r>
+                    </a:p>
+                  </a:txBody>
+                  <a:tcPr marL="136835" marR="136835" marT="136835" marB="136835" anchor="ctr">
+                    <a:lnL>
+                      <a:noFill/>
+                    </a:lnL>
+                    <a:lnR>
+                      <a:noFill/>
+                    </a:lnR>
+                    <a:lnT>
+                      <a:noFill/>
+                    </a:lnT>
+                    <a:lnB>
+                      <a:noFill/>
+                    </a:lnB>
+                    <a:solidFill>
+                      <a:srgbClr val="FFFFFF"/>
+                    </a:solidFill>
+                  </a:tcPr>
+                </a:tc>
+                <a:extLst>
+                  <a:ext uri="{0D108BD9-81ED-4DB2-BD59-A6C34878D82A}">
+                    <a16:rowId xmlns:a16="http://schemas.microsoft.com/office/drawing/2014/main" val="2841028668"/>
+                  </a:ext>
+                </a:extLst>
+              </a:tr>
+            </a:tbl>
+          </a:graphicData>
+        </a:graphic>
+      </p:graphicFrame>
     </p:spTree>
     <p:extLst>
       <p:ext uri="{BB962C8B-B14F-4D97-AF65-F5344CB8AC3E}">
-        <p14:creationId xmlns:p14="http://schemas.microsoft.com/office/powerpoint/2010/main" val="2581452256"/>
+        <p14:creationId xmlns:p14="http://schemas.microsoft.com/office/powerpoint/2010/main" val="2984273600"/>
       </p:ext>
     </p:extLst>
   </p:cSld>
@@ -4592,102 +11390,409 @@
       </p:grpSpPr>
       <p:sp>
         <p:nvSpPr>
-          <p:cNvPr id="2" name="제목 1">
-            <a:extLst>
-              <a:ext uri="{FF2B5EF4-FFF2-40B4-BE49-F238E27FC236}">
-                <a16:creationId xmlns:a16="http://schemas.microsoft.com/office/drawing/2014/main" id="{F57B0A47-B9CD-4FFA-89E5-78C66529B0A1}"/>
+          <p:cNvPr id="4" name="Rectangle 1">
+            <a:extLst>
+              <a:ext uri="{FF2B5EF4-FFF2-40B4-BE49-F238E27FC236}">
+                <a16:creationId xmlns:a16="http://schemas.microsoft.com/office/drawing/2014/main" id="{8932D64E-A9F4-41D0-B205-522F9749E118}"/>
               </a:ext>
             </a:extLst>
           </p:cNvPr>
           <p:cNvSpPr>
-            <a:spLocks noGrp="1"/>
+            <a:spLocks noChangeArrowheads="1"/>
           </p:cNvSpPr>
-          <p:nvPr>
-            <p:ph type="title"/>
-          </p:nvPr>
+          <p:nvPr/>
         </p:nvSpPr>
-        <p:spPr/>
-        <p:txBody>
-          <a:bodyPr/>
-          <a:lstStyle/>
-          <a:p>
-            <a:r>
-              <a:rPr lang="en-US" altLang="ko-KR" dirty="0">
-                <a:hlinkClick r:id="rId2"/>
-              </a:rPr>
-              <a:t>Natural Language Processing</a:t>
-            </a:r>
-            <a:endParaRPr lang="ko-KR" altLang="en-US" dirty="0"/>
-          </a:p>
-        </p:txBody>
-      </p:sp>
-      <p:sp>
-        <p:nvSpPr>
-          <p:cNvPr id="3" name="내용 개체 틀 2">
-            <a:extLst>
-              <a:ext uri="{FF2B5EF4-FFF2-40B4-BE49-F238E27FC236}">
-                <a16:creationId xmlns:a16="http://schemas.microsoft.com/office/drawing/2014/main" id="{EFC5DA8C-1000-4BD7-A423-247F8827DDF5}"/>
-              </a:ext>
-            </a:extLst>
-          </p:cNvPr>
-          <p:cNvSpPr>
-            <a:spLocks noGrp="1"/>
-          </p:cNvSpPr>
-          <p:nvPr>
-            <p:ph idx="1"/>
-          </p:nvPr>
-        </p:nvSpPr>
-        <p:spPr/>
-        <p:txBody>
-          <a:bodyPr>
-            <a:normAutofit/>
-          </a:bodyPr>
-          <a:lstStyle/>
-          <a:p>
-            <a:r>
-              <a:rPr lang="en-US" altLang="ko-KR" sz="2400" dirty="0">
-                <a:hlinkClick r:id="rId2"/>
-              </a:rPr>
-              <a:t>Natural Language Processing (NLP) [A Complete Guide] (deeplearning.ai)</a:t>
-            </a:r>
-            <a:endParaRPr lang="ko-KR" altLang="en-US" sz="2400" dirty="0"/>
-          </a:p>
-        </p:txBody>
-      </p:sp>
-      <p:pic>
-        <p:nvPicPr>
-          <p:cNvPr id="4" name="그림 3">
-            <a:extLst>
-              <a:ext uri="{FF2B5EF4-FFF2-40B4-BE49-F238E27FC236}">
-                <a16:creationId xmlns:a16="http://schemas.microsoft.com/office/drawing/2014/main" id="{3C44C756-8A92-4D9A-BF05-06AE2786961F}"/>
-              </a:ext>
-            </a:extLst>
-          </p:cNvPr>
-          <p:cNvPicPr>
-            <a:picLocks noChangeAspect="1"/>
-          </p:cNvPicPr>
-          <p:nvPr/>
-        </p:nvPicPr>
-        <p:blipFill>
-          <a:blip r:embed="rId3"/>
-          <a:stretch>
-            <a:fillRect/>
-          </a:stretch>
-        </p:blipFill>
-        <p:spPr>
+        <p:spPr bwMode="auto">
           <a:xfrm>
-            <a:off x="3690937" y="2778125"/>
-            <a:ext cx="4810125" cy="3714750"/>
+            <a:off x="2313709" y="763387"/>
+            <a:ext cx="7564581" cy="4922517"/>
           </a:xfrm>
           <a:prstGeom prst="rect">
             <a:avLst/>
           </a:prstGeom>
+          <a:solidFill>
+            <a:srgbClr val="F2F2F2"/>
+          </a:solidFill>
+          <a:ln>
+            <a:noFill/>
+          </a:ln>
+          <a:effectLst/>
+          <a:extLst>
+            <a:ext uri="{91240B29-F687-4F45-9708-019B960494DF}">
+              <a14:hiddenLine xmlns:a14="http://schemas.microsoft.com/office/drawing/2010/main" w="9525">
+                <a:solidFill>
+                  <a:schemeClr val="tx1"/>
+                </a:solidFill>
+                <a:miter lim="800000"/>
+                <a:headEnd/>
+                <a:tailEnd/>
+              </a14:hiddenLine>
+            </a:ext>
+            <a:ext uri="{AF507438-7753-43E0-B8FC-AC1667EBCBE1}">
+              <a14:hiddenEffects xmlns:a14="http://schemas.microsoft.com/office/drawing/2010/main">
+                <a:effectLst>
+                  <a:outerShdw dist="35921" dir="2700000" algn="ctr" rotWithShape="0">
+                    <a:schemeClr val="bg2"/>
+                  </a:outerShdw>
+                </a:effectLst>
+              </a14:hiddenEffects>
+            </a:ext>
+          </a:extLst>
         </p:spPr>
-      </p:pic>
+        <p:txBody>
+          <a:bodyPr vert="horz" wrap="square" lIns="0" tIns="355488" rIns="0" bIns="0" numCol="1" anchor="ctr" anchorCtr="0" compatLnSpc="1">
+            <a:prstTxWarp prst="textNoShape">
+              <a:avLst/>
+            </a:prstTxWarp>
+            <a:spAutoFit/>
+          </a:bodyPr>
+          <a:lstStyle/>
+          <a:p>
+            <a:pPr marL="0" marR="0" lvl="0" indent="0" algn="l" defTabSz="914400" rtl="0" eaLnBrk="0" fontAlgn="base" latinLnBrk="0" hangingPunct="0">
+              <a:lnSpc>
+                <a:spcPct val="200000"/>
+              </a:lnSpc>
+              <a:spcBef>
+                <a:spcPct val="0"/>
+              </a:spcBef>
+              <a:spcAft>
+                <a:spcPct val="0"/>
+              </a:spcAft>
+              <a:buClrTx/>
+              <a:buSzTx/>
+              <a:buFontTx/>
+              <a:buNone/>
+              <a:tabLst/>
+            </a:pPr>
+            <a:r>
+              <a:rPr kumimoji="0" lang="ko-KR" altLang="ko-KR" sz="3200" b="1" i="0" u="none" strike="noStrike" cap="none" normalizeH="0" baseline="0" dirty="0">
+                <a:ln>
+                  <a:noFill/>
+                </a:ln>
+                <a:solidFill>
+                  <a:srgbClr val="242424"/>
+                </a:solidFill>
+                <a:effectLst/>
+                <a:latin typeface="Arial" panose="020B0604020202020204" pitchFamily="34" charset="0"/>
+                <a:ea typeface="sohne"/>
+              </a:rPr>
+              <a:t>LLM </a:t>
+            </a:r>
+            <a:r>
+              <a:rPr kumimoji="0" lang="ko-KR" altLang="ko-KR" sz="3200" b="1" i="0" u="none" strike="noStrike" cap="none" normalizeH="0" baseline="0" dirty="0" err="1">
+                <a:ln>
+                  <a:noFill/>
+                </a:ln>
+                <a:solidFill>
+                  <a:srgbClr val="242424"/>
+                </a:solidFill>
+                <a:effectLst/>
+                <a:latin typeface="Arial" panose="020B0604020202020204" pitchFamily="34" charset="0"/>
+                <a:ea typeface="sohne"/>
+              </a:rPr>
+              <a:t>Functionality</a:t>
+            </a:r>
+            <a:endParaRPr kumimoji="0" lang="en-US" altLang="ko-KR" sz="3200" b="1" i="0" u="none" strike="noStrike" cap="none" normalizeH="0" baseline="0" dirty="0">
+              <a:ln>
+                <a:noFill/>
+              </a:ln>
+              <a:solidFill>
+                <a:srgbClr val="242424"/>
+              </a:solidFill>
+              <a:effectLst/>
+              <a:latin typeface="Arial" panose="020B0604020202020204" pitchFamily="34" charset="0"/>
+              <a:ea typeface="sohne"/>
+            </a:endParaRPr>
+          </a:p>
+          <a:p>
+            <a:pPr lvl="2" eaLnBrk="0" fontAlgn="base" latinLnBrk="0" hangingPunct="0">
+              <a:lnSpc>
+                <a:spcPct val="200000"/>
+              </a:lnSpc>
+              <a:spcBef>
+                <a:spcPct val="0"/>
+              </a:spcBef>
+              <a:spcAft>
+                <a:spcPct val="0"/>
+              </a:spcAft>
+            </a:pPr>
+            <a:r>
+              <a:rPr kumimoji="0" lang="ko-KR" altLang="ko-KR" sz="2400" b="0" i="0" u="none" strike="noStrike" cap="none" normalizeH="0" baseline="0" dirty="0" err="1">
+                <a:ln>
+                  <a:noFill/>
+                </a:ln>
+                <a:solidFill>
+                  <a:srgbClr val="242424"/>
+                </a:solidFill>
+                <a:effectLst/>
+                <a:latin typeface="Arial Unicode MS"/>
+                <a:ea typeface="source-code-pro"/>
+              </a:rPr>
+              <a:t>Classification</a:t>
+            </a:r>
+            <a:r>
+              <a:rPr kumimoji="0" lang="ko-KR" altLang="ko-KR" sz="2400" b="0" i="0" u="none" strike="noStrike" cap="none" normalizeH="0" baseline="0" dirty="0">
+                <a:ln>
+                  <a:noFill/>
+                </a:ln>
+                <a:solidFill>
+                  <a:srgbClr val="242424"/>
+                </a:solidFill>
+                <a:effectLst/>
+                <a:latin typeface="Arial Unicode MS"/>
+                <a:ea typeface="source-code-pro"/>
+              </a:rPr>
+              <a:t> </a:t>
+            </a:r>
+            <a:br>
+              <a:rPr kumimoji="0" lang="ko-KR" altLang="ko-KR" sz="2400" b="0" i="0" u="none" strike="noStrike" cap="none" normalizeH="0" baseline="0" dirty="0">
+                <a:ln>
+                  <a:noFill/>
+                </a:ln>
+                <a:solidFill>
+                  <a:srgbClr val="242424"/>
+                </a:solidFill>
+                <a:effectLst/>
+                <a:latin typeface="Arial Unicode MS"/>
+                <a:ea typeface="source-code-pro"/>
+              </a:rPr>
+            </a:br>
+            <a:r>
+              <a:rPr kumimoji="0" lang="ko-KR" altLang="ko-KR" sz="2400" b="0" i="0" u="none" strike="noStrike" cap="none" normalizeH="0" baseline="0" dirty="0" err="1">
+                <a:ln>
+                  <a:noFill/>
+                </a:ln>
+                <a:solidFill>
+                  <a:srgbClr val="242424"/>
+                </a:solidFill>
+                <a:effectLst/>
+                <a:latin typeface="Arial Unicode MS"/>
+                <a:ea typeface="source-code-pro"/>
+              </a:rPr>
+              <a:t>Response</a:t>
+            </a:r>
+            <a:r>
+              <a:rPr kumimoji="0" lang="ko-KR" altLang="ko-KR" sz="2400" b="0" i="0" u="none" strike="noStrike" cap="none" normalizeH="0" baseline="0" dirty="0">
+                <a:ln>
+                  <a:noFill/>
+                </a:ln>
+                <a:solidFill>
+                  <a:srgbClr val="242424"/>
+                </a:solidFill>
+                <a:effectLst/>
+                <a:latin typeface="Arial Unicode MS"/>
+                <a:ea typeface="source-code-pro"/>
+              </a:rPr>
+              <a:t> </a:t>
+            </a:r>
+            <a:r>
+              <a:rPr kumimoji="0" lang="ko-KR" altLang="ko-KR" sz="2400" b="0" i="0" u="none" strike="noStrike" cap="none" normalizeH="0" baseline="0" dirty="0" err="1">
+                <a:ln>
+                  <a:noFill/>
+                </a:ln>
+                <a:solidFill>
+                  <a:srgbClr val="242424"/>
+                </a:solidFill>
+                <a:effectLst/>
+                <a:latin typeface="Arial Unicode MS"/>
+                <a:ea typeface="source-code-pro"/>
+              </a:rPr>
+              <a:t>Generation</a:t>
+            </a:r>
+            <a:r>
+              <a:rPr kumimoji="0" lang="ko-KR" altLang="ko-KR" sz="2400" b="0" i="0" u="none" strike="noStrike" cap="none" normalizeH="0" baseline="0" dirty="0">
+                <a:ln>
+                  <a:noFill/>
+                </a:ln>
+                <a:solidFill>
+                  <a:srgbClr val="242424"/>
+                </a:solidFill>
+                <a:effectLst/>
+                <a:latin typeface="Arial Unicode MS"/>
+                <a:ea typeface="source-code-pro"/>
+              </a:rPr>
+              <a:t> </a:t>
+            </a:r>
+            <a:br>
+              <a:rPr kumimoji="0" lang="ko-KR" altLang="ko-KR" sz="2400" b="0" i="0" u="none" strike="noStrike" cap="none" normalizeH="0" baseline="0" dirty="0">
+                <a:ln>
+                  <a:noFill/>
+                </a:ln>
+                <a:solidFill>
+                  <a:srgbClr val="242424"/>
+                </a:solidFill>
+                <a:effectLst/>
+                <a:latin typeface="Arial Unicode MS"/>
+                <a:ea typeface="source-code-pro"/>
+              </a:rPr>
+            </a:br>
+            <a:r>
+              <a:rPr kumimoji="0" lang="ko-KR" altLang="ko-KR" sz="2400" b="0" i="0" u="none" strike="noStrike" cap="none" normalizeH="0" baseline="0" dirty="0" err="1">
+                <a:ln>
+                  <a:noFill/>
+                </a:ln>
+                <a:solidFill>
+                  <a:srgbClr val="242424"/>
+                </a:solidFill>
+                <a:effectLst/>
+                <a:latin typeface="Arial Unicode MS"/>
+                <a:ea typeface="source-code-pro"/>
+              </a:rPr>
+              <a:t>Text</a:t>
+            </a:r>
+            <a:r>
+              <a:rPr kumimoji="0" lang="ko-KR" altLang="ko-KR" sz="2400" b="0" i="0" u="none" strike="noStrike" cap="none" normalizeH="0" baseline="0" dirty="0">
+                <a:ln>
+                  <a:noFill/>
+                </a:ln>
+                <a:solidFill>
+                  <a:srgbClr val="242424"/>
+                </a:solidFill>
+                <a:effectLst/>
+                <a:latin typeface="Arial Unicode MS"/>
+                <a:ea typeface="source-code-pro"/>
+              </a:rPr>
+              <a:t> </a:t>
+            </a:r>
+            <a:r>
+              <a:rPr kumimoji="0" lang="ko-KR" altLang="ko-KR" sz="2400" b="0" i="0" u="none" strike="noStrike" cap="none" normalizeH="0" baseline="0" dirty="0" err="1">
+                <a:ln>
+                  <a:noFill/>
+                </a:ln>
+                <a:solidFill>
+                  <a:srgbClr val="242424"/>
+                </a:solidFill>
+                <a:effectLst/>
+                <a:latin typeface="Arial Unicode MS"/>
+                <a:ea typeface="source-code-pro"/>
+              </a:rPr>
+              <a:t>Generation</a:t>
+            </a:r>
+            <a:br>
+              <a:rPr kumimoji="0" lang="ko-KR" altLang="ko-KR" sz="2400" b="0" i="0" u="none" strike="noStrike" cap="none" normalizeH="0" baseline="0" dirty="0">
+                <a:ln>
+                  <a:noFill/>
+                </a:ln>
+                <a:solidFill>
+                  <a:srgbClr val="242424"/>
+                </a:solidFill>
+                <a:effectLst/>
+                <a:latin typeface="Arial Unicode MS"/>
+                <a:ea typeface="source-code-pro"/>
+              </a:rPr>
+            </a:br>
+            <a:r>
+              <a:rPr kumimoji="0" lang="ko-KR" altLang="ko-KR" sz="2400" b="0" i="0" u="none" strike="noStrike" cap="none" normalizeH="0" baseline="0" dirty="0" err="1">
+                <a:ln>
+                  <a:noFill/>
+                </a:ln>
+                <a:solidFill>
+                  <a:srgbClr val="242424"/>
+                </a:solidFill>
+                <a:effectLst/>
+                <a:latin typeface="Arial Unicode MS"/>
+                <a:ea typeface="source-code-pro"/>
+              </a:rPr>
+              <a:t>Translation</a:t>
+            </a:r>
+            <a:r>
+              <a:rPr kumimoji="0" lang="ko-KR" altLang="ko-KR" sz="2400" b="0" i="0" u="none" strike="noStrike" cap="none" normalizeH="0" baseline="0" dirty="0">
+                <a:ln>
+                  <a:noFill/>
+                </a:ln>
+                <a:solidFill>
+                  <a:srgbClr val="242424"/>
+                </a:solidFill>
+                <a:effectLst/>
+                <a:latin typeface="Arial Unicode MS"/>
+                <a:ea typeface="source-code-pro"/>
+              </a:rPr>
+              <a:t> </a:t>
+            </a:r>
+            <a:br>
+              <a:rPr kumimoji="0" lang="ko-KR" altLang="ko-KR" sz="2400" b="0" i="0" u="none" strike="noStrike" cap="none" normalizeH="0" baseline="0" dirty="0">
+                <a:ln>
+                  <a:noFill/>
+                </a:ln>
+                <a:solidFill>
+                  <a:srgbClr val="242424"/>
+                </a:solidFill>
+                <a:effectLst/>
+                <a:latin typeface="Arial Unicode MS"/>
+                <a:ea typeface="source-code-pro"/>
+              </a:rPr>
+            </a:br>
+            <a:r>
+              <a:rPr kumimoji="0" lang="ko-KR" altLang="ko-KR" sz="2400" b="0" i="0" u="none" strike="noStrike" cap="none" normalizeH="0" baseline="0" dirty="0" err="1">
+                <a:ln>
+                  <a:noFill/>
+                </a:ln>
+                <a:solidFill>
+                  <a:srgbClr val="242424"/>
+                </a:solidFill>
+                <a:effectLst/>
+                <a:latin typeface="Arial Unicode MS"/>
+                <a:ea typeface="source-code-pro"/>
+              </a:rPr>
+              <a:t>Knowledge</a:t>
+            </a:r>
+            <a:r>
+              <a:rPr kumimoji="0" lang="ko-KR" altLang="ko-KR" sz="2400" b="0" i="0" u="none" strike="noStrike" cap="none" normalizeH="0" baseline="0" dirty="0">
+                <a:ln>
+                  <a:noFill/>
+                </a:ln>
+                <a:solidFill>
+                  <a:srgbClr val="242424"/>
+                </a:solidFill>
+                <a:effectLst/>
+                <a:latin typeface="Arial Unicode MS"/>
+                <a:ea typeface="source-code-pro"/>
+              </a:rPr>
+              <a:t> </a:t>
+            </a:r>
+            <a:r>
+              <a:rPr kumimoji="0" lang="ko-KR" altLang="ko-KR" sz="2400" b="0" i="0" u="none" strike="noStrike" cap="none" normalizeH="0" baseline="0" dirty="0" err="1">
+                <a:ln>
+                  <a:noFill/>
+                </a:ln>
+                <a:solidFill>
+                  <a:srgbClr val="242424"/>
+                </a:solidFill>
+                <a:effectLst/>
+                <a:latin typeface="Arial Unicode MS"/>
+                <a:ea typeface="source-code-pro"/>
+              </a:rPr>
+              <a:t>Answering</a:t>
+            </a:r>
+            <a:r>
+              <a:rPr kumimoji="0" lang="ko-KR" altLang="ko-KR" sz="1200" b="0" i="0" u="none" strike="noStrike" cap="none" normalizeH="0" baseline="0" dirty="0">
+                <a:ln>
+                  <a:noFill/>
+                </a:ln>
+                <a:solidFill>
+                  <a:schemeClr val="tx1"/>
+                </a:solidFill>
+                <a:effectLst/>
+              </a:rPr>
+              <a:t> </a:t>
+            </a:r>
+            <a:endParaRPr kumimoji="0" lang="ko-KR" altLang="ko-KR" sz="3600" b="0" i="0" u="none" strike="noStrike" cap="none" normalizeH="0" baseline="0" dirty="0">
+              <a:ln>
+                <a:noFill/>
+              </a:ln>
+              <a:solidFill>
+                <a:schemeClr val="tx1"/>
+              </a:solidFill>
+              <a:effectLst/>
+              <a:latin typeface="Arial" panose="020B0604020202020204" pitchFamily="34" charset="0"/>
+            </a:endParaRPr>
+          </a:p>
+        </p:txBody>
+      </p:sp>
     </p:spTree>
     <p:extLst>
       <p:ext uri="{BB962C8B-B14F-4D97-AF65-F5344CB8AC3E}">
-        <p14:creationId xmlns:p14="http://schemas.microsoft.com/office/powerpoint/2010/main" val="96469733"/>
+        <p14:creationId xmlns:p14="http://schemas.microsoft.com/office/powerpoint/2010/main" val="239208255"/>
       </p:ext>
     </p:extLst>
   </p:cSld>

--- a/AI_05_LLM large language mosels.pptx
+++ b/AI_05_LLM large language mosels.pptx
@@ -14,17 +14,18 @@
     <p:sldId id="363" r:id="rId8"/>
     <p:sldId id="364" r:id="rId9"/>
     <p:sldId id="365" r:id="rId10"/>
-    <p:sldId id="362" r:id="rId11"/>
-    <p:sldId id="358" r:id="rId12"/>
-    <p:sldId id="366" r:id="rId13"/>
-    <p:sldId id="354" r:id="rId14"/>
-    <p:sldId id="351" r:id="rId15"/>
-    <p:sldId id="275" r:id="rId16"/>
-    <p:sldId id="356" r:id="rId17"/>
-    <p:sldId id="361" r:id="rId18"/>
-    <p:sldId id="355" r:id="rId19"/>
-    <p:sldId id="353" r:id="rId20"/>
-    <p:sldId id="360" r:id="rId21"/>
+    <p:sldId id="368" r:id="rId11"/>
+    <p:sldId id="362" r:id="rId12"/>
+    <p:sldId id="358" r:id="rId13"/>
+    <p:sldId id="366" r:id="rId14"/>
+    <p:sldId id="354" r:id="rId15"/>
+    <p:sldId id="351" r:id="rId16"/>
+    <p:sldId id="275" r:id="rId17"/>
+    <p:sldId id="356" r:id="rId18"/>
+    <p:sldId id="361" r:id="rId19"/>
+    <p:sldId id="355" r:id="rId20"/>
+    <p:sldId id="353" r:id="rId21"/>
+    <p:sldId id="360" r:id="rId22"/>
   </p:sldIdLst>
   <p:sldSz cx="12192000" cy="6858000"/>
   <p:notesSz cx="6858000" cy="9144000"/>
@@ -4841,6 +4842,127 @@
       </p:grpSpPr>
       <p:pic>
         <p:nvPicPr>
+          <p:cNvPr id="4" name="그림 3">
+            <a:extLst>
+              <a:ext uri="{FF2B5EF4-FFF2-40B4-BE49-F238E27FC236}">
+                <a16:creationId xmlns:a16="http://schemas.microsoft.com/office/drawing/2014/main" id="{1FD4E5C0-AE7F-40D5-8F68-D65AD1D94B60}"/>
+              </a:ext>
+            </a:extLst>
+          </p:cNvPr>
+          <p:cNvPicPr>
+            <a:picLocks noChangeAspect="1"/>
+          </p:cNvPicPr>
+          <p:nvPr/>
+        </p:nvPicPr>
+        <p:blipFill>
+          <a:blip r:embed="rId2"/>
+          <a:stretch>
+            <a:fillRect/>
+          </a:stretch>
+        </p:blipFill>
+        <p:spPr>
+          <a:xfrm>
+            <a:off x="2038350" y="2291331"/>
+            <a:ext cx="8115300" cy="3181350"/>
+          </a:xfrm>
+          <a:prstGeom prst="rect">
+            <a:avLst/>
+          </a:prstGeom>
+        </p:spPr>
+      </p:pic>
+      <p:sp>
+        <p:nvSpPr>
+          <p:cNvPr id="5" name="직사각형 4">
+            <a:extLst>
+              <a:ext uri="{FF2B5EF4-FFF2-40B4-BE49-F238E27FC236}">
+                <a16:creationId xmlns:a16="http://schemas.microsoft.com/office/drawing/2014/main" id="{36E7C9BB-4619-4E5E-9C9B-770609E156C4}"/>
+              </a:ext>
+            </a:extLst>
+          </p:cNvPr>
+          <p:cNvSpPr/>
+          <p:nvPr/>
+        </p:nvSpPr>
+        <p:spPr>
+          <a:xfrm>
+            <a:off x="2561264" y="1309710"/>
+            <a:ext cx="6901517" cy="369332"/>
+          </a:xfrm>
+          <a:prstGeom prst="rect">
+            <a:avLst/>
+          </a:prstGeom>
+        </p:spPr>
+        <p:txBody>
+          <a:bodyPr wrap="square">
+            <a:spAutoFit/>
+          </a:bodyPr>
+          <a:lstStyle/>
+          <a:p>
+            <a:r>
+              <a:rPr lang="ko-KR" altLang="en-US" dirty="0">
+                <a:latin typeface="Söhne"/>
+              </a:rPr>
+              <a:t>미국 시가총액 상위 </a:t>
+            </a:r>
+            <a:r>
+              <a:rPr lang="en-US" altLang="ko-KR" dirty="0">
+                <a:latin typeface="Söhne"/>
+              </a:rPr>
+              <a:t>6</a:t>
+            </a:r>
+            <a:r>
+              <a:rPr lang="ko-KR" altLang="en-US" dirty="0">
+                <a:latin typeface="Söhne"/>
+              </a:rPr>
+              <a:t>대 기업 중 애플을 제외하고 모두 </a:t>
+            </a:r>
+            <a:r>
+              <a:rPr lang="en-US" altLang="ko-KR" dirty="0">
+                <a:latin typeface="Söhne"/>
+              </a:rPr>
+              <a:t>LLM</a:t>
+            </a:r>
+            <a:r>
+              <a:rPr lang="ko-KR" altLang="en-US" dirty="0">
+                <a:latin typeface="Söhne"/>
+              </a:rPr>
+              <a:t>을 개발</a:t>
+            </a:r>
+            <a:endParaRPr lang="ko-KR" altLang="en-US" dirty="0"/>
+          </a:p>
+        </p:txBody>
+      </p:sp>
+    </p:spTree>
+    <p:extLst>
+      <p:ext uri="{BB962C8B-B14F-4D97-AF65-F5344CB8AC3E}">
+        <p14:creationId xmlns:p14="http://schemas.microsoft.com/office/powerpoint/2010/main" val="3487835757"/>
+      </p:ext>
+    </p:extLst>
+  </p:cSld>
+  <p:clrMapOvr>
+    <a:masterClrMapping/>
+  </p:clrMapOvr>
+</p:sld>
+</file>
+
+<file path=ppt/slides/slide11.xml><?xml version="1.0" encoding="utf-8"?>
+<p:sld xmlns:a="http://schemas.openxmlformats.org/drawingml/2006/main" xmlns:r="http://schemas.openxmlformats.org/officeDocument/2006/relationships" xmlns:p="http://schemas.openxmlformats.org/presentationml/2006/main">
+  <p:cSld>
+    <p:spTree>
+      <p:nvGrpSpPr>
+        <p:cNvPr id="1" name=""/>
+        <p:cNvGrpSpPr/>
+        <p:nvPr/>
+      </p:nvGrpSpPr>
+      <p:grpSpPr>
+        <a:xfrm>
+          <a:off x="0" y="0"/>
+          <a:ext cx="0" cy="0"/>
+          <a:chOff x="0" y="0"/>
+          <a:chExt cx="0" cy="0"/>
+        </a:xfrm>
+      </p:grpSpPr>
+      <p:pic>
+        <p:nvPicPr>
           <p:cNvPr id="5" name="그림 4">
             <a:extLst>
               <a:ext uri="{FF2B5EF4-FFF2-40B4-BE49-F238E27FC236}">
@@ -4882,7 +5004,7 @@
 </p:sld>
 </file>
 
-<file path=ppt/slides/slide11.xml><?xml version="1.0" encoding="utf-8"?>
+<file path=ppt/slides/slide12.xml><?xml version="1.0" encoding="utf-8"?>
 <p:sld xmlns:a="http://schemas.openxmlformats.org/drawingml/2006/main" xmlns:r="http://schemas.openxmlformats.org/officeDocument/2006/relationships" xmlns:p="http://schemas.openxmlformats.org/presentationml/2006/main">
   <p:cSld>
     <p:spTree>
@@ -5032,7 +5154,7 @@
 </p:sld>
 </file>
 
-<file path=ppt/slides/slide12.xml><?xml version="1.0" encoding="utf-8"?>
+<file path=ppt/slides/slide13.xml><?xml version="1.0" encoding="utf-8"?>
 <p:sld xmlns:a="http://schemas.openxmlformats.org/drawingml/2006/main" xmlns:r="http://schemas.openxmlformats.org/officeDocument/2006/relationships" xmlns:p="http://schemas.openxmlformats.org/presentationml/2006/main">
   <p:cSld>
     <p:spTree>
@@ -6524,7 +6646,7 @@
 </p:sld>
 </file>
 
-<file path=ppt/slides/slide13.xml><?xml version="1.0" encoding="utf-8"?>
+<file path=ppt/slides/slide14.xml><?xml version="1.0" encoding="utf-8"?>
 <p:sld xmlns:a="http://schemas.openxmlformats.org/drawingml/2006/main" xmlns:r="http://schemas.openxmlformats.org/officeDocument/2006/relationships" xmlns:p="http://schemas.openxmlformats.org/presentationml/2006/main">
   <p:cSld>
     <p:spTree>
@@ -7432,7 +7554,7 @@
 </p:sld>
 </file>
 
-<file path=ppt/slides/slide14.xml><?xml version="1.0" encoding="utf-8"?>
+<file path=ppt/slides/slide15.xml><?xml version="1.0" encoding="utf-8"?>
 <p:sld xmlns:a="http://schemas.openxmlformats.org/drawingml/2006/main" xmlns:r="http://schemas.openxmlformats.org/officeDocument/2006/relationships" xmlns:p="http://schemas.openxmlformats.org/presentationml/2006/main">
   <p:cSld>
     <p:spTree>
@@ -7688,193 +7810,6 @@
 </p:sld>
 </file>
 
-<file path=ppt/slides/slide15.xml><?xml version="1.0" encoding="utf-8"?>
-<p:sld xmlns:a="http://schemas.openxmlformats.org/drawingml/2006/main" xmlns:r="http://schemas.openxmlformats.org/officeDocument/2006/relationships" xmlns:p="http://schemas.openxmlformats.org/presentationml/2006/main">
-  <p:cSld>
-    <p:spTree>
-      <p:nvGrpSpPr>
-        <p:cNvPr id="1" name=""/>
-        <p:cNvGrpSpPr/>
-        <p:nvPr/>
-      </p:nvGrpSpPr>
-      <p:grpSpPr>
-        <a:xfrm>
-          <a:off x="0" y="0"/>
-          <a:ext cx="0" cy="0"/>
-          <a:chOff x="0" y="0"/>
-          <a:chExt cx="0" cy="0"/>
-        </a:xfrm>
-      </p:grpSpPr>
-      <p:sp>
-        <p:nvSpPr>
-          <p:cNvPr id="2" name="제목 1">
-            <a:extLst>
-              <a:ext uri="{FF2B5EF4-FFF2-40B4-BE49-F238E27FC236}">
-                <a16:creationId xmlns:a16="http://schemas.microsoft.com/office/drawing/2014/main" id="{50875194-F17C-4A13-8809-2802C101BDCA}"/>
-              </a:ext>
-            </a:extLst>
-          </p:cNvPr>
-          <p:cNvSpPr>
-            <a:spLocks noGrp="1"/>
-          </p:cNvSpPr>
-          <p:nvPr>
-            <p:ph type="title"/>
-          </p:nvPr>
-        </p:nvSpPr>
-        <p:spPr/>
-        <p:txBody>
-          <a:bodyPr/>
-          <a:lstStyle/>
-          <a:p>
-            <a:r>
-              <a:rPr lang="en-US" altLang="ko-KR" dirty="0"/>
-              <a:t>Language models</a:t>
-            </a:r>
-            <a:endParaRPr lang="ko-KR" altLang="en-US" dirty="0"/>
-          </a:p>
-        </p:txBody>
-      </p:sp>
-      <p:sp>
-        <p:nvSpPr>
-          <p:cNvPr id="3" name="내용 개체 틀 2">
-            <a:extLst>
-              <a:ext uri="{FF2B5EF4-FFF2-40B4-BE49-F238E27FC236}">
-                <a16:creationId xmlns:a16="http://schemas.microsoft.com/office/drawing/2014/main" id="{09302E69-7D85-4AE5-894E-276D74C92DB8}"/>
-              </a:ext>
-            </a:extLst>
-          </p:cNvPr>
-          <p:cNvSpPr>
-            <a:spLocks noGrp="1"/>
-          </p:cNvSpPr>
-          <p:nvPr>
-            <p:ph idx="1"/>
-          </p:nvPr>
-        </p:nvSpPr>
-        <p:spPr>
-          <a:xfrm>
-            <a:off x="838199" y="1825625"/>
-            <a:ext cx="10923165" cy="4351338"/>
-          </a:xfrm>
-        </p:spPr>
-        <p:txBody>
-          <a:bodyPr>
-            <a:normAutofit/>
-          </a:bodyPr>
-          <a:lstStyle/>
-          <a:p>
-            <a:endParaRPr lang="en-US" altLang="ko-KR" sz="1200" dirty="0">
-              <a:highlight>
-                <a:srgbClr val="FFFF00"/>
-              </a:highlight>
-            </a:endParaRPr>
-          </a:p>
-          <a:p>
-            <a:endParaRPr lang="en-US" altLang="ko-KR" sz="1200" dirty="0">
-              <a:highlight>
-                <a:srgbClr val="FFFF00"/>
-              </a:highlight>
-            </a:endParaRPr>
-          </a:p>
-          <a:p>
-            <a:r>
-              <a:rPr lang="en-US" altLang="ko-KR" sz="1200" dirty="0">
-                <a:highlight>
-                  <a:srgbClr val="FFFF00"/>
-                </a:highlight>
-              </a:rPr>
-              <a:t>Language models are trained using </a:t>
-            </a:r>
-            <a:r>
-              <a:rPr lang="en-US" altLang="ko-KR" sz="4000" dirty="0">
-                <a:highlight>
-                  <a:srgbClr val="FFFF00"/>
-                </a:highlight>
-              </a:rPr>
-              <a:t>a technique called "deep learning”</a:t>
-            </a:r>
-            <a:r>
-              <a:rPr lang="en-US" altLang="ko-KR" sz="1200" dirty="0">
-                <a:highlight>
-                  <a:srgbClr val="FFFF00"/>
-                </a:highlight>
-              </a:rPr>
-              <a:t> which involves training a large neural network on massive datasets.</a:t>
-            </a:r>
-          </a:p>
-          <a:p>
-            <a:endParaRPr lang="en-US" altLang="ko-KR" dirty="0"/>
-          </a:p>
-          <a:p>
-            <a:r>
-              <a:rPr lang="en-US" altLang="ko-KR" dirty="0"/>
-              <a:t>How many words trained by chat GPT?</a:t>
-            </a:r>
-          </a:p>
-          <a:p>
-            <a:r>
-              <a:rPr lang="en-US" altLang="ko-KR" sz="1400" dirty="0" err="1">
-                <a:highlight>
-                  <a:srgbClr val="FFFF00"/>
-                </a:highlight>
-              </a:rPr>
-              <a:t>ChatGPT</a:t>
-            </a:r>
-            <a:r>
-              <a:rPr lang="en-US" altLang="ko-KR" sz="1400" dirty="0">
-                <a:highlight>
-                  <a:srgbClr val="FFFF00"/>
-                </a:highlight>
-              </a:rPr>
-              <a:t>, based on the GPT-3.5 architecture, was trained on a vast amount of data containing </a:t>
-            </a:r>
-            <a:r>
-              <a:rPr lang="en-US" altLang="ko-KR" sz="3200" dirty="0">
-                <a:highlight>
-                  <a:srgbClr val="FFFF00"/>
-                </a:highlight>
-              </a:rPr>
-              <a:t>570GB</a:t>
-            </a:r>
-            <a:r>
-              <a:rPr lang="en-US" altLang="ko-KR" sz="1400" dirty="0">
-                <a:highlight>
-                  <a:srgbClr val="FFFF00"/>
-                </a:highlight>
-              </a:rPr>
-              <a:t> of text. However, it's important to note that the number of words in the training data is not explicitly specified by </a:t>
-            </a:r>
-            <a:r>
-              <a:rPr lang="en-US" altLang="ko-KR" sz="1400" dirty="0" err="1">
-                <a:highlight>
-                  <a:srgbClr val="FFFF00"/>
-                </a:highlight>
-              </a:rPr>
-              <a:t>OpenAI</a:t>
-            </a:r>
-            <a:r>
-              <a:rPr lang="en-US" altLang="ko-KR" sz="1400" dirty="0">
-                <a:highlight>
-                  <a:srgbClr val="FFFF00"/>
-                </a:highlight>
-              </a:rPr>
-              <a:t>.</a:t>
-            </a:r>
-          </a:p>
-        </p:txBody>
-      </p:sp>
-    </p:spTree>
-    <p:extLst>
-      <p:ext uri="{BB962C8B-B14F-4D97-AF65-F5344CB8AC3E}">
-        <p14:creationId xmlns:p14="http://schemas.microsoft.com/office/powerpoint/2010/main" val="1648664426"/>
-      </p:ext>
-    </p:extLst>
-  </p:cSld>
-  <p:clrMapOvr>
-    <a:masterClrMapping/>
-  </p:clrMapOvr>
-</p:sld>
-</file>
-
 <file path=ppt/slides/slide16.xml><?xml version="1.0" encoding="utf-8"?>
 <p:sld xmlns:a="http://schemas.openxmlformats.org/drawingml/2006/main" xmlns:r="http://schemas.openxmlformats.org/officeDocument/2006/relationships" xmlns:p="http://schemas.openxmlformats.org/presentationml/2006/main">
   <p:cSld>
@@ -7897,6 +7832,193 @@
           <p:cNvPr id="2" name="제목 1">
             <a:extLst>
               <a:ext uri="{FF2B5EF4-FFF2-40B4-BE49-F238E27FC236}">
+                <a16:creationId xmlns:a16="http://schemas.microsoft.com/office/drawing/2014/main" id="{50875194-F17C-4A13-8809-2802C101BDCA}"/>
+              </a:ext>
+            </a:extLst>
+          </p:cNvPr>
+          <p:cNvSpPr>
+            <a:spLocks noGrp="1"/>
+          </p:cNvSpPr>
+          <p:nvPr>
+            <p:ph type="title"/>
+          </p:nvPr>
+        </p:nvSpPr>
+        <p:spPr/>
+        <p:txBody>
+          <a:bodyPr/>
+          <a:lstStyle/>
+          <a:p>
+            <a:r>
+              <a:rPr lang="en-US" altLang="ko-KR" dirty="0"/>
+              <a:t>Language models</a:t>
+            </a:r>
+            <a:endParaRPr lang="ko-KR" altLang="en-US" dirty="0"/>
+          </a:p>
+        </p:txBody>
+      </p:sp>
+      <p:sp>
+        <p:nvSpPr>
+          <p:cNvPr id="3" name="내용 개체 틀 2">
+            <a:extLst>
+              <a:ext uri="{FF2B5EF4-FFF2-40B4-BE49-F238E27FC236}">
+                <a16:creationId xmlns:a16="http://schemas.microsoft.com/office/drawing/2014/main" id="{09302E69-7D85-4AE5-894E-276D74C92DB8}"/>
+              </a:ext>
+            </a:extLst>
+          </p:cNvPr>
+          <p:cNvSpPr>
+            <a:spLocks noGrp="1"/>
+          </p:cNvSpPr>
+          <p:nvPr>
+            <p:ph idx="1"/>
+          </p:nvPr>
+        </p:nvSpPr>
+        <p:spPr>
+          <a:xfrm>
+            <a:off x="838199" y="1825625"/>
+            <a:ext cx="10923165" cy="4351338"/>
+          </a:xfrm>
+        </p:spPr>
+        <p:txBody>
+          <a:bodyPr>
+            <a:normAutofit/>
+          </a:bodyPr>
+          <a:lstStyle/>
+          <a:p>
+            <a:endParaRPr lang="en-US" altLang="ko-KR" sz="1200" dirty="0">
+              <a:highlight>
+                <a:srgbClr val="FFFF00"/>
+              </a:highlight>
+            </a:endParaRPr>
+          </a:p>
+          <a:p>
+            <a:endParaRPr lang="en-US" altLang="ko-KR" sz="1200" dirty="0">
+              <a:highlight>
+                <a:srgbClr val="FFFF00"/>
+              </a:highlight>
+            </a:endParaRPr>
+          </a:p>
+          <a:p>
+            <a:r>
+              <a:rPr lang="en-US" altLang="ko-KR" sz="1200" dirty="0">
+                <a:highlight>
+                  <a:srgbClr val="FFFF00"/>
+                </a:highlight>
+              </a:rPr>
+              <a:t>Language models are trained using </a:t>
+            </a:r>
+            <a:r>
+              <a:rPr lang="en-US" altLang="ko-KR" sz="4000" dirty="0">
+                <a:highlight>
+                  <a:srgbClr val="FFFF00"/>
+                </a:highlight>
+              </a:rPr>
+              <a:t>a technique called "deep learning”</a:t>
+            </a:r>
+            <a:r>
+              <a:rPr lang="en-US" altLang="ko-KR" sz="1200" dirty="0">
+                <a:highlight>
+                  <a:srgbClr val="FFFF00"/>
+                </a:highlight>
+              </a:rPr>
+              <a:t> which involves training a large neural network on massive datasets.</a:t>
+            </a:r>
+          </a:p>
+          <a:p>
+            <a:endParaRPr lang="en-US" altLang="ko-KR" dirty="0"/>
+          </a:p>
+          <a:p>
+            <a:r>
+              <a:rPr lang="en-US" altLang="ko-KR" dirty="0"/>
+              <a:t>How many words trained by chat GPT?</a:t>
+            </a:r>
+          </a:p>
+          <a:p>
+            <a:r>
+              <a:rPr lang="en-US" altLang="ko-KR" sz="1400" dirty="0" err="1">
+                <a:highlight>
+                  <a:srgbClr val="FFFF00"/>
+                </a:highlight>
+              </a:rPr>
+              <a:t>ChatGPT</a:t>
+            </a:r>
+            <a:r>
+              <a:rPr lang="en-US" altLang="ko-KR" sz="1400" dirty="0">
+                <a:highlight>
+                  <a:srgbClr val="FFFF00"/>
+                </a:highlight>
+              </a:rPr>
+              <a:t>, based on the GPT-3.5 architecture, was trained on a vast amount of data containing </a:t>
+            </a:r>
+            <a:r>
+              <a:rPr lang="en-US" altLang="ko-KR" sz="3200" dirty="0">
+                <a:highlight>
+                  <a:srgbClr val="FFFF00"/>
+                </a:highlight>
+              </a:rPr>
+              <a:t>570GB</a:t>
+            </a:r>
+            <a:r>
+              <a:rPr lang="en-US" altLang="ko-KR" sz="1400" dirty="0">
+                <a:highlight>
+                  <a:srgbClr val="FFFF00"/>
+                </a:highlight>
+              </a:rPr>
+              <a:t> of text. However, it's important to note that the number of words in the training data is not explicitly specified by </a:t>
+            </a:r>
+            <a:r>
+              <a:rPr lang="en-US" altLang="ko-KR" sz="1400" dirty="0" err="1">
+                <a:highlight>
+                  <a:srgbClr val="FFFF00"/>
+                </a:highlight>
+              </a:rPr>
+              <a:t>OpenAI</a:t>
+            </a:r>
+            <a:r>
+              <a:rPr lang="en-US" altLang="ko-KR" sz="1400" dirty="0">
+                <a:highlight>
+                  <a:srgbClr val="FFFF00"/>
+                </a:highlight>
+              </a:rPr>
+              <a:t>.</a:t>
+            </a:r>
+          </a:p>
+        </p:txBody>
+      </p:sp>
+    </p:spTree>
+    <p:extLst>
+      <p:ext uri="{BB962C8B-B14F-4D97-AF65-F5344CB8AC3E}">
+        <p14:creationId xmlns:p14="http://schemas.microsoft.com/office/powerpoint/2010/main" val="1648664426"/>
+      </p:ext>
+    </p:extLst>
+  </p:cSld>
+  <p:clrMapOvr>
+    <a:masterClrMapping/>
+  </p:clrMapOvr>
+</p:sld>
+</file>
+
+<file path=ppt/slides/slide17.xml><?xml version="1.0" encoding="utf-8"?>
+<p:sld xmlns:a="http://schemas.openxmlformats.org/drawingml/2006/main" xmlns:r="http://schemas.openxmlformats.org/officeDocument/2006/relationships" xmlns:p="http://schemas.openxmlformats.org/presentationml/2006/main">
+  <p:cSld>
+    <p:spTree>
+      <p:nvGrpSpPr>
+        <p:cNvPr id="1" name=""/>
+        <p:cNvGrpSpPr/>
+        <p:nvPr/>
+      </p:nvGrpSpPr>
+      <p:grpSpPr>
+        <a:xfrm>
+          <a:off x="0" y="0"/>
+          <a:ext cx="0" cy="0"/>
+          <a:chOff x="0" y="0"/>
+          <a:chExt cx="0" cy="0"/>
+        </a:xfrm>
+      </p:grpSpPr>
+      <p:sp>
+        <p:nvSpPr>
+          <p:cNvPr id="2" name="제목 1">
+            <a:extLst>
+              <a:ext uri="{FF2B5EF4-FFF2-40B4-BE49-F238E27FC236}">
                 <a16:creationId xmlns:a16="http://schemas.microsoft.com/office/drawing/2014/main" id="{45990E47-D086-495A-AFE5-34DF7A0A7051}"/>
               </a:ext>
             </a:extLst>
@@ -8117,7 +8239,7 @@
 </p:sld>
 </file>
 
-<file path=ppt/slides/slide17.xml><?xml version="1.0" encoding="utf-8"?>
+<file path=ppt/slides/slide18.xml><?xml version="1.0" encoding="utf-8"?>
 <p:sld xmlns:a="http://schemas.openxmlformats.org/drawingml/2006/main" xmlns:r="http://schemas.openxmlformats.org/officeDocument/2006/relationships" xmlns:p="http://schemas.openxmlformats.org/presentationml/2006/main">
   <p:cSld>
     <p:spTree>
@@ -8207,7 +8329,7 @@
 </p:sld>
 </file>
 
-<file path=ppt/slides/slide18.xml><?xml version="1.0" encoding="utf-8"?>
+<file path=ppt/slides/slide19.xml><?xml version="1.0" encoding="utf-8"?>
 <p:sld xmlns:a="http://schemas.openxmlformats.org/drawingml/2006/main" xmlns:r="http://schemas.openxmlformats.org/officeDocument/2006/relationships" xmlns:p="http://schemas.openxmlformats.org/presentationml/2006/main">
   <p:cSld>
     <p:spTree>
@@ -8284,7 +8406,134 @@
 </p:sld>
 </file>
 
-<file path=ppt/slides/slide19.xml><?xml version="1.0" encoding="utf-8"?>
+<file path=ppt/slides/slide2.xml><?xml version="1.0" encoding="utf-8"?>
+<p:sld xmlns:a="http://schemas.openxmlformats.org/drawingml/2006/main" xmlns:r="http://schemas.openxmlformats.org/officeDocument/2006/relationships" xmlns:p="http://schemas.openxmlformats.org/presentationml/2006/main">
+  <p:cSld>
+    <p:spTree>
+      <p:nvGrpSpPr>
+        <p:cNvPr id="1" name=""/>
+        <p:cNvGrpSpPr/>
+        <p:nvPr/>
+      </p:nvGrpSpPr>
+      <p:grpSpPr>
+        <a:xfrm>
+          <a:off x="0" y="0"/>
+          <a:ext cx="0" cy="0"/>
+          <a:chOff x="0" y="0"/>
+          <a:chExt cx="0" cy="0"/>
+        </a:xfrm>
+      </p:grpSpPr>
+      <p:pic>
+        <p:nvPicPr>
+          <p:cNvPr id="2050" name="Picture 2" descr="Figure 3. Subsections of artificial intelligence. Source: generated by the authors. &#10;Reg &#10;Classification &#10;Self Training &#10;Low Density &#10;Se aration Models &#10;Graph Bmd &#10;Algorit h ms &#10;Dynamic programming &#10;Monte Carlo Methods &#10;Heuristic Methods &#10;Deep Feed Forward Networks &#10;Convolution &#10;Neural Networks &#10;Neural Networks &#10;Siamese Neural &#10;Networks &#10;Tra n sformers &#10;Generative &#10;net Wor k s &#10;Graph Neural &#10;Networ &#10;Supervised Learning &#10;Unsupervised &#10;Learning &#10;Dimensiona 'ty &#10;Reduction &#10;Semi Supervised Learning &#10;Reinforcement Learning &#10;Deep Learning &#10;Machine Translation &#10;Content Extraction &#10;Question Answering &#10;Information Retrieval &#10;Sentiment Analysis &#10;Text Generation &#10;Topic Modelin &#10;Image Recognition &#10;Machine Vision &#10;Machine &#10;Learning &#10;Planning &#10;Robotics &#10;Natural Language &#10;Processing &#10;Expert &#10;systems &#10;Speech &#10;Vision &#10;Artificial &#10;intelligence ">
+            <a:extLst>
+              <a:ext uri="{FF2B5EF4-FFF2-40B4-BE49-F238E27FC236}">
+                <a16:creationId xmlns:a16="http://schemas.microsoft.com/office/drawing/2014/main" id="{1DE0A47F-4442-4308-AB10-91A1FBD5F501}"/>
+              </a:ext>
+            </a:extLst>
+          </p:cNvPr>
+          <p:cNvPicPr>
+            <a:picLocks noChangeAspect="1" noChangeArrowheads="1"/>
+          </p:cNvPicPr>
+          <p:nvPr/>
+        </p:nvPicPr>
+        <p:blipFill>
+          <a:blip r:embed="rId2">
+            <a:extLst>
+              <a:ext uri="{28A0092B-C50C-407E-A947-70E740481C1C}">
+                <a14:useLocalDpi xmlns:a14="http://schemas.microsoft.com/office/drawing/2010/main" val="0"/>
+              </a:ext>
+            </a:extLst>
+          </a:blip>
+          <a:srcRect/>
+          <a:stretch>
+            <a:fillRect/>
+          </a:stretch>
+        </p:blipFill>
+        <p:spPr bwMode="auto">
+          <a:xfrm>
+            <a:off x="2405063" y="0"/>
+            <a:ext cx="7380287" cy="6858000"/>
+          </a:xfrm>
+          <a:prstGeom prst="rect">
+            <a:avLst/>
+          </a:prstGeom>
+          <a:noFill/>
+          <a:extLst>
+            <a:ext uri="{909E8E84-426E-40DD-AFC4-6F175D3DCCD1}">
+              <a14:hiddenFill xmlns:a14="http://schemas.microsoft.com/office/drawing/2010/main">
+                <a:solidFill>
+                  <a:srgbClr val="FFFFFF"/>
+                </a:solidFill>
+              </a14:hiddenFill>
+            </a:ext>
+          </a:extLst>
+        </p:spPr>
+      </p:pic>
+      <p:sp>
+        <p:nvSpPr>
+          <p:cNvPr id="4" name="설명선: 오른쪽 화살표 3">
+            <a:extLst>
+              <a:ext uri="{FF2B5EF4-FFF2-40B4-BE49-F238E27FC236}">
+                <a16:creationId xmlns:a16="http://schemas.microsoft.com/office/drawing/2014/main" id="{5589EEFB-FD6D-4A8F-A807-52F3CFE6765B}"/>
+              </a:ext>
+            </a:extLst>
+          </p:cNvPr>
+          <p:cNvSpPr/>
+          <p:nvPr/>
+        </p:nvSpPr>
+        <p:spPr>
+          <a:xfrm>
+            <a:off x="117446" y="4043494"/>
+            <a:ext cx="2558642" cy="302003"/>
+          </a:xfrm>
+          <a:prstGeom prst="rightArrowCallout">
+            <a:avLst/>
+          </a:prstGeom>
+        </p:spPr>
+        <p:style>
+          <a:lnRef idx="2">
+            <a:schemeClr val="accent1">
+              <a:shade val="50000"/>
+            </a:schemeClr>
+          </a:lnRef>
+          <a:fillRef idx="1">
+            <a:schemeClr val="accent1"/>
+          </a:fillRef>
+          <a:effectRef idx="0">
+            <a:schemeClr val="accent1"/>
+          </a:effectRef>
+          <a:fontRef idx="minor">
+            <a:schemeClr val="lt1"/>
+          </a:fontRef>
+        </p:style>
+        <p:txBody>
+          <a:bodyPr rtlCol="0" anchor="ctr"/>
+          <a:lstStyle/>
+          <a:p>
+            <a:pPr algn="ctr"/>
+            <a:r>
+              <a:rPr lang="en-US" altLang="ko-KR" dirty="0"/>
+              <a:t>Transformer</a:t>
+            </a:r>
+            <a:endParaRPr lang="ko-KR" altLang="en-US" dirty="0"/>
+          </a:p>
+        </p:txBody>
+      </p:sp>
+    </p:spTree>
+    <p:extLst>
+      <p:ext uri="{BB962C8B-B14F-4D97-AF65-F5344CB8AC3E}">
+        <p14:creationId xmlns:p14="http://schemas.microsoft.com/office/powerpoint/2010/main" val="1615918082"/>
+      </p:ext>
+    </p:extLst>
+  </p:cSld>
+  <p:clrMapOvr>
+    <a:masterClrMapping/>
+  </p:clrMapOvr>
+</p:sld>
+</file>
+
+<file path=ppt/slides/slide20.xml><?xml version="1.0" encoding="utf-8"?>
 <p:sld xmlns:a="http://schemas.openxmlformats.org/drawingml/2006/main" xmlns:r="http://schemas.openxmlformats.org/officeDocument/2006/relationships" xmlns:p="http://schemas.openxmlformats.org/presentationml/2006/main">
   <p:cSld>
     <p:spTree>
@@ -8375,134 +8624,7 @@
 </p:sld>
 </file>
 
-<file path=ppt/slides/slide2.xml><?xml version="1.0" encoding="utf-8"?>
-<p:sld xmlns:a="http://schemas.openxmlformats.org/drawingml/2006/main" xmlns:r="http://schemas.openxmlformats.org/officeDocument/2006/relationships" xmlns:p="http://schemas.openxmlformats.org/presentationml/2006/main">
-  <p:cSld>
-    <p:spTree>
-      <p:nvGrpSpPr>
-        <p:cNvPr id="1" name=""/>
-        <p:cNvGrpSpPr/>
-        <p:nvPr/>
-      </p:nvGrpSpPr>
-      <p:grpSpPr>
-        <a:xfrm>
-          <a:off x="0" y="0"/>
-          <a:ext cx="0" cy="0"/>
-          <a:chOff x="0" y="0"/>
-          <a:chExt cx="0" cy="0"/>
-        </a:xfrm>
-      </p:grpSpPr>
-      <p:pic>
-        <p:nvPicPr>
-          <p:cNvPr id="2050" name="Picture 2" descr="Figure 3. Subsections of artificial intelligence. Source: generated by the authors. &#10;Reg &#10;Classification &#10;Self Training &#10;Low Density &#10;Se aration Models &#10;Graph Bmd &#10;Algorit h ms &#10;Dynamic programming &#10;Monte Carlo Methods &#10;Heuristic Methods &#10;Deep Feed Forward Networks &#10;Convolution &#10;Neural Networks &#10;Neural Networks &#10;Siamese Neural &#10;Networks &#10;Tra n sformers &#10;Generative &#10;net Wor k s &#10;Graph Neural &#10;Networ &#10;Supervised Learning &#10;Unsupervised &#10;Learning &#10;Dimensiona 'ty &#10;Reduction &#10;Semi Supervised Learning &#10;Reinforcement Learning &#10;Deep Learning &#10;Machine Translation &#10;Content Extraction &#10;Question Answering &#10;Information Retrieval &#10;Sentiment Analysis &#10;Text Generation &#10;Topic Modelin &#10;Image Recognition &#10;Machine Vision &#10;Machine &#10;Learning &#10;Planning &#10;Robotics &#10;Natural Language &#10;Processing &#10;Expert &#10;systems &#10;Speech &#10;Vision &#10;Artificial &#10;intelligence ">
-            <a:extLst>
-              <a:ext uri="{FF2B5EF4-FFF2-40B4-BE49-F238E27FC236}">
-                <a16:creationId xmlns:a16="http://schemas.microsoft.com/office/drawing/2014/main" id="{1DE0A47F-4442-4308-AB10-91A1FBD5F501}"/>
-              </a:ext>
-            </a:extLst>
-          </p:cNvPr>
-          <p:cNvPicPr>
-            <a:picLocks noChangeAspect="1" noChangeArrowheads="1"/>
-          </p:cNvPicPr>
-          <p:nvPr/>
-        </p:nvPicPr>
-        <p:blipFill>
-          <a:blip r:embed="rId2">
-            <a:extLst>
-              <a:ext uri="{28A0092B-C50C-407E-A947-70E740481C1C}">
-                <a14:useLocalDpi xmlns:a14="http://schemas.microsoft.com/office/drawing/2010/main" val="0"/>
-              </a:ext>
-            </a:extLst>
-          </a:blip>
-          <a:srcRect/>
-          <a:stretch>
-            <a:fillRect/>
-          </a:stretch>
-        </p:blipFill>
-        <p:spPr bwMode="auto">
-          <a:xfrm>
-            <a:off x="2405063" y="0"/>
-            <a:ext cx="7380287" cy="6858000"/>
-          </a:xfrm>
-          <a:prstGeom prst="rect">
-            <a:avLst/>
-          </a:prstGeom>
-          <a:noFill/>
-          <a:extLst>
-            <a:ext uri="{909E8E84-426E-40DD-AFC4-6F175D3DCCD1}">
-              <a14:hiddenFill xmlns:a14="http://schemas.microsoft.com/office/drawing/2010/main">
-                <a:solidFill>
-                  <a:srgbClr val="FFFFFF"/>
-                </a:solidFill>
-              </a14:hiddenFill>
-            </a:ext>
-          </a:extLst>
-        </p:spPr>
-      </p:pic>
-      <p:sp>
-        <p:nvSpPr>
-          <p:cNvPr id="4" name="설명선: 오른쪽 화살표 3">
-            <a:extLst>
-              <a:ext uri="{FF2B5EF4-FFF2-40B4-BE49-F238E27FC236}">
-                <a16:creationId xmlns:a16="http://schemas.microsoft.com/office/drawing/2014/main" id="{5589EEFB-FD6D-4A8F-A807-52F3CFE6765B}"/>
-              </a:ext>
-            </a:extLst>
-          </p:cNvPr>
-          <p:cNvSpPr/>
-          <p:nvPr/>
-        </p:nvSpPr>
-        <p:spPr>
-          <a:xfrm>
-            <a:off x="117446" y="4043494"/>
-            <a:ext cx="2558642" cy="302003"/>
-          </a:xfrm>
-          <a:prstGeom prst="rightArrowCallout">
-            <a:avLst/>
-          </a:prstGeom>
-        </p:spPr>
-        <p:style>
-          <a:lnRef idx="2">
-            <a:schemeClr val="accent1">
-              <a:shade val="50000"/>
-            </a:schemeClr>
-          </a:lnRef>
-          <a:fillRef idx="1">
-            <a:schemeClr val="accent1"/>
-          </a:fillRef>
-          <a:effectRef idx="0">
-            <a:schemeClr val="accent1"/>
-          </a:effectRef>
-          <a:fontRef idx="minor">
-            <a:schemeClr val="lt1"/>
-          </a:fontRef>
-        </p:style>
-        <p:txBody>
-          <a:bodyPr rtlCol="0" anchor="ctr"/>
-          <a:lstStyle/>
-          <a:p>
-            <a:pPr algn="ctr"/>
-            <a:r>
-              <a:rPr lang="en-US" altLang="ko-KR" dirty="0"/>
-              <a:t>Transformer</a:t>
-            </a:r>
-            <a:endParaRPr lang="ko-KR" altLang="en-US" dirty="0"/>
-          </a:p>
-        </p:txBody>
-      </p:sp>
-    </p:spTree>
-    <p:extLst>
-      <p:ext uri="{BB962C8B-B14F-4D97-AF65-F5344CB8AC3E}">
-        <p14:creationId xmlns:p14="http://schemas.microsoft.com/office/powerpoint/2010/main" val="1615918082"/>
-      </p:ext>
-    </p:extLst>
-  </p:cSld>
-  <p:clrMapOvr>
-    <a:masterClrMapping/>
-  </p:clrMapOvr>
-</p:sld>
-</file>
-
-<file path=ppt/slides/slide20.xml><?xml version="1.0" encoding="utf-8"?>
+<file path=ppt/slides/slide21.xml><?xml version="1.0" encoding="utf-8"?>
 <p:sld xmlns:a="http://schemas.openxmlformats.org/drawingml/2006/main" xmlns:r="http://schemas.openxmlformats.org/officeDocument/2006/relationships" xmlns:p="http://schemas.openxmlformats.org/presentationml/2006/main">
   <p:cSld>
     <p:spTree>

--- a/AI_05_LLM large language mosels.pptx
+++ b/AI_05_LLM large language mosels.pptx
@@ -6,26 +6,28 @@
   </p:sldMasterIdLst>
   <p:sldIdLst>
     <p:sldId id="367" r:id="rId2"/>
-    <p:sldId id="349" r:id="rId3"/>
-    <p:sldId id="359" r:id="rId4"/>
-    <p:sldId id="276" r:id="rId5"/>
-    <p:sldId id="297" r:id="rId6"/>
-    <p:sldId id="357" r:id="rId7"/>
-    <p:sldId id="363" r:id="rId8"/>
-    <p:sldId id="364" r:id="rId9"/>
-    <p:sldId id="365" r:id="rId10"/>
-    <p:sldId id="368" r:id="rId11"/>
-    <p:sldId id="362" r:id="rId12"/>
-    <p:sldId id="358" r:id="rId13"/>
-    <p:sldId id="366" r:id="rId14"/>
-    <p:sldId id="354" r:id="rId15"/>
-    <p:sldId id="351" r:id="rId16"/>
-    <p:sldId id="275" r:id="rId17"/>
-    <p:sldId id="356" r:id="rId18"/>
-    <p:sldId id="361" r:id="rId19"/>
-    <p:sldId id="355" r:id="rId20"/>
-    <p:sldId id="353" r:id="rId21"/>
-    <p:sldId id="360" r:id="rId22"/>
+    <p:sldId id="370" r:id="rId3"/>
+    <p:sldId id="349" r:id="rId4"/>
+    <p:sldId id="359" r:id="rId5"/>
+    <p:sldId id="276" r:id="rId6"/>
+    <p:sldId id="297" r:id="rId7"/>
+    <p:sldId id="357" r:id="rId8"/>
+    <p:sldId id="363" r:id="rId9"/>
+    <p:sldId id="364" r:id="rId10"/>
+    <p:sldId id="365" r:id="rId11"/>
+    <p:sldId id="368" r:id="rId12"/>
+    <p:sldId id="362" r:id="rId13"/>
+    <p:sldId id="358" r:id="rId14"/>
+    <p:sldId id="366" r:id="rId15"/>
+    <p:sldId id="369" r:id="rId16"/>
+    <p:sldId id="354" r:id="rId17"/>
+    <p:sldId id="351" r:id="rId18"/>
+    <p:sldId id="275" r:id="rId19"/>
+    <p:sldId id="356" r:id="rId20"/>
+    <p:sldId id="361" r:id="rId21"/>
+    <p:sldId id="355" r:id="rId22"/>
+    <p:sldId id="353" r:id="rId23"/>
+    <p:sldId id="360" r:id="rId24"/>
   </p:sldIdLst>
   <p:sldSz cx="12192000" cy="6858000"/>
   <p:notesSz cx="6858000" cy="9144000"/>
@@ -279,7 +281,7 @@
           <a:p>
             <a:fld id="{67A46350-8085-47BA-B09D-FF4137AFE6B1}" type="datetimeFigureOut">
               <a:rPr lang="ko-KR" altLang="en-US" smtClean="0"/>
-              <a:t>2023-07-20</a:t>
+              <a:t>2023-07-23</a:t>
             </a:fld>
             <a:endParaRPr lang="ko-KR" altLang="en-US"/>
           </a:p>
@@ -477,7 +479,7 @@
           <a:p>
             <a:fld id="{67A46350-8085-47BA-B09D-FF4137AFE6B1}" type="datetimeFigureOut">
               <a:rPr lang="ko-KR" altLang="en-US" smtClean="0"/>
-              <a:t>2023-07-20</a:t>
+              <a:t>2023-07-23</a:t>
             </a:fld>
             <a:endParaRPr lang="ko-KR" altLang="en-US"/>
           </a:p>
@@ -685,7 +687,7 @@
           <a:p>
             <a:fld id="{67A46350-8085-47BA-B09D-FF4137AFE6B1}" type="datetimeFigureOut">
               <a:rPr lang="ko-KR" altLang="en-US" smtClean="0"/>
-              <a:t>2023-07-20</a:t>
+              <a:t>2023-07-23</a:t>
             </a:fld>
             <a:endParaRPr lang="ko-KR" altLang="en-US"/>
           </a:p>
@@ -883,7 +885,7 @@
           <a:p>
             <a:fld id="{67A46350-8085-47BA-B09D-FF4137AFE6B1}" type="datetimeFigureOut">
               <a:rPr lang="ko-KR" altLang="en-US" smtClean="0"/>
-              <a:t>2023-07-20</a:t>
+              <a:t>2023-07-23</a:t>
             </a:fld>
             <a:endParaRPr lang="ko-KR" altLang="en-US"/>
           </a:p>
@@ -1158,7 +1160,7 @@
           <a:p>
             <a:fld id="{67A46350-8085-47BA-B09D-FF4137AFE6B1}" type="datetimeFigureOut">
               <a:rPr lang="ko-KR" altLang="en-US" smtClean="0"/>
-              <a:t>2023-07-20</a:t>
+              <a:t>2023-07-23</a:t>
             </a:fld>
             <a:endParaRPr lang="ko-KR" altLang="en-US"/>
           </a:p>
@@ -1423,7 +1425,7 @@
           <a:p>
             <a:fld id="{67A46350-8085-47BA-B09D-FF4137AFE6B1}" type="datetimeFigureOut">
               <a:rPr lang="ko-KR" altLang="en-US" smtClean="0"/>
-              <a:t>2023-07-20</a:t>
+              <a:t>2023-07-23</a:t>
             </a:fld>
             <a:endParaRPr lang="ko-KR" altLang="en-US"/>
           </a:p>
@@ -1835,7 +1837,7 @@
           <a:p>
             <a:fld id="{67A46350-8085-47BA-B09D-FF4137AFE6B1}" type="datetimeFigureOut">
               <a:rPr lang="ko-KR" altLang="en-US" smtClean="0"/>
-              <a:t>2023-07-20</a:t>
+              <a:t>2023-07-23</a:t>
             </a:fld>
             <a:endParaRPr lang="ko-KR" altLang="en-US"/>
           </a:p>
@@ -1976,7 +1978,7 @@
           <a:p>
             <a:fld id="{67A46350-8085-47BA-B09D-FF4137AFE6B1}" type="datetimeFigureOut">
               <a:rPr lang="ko-KR" altLang="en-US" smtClean="0"/>
-              <a:t>2023-07-20</a:t>
+              <a:t>2023-07-23</a:t>
             </a:fld>
             <a:endParaRPr lang="ko-KR" altLang="en-US"/>
           </a:p>
@@ -2089,7 +2091,7 @@
           <a:p>
             <a:fld id="{67A46350-8085-47BA-B09D-FF4137AFE6B1}" type="datetimeFigureOut">
               <a:rPr lang="ko-KR" altLang="en-US" smtClean="0"/>
-              <a:t>2023-07-20</a:t>
+              <a:t>2023-07-23</a:t>
             </a:fld>
             <a:endParaRPr lang="ko-KR" altLang="en-US"/>
           </a:p>
@@ -2400,7 +2402,7 @@
           <a:p>
             <a:fld id="{67A46350-8085-47BA-B09D-FF4137AFE6B1}" type="datetimeFigureOut">
               <a:rPr lang="ko-KR" altLang="en-US" smtClean="0"/>
-              <a:t>2023-07-20</a:t>
+              <a:t>2023-07-23</a:t>
             </a:fld>
             <a:endParaRPr lang="ko-KR" altLang="en-US"/>
           </a:p>
@@ -2688,7 +2690,7 @@
           <a:p>
             <a:fld id="{67A46350-8085-47BA-B09D-FF4137AFE6B1}" type="datetimeFigureOut">
               <a:rPr lang="ko-KR" altLang="en-US" smtClean="0"/>
-              <a:t>2023-07-20</a:t>
+              <a:t>2023-07-23</a:t>
             </a:fld>
             <a:endParaRPr lang="ko-KR" altLang="en-US"/>
           </a:p>
@@ -2929,7 +2931,7 @@
           <a:p>
             <a:fld id="{67A46350-8085-47BA-B09D-FF4137AFE6B1}" type="datetimeFigureOut">
               <a:rPr lang="ko-KR" altLang="en-US" smtClean="0"/>
-              <a:t>2023-07-20</a:t>
+              <a:t>2023-07-23</a:t>
             </a:fld>
             <a:endParaRPr lang="ko-KR" altLang="en-US"/>
           </a:p>
@@ -4840,6 +4842,437 @@
           <a:chExt cx="0" cy="0"/>
         </a:xfrm>
       </p:grpSpPr>
+      <p:sp>
+        <p:nvSpPr>
+          <p:cNvPr id="4" name="Rectangle 1">
+            <a:extLst>
+              <a:ext uri="{FF2B5EF4-FFF2-40B4-BE49-F238E27FC236}">
+                <a16:creationId xmlns:a16="http://schemas.microsoft.com/office/drawing/2014/main" id="{8932D64E-A9F4-41D0-B205-522F9749E118}"/>
+              </a:ext>
+            </a:extLst>
+          </p:cNvPr>
+          <p:cNvSpPr>
+            <a:spLocks noChangeArrowheads="1"/>
+          </p:cNvSpPr>
+          <p:nvPr/>
+        </p:nvSpPr>
+        <p:spPr bwMode="auto">
+          <a:xfrm>
+            <a:off x="2313709" y="763387"/>
+            <a:ext cx="7564581" cy="4922517"/>
+          </a:xfrm>
+          <a:prstGeom prst="rect">
+            <a:avLst/>
+          </a:prstGeom>
+          <a:solidFill>
+            <a:srgbClr val="F2F2F2"/>
+          </a:solidFill>
+          <a:ln>
+            <a:noFill/>
+          </a:ln>
+          <a:effectLst/>
+          <a:extLst>
+            <a:ext uri="{91240B29-F687-4F45-9708-019B960494DF}">
+              <a14:hiddenLine xmlns:a14="http://schemas.microsoft.com/office/drawing/2010/main" w="9525">
+                <a:solidFill>
+                  <a:schemeClr val="tx1"/>
+                </a:solidFill>
+                <a:miter lim="800000"/>
+                <a:headEnd/>
+                <a:tailEnd/>
+              </a14:hiddenLine>
+            </a:ext>
+            <a:ext uri="{AF507438-7753-43E0-B8FC-AC1667EBCBE1}">
+              <a14:hiddenEffects xmlns:a14="http://schemas.microsoft.com/office/drawing/2010/main">
+                <a:effectLst>
+                  <a:outerShdw dist="35921" dir="2700000" algn="ctr" rotWithShape="0">
+                    <a:schemeClr val="bg2"/>
+                  </a:outerShdw>
+                </a:effectLst>
+              </a14:hiddenEffects>
+            </a:ext>
+          </a:extLst>
+        </p:spPr>
+        <p:txBody>
+          <a:bodyPr vert="horz" wrap="square" lIns="0" tIns="355488" rIns="0" bIns="0" numCol="1" anchor="ctr" anchorCtr="0" compatLnSpc="1">
+            <a:prstTxWarp prst="textNoShape">
+              <a:avLst/>
+            </a:prstTxWarp>
+            <a:spAutoFit/>
+          </a:bodyPr>
+          <a:lstStyle/>
+          <a:p>
+            <a:pPr marL="0" marR="0" lvl="0" indent="0" algn="l" defTabSz="914400" rtl="0" eaLnBrk="0" fontAlgn="base" latinLnBrk="0" hangingPunct="0">
+              <a:lnSpc>
+                <a:spcPct val="200000"/>
+              </a:lnSpc>
+              <a:spcBef>
+                <a:spcPct val="0"/>
+              </a:spcBef>
+              <a:spcAft>
+                <a:spcPct val="0"/>
+              </a:spcAft>
+              <a:buClrTx/>
+              <a:buSzTx/>
+              <a:buFontTx/>
+              <a:buNone/>
+              <a:tabLst/>
+            </a:pPr>
+            <a:r>
+              <a:rPr kumimoji="0" lang="ko-KR" altLang="ko-KR" sz="3200" b="1" i="0" u="none" strike="noStrike" cap="none" normalizeH="0" baseline="0" dirty="0">
+                <a:ln>
+                  <a:noFill/>
+                </a:ln>
+                <a:solidFill>
+                  <a:srgbClr val="242424"/>
+                </a:solidFill>
+                <a:effectLst/>
+                <a:latin typeface="Arial" panose="020B0604020202020204" pitchFamily="34" charset="0"/>
+                <a:ea typeface="sohne"/>
+              </a:rPr>
+              <a:t>LLM </a:t>
+            </a:r>
+            <a:r>
+              <a:rPr kumimoji="0" lang="ko-KR" altLang="ko-KR" sz="3200" b="1" i="0" u="none" strike="noStrike" cap="none" normalizeH="0" baseline="0" dirty="0" err="1">
+                <a:ln>
+                  <a:noFill/>
+                </a:ln>
+                <a:solidFill>
+                  <a:srgbClr val="242424"/>
+                </a:solidFill>
+                <a:effectLst/>
+                <a:latin typeface="Arial" panose="020B0604020202020204" pitchFamily="34" charset="0"/>
+                <a:ea typeface="sohne"/>
+              </a:rPr>
+              <a:t>Functionality</a:t>
+            </a:r>
+            <a:endParaRPr kumimoji="0" lang="en-US" altLang="ko-KR" sz="3200" b="1" i="0" u="none" strike="noStrike" cap="none" normalizeH="0" baseline="0" dirty="0">
+              <a:ln>
+                <a:noFill/>
+              </a:ln>
+              <a:solidFill>
+                <a:srgbClr val="242424"/>
+              </a:solidFill>
+              <a:effectLst/>
+              <a:latin typeface="Arial" panose="020B0604020202020204" pitchFamily="34" charset="0"/>
+              <a:ea typeface="sohne"/>
+            </a:endParaRPr>
+          </a:p>
+          <a:p>
+            <a:pPr lvl="2" eaLnBrk="0" fontAlgn="base" latinLnBrk="0" hangingPunct="0">
+              <a:lnSpc>
+                <a:spcPct val="200000"/>
+              </a:lnSpc>
+              <a:spcBef>
+                <a:spcPct val="0"/>
+              </a:spcBef>
+              <a:spcAft>
+                <a:spcPct val="0"/>
+              </a:spcAft>
+            </a:pPr>
+            <a:r>
+              <a:rPr kumimoji="0" lang="ko-KR" altLang="ko-KR" sz="2400" b="0" i="0" u="none" strike="noStrike" cap="none" normalizeH="0" baseline="0" dirty="0" err="1">
+                <a:ln>
+                  <a:noFill/>
+                </a:ln>
+                <a:solidFill>
+                  <a:srgbClr val="242424"/>
+                </a:solidFill>
+                <a:effectLst/>
+                <a:latin typeface="Arial Unicode MS"/>
+                <a:ea typeface="source-code-pro"/>
+              </a:rPr>
+              <a:t>Classification</a:t>
+            </a:r>
+            <a:r>
+              <a:rPr kumimoji="0" lang="ko-KR" altLang="ko-KR" sz="2400" b="0" i="0" u="none" strike="noStrike" cap="none" normalizeH="0" baseline="0" dirty="0">
+                <a:ln>
+                  <a:noFill/>
+                </a:ln>
+                <a:solidFill>
+                  <a:srgbClr val="242424"/>
+                </a:solidFill>
+                <a:effectLst/>
+                <a:latin typeface="Arial Unicode MS"/>
+                <a:ea typeface="source-code-pro"/>
+              </a:rPr>
+              <a:t> </a:t>
+            </a:r>
+            <a:br>
+              <a:rPr kumimoji="0" lang="ko-KR" altLang="ko-KR" sz="2400" b="0" i="0" u="none" strike="noStrike" cap="none" normalizeH="0" baseline="0" dirty="0">
+                <a:ln>
+                  <a:noFill/>
+                </a:ln>
+                <a:solidFill>
+                  <a:srgbClr val="242424"/>
+                </a:solidFill>
+                <a:effectLst/>
+                <a:latin typeface="Arial Unicode MS"/>
+                <a:ea typeface="source-code-pro"/>
+              </a:rPr>
+            </a:br>
+            <a:r>
+              <a:rPr kumimoji="0" lang="ko-KR" altLang="ko-KR" sz="2400" b="0" i="0" u="none" strike="noStrike" cap="none" normalizeH="0" baseline="0" dirty="0" err="1">
+                <a:ln>
+                  <a:noFill/>
+                </a:ln>
+                <a:solidFill>
+                  <a:srgbClr val="242424"/>
+                </a:solidFill>
+                <a:effectLst/>
+                <a:latin typeface="Arial Unicode MS"/>
+                <a:ea typeface="source-code-pro"/>
+              </a:rPr>
+              <a:t>Response</a:t>
+            </a:r>
+            <a:r>
+              <a:rPr kumimoji="0" lang="ko-KR" altLang="ko-KR" sz="2400" b="0" i="0" u="none" strike="noStrike" cap="none" normalizeH="0" baseline="0" dirty="0">
+                <a:ln>
+                  <a:noFill/>
+                </a:ln>
+                <a:solidFill>
+                  <a:srgbClr val="242424"/>
+                </a:solidFill>
+                <a:effectLst/>
+                <a:latin typeface="Arial Unicode MS"/>
+                <a:ea typeface="source-code-pro"/>
+              </a:rPr>
+              <a:t> </a:t>
+            </a:r>
+            <a:r>
+              <a:rPr kumimoji="0" lang="ko-KR" altLang="ko-KR" sz="2400" b="0" i="0" u="none" strike="noStrike" cap="none" normalizeH="0" baseline="0" dirty="0" err="1">
+                <a:ln>
+                  <a:noFill/>
+                </a:ln>
+                <a:solidFill>
+                  <a:srgbClr val="242424"/>
+                </a:solidFill>
+                <a:effectLst/>
+                <a:latin typeface="Arial Unicode MS"/>
+                <a:ea typeface="source-code-pro"/>
+              </a:rPr>
+              <a:t>Generation</a:t>
+            </a:r>
+            <a:r>
+              <a:rPr kumimoji="0" lang="ko-KR" altLang="ko-KR" sz="2400" b="0" i="0" u="none" strike="noStrike" cap="none" normalizeH="0" baseline="0" dirty="0">
+                <a:ln>
+                  <a:noFill/>
+                </a:ln>
+                <a:solidFill>
+                  <a:srgbClr val="242424"/>
+                </a:solidFill>
+                <a:effectLst/>
+                <a:latin typeface="Arial Unicode MS"/>
+                <a:ea typeface="source-code-pro"/>
+              </a:rPr>
+              <a:t> </a:t>
+            </a:r>
+            <a:br>
+              <a:rPr kumimoji="0" lang="ko-KR" altLang="ko-KR" sz="2400" b="0" i="0" u="none" strike="noStrike" cap="none" normalizeH="0" baseline="0" dirty="0">
+                <a:ln>
+                  <a:noFill/>
+                </a:ln>
+                <a:solidFill>
+                  <a:srgbClr val="242424"/>
+                </a:solidFill>
+                <a:effectLst/>
+                <a:latin typeface="Arial Unicode MS"/>
+                <a:ea typeface="source-code-pro"/>
+              </a:rPr>
+            </a:br>
+            <a:r>
+              <a:rPr kumimoji="0" lang="ko-KR" altLang="ko-KR" sz="2400" b="0" i="0" u="none" strike="noStrike" cap="none" normalizeH="0" baseline="0" dirty="0" err="1">
+                <a:ln>
+                  <a:noFill/>
+                </a:ln>
+                <a:solidFill>
+                  <a:srgbClr val="242424"/>
+                </a:solidFill>
+                <a:effectLst/>
+                <a:latin typeface="Arial Unicode MS"/>
+                <a:ea typeface="source-code-pro"/>
+              </a:rPr>
+              <a:t>Text</a:t>
+            </a:r>
+            <a:r>
+              <a:rPr kumimoji="0" lang="ko-KR" altLang="ko-KR" sz="2400" b="0" i="0" u="none" strike="noStrike" cap="none" normalizeH="0" baseline="0" dirty="0">
+                <a:ln>
+                  <a:noFill/>
+                </a:ln>
+                <a:solidFill>
+                  <a:srgbClr val="242424"/>
+                </a:solidFill>
+                <a:effectLst/>
+                <a:latin typeface="Arial Unicode MS"/>
+                <a:ea typeface="source-code-pro"/>
+              </a:rPr>
+              <a:t> </a:t>
+            </a:r>
+            <a:r>
+              <a:rPr kumimoji="0" lang="ko-KR" altLang="ko-KR" sz="2400" b="0" i="0" u="none" strike="noStrike" cap="none" normalizeH="0" baseline="0" dirty="0" err="1">
+                <a:ln>
+                  <a:noFill/>
+                </a:ln>
+                <a:solidFill>
+                  <a:srgbClr val="242424"/>
+                </a:solidFill>
+                <a:effectLst/>
+                <a:latin typeface="Arial Unicode MS"/>
+                <a:ea typeface="source-code-pro"/>
+              </a:rPr>
+              <a:t>Generation</a:t>
+            </a:r>
+            <a:br>
+              <a:rPr kumimoji="0" lang="ko-KR" altLang="ko-KR" sz="2400" b="0" i="0" u="none" strike="noStrike" cap="none" normalizeH="0" baseline="0" dirty="0">
+                <a:ln>
+                  <a:noFill/>
+                </a:ln>
+                <a:solidFill>
+                  <a:srgbClr val="242424"/>
+                </a:solidFill>
+                <a:effectLst/>
+                <a:latin typeface="Arial Unicode MS"/>
+                <a:ea typeface="source-code-pro"/>
+              </a:rPr>
+            </a:br>
+            <a:r>
+              <a:rPr kumimoji="0" lang="ko-KR" altLang="ko-KR" sz="2400" b="0" i="0" u="none" strike="noStrike" cap="none" normalizeH="0" baseline="0" dirty="0" err="1">
+                <a:ln>
+                  <a:noFill/>
+                </a:ln>
+                <a:solidFill>
+                  <a:srgbClr val="242424"/>
+                </a:solidFill>
+                <a:effectLst/>
+                <a:latin typeface="Arial Unicode MS"/>
+                <a:ea typeface="source-code-pro"/>
+              </a:rPr>
+              <a:t>Translation</a:t>
+            </a:r>
+            <a:r>
+              <a:rPr kumimoji="0" lang="ko-KR" altLang="ko-KR" sz="2400" b="0" i="0" u="none" strike="noStrike" cap="none" normalizeH="0" baseline="0" dirty="0">
+                <a:ln>
+                  <a:noFill/>
+                </a:ln>
+                <a:solidFill>
+                  <a:srgbClr val="242424"/>
+                </a:solidFill>
+                <a:effectLst/>
+                <a:latin typeface="Arial Unicode MS"/>
+                <a:ea typeface="source-code-pro"/>
+              </a:rPr>
+              <a:t> </a:t>
+            </a:r>
+            <a:br>
+              <a:rPr kumimoji="0" lang="ko-KR" altLang="ko-KR" sz="2400" b="0" i="0" u="none" strike="noStrike" cap="none" normalizeH="0" baseline="0" dirty="0">
+                <a:ln>
+                  <a:noFill/>
+                </a:ln>
+                <a:solidFill>
+                  <a:srgbClr val="242424"/>
+                </a:solidFill>
+                <a:effectLst/>
+                <a:latin typeface="Arial Unicode MS"/>
+                <a:ea typeface="source-code-pro"/>
+              </a:rPr>
+            </a:br>
+            <a:r>
+              <a:rPr kumimoji="0" lang="ko-KR" altLang="ko-KR" sz="2400" b="0" i="0" u="none" strike="noStrike" cap="none" normalizeH="0" baseline="0" dirty="0" err="1">
+                <a:ln>
+                  <a:noFill/>
+                </a:ln>
+                <a:solidFill>
+                  <a:srgbClr val="242424"/>
+                </a:solidFill>
+                <a:effectLst/>
+                <a:latin typeface="Arial Unicode MS"/>
+                <a:ea typeface="source-code-pro"/>
+              </a:rPr>
+              <a:t>Knowledge</a:t>
+            </a:r>
+            <a:r>
+              <a:rPr kumimoji="0" lang="ko-KR" altLang="ko-KR" sz="2400" b="0" i="0" u="none" strike="noStrike" cap="none" normalizeH="0" baseline="0" dirty="0">
+                <a:ln>
+                  <a:noFill/>
+                </a:ln>
+                <a:solidFill>
+                  <a:srgbClr val="242424"/>
+                </a:solidFill>
+                <a:effectLst/>
+                <a:latin typeface="Arial Unicode MS"/>
+                <a:ea typeface="source-code-pro"/>
+              </a:rPr>
+              <a:t> </a:t>
+            </a:r>
+            <a:r>
+              <a:rPr kumimoji="0" lang="ko-KR" altLang="ko-KR" sz="2400" b="0" i="0" u="none" strike="noStrike" cap="none" normalizeH="0" baseline="0" dirty="0" err="1">
+                <a:ln>
+                  <a:noFill/>
+                </a:ln>
+                <a:solidFill>
+                  <a:srgbClr val="242424"/>
+                </a:solidFill>
+                <a:effectLst/>
+                <a:latin typeface="Arial Unicode MS"/>
+                <a:ea typeface="source-code-pro"/>
+              </a:rPr>
+              <a:t>Answering</a:t>
+            </a:r>
+            <a:r>
+              <a:rPr kumimoji="0" lang="ko-KR" altLang="ko-KR" sz="1200" b="0" i="0" u="none" strike="noStrike" cap="none" normalizeH="0" baseline="0" dirty="0">
+                <a:ln>
+                  <a:noFill/>
+                </a:ln>
+                <a:solidFill>
+                  <a:schemeClr val="tx1"/>
+                </a:solidFill>
+                <a:effectLst/>
+              </a:rPr>
+              <a:t> </a:t>
+            </a:r>
+            <a:endParaRPr kumimoji="0" lang="ko-KR" altLang="ko-KR" sz="3600" b="0" i="0" u="none" strike="noStrike" cap="none" normalizeH="0" baseline="0" dirty="0">
+              <a:ln>
+                <a:noFill/>
+              </a:ln>
+              <a:solidFill>
+                <a:schemeClr val="tx1"/>
+              </a:solidFill>
+              <a:effectLst/>
+              <a:latin typeface="Arial" panose="020B0604020202020204" pitchFamily="34" charset="0"/>
+            </a:endParaRPr>
+          </a:p>
+        </p:txBody>
+      </p:sp>
+    </p:spTree>
+    <p:extLst>
+      <p:ext uri="{BB962C8B-B14F-4D97-AF65-F5344CB8AC3E}">
+        <p14:creationId xmlns:p14="http://schemas.microsoft.com/office/powerpoint/2010/main" val="239208255"/>
+      </p:ext>
+    </p:extLst>
+  </p:cSld>
+  <p:clrMapOvr>
+    <a:masterClrMapping/>
+  </p:clrMapOvr>
+</p:sld>
+</file>
+
+<file path=ppt/slides/slide11.xml><?xml version="1.0" encoding="utf-8"?>
+<p:sld xmlns:a="http://schemas.openxmlformats.org/drawingml/2006/main" xmlns:r="http://schemas.openxmlformats.org/officeDocument/2006/relationships" xmlns:p="http://schemas.openxmlformats.org/presentationml/2006/main">
+  <p:cSld>
+    <p:spTree>
+      <p:nvGrpSpPr>
+        <p:cNvPr id="1" name=""/>
+        <p:cNvGrpSpPr/>
+        <p:nvPr/>
+      </p:nvGrpSpPr>
+      <p:grpSpPr>
+        <a:xfrm>
+          <a:off x="0" y="0"/>
+          <a:ext cx="0" cy="0"/>
+          <a:chOff x="0" y="0"/>
+          <a:chExt cx="0" cy="0"/>
+        </a:xfrm>
+      </p:grpSpPr>
       <p:pic>
         <p:nvPicPr>
           <p:cNvPr id="4" name="그림 3">
@@ -4944,7 +5377,7 @@
 </p:sld>
 </file>
 
-<file path=ppt/slides/slide11.xml><?xml version="1.0" encoding="utf-8"?>
+<file path=ppt/slides/slide12.xml><?xml version="1.0" encoding="utf-8"?>
 <p:sld xmlns:a="http://schemas.openxmlformats.org/drawingml/2006/main" xmlns:r="http://schemas.openxmlformats.org/officeDocument/2006/relationships" xmlns:p="http://schemas.openxmlformats.org/presentationml/2006/main">
   <p:cSld>
     <p:spTree>
@@ -5004,7 +5437,7 @@
 </p:sld>
 </file>
 
-<file path=ppt/slides/slide12.xml><?xml version="1.0" encoding="utf-8"?>
+<file path=ppt/slides/slide13.xml><?xml version="1.0" encoding="utf-8"?>
 <p:sld xmlns:a="http://schemas.openxmlformats.org/drawingml/2006/main" xmlns:r="http://schemas.openxmlformats.org/officeDocument/2006/relationships" xmlns:p="http://schemas.openxmlformats.org/presentationml/2006/main">
   <p:cSld>
     <p:spTree>
@@ -5154,7 +5587,7 @@
 </p:sld>
 </file>
 
-<file path=ppt/slides/slide13.xml><?xml version="1.0" encoding="utf-8"?>
+<file path=ppt/slides/slide14.xml><?xml version="1.0" encoding="utf-8"?>
 <p:sld xmlns:a="http://schemas.openxmlformats.org/drawingml/2006/main" xmlns:r="http://schemas.openxmlformats.org/officeDocument/2006/relationships" xmlns:p="http://schemas.openxmlformats.org/presentationml/2006/main">
   <p:cSld>
     <p:spTree>
@@ -6063,10 +6496,34 @@
                     <a:p>
                       <a:pPr rtl="0" fontAlgn="b"/>
                       <a:r>
-                        <a:rPr lang="en-US" sz="1100">
+                        <a:rPr lang="en-US" sz="1100" dirty="0">
                           <a:effectLst/>
                         </a:rPr>
-                        <a:t>Alex Krizhevsky et al. introduce AlexNet, a convolutional neural network that achieves state-of-the-art results on the ImageNet dataset.</a:t>
+                        <a:t>Alex </a:t>
+                      </a:r>
+                      <a:r>
+                        <a:rPr lang="en-US" sz="1100" dirty="0" err="1">
+                          <a:effectLst/>
+                        </a:rPr>
+                        <a:t>Krizhevsky</a:t>
+                      </a:r>
+                      <a:r>
+                        <a:rPr lang="en-US" sz="1100" dirty="0">
+                          <a:effectLst/>
+                        </a:rPr>
+                        <a:t> et al. introduce </a:t>
+                      </a:r>
+                      <a:r>
+                        <a:rPr lang="en-US" sz="1100" dirty="0" err="1">
+                          <a:effectLst/>
+                        </a:rPr>
+                        <a:t>AlexNet</a:t>
+                      </a:r>
+                      <a:r>
+                        <a:rPr lang="en-US" sz="1100" dirty="0">
+                          <a:effectLst/>
+                        </a:rPr>
+                        <a:t>, a convolutional neural network that achieves state-of-the-art results on the ImageNet dataset.</a:t>
                       </a:r>
                     </a:p>
                   </a:txBody>
@@ -6646,7 +7103,134 @@
 </p:sld>
 </file>
 
-<file path=ppt/slides/slide14.xml><?xml version="1.0" encoding="utf-8"?>
+<file path=ppt/slides/slide15.xml><?xml version="1.0" encoding="utf-8"?>
+<p:sld xmlns:a="http://schemas.openxmlformats.org/drawingml/2006/main" xmlns:r="http://schemas.openxmlformats.org/officeDocument/2006/relationships" xmlns:p="http://schemas.openxmlformats.org/presentationml/2006/main">
+  <p:cSld>
+    <p:spTree>
+      <p:nvGrpSpPr>
+        <p:cNvPr id="1" name=""/>
+        <p:cNvGrpSpPr/>
+        <p:nvPr/>
+      </p:nvGrpSpPr>
+      <p:grpSpPr>
+        <a:xfrm>
+          <a:off x="0" y="0"/>
+          <a:ext cx="0" cy="0"/>
+          <a:chOff x="0" y="0"/>
+          <a:chExt cx="0" cy="0"/>
+        </a:xfrm>
+      </p:grpSpPr>
+      <p:sp>
+        <p:nvSpPr>
+          <p:cNvPr id="2" name="제목 1">
+            <a:extLst>
+              <a:ext uri="{FF2B5EF4-FFF2-40B4-BE49-F238E27FC236}">
+                <a16:creationId xmlns:a16="http://schemas.microsoft.com/office/drawing/2014/main" id="{0ADC0650-FEAF-4A1F-B0B4-5F773500C4F9}"/>
+              </a:ext>
+            </a:extLst>
+          </p:cNvPr>
+          <p:cNvSpPr>
+            <a:spLocks noGrp="1"/>
+          </p:cNvSpPr>
+          <p:nvPr>
+            <p:ph type="title"/>
+          </p:nvPr>
+        </p:nvSpPr>
+        <p:spPr/>
+        <p:txBody>
+          <a:bodyPr>
+            <a:noAutofit/>
+          </a:bodyPr>
+          <a:lstStyle/>
+          <a:p>
+            <a:pPr algn="ctr"/>
+            <a:r>
+              <a:rPr lang="en-US" altLang="ko-KR" sz="2400" dirty="0"/>
+              <a:t>Alex </a:t>
+            </a:r>
+            <a:r>
+              <a:rPr lang="en-US" altLang="ko-KR" sz="2400" dirty="0" err="1"/>
+              <a:t>Krizhevsky</a:t>
+            </a:r>
+            <a:r>
+              <a:rPr lang="en-US" altLang="ko-KR" sz="2400" dirty="0"/>
+              <a:t> et al. introduce </a:t>
+            </a:r>
+            <a:r>
+              <a:rPr lang="en-US" altLang="ko-KR" sz="2400" dirty="0" err="1"/>
+              <a:t>AlexNet</a:t>
+            </a:r>
+            <a:r>
+              <a:rPr lang="en-US" altLang="ko-KR" sz="2400" dirty="0"/>
+              <a:t>, a convolutional neural network that achieves state-of-the-art results on the ImageNet dataset. 2012</a:t>
+            </a:r>
+            <a:endParaRPr lang="ko-KR" altLang="en-US" sz="2400" dirty="0"/>
+          </a:p>
+        </p:txBody>
+      </p:sp>
+      <p:pic>
+        <p:nvPicPr>
+          <p:cNvPr id="1026" name="Picture 2" descr="Traffic Sign Detection using Convolutional Neural Network | by Sanket Doshi  | Towards Data Science">
+            <a:extLst>
+              <a:ext uri="{FF2B5EF4-FFF2-40B4-BE49-F238E27FC236}">
+                <a16:creationId xmlns:a16="http://schemas.microsoft.com/office/drawing/2014/main" id="{52D44E37-A18C-4516-9964-7924BAE1AEC8}"/>
+              </a:ext>
+            </a:extLst>
+          </p:cNvPr>
+          <p:cNvPicPr>
+            <a:picLocks noGrp="1" noChangeAspect="1" noChangeArrowheads="1"/>
+          </p:cNvPicPr>
+          <p:nvPr>
+            <p:ph idx="1"/>
+          </p:nvPr>
+        </p:nvPicPr>
+        <p:blipFill>
+          <a:blip r:embed="rId2">
+            <a:extLst>
+              <a:ext uri="{28A0092B-C50C-407E-A947-70E740481C1C}">
+                <a14:useLocalDpi xmlns:a14="http://schemas.microsoft.com/office/drawing/2010/main" val="0"/>
+              </a:ext>
+            </a:extLst>
+          </a:blip>
+          <a:srcRect/>
+          <a:stretch>
+            <a:fillRect/>
+          </a:stretch>
+        </p:blipFill>
+        <p:spPr bwMode="auto">
+          <a:xfrm>
+            <a:off x="1657350" y="1899444"/>
+            <a:ext cx="8877300" cy="4203700"/>
+          </a:xfrm>
+          <a:prstGeom prst="rect">
+            <a:avLst/>
+          </a:prstGeom>
+          <a:noFill/>
+          <a:extLst>
+            <a:ext uri="{909E8E84-426E-40DD-AFC4-6F175D3DCCD1}">
+              <a14:hiddenFill xmlns:a14="http://schemas.microsoft.com/office/drawing/2010/main">
+                <a:solidFill>
+                  <a:srgbClr val="FFFFFF"/>
+                </a:solidFill>
+              </a14:hiddenFill>
+            </a:ext>
+          </a:extLst>
+        </p:spPr>
+      </p:pic>
+    </p:spTree>
+    <p:extLst>
+      <p:ext uri="{BB962C8B-B14F-4D97-AF65-F5344CB8AC3E}">
+        <p14:creationId xmlns:p14="http://schemas.microsoft.com/office/powerpoint/2010/main" val="1820116819"/>
+      </p:ext>
+    </p:extLst>
+  </p:cSld>
+  <p:clrMapOvr>
+    <a:masterClrMapping/>
+  </p:clrMapOvr>
+</p:sld>
+</file>
+
+<file path=ppt/slides/slide16.xml><?xml version="1.0" encoding="utf-8"?>
 <p:sld xmlns:a="http://schemas.openxmlformats.org/drawingml/2006/main" xmlns:r="http://schemas.openxmlformats.org/officeDocument/2006/relationships" xmlns:p="http://schemas.openxmlformats.org/presentationml/2006/main">
   <p:cSld>
     <p:spTree>
@@ -7554,7 +8138,7 @@
 </p:sld>
 </file>
 
-<file path=ppt/slides/slide15.xml><?xml version="1.0" encoding="utf-8"?>
+<file path=ppt/slides/slide17.xml><?xml version="1.0" encoding="utf-8"?>
 <p:sld xmlns:a="http://schemas.openxmlformats.org/drawingml/2006/main" xmlns:r="http://schemas.openxmlformats.org/officeDocument/2006/relationships" xmlns:p="http://schemas.openxmlformats.org/presentationml/2006/main">
   <p:cSld>
     <p:spTree>
@@ -7810,7 +8394,7 @@
 </p:sld>
 </file>
 
-<file path=ppt/slides/slide16.xml><?xml version="1.0" encoding="utf-8"?>
+<file path=ppt/slides/slide18.xml><?xml version="1.0" encoding="utf-8"?>
 <p:sld xmlns:a="http://schemas.openxmlformats.org/drawingml/2006/main" xmlns:r="http://schemas.openxmlformats.org/officeDocument/2006/relationships" xmlns:p="http://schemas.openxmlformats.org/presentationml/2006/main">
   <p:cSld>
     <p:spTree>
@@ -7997,7 +8581,7 @@
 </p:sld>
 </file>
 
-<file path=ppt/slides/slide17.xml><?xml version="1.0" encoding="utf-8"?>
+<file path=ppt/slides/slide19.xml><?xml version="1.0" encoding="utf-8"?>
 <p:sld xmlns:a="http://schemas.openxmlformats.org/drawingml/2006/main" xmlns:r="http://schemas.openxmlformats.org/officeDocument/2006/relationships" xmlns:p="http://schemas.openxmlformats.org/presentationml/2006/main">
   <p:cSld>
     <p:spTree>
@@ -8239,7 +8823,2375 @@
 </p:sld>
 </file>
 
-<file path=ppt/slides/slide18.xml><?xml version="1.0" encoding="utf-8"?>
+<file path=ppt/slides/slide2.xml><?xml version="1.0" encoding="utf-8"?>
+<p:sld xmlns:a="http://schemas.openxmlformats.org/drawingml/2006/main" xmlns:r="http://schemas.openxmlformats.org/officeDocument/2006/relationships" xmlns:p="http://schemas.openxmlformats.org/presentationml/2006/main">
+  <p:cSld>
+    <p:spTree>
+      <p:nvGrpSpPr>
+        <p:cNvPr id="1" name=""/>
+        <p:cNvGrpSpPr/>
+        <p:nvPr/>
+      </p:nvGrpSpPr>
+      <p:grpSpPr>
+        <a:xfrm>
+          <a:off x="0" y="0"/>
+          <a:ext cx="0" cy="0"/>
+          <a:chOff x="0" y="0"/>
+          <a:chExt cx="0" cy="0"/>
+        </a:xfrm>
+      </p:grpSpPr>
+      <p:graphicFrame>
+        <p:nvGraphicFramePr>
+          <p:cNvPr id="4" name="표 3">
+            <a:extLst>
+              <a:ext uri="{FF2B5EF4-FFF2-40B4-BE49-F238E27FC236}">
+                <a16:creationId xmlns:a16="http://schemas.microsoft.com/office/drawing/2014/main" id="{914A705A-ED56-4200-8282-D85C44D6430E}"/>
+              </a:ext>
+            </a:extLst>
+          </p:cNvPr>
+          <p:cNvGraphicFramePr>
+            <a:graphicFrameLocks noGrp="1"/>
+          </p:cNvGraphicFramePr>
+          <p:nvPr>
+            <p:extLst>
+              <p:ext uri="{D42A27DB-BD31-4B8C-83A1-F6EECF244321}">
+                <p14:modId xmlns:p14="http://schemas.microsoft.com/office/powerpoint/2010/main" val="4018412295"/>
+              </p:ext>
+            </p:extLst>
+          </p:nvPr>
+        </p:nvGraphicFramePr>
+        <p:xfrm>
+          <a:off x="0" y="721453"/>
+          <a:ext cx="11518085" cy="5072058"/>
+        </p:xfrm>
+        <a:graphic>
+          <a:graphicData uri="http://schemas.openxmlformats.org/drawingml/2006/table">
+            <a:tbl>
+              <a:tblPr/>
+              <a:tblGrid>
+                <a:gridCol w="1172295">
+                  <a:extLst>
+                    <a:ext uri="{9D8B030D-6E8A-4147-A177-3AD203B41FA5}">
+                      <a16:colId xmlns:a16="http://schemas.microsoft.com/office/drawing/2014/main" val="1137814735"/>
+                    </a:ext>
+                  </a:extLst>
+                </a:gridCol>
+                <a:gridCol w="4431551">
+                  <a:extLst>
+                    <a:ext uri="{9D8B030D-6E8A-4147-A177-3AD203B41FA5}">
+                      <a16:colId xmlns:a16="http://schemas.microsoft.com/office/drawing/2014/main" val="3176395569"/>
+                    </a:ext>
+                  </a:extLst>
+                </a:gridCol>
+                <a:gridCol w="1283515">
+                  <a:extLst>
+                    <a:ext uri="{9D8B030D-6E8A-4147-A177-3AD203B41FA5}">
+                      <a16:colId xmlns:a16="http://schemas.microsoft.com/office/drawing/2014/main" val="3843725577"/>
+                    </a:ext>
+                  </a:extLst>
+                </a:gridCol>
+                <a:gridCol w="4630724">
+                  <a:extLst>
+                    <a:ext uri="{9D8B030D-6E8A-4147-A177-3AD203B41FA5}">
+                      <a16:colId xmlns:a16="http://schemas.microsoft.com/office/drawing/2014/main" val="211698420"/>
+                    </a:ext>
+                  </a:extLst>
+                </a:gridCol>
+              </a:tblGrid>
+              <a:tr h="271112">
+                <a:tc>
+                  <a:txBody>
+                    <a:bodyPr/>
+                    <a:lstStyle/>
+                    <a:p>
+                      <a:pPr algn="ctr" rtl="0" fontAlgn="b"/>
+                      <a:r>
+                        <a:rPr lang="en-US" sz="600" dirty="0">
+                          <a:effectLst/>
+                        </a:rPr>
+                        <a:t>Year</a:t>
+                      </a:r>
+                    </a:p>
+                  </a:txBody>
+                  <a:tcPr marL="21014" marR="21014" marT="14009" marB="14009" anchor="b">
+                    <a:lnL w="9525" cap="flat" cmpd="sng" algn="ctr">
+                      <a:solidFill>
+                        <a:srgbClr val="CCCCCC"/>
+                      </a:solidFill>
+                      <a:prstDash val="solid"/>
+                      <a:round/>
+                      <a:headEnd type="none" w="med" len="med"/>
+                      <a:tailEnd type="none" w="med" len="med"/>
+                    </a:lnL>
+                    <a:lnR w="9525" cap="flat" cmpd="sng" algn="ctr">
+                      <a:solidFill>
+                        <a:srgbClr val="CCCCCC"/>
+                      </a:solidFill>
+                      <a:prstDash val="solid"/>
+                      <a:round/>
+                      <a:headEnd type="none" w="med" len="med"/>
+                      <a:tailEnd type="none" w="med" len="med"/>
+                    </a:lnR>
+                    <a:lnT w="9525" cap="flat" cmpd="sng" algn="ctr">
+                      <a:solidFill>
+                        <a:srgbClr val="CCCCCC"/>
+                      </a:solidFill>
+                      <a:prstDash val="solid"/>
+                      <a:round/>
+                      <a:headEnd type="none" w="med" len="med"/>
+                      <a:tailEnd type="none" w="med" len="med"/>
+                    </a:lnT>
+                    <a:lnB w="9525" cap="flat" cmpd="sng" algn="ctr">
+                      <a:solidFill>
+                        <a:srgbClr val="CCCCCC"/>
+                      </a:solidFill>
+                      <a:prstDash val="solid"/>
+                      <a:round/>
+                      <a:headEnd type="none" w="med" len="med"/>
+                      <a:tailEnd type="none" w="med" len="med"/>
+                    </a:lnB>
+                  </a:tcPr>
+                </a:tc>
+                <a:tc>
+                  <a:txBody>
+                    <a:bodyPr/>
+                    <a:lstStyle/>
+                    <a:p>
+                      <a:pPr algn="ctr" rtl="0" fontAlgn="b"/>
+                      <a:r>
+                        <a:rPr lang="en-US" sz="600">
+                          <a:effectLst/>
+                        </a:rPr>
+                        <a:t>LLM</a:t>
+                      </a:r>
+                    </a:p>
+                  </a:txBody>
+                  <a:tcPr marL="21014" marR="21014" marT="14009" marB="14009" anchor="b">
+                    <a:lnL w="9525" cap="flat" cmpd="sng" algn="ctr">
+                      <a:solidFill>
+                        <a:srgbClr val="CCCCCC"/>
+                      </a:solidFill>
+                      <a:prstDash val="solid"/>
+                      <a:round/>
+                      <a:headEnd type="none" w="med" len="med"/>
+                      <a:tailEnd type="none" w="med" len="med"/>
+                    </a:lnL>
+                    <a:lnR w="9525" cap="flat" cmpd="sng" algn="ctr">
+                      <a:solidFill>
+                        <a:srgbClr val="CCCCCC"/>
+                      </a:solidFill>
+                      <a:prstDash val="solid"/>
+                      <a:round/>
+                      <a:headEnd type="none" w="med" len="med"/>
+                      <a:tailEnd type="none" w="med" len="med"/>
+                    </a:lnR>
+                    <a:lnT w="9525" cap="flat" cmpd="sng" algn="ctr">
+                      <a:solidFill>
+                        <a:srgbClr val="CCCCCC"/>
+                      </a:solidFill>
+                      <a:prstDash val="solid"/>
+                      <a:round/>
+                      <a:headEnd type="none" w="med" len="med"/>
+                      <a:tailEnd type="none" w="med" len="med"/>
+                    </a:lnT>
+                    <a:lnB w="9525" cap="flat" cmpd="sng" algn="ctr">
+                      <a:solidFill>
+                        <a:srgbClr val="CCCCCC"/>
+                      </a:solidFill>
+                      <a:prstDash val="solid"/>
+                      <a:round/>
+                      <a:headEnd type="none" w="med" len="med"/>
+                      <a:tailEnd type="none" w="med" len="med"/>
+                    </a:lnB>
+                  </a:tcPr>
+                </a:tc>
+                <a:tc>
+                  <a:txBody>
+                    <a:bodyPr/>
+                    <a:lstStyle/>
+                    <a:p>
+                      <a:pPr algn="r" rtl="0" fontAlgn="b"/>
+                      <a:r>
+                        <a:rPr lang="en-US" sz="600">
+                          <a:effectLst/>
+                        </a:rPr>
+                        <a:t>Model size</a:t>
+                      </a:r>
+                    </a:p>
+                  </a:txBody>
+                  <a:tcPr marL="21014" marR="21014" marT="14009" marB="14009" anchor="b">
+                    <a:lnL w="9525" cap="flat" cmpd="sng" algn="ctr">
+                      <a:solidFill>
+                        <a:srgbClr val="CCCCCC"/>
+                      </a:solidFill>
+                      <a:prstDash val="solid"/>
+                      <a:round/>
+                      <a:headEnd type="none" w="med" len="med"/>
+                      <a:tailEnd type="none" w="med" len="med"/>
+                    </a:lnL>
+                    <a:lnR w="9525" cap="flat" cmpd="sng" algn="ctr">
+                      <a:solidFill>
+                        <a:srgbClr val="CCCCCC"/>
+                      </a:solidFill>
+                      <a:prstDash val="solid"/>
+                      <a:round/>
+                      <a:headEnd type="none" w="med" len="med"/>
+                      <a:tailEnd type="none" w="med" len="med"/>
+                    </a:lnR>
+                    <a:lnT w="9525" cap="flat" cmpd="sng" algn="ctr">
+                      <a:solidFill>
+                        <a:srgbClr val="CCCCCC"/>
+                      </a:solidFill>
+                      <a:prstDash val="solid"/>
+                      <a:round/>
+                      <a:headEnd type="none" w="med" len="med"/>
+                      <a:tailEnd type="none" w="med" len="med"/>
+                    </a:lnT>
+                    <a:lnB w="9525" cap="flat" cmpd="sng" algn="ctr">
+                      <a:solidFill>
+                        <a:srgbClr val="CCCCCC"/>
+                      </a:solidFill>
+                      <a:prstDash val="solid"/>
+                      <a:round/>
+                      <a:headEnd type="none" w="med" len="med"/>
+                      <a:tailEnd type="none" w="med" len="med"/>
+                    </a:lnB>
+                  </a:tcPr>
+                </a:tc>
+                <a:tc>
+                  <a:txBody>
+                    <a:bodyPr/>
+                    <a:lstStyle/>
+                    <a:p>
+                      <a:pPr algn="r" rtl="0" fontAlgn="b"/>
+                      <a:r>
+                        <a:rPr lang="en-US" sz="600" dirty="0">
+                          <a:effectLst/>
+                        </a:rPr>
+                        <a:t>Training data</a:t>
+                      </a:r>
+                    </a:p>
+                  </a:txBody>
+                  <a:tcPr marL="21014" marR="21014" marT="14009" marB="14009" anchor="b">
+                    <a:lnL w="9525" cap="flat" cmpd="sng" algn="ctr">
+                      <a:solidFill>
+                        <a:srgbClr val="CCCCCC"/>
+                      </a:solidFill>
+                      <a:prstDash val="solid"/>
+                      <a:round/>
+                      <a:headEnd type="none" w="med" len="med"/>
+                      <a:tailEnd type="none" w="med" len="med"/>
+                    </a:lnL>
+                    <a:lnR w="9525" cap="flat" cmpd="sng" algn="ctr">
+                      <a:solidFill>
+                        <a:srgbClr val="CCCCCC"/>
+                      </a:solidFill>
+                      <a:prstDash val="solid"/>
+                      <a:round/>
+                      <a:headEnd type="none" w="med" len="med"/>
+                      <a:tailEnd type="none" w="med" len="med"/>
+                    </a:lnR>
+                    <a:lnT w="9525" cap="flat" cmpd="sng" algn="ctr">
+                      <a:solidFill>
+                        <a:srgbClr val="CCCCCC"/>
+                      </a:solidFill>
+                      <a:prstDash val="solid"/>
+                      <a:round/>
+                      <a:headEnd type="none" w="med" len="med"/>
+                      <a:tailEnd type="none" w="med" len="med"/>
+                    </a:lnT>
+                    <a:lnB w="9525" cap="flat" cmpd="sng" algn="ctr">
+                      <a:solidFill>
+                        <a:srgbClr val="CCCCCC"/>
+                      </a:solidFill>
+                      <a:prstDash val="solid"/>
+                      <a:round/>
+                      <a:headEnd type="none" w="med" len="med"/>
+                      <a:tailEnd type="none" w="med" len="med"/>
+                    </a:lnB>
+                  </a:tcPr>
+                </a:tc>
+                <a:extLst>
+                  <a:ext uri="{0D108BD9-81ED-4DB2-BD59-A6C34878D82A}">
+                    <a16:rowId xmlns:a16="http://schemas.microsoft.com/office/drawing/2014/main" val="2207082447"/>
+                  </a:ext>
+                </a:extLst>
+              </a:tr>
+              <a:tr h="470916">
+                <a:tc>
+                  <a:txBody>
+                    <a:bodyPr/>
+                    <a:lstStyle/>
+                    <a:p>
+                      <a:pPr algn="ctr" rtl="0" fontAlgn="b"/>
+                      <a:r>
+                        <a:rPr lang="en-US" altLang="ko-KR" sz="2000" dirty="0">
+                          <a:effectLst/>
+                        </a:rPr>
+                        <a:t>2011</a:t>
+                      </a:r>
+                    </a:p>
+                  </a:txBody>
+                  <a:tcPr marL="21014" marR="21014" marT="14009" marB="14009" anchor="b">
+                    <a:lnL w="9525" cap="flat" cmpd="sng" algn="ctr">
+                      <a:solidFill>
+                        <a:srgbClr val="CCCCCC"/>
+                      </a:solidFill>
+                      <a:prstDash val="solid"/>
+                      <a:round/>
+                      <a:headEnd type="none" w="med" len="med"/>
+                      <a:tailEnd type="none" w="med" len="med"/>
+                    </a:lnL>
+                    <a:lnR w="9525" cap="flat" cmpd="sng" algn="ctr">
+                      <a:solidFill>
+                        <a:srgbClr val="CCCCCC"/>
+                      </a:solidFill>
+                      <a:prstDash val="solid"/>
+                      <a:round/>
+                      <a:headEnd type="none" w="med" len="med"/>
+                      <a:tailEnd type="none" w="med" len="med"/>
+                    </a:lnR>
+                    <a:lnT w="9525" cap="flat" cmpd="sng" algn="ctr">
+                      <a:solidFill>
+                        <a:srgbClr val="CCCCCC"/>
+                      </a:solidFill>
+                      <a:prstDash val="solid"/>
+                      <a:round/>
+                      <a:headEnd type="none" w="med" len="med"/>
+                      <a:tailEnd type="none" w="med" len="med"/>
+                    </a:lnT>
+                    <a:lnB w="9525" cap="flat" cmpd="sng" algn="ctr">
+                      <a:solidFill>
+                        <a:srgbClr val="CCCCCC"/>
+                      </a:solidFill>
+                      <a:prstDash val="solid"/>
+                      <a:round/>
+                      <a:headEnd type="none" w="med" len="med"/>
+                      <a:tailEnd type="none" w="med" len="med"/>
+                    </a:lnB>
+                  </a:tcPr>
+                </a:tc>
+                <a:tc>
+                  <a:txBody>
+                    <a:bodyPr/>
+                    <a:lstStyle/>
+                    <a:p>
+                      <a:pPr algn="ctr" rtl="0" fontAlgn="b"/>
+                      <a:r>
+                        <a:rPr lang="en-US" sz="1600" dirty="0">
+                          <a:effectLst/>
+                        </a:rPr>
+                        <a:t>Recursive Neural Tensor Network</a:t>
+                      </a:r>
+                      <a:br>
+                        <a:rPr lang="en-US" sz="1600" dirty="0">
+                          <a:effectLst/>
+                        </a:rPr>
+                      </a:br>
+                      <a:r>
+                        <a:rPr lang="en-US" sz="1600" dirty="0">
+                          <a:effectLst/>
+                        </a:rPr>
+                        <a:t> (RNTN)</a:t>
+                      </a:r>
+                    </a:p>
+                  </a:txBody>
+                  <a:tcPr marL="21014" marR="21014" marT="14009" marB="14009" anchor="b">
+                    <a:lnL w="9525" cap="flat" cmpd="sng" algn="ctr">
+                      <a:solidFill>
+                        <a:srgbClr val="CCCCCC"/>
+                      </a:solidFill>
+                      <a:prstDash val="solid"/>
+                      <a:round/>
+                      <a:headEnd type="none" w="med" len="med"/>
+                      <a:tailEnd type="none" w="med" len="med"/>
+                    </a:lnL>
+                    <a:lnR w="9525" cap="flat" cmpd="sng" algn="ctr">
+                      <a:solidFill>
+                        <a:srgbClr val="CCCCCC"/>
+                      </a:solidFill>
+                      <a:prstDash val="solid"/>
+                      <a:round/>
+                      <a:headEnd type="none" w="med" len="med"/>
+                      <a:tailEnd type="none" w="med" len="med"/>
+                    </a:lnR>
+                    <a:lnT w="9525" cap="flat" cmpd="sng" algn="ctr">
+                      <a:solidFill>
+                        <a:srgbClr val="CCCCCC"/>
+                      </a:solidFill>
+                      <a:prstDash val="solid"/>
+                      <a:round/>
+                      <a:headEnd type="none" w="med" len="med"/>
+                      <a:tailEnd type="none" w="med" len="med"/>
+                    </a:lnT>
+                    <a:lnB w="9525" cap="flat" cmpd="sng" algn="ctr">
+                      <a:solidFill>
+                        <a:srgbClr val="CCCCCC"/>
+                      </a:solidFill>
+                      <a:prstDash val="solid"/>
+                      <a:round/>
+                      <a:headEnd type="none" w="med" len="med"/>
+                      <a:tailEnd type="none" w="med" len="med"/>
+                    </a:lnB>
+                  </a:tcPr>
+                </a:tc>
+                <a:tc>
+                  <a:txBody>
+                    <a:bodyPr/>
+                    <a:lstStyle/>
+                    <a:p>
+                      <a:pPr algn="r" rtl="0" fontAlgn="b"/>
+                      <a:r>
+                        <a:rPr lang="en-US" sz="500" dirty="0">
+                          <a:effectLst/>
+                        </a:rPr>
+                        <a:t>1.6M </a:t>
+                      </a:r>
+                    </a:p>
+                  </a:txBody>
+                  <a:tcPr marL="21014" marR="21014" marT="14009" marB="14009" anchor="b">
+                    <a:lnL w="9525" cap="flat" cmpd="sng" algn="ctr">
+                      <a:solidFill>
+                        <a:srgbClr val="CCCCCC"/>
+                      </a:solidFill>
+                      <a:prstDash val="solid"/>
+                      <a:round/>
+                      <a:headEnd type="none" w="med" len="med"/>
+                      <a:tailEnd type="none" w="med" len="med"/>
+                    </a:lnL>
+                    <a:lnR w="9525" cap="flat" cmpd="sng" algn="ctr">
+                      <a:solidFill>
+                        <a:srgbClr val="CCCCCC"/>
+                      </a:solidFill>
+                      <a:prstDash val="solid"/>
+                      <a:round/>
+                      <a:headEnd type="none" w="med" len="med"/>
+                      <a:tailEnd type="none" w="med" len="med"/>
+                    </a:lnR>
+                    <a:lnT w="9525" cap="flat" cmpd="sng" algn="ctr">
+                      <a:solidFill>
+                        <a:srgbClr val="CCCCCC"/>
+                      </a:solidFill>
+                      <a:prstDash val="solid"/>
+                      <a:round/>
+                      <a:headEnd type="none" w="med" len="med"/>
+                      <a:tailEnd type="none" w="med" len="med"/>
+                    </a:lnT>
+                    <a:lnB w="9525" cap="flat" cmpd="sng" algn="ctr">
+                      <a:solidFill>
+                        <a:srgbClr val="CCCCCC"/>
+                      </a:solidFill>
+                      <a:prstDash val="solid"/>
+                      <a:round/>
+                      <a:headEnd type="none" w="med" len="med"/>
+                      <a:tailEnd type="none" w="med" len="med"/>
+                    </a:lnB>
+                  </a:tcPr>
+                </a:tc>
+                <a:tc>
+                  <a:txBody>
+                    <a:bodyPr/>
+                    <a:lstStyle/>
+                    <a:p>
+                      <a:pPr algn="r" rtl="0" fontAlgn="b"/>
+                      <a:r>
+                        <a:rPr lang="en-US" sz="100" dirty="0">
+                          <a:effectLst/>
+                        </a:rPr>
+                        <a:t>Wikipedia and news articles</a:t>
+                      </a:r>
+                    </a:p>
+                  </a:txBody>
+                  <a:tcPr marL="21014" marR="21014" marT="14009" marB="14009" anchor="b">
+                    <a:lnL w="9525" cap="flat" cmpd="sng" algn="ctr">
+                      <a:solidFill>
+                        <a:srgbClr val="CCCCCC"/>
+                      </a:solidFill>
+                      <a:prstDash val="solid"/>
+                      <a:round/>
+                      <a:headEnd type="none" w="med" len="med"/>
+                      <a:tailEnd type="none" w="med" len="med"/>
+                    </a:lnL>
+                    <a:lnR w="9525" cap="flat" cmpd="sng" algn="ctr">
+                      <a:solidFill>
+                        <a:srgbClr val="CCCCCC"/>
+                      </a:solidFill>
+                      <a:prstDash val="solid"/>
+                      <a:round/>
+                      <a:headEnd type="none" w="med" len="med"/>
+                      <a:tailEnd type="none" w="med" len="med"/>
+                    </a:lnR>
+                    <a:lnT w="9525" cap="flat" cmpd="sng" algn="ctr">
+                      <a:solidFill>
+                        <a:srgbClr val="CCCCCC"/>
+                      </a:solidFill>
+                      <a:prstDash val="solid"/>
+                      <a:round/>
+                      <a:headEnd type="none" w="med" len="med"/>
+                      <a:tailEnd type="none" w="med" len="med"/>
+                    </a:lnT>
+                    <a:lnB w="9525" cap="flat" cmpd="sng" algn="ctr">
+                      <a:solidFill>
+                        <a:srgbClr val="CCCCCC"/>
+                      </a:solidFill>
+                      <a:prstDash val="solid"/>
+                      <a:round/>
+                      <a:headEnd type="none" w="med" len="med"/>
+                      <a:tailEnd type="none" w="med" len="med"/>
+                    </a:lnB>
+                  </a:tcPr>
+                </a:tc>
+                <a:extLst>
+                  <a:ext uri="{0D108BD9-81ED-4DB2-BD59-A6C34878D82A}">
+                    <a16:rowId xmlns:a16="http://schemas.microsoft.com/office/drawing/2014/main" val="3907078978"/>
+                  </a:ext>
+                </a:extLst>
+              </a:tr>
+              <a:tr h="439485">
+                <a:tc>
+                  <a:txBody>
+                    <a:bodyPr/>
+                    <a:lstStyle/>
+                    <a:p>
+                      <a:pPr algn="ctr" rtl="0" fontAlgn="b"/>
+                      <a:r>
+                        <a:rPr lang="en-US" altLang="ko-KR" sz="600">
+                          <a:effectLst/>
+                        </a:rPr>
+                        <a:t>2012</a:t>
+                      </a:r>
+                    </a:p>
+                  </a:txBody>
+                  <a:tcPr marL="21014" marR="21014" marT="14009" marB="14009" anchor="b">
+                    <a:lnL w="9525" cap="flat" cmpd="sng" algn="ctr">
+                      <a:solidFill>
+                        <a:srgbClr val="CCCCCC"/>
+                      </a:solidFill>
+                      <a:prstDash val="solid"/>
+                      <a:round/>
+                      <a:headEnd type="none" w="med" len="med"/>
+                      <a:tailEnd type="none" w="med" len="med"/>
+                    </a:lnL>
+                    <a:lnR w="9525" cap="flat" cmpd="sng" algn="ctr">
+                      <a:solidFill>
+                        <a:srgbClr val="CCCCCC"/>
+                      </a:solidFill>
+                      <a:prstDash val="solid"/>
+                      <a:round/>
+                      <a:headEnd type="none" w="med" len="med"/>
+                      <a:tailEnd type="none" w="med" len="med"/>
+                    </a:lnR>
+                    <a:lnT w="9525" cap="flat" cmpd="sng" algn="ctr">
+                      <a:solidFill>
+                        <a:srgbClr val="CCCCCC"/>
+                      </a:solidFill>
+                      <a:prstDash val="solid"/>
+                      <a:round/>
+                      <a:headEnd type="none" w="med" len="med"/>
+                      <a:tailEnd type="none" w="med" len="med"/>
+                    </a:lnT>
+                    <a:lnB w="9525" cap="flat" cmpd="sng" algn="ctr">
+                      <a:solidFill>
+                        <a:srgbClr val="CCCCCC"/>
+                      </a:solidFill>
+                      <a:prstDash val="solid"/>
+                      <a:round/>
+                      <a:headEnd type="none" w="med" len="med"/>
+                      <a:tailEnd type="none" w="med" len="med"/>
+                    </a:lnB>
+                  </a:tcPr>
+                </a:tc>
+                <a:tc>
+                  <a:txBody>
+                    <a:bodyPr/>
+                    <a:lstStyle/>
+                    <a:p>
+                      <a:pPr algn="ctr" rtl="0" fontAlgn="b"/>
+                      <a:r>
+                        <a:rPr lang="en-US" sz="600" dirty="0">
+                          <a:effectLst/>
+                        </a:rPr>
+                        <a:t>Recursive Deep Semantic Model (RDSM)</a:t>
+                      </a:r>
+                    </a:p>
+                  </a:txBody>
+                  <a:tcPr marL="21014" marR="21014" marT="14009" marB="14009" anchor="b">
+                    <a:lnL w="9525" cap="flat" cmpd="sng" algn="ctr">
+                      <a:solidFill>
+                        <a:srgbClr val="CCCCCC"/>
+                      </a:solidFill>
+                      <a:prstDash val="solid"/>
+                      <a:round/>
+                      <a:headEnd type="none" w="med" len="med"/>
+                      <a:tailEnd type="none" w="med" len="med"/>
+                    </a:lnL>
+                    <a:lnR w="9525" cap="flat" cmpd="sng" algn="ctr">
+                      <a:solidFill>
+                        <a:srgbClr val="CCCCCC"/>
+                      </a:solidFill>
+                      <a:prstDash val="solid"/>
+                      <a:round/>
+                      <a:headEnd type="none" w="med" len="med"/>
+                      <a:tailEnd type="none" w="med" len="med"/>
+                    </a:lnR>
+                    <a:lnT w="9525" cap="flat" cmpd="sng" algn="ctr">
+                      <a:solidFill>
+                        <a:srgbClr val="CCCCCC"/>
+                      </a:solidFill>
+                      <a:prstDash val="solid"/>
+                      <a:round/>
+                      <a:headEnd type="none" w="med" len="med"/>
+                      <a:tailEnd type="none" w="med" len="med"/>
+                    </a:lnT>
+                    <a:lnB w="9525" cap="flat" cmpd="sng" algn="ctr">
+                      <a:solidFill>
+                        <a:srgbClr val="CCCCCC"/>
+                      </a:solidFill>
+                      <a:prstDash val="solid"/>
+                      <a:round/>
+                      <a:headEnd type="none" w="med" len="med"/>
+                      <a:tailEnd type="none" w="med" len="med"/>
+                    </a:lnB>
+                  </a:tcPr>
+                </a:tc>
+                <a:tc>
+                  <a:txBody>
+                    <a:bodyPr/>
+                    <a:lstStyle/>
+                    <a:p>
+                      <a:pPr algn="r" rtl="0" fontAlgn="b"/>
+                      <a:r>
+                        <a:rPr lang="en-US" sz="600" dirty="0">
+                          <a:effectLst/>
+                        </a:rPr>
+                        <a:t>100M parameters</a:t>
+                      </a:r>
+                    </a:p>
+                  </a:txBody>
+                  <a:tcPr marL="21014" marR="21014" marT="14009" marB="14009" anchor="b">
+                    <a:lnL w="9525" cap="flat" cmpd="sng" algn="ctr">
+                      <a:solidFill>
+                        <a:srgbClr val="CCCCCC"/>
+                      </a:solidFill>
+                      <a:prstDash val="solid"/>
+                      <a:round/>
+                      <a:headEnd type="none" w="med" len="med"/>
+                      <a:tailEnd type="none" w="med" len="med"/>
+                    </a:lnL>
+                    <a:lnR w="9525" cap="flat" cmpd="sng" algn="ctr">
+                      <a:solidFill>
+                        <a:srgbClr val="CCCCCC"/>
+                      </a:solidFill>
+                      <a:prstDash val="solid"/>
+                      <a:round/>
+                      <a:headEnd type="none" w="med" len="med"/>
+                      <a:tailEnd type="none" w="med" len="med"/>
+                    </a:lnR>
+                    <a:lnT w="9525" cap="flat" cmpd="sng" algn="ctr">
+                      <a:solidFill>
+                        <a:srgbClr val="CCCCCC"/>
+                      </a:solidFill>
+                      <a:prstDash val="solid"/>
+                      <a:round/>
+                      <a:headEnd type="none" w="med" len="med"/>
+                      <a:tailEnd type="none" w="med" len="med"/>
+                    </a:lnT>
+                    <a:lnB w="9525" cap="flat" cmpd="sng" algn="ctr">
+                      <a:solidFill>
+                        <a:srgbClr val="CCCCCC"/>
+                      </a:solidFill>
+                      <a:prstDash val="solid"/>
+                      <a:round/>
+                      <a:headEnd type="none" w="med" len="med"/>
+                      <a:tailEnd type="none" w="med" len="med"/>
+                    </a:lnB>
+                  </a:tcPr>
+                </a:tc>
+                <a:tc>
+                  <a:txBody>
+                    <a:bodyPr/>
+                    <a:lstStyle/>
+                    <a:p>
+                      <a:pPr algn="r" rtl="0" fontAlgn="b"/>
+                      <a:r>
+                        <a:rPr lang="en-US" sz="600">
+                          <a:effectLst/>
+                        </a:rPr>
+                        <a:t>Wikipedia and news articles</a:t>
+                      </a:r>
+                    </a:p>
+                  </a:txBody>
+                  <a:tcPr marL="21014" marR="21014" marT="14009" marB="14009" anchor="b">
+                    <a:lnL w="9525" cap="flat" cmpd="sng" algn="ctr">
+                      <a:solidFill>
+                        <a:srgbClr val="CCCCCC"/>
+                      </a:solidFill>
+                      <a:prstDash val="solid"/>
+                      <a:round/>
+                      <a:headEnd type="none" w="med" len="med"/>
+                      <a:tailEnd type="none" w="med" len="med"/>
+                    </a:lnL>
+                    <a:lnR w="9525" cap="flat" cmpd="sng" algn="ctr">
+                      <a:solidFill>
+                        <a:srgbClr val="CCCCCC"/>
+                      </a:solidFill>
+                      <a:prstDash val="solid"/>
+                      <a:round/>
+                      <a:headEnd type="none" w="med" len="med"/>
+                      <a:tailEnd type="none" w="med" len="med"/>
+                    </a:lnR>
+                    <a:lnT w="9525" cap="flat" cmpd="sng" algn="ctr">
+                      <a:solidFill>
+                        <a:srgbClr val="CCCCCC"/>
+                      </a:solidFill>
+                      <a:prstDash val="solid"/>
+                      <a:round/>
+                      <a:headEnd type="none" w="med" len="med"/>
+                      <a:tailEnd type="none" w="med" len="med"/>
+                    </a:lnT>
+                    <a:lnB w="9525" cap="flat" cmpd="sng" algn="ctr">
+                      <a:solidFill>
+                        <a:srgbClr val="CCCCCC"/>
+                      </a:solidFill>
+                      <a:prstDash val="solid"/>
+                      <a:round/>
+                      <a:headEnd type="none" w="med" len="med"/>
+                      <a:tailEnd type="none" w="med" len="med"/>
+                    </a:lnB>
+                  </a:tcPr>
+                </a:tc>
+                <a:extLst>
+                  <a:ext uri="{0D108BD9-81ED-4DB2-BD59-A6C34878D82A}">
+                    <a16:rowId xmlns:a16="http://schemas.microsoft.com/office/drawing/2014/main" val="3824208299"/>
+                  </a:ext>
+                </a:extLst>
+              </a:tr>
+              <a:tr h="644960">
+                <a:tc>
+                  <a:txBody>
+                    <a:bodyPr/>
+                    <a:lstStyle/>
+                    <a:p>
+                      <a:pPr algn="ctr" rtl="0" fontAlgn="b"/>
+                      <a:r>
+                        <a:rPr lang="en-US" altLang="ko-KR" sz="600">
+                          <a:effectLst/>
+                        </a:rPr>
+                        <a:t>2013</a:t>
+                      </a:r>
+                    </a:p>
+                  </a:txBody>
+                  <a:tcPr marL="21014" marR="21014" marT="14009" marB="14009" anchor="b">
+                    <a:lnL w="9525" cap="flat" cmpd="sng" algn="ctr">
+                      <a:solidFill>
+                        <a:srgbClr val="CCCCCC"/>
+                      </a:solidFill>
+                      <a:prstDash val="solid"/>
+                      <a:round/>
+                      <a:headEnd type="none" w="med" len="med"/>
+                      <a:tailEnd type="none" w="med" len="med"/>
+                    </a:lnL>
+                    <a:lnR w="9525" cap="flat" cmpd="sng" algn="ctr">
+                      <a:solidFill>
+                        <a:srgbClr val="CCCCCC"/>
+                      </a:solidFill>
+                      <a:prstDash val="solid"/>
+                      <a:round/>
+                      <a:headEnd type="none" w="med" len="med"/>
+                      <a:tailEnd type="none" w="med" len="med"/>
+                    </a:lnR>
+                    <a:lnT w="9525" cap="flat" cmpd="sng" algn="ctr">
+                      <a:solidFill>
+                        <a:srgbClr val="CCCCCC"/>
+                      </a:solidFill>
+                      <a:prstDash val="solid"/>
+                      <a:round/>
+                      <a:headEnd type="none" w="med" len="med"/>
+                      <a:tailEnd type="none" w="med" len="med"/>
+                    </a:lnT>
+                    <a:lnB w="9525" cap="flat" cmpd="sng" algn="ctr">
+                      <a:solidFill>
+                        <a:srgbClr val="CCCCCC"/>
+                      </a:solidFill>
+                      <a:prstDash val="solid"/>
+                      <a:round/>
+                      <a:headEnd type="none" w="med" len="med"/>
+                      <a:tailEnd type="none" w="med" len="med"/>
+                    </a:lnB>
+                  </a:tcPr>
+                </a:tc>
+                <a:tc>
+                  <a:txBody>
+                    <a:bodyPr/>
+                    <a:lstStyle/>
+                    <a:p>
+                      <a:pPr algn="ctr" rtl="0" fontAlgn="b"/>
+                      <a:r>
+                        <a:rPr lang="en-US" sz="600" dirty="0">
+                          <a:effectLst/>
+                        </a:rPr>
+                        <a:t>Attentive Neural Network Language Model (ANLM)</a:t>
+                      </a:r>
+                    </a:p>
+                  </a:txBody>
+                  <a:tcPr marL="21014" marR="21014" marT="14009" marB="14009" anchor="b">
+                    <a:lnL w="9525" cap="flat" cmpd="sng" algn="ctr">
+                      <a:solidFill>
+                        <a:srgbClr val="CCCCCC"/>
+                      </a:solidFill>
+                      <a:prstDash val="solid"/>
+                      <a:round/>
+                      <a:headEnd type="none" w="med" len="med"/>
+                      <a:tailEnd type="none" w="med" len="med"/>
+                    </a:lnL>
+                    <a:lnR w="9525" cap="flat" cmpd="sng" algn="ctr">
+                      <a:solidFill>
+                        <a:srgbClr val="CCCCCC"/>
+                      </a:solidFill>
+                      <a:prstDash val="solid"/>
+                      <a:round/>
+                      <a:headEnd type="none" w="med" len="med"/>
+                      <a:tailEnd type="none" w="med" len="med"/>
+                    </a:lnR>
+                    <a:lnT w="9525" cap="flat" cmpd="sng" algn="ctr">
+                      <a:solidFill>
+                        <a:srgbClr val="CCCCCC"/>
+                      </a:solidFill>
+                      <a:prstDash val="solid"/>
+                      <a:round/>
+                      <a:headEnd type="none" w="med" len="med"/>
+                      <a:tailEnd type="none" w="med" len="med"/>
+                    </a:lnT>
+                    <a:lnB w="9525" cap="flat" cmpd="sng" algn="ctr">
+                      <a:solidFill>
+                        <a:srgbClr val="CCCCCC"/>
+                      </a:solidFill>
+                      <a:prstDash val="solid"/>
+                      <a:round/>
+                      <a:headEnd type="none" w="med" len="med"/>
+                      <a:tailEnd type="none" w="med" len="med"/>
+                    </a:lnB>
+                  </a:tcPr>
+                </a:tc>
+                <a:tc>
+                  <a:txBody>
+                    <a:bodyPr/>
+                    <a:lstStyle/>
+                    <a:p>
+                      <a:pPr algn="r" rtl="0" fontAlgn="b"/>
+                      <a:r>
+                        <a:rPr lang="en-US" sz="600" dirty="0">
+                          <a:effectLst/>
+                        </a:rPr>
+                        <a:t>1.2B parameters</a:t>
+                      </a:r>
+                    </a:p>
+                  </a:txBody>
+                  <a:tcPr marL="21014" marR="21014" marT="14009" marB="14009" anchor="b">
+                    <a:lnL w="9525" cap="flat" cmpd="sng" algn="ctr">
+                      <a:solidFill>
+                        <a:srgbClr val="CCCCCC"/>
+                      </a:solidFill>
+                      <a:prstDash val="solid"/>
+                      <a:round/>
+                      <a:headEnd type="none" w="med" len="med"/>
+                      <a:tailEnd type="none" w="med" len="med"/>
+                    </a:lnL>
+                    <a:lnR w="9525" cap="flat" cmpd="sng" algn="ctr">
+                      <a:solidFill>
+                        <a:srgbClr val="CCCCCC"/>
+                      </a:solidFill>
+                      <a:prstDash val="solid"/>
+                      <a:round/>
+                      <a:headEnd type="none" w="med" len="med"/>
+                      <a:tailEnd type="none" w="med" len="med"/>
+                    </a:lnR>
+                    <a:lnT w="9525" cap="flat" cmpd="sng" algn="ctr">
+                      <a:solidFill>
+                        <a:srgbClr val="CCCCCC"/>
+                      </a:solidFill>
+                      <a:prstDash val="solid"/>
+                      <a:round/>
+                      <a:headEnd type="none" w="med" len="med"/>
+                      <a:tailEnd type="none" w="med" len="med"/>
+                    </a:lnT>
+                    <a:lnB w="9525" cap="flat" cmpd="sng" algn="ctr">
+                      <a:solidFill>
+                        <a:srgbClr val="CCCCCC"/>
+                      </a:solidFill>
+                      <a:prstDash val="solid"/>
+                      <a:round/>
+                      <a:headEnd type="none" w="med" len="med"/>
+                      <a:tailEnd type="none" w="med" len="med"/>
+                    </a:lnB>
+                  </a:tcPr>
+                </a:tc>
+                <a:tc>
+                  <a:txBody>
+                    <a:bodyPr/>
+                    <a:lstStyle/>
+                    <a:p>
+                      <a:pPr algn="r" rtl="0" fontAlgn="b"/>
+                      <a:r>
+                        <a:rPr lang="en-US" sz="600" dirty="0">
+                          <a:effectLst/>
+                        </a:rPr>
+                        <a:t>Wikipedia and news articles</a:t>
+                      </a:r>
+                    </a:p>
+                  </a:txBody>
+                  <a:tcPr marL="21014" marR="21014" marT="14009" marB="14009" anchor="b">
+                    <a:lnL w="9525" cap="flat" cmpd="sng" algn="ctr">
+                      <a:solidFill>
+                        <a:srgbClr val="CCCCCC"/>
+                      </a:solidFill>
+                      <a:prstDash val="solid"/>
+                      <a:round/>
+                      <a:headEnd type="none" w="med" len="med"/>
+                      <a:tailEnd type="none" w="med" len="med"/>
+                    </a:lnL>
+                    <a:lnR w="9525" cap="flat" cmpd="sng" algn="ctr">
+                      <a:solidFill>
+                        <a:srgbClr val="CCCCCC"/>
+                      </a:solidFill>
+                      <a:prstDash val="solid"/>
+                      <a:round/>
+                      <a:headEnd type="none" w="med" len="med"/>
+                      <a:tailEnd type="none" w="med" len="med"/>
+                    </a:lnR>
+                    <a:lnT w="9525" cap="flat" cmpd="sng" algn="ctr">
+                      <a:solidFill>
+                        <a:srgbClr val="CCCCCC"/>
+                      </a:solidFill>
+                      <a:prstDash val="solid"/>
+                      <a:round/>
+                      <a:headEnd type="none" w="med" len="med"/>
+                      <a:tailEnd type="none" w="med" len="med"/>
+                    </a:lnT>
+                    <a:lnB w="9525" cap="flat" cmpd="sng" algn="ctr">
+                      <a:solidFill>
+                        <a:srgbClr val="CCCCCC"/>
+                      </a:solidFill>
+                      <a:prstDash val="solid"/>
+                      <a:round/>
+                      <a:headEnd type="none" w="med" len="med"/>
+                      <a:tailEnd type="none" w="med" len="med"/>
+                    </a:lnB>
+                  </a:tcPr>
+                </a:tc>
+                <a:extLst>
+                  <a:ext uri="{0D108BD9-81ED-4DB2-BD59-A6C34878D82A}">
+                    <a16:rowId xmlns:a16="http://schemas.microsoft.com/office/drawing/2014/main" val="3474383250"/>
+                  </a:ext>
+                </a:extLst>
+              </a:tr>
+              <a:tr h="439485">
+                <a:tc>
+                  <a:txBody>
+                    <a:bodyPr/>
+                    <a:lstStyle/>
+                    <a:p>
+                      <a:pPr algn="ctr" rtl="0" fontAlgn="b"/>
+                      <a:r>
+                        <a:rPr lang="en-US" altLang="ko-KR" sz="600">
+                          <a:effectLst/>
+                        </a:rPr>
+                        <a:t>2014</a:t>
+                      </a:r>
+                    </a:p>
+                  </a:txBody>
+                  <a:tcPr marL="21014" marR="21014" marT="14009" marB="14009" anchor="b">
+                    <a:lnL w="9525" cap="flat" cmpd="sng" algn="ctr">
+                      <a:solidFill>
+                        <a:srgbClr val="CCCCCC"/>
+                      </a:solidFill>
+                      <a:prstDash val="solid"/>
+                      <a:round/>
+                      <a:headEnd type="none" w="med" len="med"/>
+                      <a:tailEnd type="none" w="med" len="med"/>
+                    </a:lnL>
+                    <a:lnR w="9525" cap="flat" cmpd="sng" algn="ctr">
+                      <a:solidFill>
+                        <a:srgbClr val="CCCCCC"/>
+                      </a:solidFill>
+                      <a:prstDash val="solid"/>
+                      <a:round/>
+                      <a:headEnd type="none" w="med" len="med"/>
+                      <a:tailEnd type="none" w="med" len="med"/>
+                    </a:lnR>
+                    <a:lnT w="9525" cap="flat" cmpd="sng" algn="ctr">
+                      <a:solidFill>
+                        <a:srgbClr val="CCCCCC"/>
+                      </a:solidFill>
+                      <a:prstDash val="solid"/>
+                      <a:round/>
+                      <a:headEnd type="none" w="med" len="med"/>
+                      <a:tailEnd type="none" w="med" len="med"/>
+                    </a:lnT>
+                    <a:lnB w="9525" cap="flat" cmpd="sng" algn="ctr">
+                      <a:solidFill>
+                        <a:srgbClr val="CCCCCC"/>
+                      </a:solidFill>
+                      <a:prstDash val="solid"/>
+                      <a:round/>
+                      <a:headEnd type="none" w="med" len="med"/>
+                      <a:tailEnd type="none" w="med" len="med"/>
+                    </a:lnB>
+                  </a:tcPr>
+                </a:tc>
+                <a:tc>
+                  <a:txBody>
+                    <a:bodyPr/>
+                    <a:lstStyle/>
+                    <a:p>
+                      <a:pPr algn="ctr" rtl="0" fontAlgn="b"/>
+                      <a:r>
+                        <a:rPr lang="en-US" sz="600">
+                          <a:effectLst/>
+                        </a:rPr>
+                        <a:t>Bidirectional Language Model (BiLM)</a:t>
+                      </a:r>
+                    </a:p>
+                  </a:txBody>
+                  <a:tcPr marL="21014" marR="21014" marT="14009" marB="14009" anchor="b">
+                    <a:lnL w="9525" cap="flat" cmpd="sng" algn="ctr">
+                      <a:solidFill>
+                        <a:srgbClr val="CCCCCC"/>
+                      </a:solidFill>
+                      <a:prstDash val="solid"/>
+                      <a:round/>
+                      <a:headEnd type="none" w="med" len="med"/>
+                      <a:tailEnd type="none" w="med" len="med"/>
+                    </a:lnL>
+                    <a:lnR w="9525" cap="flat" cmpd="sng" algn="ctr">
+                      <a:solidFill>
+                        <a:srgbClr val="CCCCCC"/>
+                      </a:solidFill>
+                      <a:prstDash val="solid"/>
+                      <a:round/>
+                      <a:headEnd type="none" w="med" len="med"/>
+                      <a:tailEnd type="none" w="med" len="med"/>
+                    </a:lnR>
+                    <a:lnT w="9525" cap="flat" cmpd="sng" algn="ctr">
+                      <a:solidFill>
+                        <a:srgbClr val="CCCCCC"/>
+                      </a:solidFill>
+                      <a:prstDash val="solid"/>
+                      <a:round/>
+                      <a:headEnd type="none" w="med" len="med"/>
+                      <a:tailEnd type="none" w="med" len="med"/>
+                    </a:lnT>
+                    <a:lnB w="9525" cap="flat" cmpd="sng" algn="ctr">
+                      <a:solidFill>
+                        <a:srgbClr val="CCCCCC"/>
+                      </a:solidFill>
+                      <a:prstDash val="solid"/>
+                      <a:round/>
+                      <a:headEnd type="none" w="med" len="med"/>
+                      <a:tailEnd type="none" w="med" len="med"/>
+                    </a:lnB>
+                  </a:tcPr>
+                </a:tc>
+                <a:tc>
+                  <a:txBody>
+                    <a:bodyPr/>
+                    <a:lstStyle/>
+                    <a:p>
+                      <a:pPr algn="r" rtl="0" fontAlgn="b"/>
+                      <a:r>
+                        <a:rPr lang="en-US" sz="600" dirty="0">
+                          <a:effectLst/>
+                        </a:rPr>
+                        <a:t>312M parameters</a:t>
+                      </a:r>
+                    </a:p>
+                  </a:txBody>
+                  <a:tcPr marL="21014" marR="21014" marT="14009" marB="14009" anchor="b">
+                    <a:lnL w="9525" cap="flat" cmpd="sng" algn="ctr">
+                      <a:solidFill>
+                        <a:srgbClr val="CCCCCC"/>
+                      </a:solidFill>
+                      <a:prstDash val="solid"/>
+                      <a:round/>
+                      <a:headEnd type="none" w="med" len="med"/>
+                      <a:tailEnd type="none" w="med" len="med"/>
+                    </a:lnL>
+                    <a:lnR w="9525" cap="flat" cmpd="sng" algn="ctr">
+                      <a:solidFill>
+                        <a:srgbClr val="CCCCCC"/>
+                      </a:solidFill>
+                      <a:prstDash val="solid"/>
+                      <a:round/>
+                      <a:headEnd type="none" w="med" len="med"/>
+                      <a:tailEnd type="none" w="med" len="med"/>
+                    </a:lnR>
+                    <a:lnT w="9525" cap="flat" cmpd="sng" algn="ctr">
+                      <a:solidFill>
+                        <a:srgbClr val="CCCCCC"/>
+                      </a:solidFill>
+                      <a:prstDash val="solid"/>
+                      <a:round/>
+                      <a:headEnd type="none" w="med" len="med"/>
+                      <a:tailEnd type="none" w="med" len="med"/>
+                    </a:lnT>
+                    <a:lnB w="9525" cap="flat" cmpd="sng" algn="ctr">
+                      <a:solidFill>
+                        <a:srgbClr val="CCCCCC"/>
+                      </a:solidFill>
+                      <a:prstDash val="solid"/>
+                      <a:round/>
+                      <a:headEnd type="none" w="med" len="med"/>
+                      <a:tailEnd type="none" w="med" len="med"/>
+                    </a:lnB>
+                  </a:tcPr>
+                </a:tc>
+                <a:tc>
+                  <a:txBody>
+                    <a:bodyPr/>
+                    <a:lstStyle/>
+                    <a:p>
+                      <a:pPr algn="r" rtl="0" fontAlgn="b"/>
+                      <a:r>
+                        <a:rPr lang="en-US" sz="600" dirty="0" err="1">
+                          <a:effectLst/>
+                        </a:rPr>
+                        <a:t>BooksCorpus</a:t>
+                      </a:r>
+                      <a:r>
+                        <a:rPr lang="en-US" sz="600" dirty="0">
+                          <a:effectLst/>
+                        </a:rPr>
+                        <a:t> and English Wikipedia</a:t>
+                      </a:r>
+                    </a:p>
+                  </a:txBody>
+                  <a:tcPr marL="21014" marR="21014" marT="14009" marB="14009" anchor="b">
+                    <a:lnL w="9525" cap="flat" cmpd="sng" algn="ctr">
+                      <a:solidFill>
+                        <a:srgbClr val="CCCCCC"/>
+                      </a:solidFill>
+                      <a:prstDash val="solid"/>
+                      <a:round/>
+                      <a:headEnd type="none" w="med" len="med"/>
+                      <a:tailEnd type="none" w="med" len="med"/>
+                    </a:lnL>
+                    <a:lnR w="9525" cap="flat" cmpd="sng" algn="ctr">
+                      <a:solidFill>
+                        <a:srgbClr val="CCCCCC"/>
+                      </a:solidFill>
+                      <a:prstDash val="solid"/>
+                      <a:round/>
+                      <a:headEnd type="none" w="med" len="med"/>
+                      <a:tailEnd type="none" w="med" len="med"/>
+                    </a:lnR>
+                    <a:lnT w="9525" cap="flat" cmpd="sng" algn="ctr">
+                      <a:solidFill>
+                        <a:srgbClr val="CCCCCC"/>
+                      </a:solidFill>
+                      <a:prstDash val="solid"/>
+                      <a:round/>
+                      <a:headEnd type="none" w="med" len="med"/>
+                      <a:tailEnd type="none" w="med" len="med"/>
+                    </a:lnT>
+                    <a:lnB w="9525" cap="flat" cmpd="sng" algn="ctr">
+                      <a:solidFill>
+                        <a:srgbClr val="CCCCCC"/>
+                      </a:solidFill>
+                      <a:prstDash val="solid"/>
+                      <a:round/>
+                      <a:headEnd type="none" w="med" len="med"/>
+                      <a:tailEnd type="none" w="med" len="med"/>
+                    </a:lnB>
+                  </a:tcPr>
+                </a:tc>
+                <a:extLst>
+                  <a:ext uri="{0D108BD9-81ED-4DB2-BD59-A6C34878D82A}">
+                    <a16:rowId xmlns:a16="http://schemas.microsoft.com/office/drawing/2014/main" val="2879481936"/>
+                  </a:ext>
+                </a:extLst>
+              </a:tr>
+              <a:tr h="439485">
+                <a:tc>
+                  <a:txBody>
+                    <a:bodyPr/>
+                    <a:lstStyle/>
+                    <a:p>
+                      <a:pPr algn="ctr" rtl="0" fontAlgn="b"/>
+                      <a:r>
+                        <a:rPr lang="en-US" altLang="ko-KR" sz="600">
+                          <a:effectLst/>
+                        </a:rPr>
+                        <a:t>2017</a:t>
+                      </a:r>
+                    </a:p>
+                  </a:txBody>
+                  <a:tcPr marL="21014" marR="21014" marT="14009" marB="14009" anchor="b">
+                    <a:lnL w="9525" cap="flat" cmpd="sng" algn="ctr">
+                      <a:solidFill>
+                        <a:srgbClr val="CCCCCC"/>
+                      </a:solidFill>
+                      <a:prstDash val="solid"/>
+                      <a:round/>
+                      <a:headEnd type="none" w="med" len="med"/>
+                      <a:tailEnd type="none" w="med" len="med"/>
+                    </a:lnL>
+                    <a:lnR w="9525" cap="flat" cmpd="sng" algn="ctr">
+                      <a:solidFill>
+                        <a:srgbClr val="CCCCCC"/>
+                      </a:solidFill>
+                      <a:prstDash val="solid"/>
+                      <a:round/>
+                      <a:headEnd type="none" w="med" len="med"/>
+                      <a:tailEnd type="none" w="med" len="med"/>
+                    </a:lnR>
+                    <a:lnT w="9525" cap="flat" cmpd="sng" algn="ctr">
+                      <a:solidFill>
+                        <a:srgbClr val="CCCCCC"/>
+                      </a:solidFill>
+                      <a:prstDash val="solid"/>
+                      <a:round/>
+                      <a:headEnd type="none" w="med" len="med"/>
+                      <a:tailEnd type="none" w="med" len="med"/>
+                    </a:lnT>
+                    <a:lnB w="9525" cap="flat" cmpd="sng" algn="ctr">
+                      <a:solidFill>
+                        <a:srgbClr val="CCCCCC"/>
+                      </a:solidFill>
+                      <a:prstDash val="solid"/>
+                      <a:round/>
+                      <a:headEnd type="none" w="med" len="med"/>
+                      <a:tailEnd type="none" w="med" len="med"/>
+                    </a:lnB>
+                  </a:tcPr>
+                </a:tc>
+                <a:tc>
+                  <a:txBody>
+                    <a:bodyPr/>
+                    <a:lstStyle/>
+                    <a:p>
+                      <a:pPr algn="ctr" rtl="0" fontAlgn="b"/>
+                      <a:r>
+                        <a:rPr lang="en-US" sz="1800" dirty="0">
+                          <a:effectLst/>
+                        </a:rPr>
+                        <a:t>Transformer</a:t>
+                      </a:r>
+                    </a:p>
+                  </a:txBody>
+                  <a:tcPr marL="21014" marR="21014" marT="14009" marB="14009" anchor="b">
+                    <a:lnL w="9525" cap="flat" cmpd="sng" algn="ctr">
+                      <a:solidFill>
+                        <a:srgbClr val="CCCCCC"/>
+                      </a:solidFill>
+                      <a:prstDash val="solid"/>
+                      <a:round/>
+                      <a:headEnd type="none" w="med" len="med"/>
+                      <a:tailEnd type="none" w="med" len="med"/>
+                    </a:lnL>
+                    <a:lnR w="9525" cap="flat" cmpd="sng" algn="ctr">
+                      <a:solidFill>
+                        <a:srgbClr val="CCCCCC"/>
+                      </a:solidFill>
+                      <a:prstDash val="solid"/>
+                      <a:round/>
+                      <a:headEnd type="none" w="med" len="med"/>
+                      <a:tailEnd type="none" w="med" len="med"/>
+                    </a:lnR>
+                    <a:lnT w="9525" cap="flat" cmpd="sng" algn="ctr">
+                      <a:solidFill>
+                        <a:srgbClr val="CCCCCC"/>
+                      </a:solidFill>
+                      <a:prstDash val="solid"/>
+                      <a:round/>
+                      <a:headEnd type="none" w="med" len="med"/>
+                      <a:tailEnd type="none" w="med" len="med"/>
+                    </a:lnT>
+                    <a:lnB w="9525" cap="flat" cmpd="sng" algn="ctr">
+                      <a:solidFill>
+                        <a:srgbClr val="CCCCCC"/>
+                      </a:solidFill>
+                      <a:prstDash val="solid"/>
+                      <a:round/>
+                      <a:headEnd type="none" w="med" len="med"/>
+                      <a:tailEnd type="none" w="med" len="med"/>
+                    </a:lnB>
+                  </a:tcPr>
+                </a:tc>
+                <a:tc>
+                  <a:txBody>
+                    <a:bodyPr/>
+                    <a:lstStyle/>
+                    <a:p>
+                      <a:pPr algn="r" rtl="0" fontAlgn="b"/>
+                      <a:r>
+                        <a:rPr lang="en-US" sz="600">
+                          <a:effectLst/>
+                        </a:rPr>
+                        <a:t>117M parameters</a:t>
+                      </a:r>
+                    </a:p>
+                  </a:txBody>
+                  <a:tcPr marL="21014" marR="21014" marT="14009" marB="14009" anchor="b">
+                    <a:lnL w="9525" cap="flat" cmpd="sng" algn="ctr">
+                      <a:solidFill>
+                        <a:srgbClr val="CCCCCC"/>
+                      </a:solidFill>
+                      <a:prstDash val="solid"/>
+                      <a:round/>
+                      <a:headEnd type="none" w="med" len="med"/>
+                      <a:tailEnd type="none" w="med" len="med"/>
+                    </a:lnL>
+                    <a:lnR w="9525" cap="flat" cmpd="sng" algn="ctr">
+                      <a:solidFill>
+                        <a:srgbClr val="CCCCCC"/>
+                      </a:solidFill>
+                      <a:prstDash val="solid"/>
+                      <a:round/>
+                      <a:headEnd type="none" w="med" len="med"/>
+                      <a:tailEnd type="none" w="med" len="med"/>
+                    </a:lnR>
+                    <a:lnT w="9525" cap="flat" cmpd="sng" algn="ctr">
+                      <a:solidFill>
+                        <a:srgbClr val="CCCCCC"/>
+                      </a:solidFill>
+                      <a:prstDash val="solid"/>
+                      <a:round/>
+                      <a:headEnd type="none" w="med" len="med"/>
+                      <a:tailEnd type="none" w="med" len="med"/>
+                    </a:lnT>
+                    <a:lnB w="9525" cap="flat" cmpd="sng" algn="ctr">
+                      <a:solidFill>
+                        <a:srgbClr val="CCCCCC"/>
+                      </a:solidFill>
+                      <a:prstDash val="solid"/>
+                      <a:round/>
+                      <a:headEnd type="none" w="med" len="med"/>
+                      <a:tailEnd type="none" w="med" len="med"/>
+                    </a:lnB>
+                  </a:tcPr>
+                </a:tc>
+                <a:tc>
+                  <a:txBody>
+                    <a:bodyPr/>
+                    <a:lstStyle/>
+                    <a:p>
+                      <a:pPr algn="r" rtl="0" fontAlgn="b"/>
+                      <a:r>
+                        <a:rPr lang="en-US" sz="600" dirty="0" err="1">
+                          <a:effectLst/>
+                        </a:rPr>
+                        <a:t>BooksCorpus</a:t>
+                      </a:r>
+                      <a:r>
+                        <a:rPr lang="en-US" sz="600" dirty="0">
+                          <a:effectLst/>
+                        </a:rPr>
+                        <a:t> and English Wikipedia</a:t>
+                      </a:r>
+                    </a:p>
+                  </a:txBody>
+                  <a:tcPr marL="21014" marR="21014" marT="14009" marB="14009" anchor="b">
+                    <a:lnL w="9525" cap="flat" cmpd="sng" algn="ctr">
+                      <a:solidFill>
+                        <a:srgbClr val="CCCCCC"/>
+                      </a:solidFill>
+                      <a:prstDash val="solid"/>
+                      <a:round/>
+                      <a:headEnd type="none" w="med" len="med"/>
+                      <a:tailEnd type="none" w="med" len="med"/>
+                    </a:lnL>
+                    <a:lnR w="9525" cap="flat" cmpd="sng" algn="ctr">
+                      <a:solidFill>
+                        <a:srgbClr val="CCCCCC"/>
+                      </a:solidFill>
+                      <a:prstDash val="solid"/>
+                      <a:round/>
+                      <a:headEnd type="none" w="med" len="med"/>
+                      <a:tailEnd type="none" w="med" len="med"/>
+                    </a:lnR>
+                    <a:lnT w="9525" cap="flat" cmpd="sng" algn="ctr">
+                      <a:solidFill>
+                        <a:srgbClr val="CCCCCC"/>
+                      </a:solidFill>
+                      <a:prstDash val="solid"/>
+                      <a:round/>
+                      <a:headEnd type="none" w="med" len="med"/>
+                      <a:tailEnd type="none" w="med" len="med"/>
+                    </a:lnT>
+                    <a:lnB w="9525" cap="flat" cmpd="sng" algn="ctr">
+                      <a:solidFill>
+                        <a:srgbClr val="CCCCCC"/>
+                      </a:solidFill>
+                      <a:prstDash val="solid"/>
+                      <a:round/>
+                      <a:headEnd type="none" w="med" len="med"/>
+                      <a:tailEnd type="none" w="med" len="med"/>
+                    </a:lnB>
+                  </a:tcPr>
+                </a:tc>
+                <a:extLst>
+                  <a:ext uri="{0D108BD9-81ED-4DB2-BD59-A6C34878D82A}">
+                    <a16:rowId xmlns:a16="http://schemas.microsoft.com/office/drawing/2014/main" val="4032233564"/>
+                  </a:ext>
+                </a:extLst>
+              </a:tr>
+              <a:tr h="439485">
+                <a:tc>
+                  <a:txBody>
+                    <a:bodyPr/>
+                    <a:lstStyle/>
+                    <a:p>
+                      <a:pPr algn="ctr" rtl="0" fontAlgn="b"/>
+                      <a:r>
+                        <a:rPr lang="en-US" altLang="ko-KR" sz="600">
+                          <a:effectLst/>
+                        </a:rPr>
+                        <a:t>2018</a:t>
+                      </a:r>
+                    </a:p>
+                  </a:txBody>
+                  <a:tcPr marL="21014" marR="21014" marT="14009" marB="14009" anchor="b">
+                    <a:lnL w="9525" cap="flat" cmpd="sng" algn="ctr">
+                      <a:solidFill>
+                        <a:srgbClr val="CCCCCC"/>
+                      </a:solidFill>
+                      <a:prstDash val="solid"/>
+                      <a:round/>
+                      <a:headEnd type="none" w="med" len="med"/>
+                      <a:tailEnd type="none" w="med" len="med"/>
+                    </a:lnL>
+                    <a:lnR w="9525" cap="flat" cmpd="sng" algn="ctr">
+                      <a:solidFill>
+                        <a:srgbClr val="CCCCCC"/>
+                      </a:solidFill>
+                      <a:prstDash val="solid"/>
+                      <a:round/>
+                      <a:headEnd type="none" w="med" len="med"/>
+                      <a:tailEnd type="none" w="med" len="med"/>
+                    </a:lnR>
+                    <a:lnT w="9525" cap="flat" cmpd="sng" algn="ctr">
+                      <a:solidFill>
+                        <a:srgbClr val="CCCCCC"/>
+                      </a:solidFill>
+                      <a:prstDash val="solid"/>
+                      <a:round/>
+                      <a:headEnd type="none" w="med" len="med"/>
+                      <a:tailEnd type="none" w="med" len="med"/>
+                    </a:lnT>
+                    <a:lnB w="9525" cap="flat" cmpd="sng" algn="ctr">
+                      <a:solidFill>
+                        <a:srgbClr val="CCCCCC"/>
+                      </a:solidFill>
+                      <a:prstDash val="solid"/>
+                      <a:round/>
+                      <a:headEnd type="none" w="med" len="med"/>
+                      <a:tailEnd type="none" w="med" len="med"/>
+                    </a:lnB>
+                  </a:tcPr>
+                </a:tc>
+                <a:tc>
+                  <a:txBody>
+                    <a:bodyPr/>
+                    <a:lstStyle/>
+                    <a:p>
+                      <a:pPr algn="ctr" rtl="0" fontAlgn="b"/>
+                      <a:r>
+                        <a:rPr lang="en-US" sz="600">
+                          <a:effectLst/>
+                        </a:rPr>
+                        <a:t>BERT</a:t>
+                      </a:r>
+                    </a:p>
+                  </a:txBody>
+                  <a:tcPr marL="21014" marR="21014" marT="14009" marB="14009" anchor="b">
+                    <a:lnL w="9525" cap="flat" cmpd="sng" algn="ctr">
+                      <a:solidFill>
+                        <a:srgbClr val="CCCCCC"/>
+                      </a:solidFill>
+                      <a:prstDash val="solid"/>
+                      <a:round/>
+                      <a:headEnd type="none" w="med" len="med"/>
+                      <a:tailEnd type="none" w="med" len="med"/>
+                    </a:lnL>
+                    <a:lnR w="9525" cap="flat" cmpd="sng" algn="ctr">
+                      <a:solidFill>
+                        <a:srgbClr val="CCCCCC"/>
+                      </a:solidFill>
+                      <a:prstDash val="solid"/>
+                      <a:round/>
+                      <a:headEnd type="none" w="med" len="med"/>
+                      <a:tailEnd type="none" w="med" len="med"/>
+                    </a:lnR>
+                    <a:lnT w="9525" cap="flat" cmpd="sng" algn="ctr">
+                      <a:solidFill>
+                        <a:srgbClr val="CCCCCC"/>
+                      </a:solidFill>
+                      <a:prstDash val="solid"/>
+                      <a:round/>
+                      <a:headEnd type="none" w="med" len="med"/>
+                      <a:tailEnd type="none" w="med" len="med"/>
+                    </a:lnT>
+                    <a:lnB w="9525" cap="flat" cmpd="sng" algn="ctr">
+                      <a:solidFill>
+                        <a:srgbClr val="CCCCCC"/>
+                      </a:solidFill>
+                      <a:prstDash val="solid"/>
+                      <a:round/>
+                      <a:headEnd type="none" w="med" len="med"/>
+                      <a:tailEnd type="none" w="med" len="med"/>
+                    </a:lnB>
+                  </a:tcPr>
+                </a:tc>
+                <a:tc>
+                  <a:txBody>
+                    <a:bodyPr/>
+                    <a:lstStyle/>
+                    <a:p>
+                      <a:pPr algn="r" rtl="0" fontAlgn="b"/>
+                      <a:r>
+                        <a:rPr lang="en-US" sz="600">
+                          <a:effectLst/>
+                        </a:rPr>
+                        <a:t>340M parameters</a:t>
+                      </a:r>
+                    </a:p>
+                  </a:txBody>
+                  <a:tcPr marL="21014" marR="21014" marT="14009" marB="14009" anchor="b">
+                    <a:lnL w="9525" cap="flat" cmpd="sng" algn="ctr">
+                      <a:solidFill>
+                        <a:srgbClr val="CCCCCC"/>
+                      </a:solidFill>
+                      <a:prstDash val="solid"/>
+                      <a:round/>
+                      <a:headEnd type="none" w="med" len="med"/>
+                      <a:tailEnd type="none" w="med" len="med"/>
+                    </a:lnL>
+                    <a:lnR w="9525" cap="flat" cmpd="sng" algn="ctr">
+                      <a:solidFill>
+                        <a:srgbClr val="CCCCCC"/>
+                      </a:solidFill>
+                      <a:prstDash val="solid"/>
+                      <a:round/>
+                      <a:headEnd type="none" w="med" len="med"/>
+                      <a:tailEnd type="none" w="med" len="med"/>
+                    </a:lnR>
+                    <a:lnT w="9525" cap="flat" cmpd="sng" algn="ctr">
+                      <a:solidFill>
+                        <a:srgbClr val="CCCCCC"/>
+                      </a:solidFill>
+                      <a:prstDash val="solid"/>
+                      <a:round/>
+                      <a:headEnd type="none" w="med" len="med"/>
+                      <a:tailEnd type="none" w="med" len="med"/>
+                    </a:lnT>
+                    <a:lnB w="9525" cap="flat" cmpd="sng" algn="ctr">
+                      <a:solidFill>
+                        <a:srgbClr val="CCCCCC"/>
+                      </a:solidFill>
+                      <a:prstDash val="solid"/>
+                      <a:round/>
+                      <a:headEnd type="none" w="med" len="med"/>
+                      <a:tailEnd type="none" w="med" len="med"/>
+                    </a:lnB>
+                  </a:tcPr>
+                </a:tc>
+                <a:tc>
+                  <a:txBody>
+                    <a:bodyPr/>
+                    <a:lstStyle/>
+                    <a:p>
+                      <a:pPr algn="r" rtl="0" fontAlgn="b"/>
+                      <a:r>
+                        <a:rPr lang="en-US" sz="600" dirty="0" err="1">
+                          <a:effectLst/>
+                        </a:rPr>
+                        <a:t>BooksCorpus</a:t>
+                      </a:r>
+                      <a:r>
+                        <a:rPr lang="en-US" sz="600" dirty="0">
+                          <a:effectLst/>
+                        </a:rPr>
+                        <a:t> and English Wikipedia</a:t>
+                      </a:r>
+                    </a:p>
+                  </a:txBody>
+                  <a:tcPr marL="21014" marR="21014" marT="14009" marB="14009" anchor="b">
+                    <a:lnL w="9525" cap="flat" cmpd="sng" algn="ctr">
+                      <a:solidFill>
+                        <a:srgbClr val="CCCCCC"/>
+                      </a:solidFill>
+                      <a:prstDash val="solid"/>
+                      <a:round/>
+                      <a:headEnd type="none" w="med" len="med"/>
+                      <a:tailEnd type="none" w="med" len="med"/>
+                    </a:lnL>
+                    <a:lnR w="9525" cap="flat" cmpd="sng" algn="ctr">
+                      <a:solidFill>
+                        <a:srgbClr val="CCCCCC"/>
+                      </a:solidFill>
+                      <a:prstDash val="solid"/>
+                      <a:round/>
+                      <a:headEnd type="none" w="med" len="med"/>
+                      <a:tailEnd type="none" w="med" len="med"/>
+                    </a:lnR>
+                    <a:lnT w="9525" cap="flat" cmpd="sng" algn="ctr">
+                      <a:solidFill>
+                        <a:srgbClr val="CCCCCC"/>
+                      </a:solidFill>
+                      <a:prstDash val="solid"/>
+                      <a:round/>
+                      <a:headEnd type="none" w="med" len="med"/>
+                      <a:tailEnd type="none" w="med" len="med"/>
+                    </a:lnT>
+                    <a:lnB w="9525" cap="flat" cmpd="sng" algn="ctr">
+                      <a:solidFill>
+                        <a:srgbClr val="CCCCCC"/>
+                      </a:solidFill>
+                      <a:prstDash val="solid"/>
+                      <a:round/>
+                      <a:headEnd type="none" w="med" len="med"/>
+                      <a:tailEnd type="none" w="med" len="med"/>
+                    </a:lnB>
+                  </a:tcPr>
+                </a:tc>
+                <a:extLst>
+                  <a:ext uri="{0D108BD9-81ED-4DB2-BD59-A6C34878D82A}">
+                    <a16:rowId xmlns:a16="http://schemas.microsoft.com/office/drawing/2014/main" val="929988602"/>
+                  </a:ext>
+                </a:extLst>
+              </a:tr>
+              <a:tr h="439485">
+                <a:tc>
+                  <a:txBody>
+                    <a:bodyPr/>
+                    <a:lstStyle/>
+                    <a:p>
+                      <a:pPr algn="ctr" rtl="0" fontAlgn="b"/>
+                      <a:r>
+                        <a:rPr lang="en-US" altLang="ko-KR" sz="600">
+                          <a:effectLst/>
+                        </a:rPr>
+                        <a:t>2019</a:t>
+                      </a:r>
+                    </a:p>
+                  </a:txBody>
+                  <a:tcPr marL="21014" marR="21014" marT="14009" marB="14009" anchor="b">
+                    <a:lnL w="9525" cap="flat" cmpd="sng" algn="ctr">
+                      <a:solidFill>
+                        <a:srgbClr val="CCCCCC"/>
+                      </a:solidFill>
+                      <a:prstDash val="solid"/>
+                      <a:round/>
+                      <a:headEnd type="none" w="med" len="med"/>
+                      <a:tailEnd type="none" w="med" len="med"/>
+                    </a:lnL>
+                    <a:lnR w="9525" cap="flat" cmpd="sng" algn="ctr">
+                      <a:solidFill>
+                        <a:srgbClr val="CCCCCC"/>
+                      </a:solidFill>
+                      <a:prstDash val="solid"/>
+                      <a:round/>
+                      <a:headEnd type="none" w="med" len="med"/>
+                      <a:tailEnd type="none" w="med" len="med"/>
+                    </a:lnR>
+                    <a:lnT w="9525" cap="flat" cmpd="sng" algn="ctr">
+                      <a:solidFill>
+                        <a:srgbClr val="CCCCCC"/>
+                      </a:solidFill>
+                      <a:prstDash val="solid"/>
+                      <a:round/>
+                      <a:headEnd type="none" w="med" len="med"/>
+                      <a:tailEnd type="none" w="med" len="med"/>
+                    </a:lnT>
+                    <a:lnB w="9525" cap="flat" cmpd="sng" algn="ctr">
+                      <a:solidFill>
+                        <a:srgbClr val="CCCCCC"/>
+                      </a:solidFill>
+                      <a:prstDash val="solid"/>
+                      <a:round/>
+                      <a:headEnd type="none" w="med" len="med"/>
+                      <a:tailEnd type="none" w="med" len="med"/>
+                    </a:lnB>
+                  </a:tcPr>
+                </a:tc>
+                <a:tc>
+                  <a:txBody>
+                    <a:bodyPr/>
+                    <a:lstStyle/>
+                    <a:p>
+                      <a:pPr algn="ctr" rtl="0" fontAlgn="b"/>
+                      <a:r>
+                        <a:rPr lang="en-US" sz="600">
+                          <a:effectLst/>
+                        </a:rPr>
+                        <a:t>GPT-2</a:t>
+                      </a:r>
+                    </a:p>
+                  </a:txBody>
+                  <a:tcPr marL="21014" marR="21014" marT="14009" marB="14009" anchor="b">
+                    <a:lnL w="9525" cap="flat" cmpd="sng" algn="ctr">
+                      <a:solidFill>
+                        <a:srgbClr val="CCCCCC"/>
+                      </a:solidFill>
+                      <a:prstDash val="solid"/>
+                      <a:round/>
+                      <a:headEnd type="none" w="med" len="med"/>
+                      <a:tailEnd type="none" w="med" len="med"/>
+                    </a:lnL>
+                    <a:lnR w="9525" cap="flat" cmpd="sng" algn="ctr">
+                      <a:solidFill>
+                        <a:srgbClr val="CCCCCC"/>
+                      </a:solidFill>
+                      <a:prstDash val="solid"/>
+                      <a:round/>
+                      <a:headEnd type="none" w="med" len="med"/>
+                      <a:tailEnd type="none" w="med" len="med"/>
+                    </a:lnR>
+                    <a:lnT w="9525" cap="flat" cmpd="sng" algn="ctr">
+                      <a:solidFill>
+                        <a:srgbClr val="CCCCCC"/>
+                      </a:solidFill>
+                      <a:prstDash val="solid"/>
+                      <a:round/>
+                      <a:headEnd type="none" w="med" len="med"/>
+                      <a:tailEnd type="none" w="med" len="med"/>
+                    </a:lnT>
+                    <a:lnB w="9525" cap="flat" cmpd="sng" algn="ctr">
+                      <a:solidFill>
+                        <a:srgbClr val="CCCCCC"/>
+                      </a:solidFill>
+                      <a:prstDash val="solid"/>
+                      <a:round/>
+                      <a:headEnd type="none" w="med" len="med"/>
+                      <a:tailEnd type="none" w="med" len="med"/>
+                    </a:lnB>
+                  </a:tcPr>
+                </a:tc>
+                <a:tc>
+                  <a:txBody>
+                    <a:bodyPr/>
+                    <a:lstStyle/>
+                    <a:p>
+                      <a:pPr algn="r" rtl="0" fontAlgn="b"/>
+                      <a:r>
+                        <a:rPr lang="en-US" sz="600">
+                          <a:effectLst/>
+                        </a:rPr>
+                        <a:t>1.5B parameters</a:t>
+                      </a:r>
+                    </a:p>
+                  </a:txBody>
+                  <a:tcPr marL="21014" marR="21014" marT="14009" marB="14009" anchor="b">
+                    <a:lnL w="9525" cap="flat" cmpd="sng" algn="ctr">
+                      <a:solidFill>
+                        <a:srgbClr val="CCCCCC"/>
+                      </a:solidFill>
+                      <a:prstDash val="solid"/>
+                      <a:round/>
+                      <a:headEnd type="none" w="med" len="med"/>
+                      <a:tailEnd type="none" w="med" len="med"/>
+                    </a:lnL>
+                    <a:lnR w="9525" cap="flat" cmpd="sng" algn="ctr">
+                      <a:solidFill>
+                        <a:srgbClr val="CCCCCC"/>
+                      </a:solidFill>
+                      <a:prstDash val="solid"/>
+                      <a:round/>
+                      <a:headEnd type="none" w="med" len="med"/>
+                      <a:tailEnd type="none" w="med" len="med"/>
+                    </a:lnR>
+                    <a:lnT w="9525" cap="flat" cmpd="sng" algn="ctr">
+                      <a:solidFill>
+                        <a:srgbClr val="CCCCCC"/>
+                      </a:solidFill>
+                      <a:prstDash val="solid"/>
+                      <a:round/>
+                      <a:headEnd type="none" w="med" len="med"/>
+                      <a:tailEnd type="none" w="med" len="med"/>
+                    </a:lnT>
+                    <a:lnB w="9525" cap="flat" cmpd="sng" algn="ctr">
+                      <a:solidFill>
+                        <a:srgbClr val="CCCCCC"/>
+                      </a:solidFill>
+                      <a:prstDash val="solid"/>
+                      <a:round/>
+                      <a:headEnd type="none" w="med" len="med"/>
+                      <a:tailEnd type="none" w="med" len="med"/>
+                    </a:lnB>
+                  </a:tcPr>
+                </a:tc>
+                <a:tc>
+                  <a:txBody>
+                    <a:bodyPr/>
+                    <a:lstStyle/>
+                    <a:p>
+                      <a:pPr algn="r" rtl="0" fontAlgn="b"/>
+                      <a:r>
+                        <a:rPr lang="en-US" sz="600" dirty="0" err="1">
+                          <a:effectLst/>
+                        </a:rPr>
+                        <a:t>BooksCorpus</a:t>
+                      </a:r>
+                      <a:r>
+                        <a:rPr lang="en-US" sz="600" dirty="0">
+                          <a:effectLst/>
+                        </a:rPr>
+                        <a:t> and English Wikipedia</a:t>
+                      </a:r>
+                    </a:p>
+                  </a:txBody>
+                  <a:tcPr marL="21014" marR="21014" marT="14009" marB="14009" anchor="b">
+                    <a:lnL w="9525" cap="flat" cmpd="sng" algn="ctr">
+                      <a:solidFill>
+                        <a:srgbClr val="CCCCCC"/>
+                      </a:solidFill>
+                      <a:prstDash val="solid"/>
+                      <a:round/>
+                      <a:headEnd type="none" w="med" len="med"/>
+                      <a:tailEnd type="none" w="med" len="med"/>
+                    </a:lnL>
+                    <a:lnR w="9525" cap="flat" cmpd="sng" algn="ctr">
+                      <a:solidFill>
+                        <a:srgbClr val="CCCCCC"/>
+                      </a:solidFill>
+                      <a:prstDash val="solid"/>
+                      <a:round/>
+                      <a:headEnd type="none" w="med" len="med"/>
+                      <a:tailEnd type="none" w="med" len="med"/>
+                    </a:lnR>
+                    <a:lnT w="9525" cap="flat" cmpd="sng" algn="ctr">
+                      <a:solidFill>
+                        <a:srgbClr val="CCCCCC"/>
+                      </a:solidFill>
+                      <a:prstDash val="solid"/>
+                      <a:round/>
+                      <a:headEnd type="none" w="med" len="med"/>
+                      <a:tailEnd type="none" w="med" len="med"/>
+                    </a:lnT>
+                    <a:lnB w="9525" cap="flat" cmpd="sng" algn="ctr">
+                      <a:solidFill>
+                        <a:srgbClr val="CCCCCC"/>
+                      </a:solidFill>
+                      <a:prstDash val="solid"/>
+                      <a:round/>
+                      <a:headEnd type="none" w="med" len="med"/>
+                      <a:tailEnd type="none" w="med" len="med"/>
+                    </a:lnB>
+                  </a:tcPr>
+                </a:tc>
+                <a:extLst>
+                  <a:ext uri="{0D108BD9-81ED-4DB2-BD59-A6C34878D82A}">
+                    <a16:rowId xmlns:a16="http://schemas.microsoft.com/office/drawing/2014/main" val="3711556482"/>
+                  </a:ext>
+                </a:extLst>
+              </a:tr>
+              <a:tr h="439485">
+                <a:tc>
+                  <a:txBody>
+                    <a:bodyPr/>
+                    <a:lstStyle/>
+                    <a:p>
+                      <a:pPr algn="ctr" rtl="0" fontAlgn="b"/>
+                      <a:r>
+                        <a:rPr lang="en-US" altLang="ko-KR" sz="600">
+                          <a:effectLst/>
+                        </a:rPr>
+                        <a:t>2020</a:t>
+                      </a:r>
+                    </a:p>
+                  </a:txBody>
+                  <a:tcPr marL="21014" marR="21014" marT="14009" marB="14009" anchor="b">
+                    <a:lnL w="9525" cap="flat" cmpd="sng" algn="ctr">
+                      <a:solidFill>
+                        <a:srgbClr val="CCCCCC"/>
+                      </a:solidFill>
+                      <a:prstDash val="solid"/>
+                      <a:round/>
+                      <a:headEnd type="none" w="med" len="med"/>
+                      <a:tailEnd type="none" w="med" len="med"/>
+                    </a:lnL>
+                    <a:lnR w="9525" cap="flat" cmpd="sng" algn="ctr">
+                      <a:solidFill>
+                        <a:srgbClr val="CCCCCC"/>
+                      </a:solidFill>
+                      <a:prstDash val="solid"/>
+                      <a:round/>
+                      <a:headEnd type="none" w="med" len="med"/>
+                      <a:tailEnd type="none" w="med" len="med"/>
+                    </a:lnR>
+                    <a:lnT w="9525" cap="flat" cmpd="sng" algn="ctr">
+                      <a:solidFill>
+                        <a:srgbClr val="CCCCCC"/>
+                      </a:solidFill>
+                      <a:prstDash val="solid"/>
+                      <a:round/>
+                      <a:headEnd type="none" w="med" len="med"/>
+                      <a:tailEnd type="none" w="med" len="med"/>
+                    </a:lnT>
+                    <a:lnB w="9525" cap="flat" cmpd="sng" algn="ctr">
+                      <a:solidFill>
+                        <a:srgbClr val="CCCCCC"/>
+                      </a:solidFill>
+                      <a:prstDash val="solid"/>
+                      <a:round/>
+                      <a:headEnd type="none" w="med" len="med"/>
+                      <a:tailEnd type="none" w="med" len="med"/>
+                    </a:lnB>
+                  </a:tcPr>
+                </a:tc>
+                <a:tc>
+                  <a:txBody>
+                    <a:bodyPr/>
+                    <a:lstStyle/>
+                    <a:p>
+                      <a:pPr algn="ctr" rtl="0" fontAlgn="b"/>
+                      <a:r>
+                        <a:rPr lang="en-US" sz="600">
+                          <a:effectLst/>
+                        </a:rPr>
+                        <a:t>GPT-3</a:t>
+                      </a:r>
+                    </a:p>
+                  </a:txBody>
+                  <a:tcPr marL="21014" marR="21014" marT="14009" marB="14009" anchor="b">
+                    <a:lnL w="9525" cap="flat" cmpd="sng" algn="ctr">
+                      <a:solidFill>
+                        <a:srgbClr val="CCCCCC"/>
+                      </a:solidFill>
+                      <a:prstDash val="solid"/>
+                      <a:round/>
+                      <a:headEnd type="none" w="med" len="med"/>
+                      <a:tailEnd type="none" w="med" len="med"/>
+                    </a:lnL>
+                    <a:lnR w="9525" cap="flat" cmpd="sng" algn="ctr">
+                      <a:solidFill>
+                        <a:srgbClr val="CCCCCC"/>
+                      </a:solidFill>
+                      <a:prstDash val="solid"/>
+                      <a:round/>
+                      <a:headEnd type="none" w="med" len="med"/>
+                      <a:tailEnd type="none" w="med" len="med"/>
+                    </a:lnR>
+                    <a:lnT w="9525" cap="flat" cmpd="sng" algn="ctr">
+                      <a:solidFill>
+                        <a:srgbClr val="CCCCCC"/>
+                      </a:solidFill>
+                      <a:prstDash val="solid"/>
+                      <a:round/>
+                      <a:headEnd type="none" w="med" len="med"/>
+                      <a:tailEnd type="none" w="med" len="med"/>
+                    </a:lnT>
+                    <a:lnB w="9525" cap="flat" cmpd="sng" algn="ctr">
+                      <a:solidFill>
+                        <a:srgbClr val="CCCCCC"/>
+                      </a:solidFill>
+                      <a:prstDash val="solid"/>
+                      <a:round/>
+                      <a:headEnd type="none" w="med" len="med"/>
+                      <a:tailEnd type="none" w="med" len="med"/>
+                    </a:lnB>
+                  </a:tcPr>
+                </a:tc>
+                <a:tc>
+                  <a:txBody>
+                    <a:bodyPr/>
+                    <a:lstStyle/>
+                    <a:p>
+                      <a:pPr algn="r" rtl="0" fontAlgn="b"/>
+                      <a:r>
+                        <a:rPr lang="en-US" sz="600">
+                          <a:effectLst/>
+                        </a:rPr>
+                        <a:t>175B parameters</a:t>
+                      </a:r>
+                    </a:p>
+                  </a:txBody>
+                  <a:tcPr marL="21014" marR="21014" marT="14009" marB="14009" anchor="b">
+                    <a:lnL w="9525" cap="flat" cmpd="sng" algn="ctr">
+                      <a:solidFill>
+                        <a:srgbClr val="CCCCCC"/>
+                      </a:solidFill>
+                      <a:prstDash val="solid"/>
+                      <a:round/>
+                      <a:headEnd type="none" w="med" len="med"/>
+                      <a:tailEnd type="none" w="med" len="med"/>
+                    </a:lnL>
+                    <a:lnR w="9525" cap="flat" cmpd="sng" algn="ctr">
+                      <a:solidFill>
+                        <a:srgbClr val="CCCCCC"/>
+                      </a:solidFill>
+                      <a:prstDash val="solid"/>
+                      <a:round/>
+                      <a:headEnd type="none" w="med" len="med"/>
+                      <a:tailEnd type="none" w="med" len="med"/>
+                    </a:lnR>
+                    <a:lnT w="9525" cap="flat" cmpd="sng" algn="ctr">
+                      <a:solidFill>
+                        <a:srgbClr val="CCCCCC"/>
+                      </a:solidFill>
+                      <a:prstDash val="solid"/>
+                      <a:round/>
+                      <a:headEnd type="none" w="med" len="med"/>
+                      <a:tailEnd type="none" w="med" len="med"/>
+                    </a:lnT>
+                    <a:lnB w="9525" cap="flat" cmpd="sng" algn="ctr">
+                      <a:solidFill>
+                        <a:srgbClr val="CCCCCC"/>
+                      </a:solidFill>
+                      <a:prstDash val="solid"/>
+                      <a:round/>
+                      <a:headEnd type="none" w="med" len="med"/>
+                      <a:tailEnd type="none" w="med" len="med"/>
+                    </a:lnB>
+                  </a:tcPr>
+                </a:tc>
+                <a:tc>
+                  <a:txBody>
+                    <a:bodyPr/>
+                    <a:lstStyle/>
+                    <a:p>
+                      <a:pPr algn="r" rtl="0" fontAlgn="b"/>
+                      <a:r>
+                        <a:rPr lang="en-US" sz="600" dirty="0" err="1">
+                          <a:effectLst/>
+                        </a:rPr>
+                        <a:t>BooksCorpus</a:t>
+                      </a:r>
+                      <a:r>
+                        <a:rPr lang="en-US" sz="600" dirty="0">
+                          <a:effectLst/>
+                        </a:rPr>
+                        <a:t> and English Wikipedia</a:t>
+                      </a:r>
+                    </a:p>
+                  </a:txBody>
+                  <a:tcPr marL="21014" marR="21014" marT="14009" marB="14009" anchor="b">
+                    <a:lnL w="9525" cap="flat" cmpd="sng" algn="ctr">
+                      <a:solidFill>
+                        <a:srgbClr val="CCCCCC"/>
+                      </a:solidFill>
+                      <a:prstDash val="solid"/>
+                      <a:round/>
+                      <a:headEnd type="none" w="med" len="med"/>
+                      <a:tailEnd type="none" w="med" len="med"/>
+                    </a:lnL>
+                    <a:lnR w="9525" cap="flat" cmpd="sng" algn="ctr">
+                      <a:solidFill>
+                        <a:srgbClr val="CCCCCC"/>
+                      </a:solidFill>
+                      <a:prstDash val="solid"/>
+                      <a:round/>
+                      <a:headEnd type="none" w="med" len="med"/>
+                      <a:tailEnd type="none" w="med" len="med"/>
+                    </a:lnR>
+                    <a:lnT w="9525" cap="flat" cmpd="sng" algn="ctr">
+                      <a:solidFill>
+                        <a:srgbClr val="CCCCCC"/>
+                      </a:solidFill>
+                      <a:prstDash val="solid"/>
+                      <a:round/>
+                      <a:headEnd type="none" w="med" len="med"/>
+                      <a:tailEnd type="none" w="med" len="med"/>
+                    </a:lnT>
+                    <a:lnB w="9525" cap="flat" cmpd="sng" algn="ctr">
+                      <a:solidFill>
+                        <a:srgbClr val="CCCCCC"/>
+                      </a:solidFill>
+                      <a:prstDash val="solid"/>
+                      <a:round/>
+                      <a:headEnd type="none" w="med" len="med"/>
+                      <a:tailEnd type="none" w="med" len="med"/>
+                    </a:lnB>
+                  </a:tcPr>
+                </a:tc>
+                <a:extLst>
+                  <a:ext uri="{0D108BD9-81ED-4DB2-BD59-A6C34878D82A}">
+                    <a16:rowId xmlns:a16="http://schemas.microsoft.com/office/drawing/2014/main" val="1008026726"/>
+                  </a:ext>
+                </a:extLst>
+              </a:tr>
+              <a:tr h="916247">
+                <a:tc>
+                  <a:txBody>
+                    <a:bodyPr/>
+                    <a:lstStyle/>
+                    <a:p>
+                      <a:pPr algn="ctr" rtl="0" fontAlgn="b"/>
+                      <a:r>
+                        <a:rPr lang="en-US" altLang="ko-KR" sz="2000" dirty="0">
+                          <a:effectLst/>
+                        </a:rPr>
+                        <a:t>2022</a:t>
+                      </a:r>
+                    </a:p>
+                  </a:txBody>
+                  <a:tcPr marL="21014" marR="21014" marT="14009" marB="14009" anchor="b">
+                    <a:lnL w="9525" cap="flat" cmpd="sng" algn="ctr">
+                      <a:solidFill>
+                        <a:srgbClr val="CCCCCC"/>
+                      </a:solidFill>
+                      <a:prstDash val="solid"/>
+                      <a:round/>
+                      <a:headEnd type="none" w="med" len="med"/>
+                      <a:tailEnd type="none" w="med" len="med"/>
+                    </a:lnL>
+                    <a:lnR w="9525" cap="flat" cmpd="sng" algn="ctr">
+                      <a:solidFill>
+                        <a:srgbClr val="CCCCCC"/>
+                      </a:solidFill>
+                      <a:prstDash val="solid"/>
+                      <a:round/>
+                      <a:headEnd type="none" w="med" len="med"/>
+                      <a:tailEnd type="none" w="med" len="med"/>
+                    </a:lnR>
+                    <a:lnT w="9525" cap="flat" cmpd="sng" algn="ctr">
+                      <a:solidFill>
+                        <a:srgbClr val="CCCCCC"/>
+                      </a:solidFill>
+                      <a:prstDash val="solid"/>
+                      <a:round/>
+                      <a:headEnd type="none" w="med" len="med"/>
+                      <a:tailEnd type="none" w="med" len="med"/>
+                    </a:lnT>
+                    <a:lnB w="9525" cap="flat" cmpd="sng" algn="ctr">
+                      <a:solidFill>
+                        <a:srgbClr val="CCCCCC"/>
+                      </a:solidFill>
+                      <a:prstDash val="solid"/>
+                      <a:round/>
+                      <a:headEnd type="none" w="med" len="med"/>
+                      <a:tailEnd type="none" w="med" len="med"/>
+                    </a:lnB>
+                  </a:tcPr>
+                </a:tc>
+                <a:tc>
+                  <a:txBody>
+                    <a:bodyPr/>
+                    <a:lstStyle/>
+                    <a:p>
+                      <a:pPr algn="ctr" rtl="0" fontAlgn="b"/>
+                      <a:r>
+                        <a:rPr lang="en-US" sz="1600" dirty="0" err="1">
+                          <a:effectLst/>
+                        </a:rPr>
+                        <a:t>ChatGPT</a:t>
+                      </a:r>
+                      <a:r>
+                        <a:rPr lang="en-US" sz="1600" dirty="0">
+                          <a:effectLst/>
+                        </a:rPr>
+                        <a:t> 3.5</a:t>
+                      </a:r>
+                    </a:p>
+                  </a:txBody>
+                  <a:tcPr marL="21014" marR="21014" marT="14009" marB="14009" anchor="b">
+                    <a:lnL w="9525" cap="flat" cmpd="sng" algn="ctr">
+                      <a:solidFill>
+                        <a:srgbClr val="CCCCCC"/>
+                      </a:solidFill>
+                      <a:prstDash val="solid"/>
+                      <a:round/>
+                      <a:headEnd type="none" w="med" len="med"/>
+                      <a:tailEnd type="none" w="med" len="med"/>
+                    </a:lnL>
+                    <a:lnR w="9525" cap="flat" cmpd="sng" algn="ctr">
+                      <a:solidFill>
+                        <a:srgbClr val="CCCCCC"/>
+                      </a:solidFill>
+                      <a:prstDash val="solid"/>
+                      <a:round/>
+                      <a:headEnd type="none" w="med" len="med"/>
+                      <a:tailEnd type="none" w="med" len="med"/>
+                    </a:lnR>
+                    <a:lnT w="9525" cap="flat" cmpd="sng" algn="ctr">
+                      <a:solidFill>
+                        <a:srgbClr val="CCCCCC"/>
+                      </a:solidFill>
+                      <a:prstDash val="solid"/>
+                      <a:round/>
+                      <a:headEnd type="none" w="med" len="med"/>
+                      <a:tailEnd type="none" w="med" len="med"/>
+                    </a:lnT>
+                    <a:lnB w="9525" cap="flat" cmpd="sng" algn="ctr">
+                      <a:solidFill>
+                        <a:srgbClr val="CCCCCC"/>
+                      </a:solidFill>
+                      <a:prstDash val="solid"/>
+                      <a:round/>
+                      <a:headEnd type="none" w="med" len="med"/>
+                      <a:tailEnd type="none" w="med" len="med"/>
+                    </a:lnB>
+                  </a:tcPr>
+                </a:tc>
+                <a:tc>
+                  <a:txBody>
+                    <a:bodyPr/>
+                    <a:lstStyle/>
+                    <a:p>
+                      <a:pPr algn="r" rtl="0" fontAlgn="b"/>
+                      <a:r>
+                        <a:rPr lang="en-US" sz="600" dirty="0">
+                          <a:effectLst/>
+                        </a:rPr>
+                        <a:t>1.37B</a:t>
+                      </a:r>
+                      <a:r>
+                        <a:rPr lang="en-US" sz="1600" dirty="0">
+                          <a:effectLst/>
+                        </a:rPr>
+                        <a:t> </a:t>
+                      </a:r>
+                    </a:p>
+                  </a:txBody>
+                  <a:tcPr marL="21014" marR="21014" marT="14009" marB="14009" anchor="b">
+                    <a:lnL w="9525" cap="flat" cmpd="sng" algn="ctr">
+                      <a:solidFill>
+                        <a:srgbClr val="CCCCCC"/>
+                      </a:solidFill>
+                      <a:prstDash val="solid"/>
+                      <a:round/>
+                      <a:headEnd type="none" w="med" len="med"/>
+                      <a:tailEnd type="none" w="med" len="med"/>
+                    </a:lnL>
+                    <a:lnR w="9525" cap="flat" cmpd="sng" algn="ctr">
+                      <a:solidFill>
+                        <a:srgbClr val="CCCCCC"/>
+                      </a:solidFill>
+                      <a:prstDash val="solid"/>
+                      <a:round/>
+                      <a:headEnd type="none" w="med" len="med"/>
+                      <a:tailEnd type="none" w="med" len="med"/>
+                    </a:lnR>
+                    <a:lnT w="9525" cap="flat" cmpd="sng" algn="ctr">
+                      <a:solidFill>
+                        <a:srgbClr val="CCCCCC"/>
+                      </a:solidFill>
+                      <a:prstDash val="solid"/>
+                      <a:round/>
+                      <a:headEnd type="none" w="med" len="med"/>
+                      <a:tailEnd type="none" w="med" len="med"/>
+                    </a:lnT>
+                    <a:lnB w="9525" cap="flat" cmpd="sng" algn="ctr">
+                      <a:solidFill>
+                        <a:srgbClr val="CCCCCC"/>
+                      </a:solidFill>
+                      <a:prstDash val="solid"/>
+                      <a:round/>
+                      <a:headEnd type="none" w="med" len="med"/>
+                      <a:tailEnd type="none" w="med" len="med"/>
+                    </a:lnB>
+                  </a:tcPr>
+                </a:tc>
+                <a:tc>
+                  <a:txBody>
+                    <a:bodyPr/>
+                    <a:lstStyle/>
+                    <a:p>
+                      <a:pPr algn="r" rtl="0" fontAlgn="b"/>
+                      <a:r>
+                        <a:rPr lang="en-US" sz="1600" dirty="0">
+                          <a:effectLst/>
+                        </a:rPr>
+                        <a:t>1.64TB of data, </a:t>
+                      </a:r>
+                      <a:br>
+                        <a:rPr lang="en-US" sz="1600" dirty="0">
+                          <a:effectLst/>
+                        </a:rPr>
+                      </a:br>
+                      <a:r>
+                        <a:rPr lang="en-US" sz="1600" dirty="0">
+                          <a:effectLst/>
+                        </a:rPr>
+                        <a:t>including programming codes, </a:t>
+                      </a:r>
+                      <a:br>
+                        <a:rPr lang="en-US" sz="1600" dirty="0">
+                          <a:effectLst/>
+                        </a:rPr>
+                      </a:br>
+                      <a:r>
+                        <a:rPr lang="en-US" sz="1600" dirty="0">
+                          <a:effectLst/>
+                        </a:rPr>
+                        <a:t>academic papers, </a:t>
+                      </a:r>
+                      <a:br>
+                        <a:rPr lang="en-US" sz="1600" dirty="0">
+                          <a:effectLst/>
+                        </a:rPr>
+                      </a:br>
+                      <a:r>
+                        <a:rPr lang="en-US" sz="1600" dirty="0">
+                          <a:effectLst/>
+                        </a:rPr>
+                        <a:t>and news articles</a:t>
+                      </a:r>
+                    </a:p>
+                  </a:txBody>
+                  <a:tcPr marL="21014" marR="21014" marT="14009" marB="14009" anchor="b">
+                    <a:lnL w="9525" cap="flat" cmpd="sng" algn="ctr">
+                      <a:solidFill>
+                        <a:srgbClr val="CCCCCC"/>
+                      </a:solidFill>
+                      <a:prstDash val="solid"/>
+                      <a:round/>
+                      <a:headEnd type="none" w="med" len="med"/>
+                      <a:tailEnd type="none" w="med" len="med"/>
+                    </a:lnL>
+                    <a:lnR w="9525" cap="flat" cmpd="sng" algn="ctr">
+                      <a:solidFill>
+                        <a:srgbClr val="CCCCCC"/>
+                      </a:solidFill>
+                      <a:prstDash val="solid"/>
+                      <a:round/>
+                      <a:headEnd type="none" w="med" len="med"/>
+                      <a:tailEnd type="none" w="med" len="med"/>
+                    </a:lnR>
+                    <a:lnT w="9525" cap="flat" cmpd="sng" algn="ctr">
+                      <a:solidFill>
+                        <a:srgbClr val="CCCCCC"/>
+                      </a:solidFill>
+                      <a:prstDash val="solid"/>
+                      <a:round/>
+                      <a:headEnd type="none" w="med" len="med"/>
+                      <a:tailEnd type="none" w="med" len="med"/>
+                    </a:lnT>
+                    <a:lnB w="9525" cap="flat" cmpd="sng" algn="ctr">
+                      <a:solidFill>
+                        <a:srgbClr val="CCCCCC"/>
+                      </a:solidFill>
+                      <a:prstDash val="solid"/>
+                      <a:round/>
+                      <a:headEnd type="none" w="med" len="med"/>
+                      <a:tailEnd type="none" w="med" len="med"/>
+                    </a:lnB>
+                  </a:tcPr>
+                </a:tc>
+                <a:extLst>
+                  <a:ext uri="{0D108BD9-81ED-4DB2-BD59-A6C34878D82A}">
+                    <a16:rowId xmlns:a16="http://schemas.microsoft.com/office/drawing/2014/main" val="542553714"/>
+                  </a:ext>
+                </a:extLst>
+              </a:tr>
+            </a:tbl>
+          </a:graphicData>
+        </a:graphic>
+      </p:graphicFrame>
+    </p:spTree>
+    <p:extLst>
+      <p:ext uri="{BB962C8B-B14F-4D97-AF65-F5344CB8AC3E}">
+        <p14:creationId xmlns:p14="http://schemas.microsoft.com/office/powerpoint/2010/main" val="3716533415"/>
+      </p:ext>
+    </p:extLst>
+  </p:cSld>
+  <p:clrMapOvr>
+    <a:masterClrMapping/>
+  </p:clrMapOvr>
+</p:sld>
+</file>
+
+<file path=ppt/slides/slide20.xml><?xml version="1.0" encoding="utf-8"?>
 <p:sld xmlns:a="http://schemas.openxmlformats.org/drawingml/2006/main" xmlns:r="http://schemas.openxmlformats.org/officeDocument/2006/relationships" xmlns:p="http://schemas.openxmlformats.org/presentationml/2006/main">
   <p:cSld>
     <p:spTree>
@@ -8329,7 +11281,7 @@
 </p:sld>
 </file>
 
-<file path=ppt/slides/slide19.xml><?xml version="1.0" encoding="utf-8"?>
+<file path=ppt/slides/slide21.xml><?xml version="1.0" encoding="utf-8"?>
 <p:sld xmlns:a="http://schemas.openxmlformats.org/drawingml/2006/main" xmlns:r="http://schemas.openxmlformats.org/officeDocument/2006/relationships" xmlns:p="http://schemas.openxmlformats.org/presentationml/2006/main">
   <p:cSld>
     <p:spTree>
@@ -8406,7 +11358,222 @@
 </p:sld>
 </file>
 
-<file path=ppt/slides/slide2.xml><?xml version="1.0" encoding="utf-8"?>
+<file path=ppt/slides/slide22.xml><?xml version="1.0" encoding="utf-8"?>
+<p:sld xmlns:a="http://schemas.openxmlformats.org/drawingml/2006/main" xmlns:r="http://schemas.openxmlformats.org/officeDocument/2006/relationships" xmlns:p="http://schemas.openxmlformats.org/presentationml/2006/main">
+  <p:cSld>
+    <p:spTree>
+      <p:nvGrpSpPr>
+        <p:cNvPr id="1" name=""/>
+        <p:cNvGrpSpPr/>
+        <p:nvPr/>
+      </p:nvGrpSpPr>
+      <p:grpSpPr>
+        <a:xfrm>
+          <a:off x="0" y="0"/>
+          <a:ext cx="0" cy="0"/>
+          <a:chOff x="0" y="0"/>
+          <a:chExt cx="0" cy="0"/>
+        </a:xfrm>
+      </p:grpSpPr>
+      <p:sp>
+        <p:nvSpPr>
+          <p:cNvPr id="2" name="제목 1">
+            <a:extLst>
+              <a:ext uri="{FF2B5EF4-FFF2-40B4-BE49-F238E27FC236}">
+                <a16:creationId xmlns:a16="http://schemas.microsoft.com/office/drawing/2014/main" id="{2C7DC414-5476-4906-A49A-790B7566AA22}"/>
+              </a:ext>
+            </a:extLst>
+          </p:cNvPr>
+          <p:cNvSpPr>
+            <a:spLocks noGrp="1"/>
+          </p:cNvSpPr>
+          <p:nvPr>
+            <p:ph type="title"/>
+          </p:nvPr>
+        </p:nvSpPr>
+        <p:spPr/>
+        <p:txBody>
+          <a:bodyPr/>
+          <a:lstStyle/>
+          <a:p>
+            <a:r>
+              <a:rPr lang="en-US" altLang="ko-KR" dirty="0"/>
+              <a:t>large language models</a:t>
+            </a:r>
+            <a:endParaRPr lang="ko-KR" altLang="en-US" dirty="0"/>
+          </a:p>
+        </p:txBody>
+      </p:sp>
+      <p:pic>
+        <p:nvPicPr>
+          <p:cNvPr id="4" name="내용 개체 틀 3">
+            <a:extLst>
+              <a:ext uri="{FF2B5EF4-FFF2-40B4-BE49-F238E27FC236}">
+                <a16:creationId xmlns:a16="http://schemas.microsoft.com/office/drawing/2014/main" id="{40A08E6D-07E7-486F-9B6F-C780AC6BE581}"/>
+              </a:ext>
+            </a:extLst>
+          </p:cNvPr>
+          <p:cNvPicPr>
+            <a:picLocks noGrp="1" noChangeAspect="1"/>
+          </p:cNvPicPr>
+          <p:nvPr>
+            <p:ph idx="1"/>
+          </p:nvPr>
+        </p:nvPicPr>
+        <p:blipFill>
+          <a:blip r:embed="rId2"/>
+          <a:stretch>
+            <a:fillRect/>
+          </a:stretch>
+        </p:blipFill>
+        <p:spPr>
+          <a:xfrm>
+            <a:off x="2178045" y="1825625"/>
+            <a:ext cx="7835910" cy="4351338"/>
+          </a:xfrm>
+          <a:prstGeom prst="rect">
+            <a:avLst/>
+          </a:prstGeom>
+        </p:spPr>
+      </p:pic>
+    </p:spTree>
+    <p:extLst>
+      <p:ext uri="{BB962C8B-B14F-4D97-AF65-F5344CB8AC3E}">
+        <p14:creationId xmlns:p14="http://schemas.microsoft.com/office/powerpoint/2010/main" val="1311201102"/>
+      </p:ext>
+    </p:extLst>
+  </p:cSld>
+  <p:clrMapOvr>
+    <a:masterClrMapping/>
+  </p:clrMapOvr>
+</p:sld>
+</file>
+
+<file path=ppt/slides/slide23.xml><?xml version="1.0" encoding="utf-8"?>
+<p:sld xmlns:a="http://schemas.openxmlformats.org/drawingml/2006/main" xmlns:r="http://schemas.openxmlformats.org/officeDocument/2006/relationships" xmlns:p="http://schemas.openxmlformats.org/presentationml/2006/main">
+  <p:cSld>
+    <p:spTree>
+      <p:nvGrpSpPr>
+        <p:cNvPr id="1" name=""/>
+        <p:cNvGrpSpPr/>
+        <p:nvPr/>
+      </p:nvGrpSpPr>
+      <p:grpSpPr>
+        <a:xfrm>
+          <a:off x="0" y="0"/>
+          <a:ext cx="0" cy="0"/>
+          <a:chOff x="0" y="0"/>
+          <a:chExt cx="0" cy="0"/>
+        </a:xfrm>
+      </p:grpSpPr>
+      <p:sp>
+        <p:nvSpPr>
+          <p:cNvPr id="2" name="제목 1">
+            <a:extLst>
+              <a:ext uri="{FF2B5EF4-FFF2-40B4-BE49-F238E27FC236}">
+                <a16:creationId xmlns:a16="http://schemas.microsoft.com/office/drawing/2014/main" id="{F57B0A47-B9CD-4FFA-89E5-78C66529B0A1}"/>
+              </a:ext>
+            </a:extLst>
+          </p:cNvPr>
+          <p:cNvSpPr>
+            <a:spLocks noGrp="1"/>
+          </p:cNvSpPr>
+          <p:nvPr>
+            <p:ph type="title"/>
+          </p:nvPr>
+        </p:nvSpPr>
+        <p:spPr/>
+        <p:txBody>
+          <a:bodyPr/>
+          <a:lstStyle/>
+          <a:p>
+            <a:r>
+              <a:rPr lang="en-US" altLang="ko-KR" dirty="0">
+                <a:hlinkClick r:id="rId2"/>
+              </a:rPr>
+              <a:t>Natural Language Processing</a:t>
+            </a:r>
+            <a:endParaRPr lang="ko-KR" altLang="en-US" dirty="0"/>
+          </a:p>
+        </p:txBody>
+      </p:sp>
+      <p:sp>
+        <p:nvSpPr>
+          <p:cNvPr id="3" name="내용 개체 틀 2">
+            <a:extLst>
+              <a:ext uri="{FF2B5EF4-FFF2-40B4-BE49-F238E27FC236}">
+                <a16:creationId xmlns:a16="http://schemas.microsoft.com/office/drawing/2014/main" id="{EFC5DA8C-1000-4BD7-A423-247F8827DDF5}"/>
+              </a:ext>
+            </a:extLst>
+          </p:cNvPr>
+          <p:cNvSpPr>
+            <a:spLocks noGrp="1"/>
+          </p:cNvSpPr>
+          <p:nvPr>
+            <p:ph idx="1"/>
+          </p:nvPr>
+        </p:nvSpPr>
+        <p:spPr/>
+        <p:txBody>
+          <a:bodyPr>
+            <a:normAutofit/>
+          </a:bodyPr>
+          <a:lstStyle/>
+          <a:p>
+            <a:r>
+              <a:rPr lang="en-US" altLang="ko-KR" sz="2400" dirty="0">
+                <a:hlinkClick r:id="rId2"/>
+              </a:rPr>
+              <a:t>Natural Language Processing (NLP) [A Complete Guide] (deeplearning.ai)</a:t>
+            </a:r>
+            <a:endParaRPr lang="ko-KR" altLang="en-US" sz="2400" dirty="0"/>
+          </a:p>
+        </p:txBody>
+      </p:sp>
+      <p:pic>
+        <p:nvPicPr>
+          <p:cNvPr id="4" name="그림 3">
+            <a:extLst>
+              <a:ext uri="{FF2B5EF4-FFF2-40B4-BE49-F238E27FC236}">
+                <a16:creationId xmlns:a16="http://schemas.microsoft.com/office/drawing/2014/main" id="{3C44C756-8A92-4D9A-BF05-06AE2786961F}"/>
+              </a:ext>
+            </a:extLst>
+          </p:cNvPr>
+          <p:cNvPicPr>
+            <a:picLocks noChangeAspect="1"/>
+          </p:cNvPicPr>
+          <p:nvPr/>
+        </p:nvPicPr>
+        <p:blipFill>
+          <a:blip r:embed="rId3"/>
+          <a:stretch>
+            <a:fillRect/>
+          </a:stretch>
+        </p:blipFill>
+        <p:spPr>
+          <a:xfrm>
+            <a:off x="3690937" y="2778125"/>
+            <a:ext cx="4810125" cy="3714750"/>
+          </a:xfrm>
+          <a:prstGeom prst="rect">
+            <a:avLst/>
+          </a:prstGeom>
+        </p:spPr>
+      </p:pic>
+    </p:spTree>
+    <p:extLst>
+      <p:ext uri="{BB962C8B-B14F-4D97-AF65-F5344CB8AC3E}">
+        <p14:creationId xmlns:p14="http://schemas.microsoft.com/office/powerpoint/2010/main" val="96469733"/>
+      </p:ext>
+    </p:extLst>
+  </p:cSld>
+  <p:clrMapOvr>
+    <a:masterClrMapping/>
+  </p:clrMapOvr>
+</p:sld>
+</file>
+
+<file path=ppt/slides/slide3.xml><?xml version="1.0" encoding="utf-8"?>
 <p:sld xmlns:a="http://schemas.openxmlformats.org/drawingml/2006/main" xmlns:r="http://schemas.openxmlformats.org/officeDocument/2006/relationships" xmlns:p="http://schemas.openxmlformats.org/presentationml/2006/main">
   <p:cSld>
     <p:spTree>
@@ -8533,222 +11700,7 @@
 </p:sld>
 </file>
 
-<file path=ppt/slides/slide20.xml><?xml version="1.0" encoding="utf-8"?>
-<p:sld xmlns:a="http://schemas.openxmlformats.org/drawingml/2006/main" xmlns:r="http://schemas.openxmlformats.org/officeDocument/2006/relationships" xmlns:p="http://schemas.openxmlformats.org/presentationml/2006/main">
-  <p:cSld>
-    <p:spTree>
-      <p:nvGrpSpPr>
-        <p:cNvPr id="1" name=""/>
-        <p:cNvGrpSpPr/>
-        <p:nvPr/>
-      </p:nvGrpSpPr>
-      <p:grpSpPr>
-        <a:xfrm>
-          <a:off x="0" y="0"/>
-          <a:ext cx="0" cy="0"/>
-          <a:chOff x="0" y="0"/>
-          <a:chExt cx="0" cy="0"/>
-        </a:xfrm>
-      </p:grpSpPr>
-      <p:sp>
-        <p:nvSpPr>
-          <p:cNvPr id="2" name="제목 1">
-            <a:extLst>
-              <a:ext uri="{FF2B5EF4-FFF2-40B4-BE49-F238E27FC236}">
-                <a16:creationId xmlns:a16="http://schemas.microsoft.com/office/drawing/2014/main" id="{2C7DC414-5476-4906-A49A-790B7566AA22}"/>
-              </a:ext>
-            </a:extLst>
-          </p:cNvPr>
-          <p:cNvSpPr>
-            <a:spLocks noGrp="1"/>
-          </p:cNvSpPr>
-          <p:nvPr>
-            <p:ph type="title"/>
-          </p:nvPr>
-        </p:nvSpPr>
-        <p:spPr/>
-        <p:txBody>
-          <a:bodyPr/>
-          <a:lstStyle/>
-          <a:p>
-            <a:r>
-              <a:rPr lang="en-US" altLang="ko-KR" dirty="0"/>
-              <a:t>large language models</a:t>
-            </a:r>
-            <a:endParaRPr lang="ko-KR" altLang="en-US" dirty="0"/>
-          </a:p>
-        </p:txBody>
-      </p:sp>
-      <p:pic>
-        <p:nvPicPr>
-          <p:cNvPr id="4" name="내용 개체 틀 3">
-            <a:extLst>
-              <a:ext uri="{FF2B5EF4-FFF2-40B4-BE49-F238E27FC236}">
-                <a16:creationId xmlns:a16="http://schemas.microsoft.com/office/drawing/2014/main" id="{40A08E6D-07E7-486F-9B6F-C780AC6BE581}"/>
-              </a:ext>
-            </a:extLst>
-          </p:cNvPr>
-          <p:cNvPicPr>
-            <a:picLocks noGrp="1" noChangeAspect="1"/>
-          </p:cNvPicPr>
-          <p:nvPr>
-            <p:ph idx="1"/>
-          </p:nvPr>
-        </p:nvPicPr>
-        <p:blipFill>
-          <a:blip r:embed="rId2"/>
-          <a:stretch>
-            <a:fillRect/>
-          </a:stretch>
-        </p:blipFill>
-        <p:spPr>
-          <a:xfrm>
-            <a:off x="2178045" y="1825625"/>
-            <a:ext cx="7835910" cy="4351338"/>
-          </a:xfrm>
-          <a:prstGeom prst="rect">
-            <a:avLst/>
-          </a:prstGeom>
-        </p:spPr>
-      </p:pic>
-    </p:spTree>
-    <p:extLst>
-      <p:ext uri="{BB962C8B-B14F-4D97-AF65-F5344CB8AC3E}">
-        <p14:creationId xmlns:p14="http://schemas.microsoft.com/office/powerpoint/2010/main" val="1311201102"/>
-      </p:ext>
-    </p:extLst>
-  </p:cSld>
-  <p:clrMapOvr>
-    <a:masterClrMapping/>
-  </p:clrMapOvr>
-</p:sld>
-</file>
-
-<file path=ppt/slides/slide21.xml><?xml version="1.0" encoding="utf-8"?>
-<p:sld xmlns:a="http://schemas.openxmlformats.org/drawingml/2006/main" xmlns:r="http://schemas.openxmlformats.org/officeDocument/2006/relationships" xmlns:p="http://schemas.openxmlformats.org/presentationml/2006/main">
-  <p:cSld>
-    <p:spTree>
-      <p:nvGrpSpPr>
-        <p:cNvPr id="1" name=""/>
-        <p:cNvGrpSpPr/>
-        <p:nvPr/>
-      </p:nvGrpSpPr>
-      <p:grpSpPr>
-        <a:xfrm>
-          <a:off x="0" y="0"/>
-          <a:ext cx="0" cy="0"/>
-          <a:chOff x="0" y="0"/>
-          <a:chExt cx="0" cy="0"/>
-        </a:xfrm>
-      </p:grpSpPr>
-      <p:sp>
-        <p:nvSpPr>
-          <p:cNvPr id="2" name="제목 1">
-            <a:extLst>
-              <a:ext uri="{FF2B5EF4-FFF2-40B4-BE49-F238E27FC236}">
-                <a16:creationId xmlns:a16="http://schemas.microsoft.com/office/drawing/2014/main" id="{F57B0A47-B9CD-4FFA-89E5-78C66529B0A1}"/>
-              </a:ext>
-            </a:extLst>
-          </p:cNvPr>
-          <p:cNvSpPr>
-            <a:spLocks noGrp="1"/>
-          </p:cNvSpPr>
-          <p:nvPr>
-            <p:ph type="title"/>
-          </p:nvPr>
-        </p:nvSpPr>
-        <p:spPr/>
-        <p:txBody>
-          <a:bodyPr/>
-          <a:lstStyle/>
-          <a:p>
-            <a:r>
-              <a:rPr lang="en-US" altLang="ko-KR" dirty="0">
-                <a:hlinkClick r:id="rId2"/>
-              </a:rPr>
-              <a:t>Natural Language Processing</a:t>
-            </a:r>
-            <a:endParaRPr lang="ko-KR" altLang="en-US" dirty="0"/>
-          </a:p>
-        </p:txBody>
-      </p:sp>
-      <p:sp>
-        <p:nvSpPr>
-          <p:cNvPr id="3" name="내용 개체 틀 2">
-            <a:extLst>
-              <a:ext uri="{FF2B5EF4-FFF2-40B4-BE49-F238E27FC236}">
-                <a16:creationId xmlns:a16="http://schemas.microsoft.com/office/drawing/2014/main" id="{EFC5DA8C-1000-4BD7-A423-247F8827DDF5}"/>
-              </a:ext>
-            </a:extLst>
-          </p:cNvPr>
-          <p:cNvSpPr>
-            <a:spLocks noGrp="1"/>
-          </p:cNvSpPr>
-          <p:nvPr>
-            <p:ph idx="1"/>
-          </p:nvPr>
-        </p:nvSpPr>
-        <p:spPr/>
-        <p:txBody>
-          <a:bodyPr>
-            <a:normAutofit/>
-          </a:bodyPr>
-          <a:lstStyle/>
-          <a:p>
-            <a:r>
-              <a:rPr lang="en-US" altLang="ko-KR" sz="2400" dirty="0">
-                <a:hlinkClick r:id="rId2"/>
-              </a:rPr>
-              <a:t>Natural Language Processing (NLP) [A Complete Guide] (deeplearning.ai)</a:t>
-            </a:r>
-            <a:endParaRPr lang="ko-KR" altLang="en-US" sz="2400" dirty="0"/>
-          </a:p>
-        </p:txBody>
-      </p:sp>
-      <p:pic>
-        <p:nvPicPr>
-          <p:cNvPr id="4" name="그림 3">
-            <a:extLst>
-              <a:ext uri="{FF2B5EF4-FFF2-40B4-BE49-F238E27FC236}">
-                <a16:creationId xmlns:a16="http://schemas.microsoft.com/office/drawing/2014/main" id="{3C44C756-8A92-4D9A-BF05-06AE2786961F}"/>
-              </a:ext>
-            </a:extLst>
-          </p:cNvPr>
-          <p:cNvPicPr>
-            <a:picLocks noChangeAspect="1"/>
-          </p:cNvPicPr>
-          <p:nvPr/>
-        </p:nvPicPr>
-        <p:blipFill>
-          <a:blip r:embed="rId3"/>
-          <a:stretch>
-            <a:fillRect/>
-          </a:stretch>
-        </p:blipFill>
-        <p:spPr>
-          <a:xfrm>
-            <a:off x="3690937" y="2778125"/>
-            <a:ext cx="4810125" cy="3714750"/>
-          </a:xfrm>
-          <a:prstGeom prst="rect">
-            <a:avLst/>
-          </a:prstGeom>
-        </p:spPr>
-      </p:pic>
-    </p:spTree>
-    <p:extLst>
-      <p:ext uri="{BB962C8B-B14F-4D97-AF65-F5344CB8AC3E}">
-        <p14:creationId xmlns:p14="http://schemas.microsoft.com/office/powerpoint/2010/main" val="96469733"/>
-      </p:ext>
-    </p:extLst>
-  </p:cSld>
-  <p:clrMapOvr>
-    <a:masterClrMapping/>
-  </p:clrMapOvr>
-</p:sld>
-</file>
-
-<file path=ppt/slides/slide3.xml><?xml version="1.0" encoding="utf-8"?>
+<file path=ppt/slides/slide4.xml><?xml version="1.0" encoding="utf-8"?>
 <p:sld xmlns:a="http://schemas.openxmlformats.org/drawingml/2006/main" xmlns:r="http://schemas.openxmlformats.org/officeDocument/2006/relationships" xmlns:p="http://schemas.openxmlformats.org/presentationml/2006/main">
   <p:cSld>
     <p:spTree>
@@ -8825,7 +11777,7 @@
 </p:sld>
 </file>
 
-<file path=ppt/slides/slide4.xml><?xml version="1.0" encoding="utf-8"?>
+<file path=ppt/slides/slide5.xml><?xml version="1.0" encoding="utf-8"?>
 <p:sld xmlns:a="http://schemas.openxmlformats.org/drawingml/2006/main" xmlns:r="http://schemas.openxmlformats.org/officeDocument/2006/relationships" xmlns:p="http://schemas.openxmlformats.org/presentationml/2006/main">
   <p:cSld>
     <p:spTree>
@@ -8972,7 +11924,7 @@
 </p:sld>
 </file>
 
-<file path=ppt/slides/slide5.xml><?xml version="1.0" encoding="utf-8"?>
+<file path=ppt/slides/slide6.xml><?xml version="1.0" encoding="utf-8"?>
 <p:sld xmlns:a="http://schemas.openxmlformats.org/drawingml/2006/main" xmlns:r="http://schemas.openxmlformats.org/officeDocument/2006/relationships" xmlns:p="http://schemas.openxmlformats.org/presentationml/2006/main">
   <p:cSld>
     <p:spTree>
@@ -10334,7 +13286,7 @@
 </p:sld>
 </file>
 
-<file path=ppt/slides/slide6.xml><?xml version="1.0" encoding="utf-8"?>
+<file path=ppt/slides/slide7.xml><?xml version="1.0" encoding="utf-8"?>
 <p:sld xmlns:a="http://schemas.openxmlformats.org/drawingml/2006/main" xmlns:r="http://schemas.openxmlformats.org/officeDocument/2006/relationships" xmlns:p="http://schemas.openxmlformats.org/presentationml/2006/main">
   <p:cSld>
     <p:spTree>
@@ -10442,7 +13394,7 @@
 </p:sld>
 </file>
 
-<file path=ppt/slides/slide7.xml><?xml version="1.0" encoding="utf-8"?>
+<file path=ppt/slides/slide8.xml><?xml version="1.0" encoding="utf-8"?>
 <p:sld xmlns:a="http://schemas.openxmlformats.org/drawingml/2006/main" xmlns:r="http://schemas.openxmlformats.org/officeDocument/2006/relationships" xmlns:p="http://schemas.openxmlformats.org/presentationml/2006/main">
   <p:cSld>
     <p:spTree>
@@ -10857,7 +13809,7 @@
 </p:sld>
 </file>
 
-<file path=ppt/slides/slide8.xml><?xml version="1.0" encoding="utf-8"?>
+<file path=ppt/slides/slide9.xml><?xml version="1.0" encoding="utf-8"?>
 <p:sld xmlns:a="http://schemas.openxmlformats.org/drawingml/2006/main" xmlns:r="http://schemas.openxmlformats.org/officeDocument/2006/relationships" xmlns:p="http://schemas.openxmlformats.org/presentationml/2006/main">
   <p:cSld>
     <p:spTree>
@@ -11493,437 +14445,6 @@
 </p:sld>
 </file>
 
-<file path=ppt/slides/slide9.xml><?xml version="1.0" encoding="utf-8"?>
-<p:sld xmlns:a="http://schemas.openxmlformats.org/drawingml/2006/main" xmlns:r="http://schemas.openxmlformats.org/officeDocument/2006/relationships" xmlns:p="http://schemas.openxmlformats.org/presentationml/2006/main">
-  <p:cSld>
-    <p:spTree>
-      <p:nvGrpSpPr>
-        <p:cNvPr id="1" name=""/>
-        <p:cNvGrpSpPr/>
-        <p:nvPr/>
-      </p:nvGrpSpPr>
-      <p:grpSpPr>
-        <a:xfrm>
-          <a:off x="0" y="0"/>
-          <a:ext cx="0" cy="0"/>
-          <a:chOff x="0" y="0"/>
-          <a:chExt cx="0" cy="0"/>
-        </a:xfrm>
-      </p:grpSpPr>
-      <p:sp>
-        <p:nvSpPr>
-          <p:cNvPr id="4" name="Rectangle 1">
-            <a:extLst>
-              <a:ext uri="{FF2B5EF4-FFF2-40B4-BE49-F238E27FC236}">
-                <a16:creationId xmlns:a16="http://schemas.microsoft.com/office/drawing/2014/main" id="{8932D64E-A9F4-41D0-B205-522F9749E118}"/>
-              </a:ext>
-            </a:extLst>
-          </p:cNvPr>
-          <p:cNvSpPr>
-            <a:spLocks noChangeArrowheads="1"/>
-          </p:cNvSpPr>
-          <p:nvPr/>
-        </p:nvSpPr>
-        <p:spPr bwMode="auto">
-          <a:xfrm>
-            <a:off x="2313709" y="763387"/>
-            <a:ext cx="7564581" cy="4922517"/>
-          </a:xfrm>
-          <a:prstGeom prst="rect">
-            <a:avLst/>
-          </a:prstGeom>
-          <a:solidFill>
-            <a:srgbClr val="F2F2F2"/>
-          </a:solidFill>
-          <a:ln>
-            <a:noFill/>
-          </a:ln>
-          <a:effectLst/>
-          <a:extLst>
-            <a:ext uri="{91240B29-F687-4F45-9708-019B960494DF}">
-              <a14:hiddenLine xmlns:a14="http://schemas.microsoft.com/office/drawing/2010/main" w="9525">
-                <a:solidFill>
-                  <a:schemeClr val="tx1"/>
-                </a:solidFill>
-                <a:miter lim="800000"/>
-                <a:headEnd/>
-                <a:tailEnd/>
-              </a14:hiddenLine>
-            </a:ext>
-            <a:ext uri="{AF507438-7753-43E0-B8FC-AC1667EBCBE1}">
-              <a14:hiddenEffects xmlns:a14="http://schemas.microsoft.com/office/drawing/2010/main">
-                <a:effectLst>
-                  <a:outerShdw dist="35921" dir="2700000" algn="ctr" rotWithShape="0">
-                    <a:schemeClr val="bg2"/>
-                  </a:outerShdw>
-                </a:effectLst>
-              </a14:hiddenEffects>
-            </a:ext>
-          </a:extLst>
-        </p:spPr>
-        <p:txBody>
-          <a:bodyPr vert="horz" wrap="square" lIns="0" tIns="355488" rIns="0" bIns="0" numCol="1" anchor="ctr" anchorCtr="0" compatLnSpc="1">
-            <a:prstTxWarp prst="textNoShape">
-              <a:avLst/>
-            </a:prstTxWarp>
-            <a:spAutoFit/>
-          </a:bodyPr>
-          <a:lstStyle/>
-          <a:p>
-            <a:pPr marL="0" marR="0" lvl="0" indent="0" algn="l" defTabSz="914400" rtl="0" eaLnBrk="0" fontAlgn="base" latinLnBrk="0" hangingPunct="0">
-              <a:lnSpc>
-                <a:spcPct val="200000"/>
-              </a:lnSpc>
-              <a:spcBef>
-                <a:spcPct val="0"/>
-              </a:spcBef>
-              <a:spcAft>
-                <a:spcPct val="0"/>
-              </a:spcAft>
-              <a:buClrTx/>
-              <a:buSzTx/>
-              <a:buFontTx/>
-              <a:buNone/>
-              <a:tabLst/>
-            </a:pPr>
-            <a:r>
-              <a:rPr kumimoji="0" lang="ko-KR" altLang="ko-KR" sz="3200" b="1" i="0" u="none" strike="noStrike" cap="none" normalizeH="0" baseline="0" dirty="0">
-                <a:ln>
-                  <a:noFill/>
-                </a:ln>
-                <a:solidFill>
-                  <a:srgbClr val="242424"/>
-                </a:solidFill>
-                <a:effectLst/>
-                <a:latin typeface="Arial" panose="020B0604020202020204" pitchFamily="34" charset="0"/>
-                <a:ea typeface="sohne"/>
-              </a:rPr>
-              <a:t>LLM </a:t>
-            </a:r>
-            <a:r>
-              <a:rPr kumimoji="0" lang="ko-KR" altLang="ko-KR" sz="3200" b="1" i="0" u="none" strike="noStrike" cap="none" normalizeH="0" baseline="0" dirty="0" err="1">
-                <a:ln>
-                  <a:noFill/>
-                </a:ln>
-                <a:solidFill>
-                  <a:srgbClr val="242424"/>
-                </a:solidFill>
-                <a:effectLst/>
-                <a:latin typeface="Arial" panose="020B0604020202020204" pitchFamily="34" charset="0"/>
-                <a:ea typeface="sohne"/>
-              </a:rPr>
-              <a:t>Functionality</a:t>
-            </a:r>
-            <a:endParaRPr kumimoji="0" lang="en-US" altLang="ko-KR" sz="3200" b="1" i="0" u="none" strike="noStrike" cap="none" normalizeH="0" baseline="0" dirty="0">
-              <a:ln>
-                <a:noFill/>
-              </a:ln>
-              <a:solidFill>
-                <a:srgbClr val="242424"/>
-              </a:solidFill>
-              <a:effectLst/>
-              <a:latin typeface="Arial" panose="020B0604020202020204" pitchFamily="34" charset="0"/>
-              <a:ea typeface="sohne"/>
-            </a:endParaRPr>
-          </a:p>
-          <a:p>
-            <a:pPr lvl="2" eaLnBrk="0" fontAlgn="base" latinLnBrk="0" hangingPunct="0">
-              <a:lnSpc>
-                <a:spcPct val="200000"/>
-              </a:lnSpc>
-              <a:spcBef>
-                <a:spcPct val="0"/>
-              </a:spcBef>
-              <a:spcAft>
-                <a:spcPct val="0"/>
-              </a:spcAft>
-            </a:pPr>
-            <a:r>
-              <a:rPr kumimoji="0" lang="ko-KR" altLang="ko-KR" sz="2400" b="0" i="0" u="none" strike="noStrike" cap="none" normalizeH="0" baseline="0" dirty="0" err="1">
-                <a:ln>
-                  <a:noFill/>
-                </a:ln>
-                <a:solidFill>
-                  <a:srgbClr val="242424"/>
-                </a:solidFill>
-                <a:effectLst/>
-                <a:latin typeface="Arial Unicode MS"/>
-                <a:ea typeface="source-code-pro"/>
-              </a:rPr>
-              <a:t>Classification</a:t>
-            </a:r>
-            <a:r>
-              <a:rPr kumimoji="0" lang="ko-KR" altLang="ko-KR" sz="2400" b="0" i="0" u="none" strike="noStrike" cap="none" normalizeH="0" baseline="0" dirty="0">
-                <a:ln>
-                  <a:noFill/>
-                </a:ln>
-                <a:solidFill>
-                  <a:srgbClr val="242424"/>
-                </a:solidFill>
-                <a:effectLst/>
-                <a:latin typeface="Arial Unicode MS"/>
-                <a:ea typeface="source-code-pro"/>
-              </a:rPr>
-              <a:t> </a:t>
-            </a:r>
-            <a:br>
-              <a:rPr kumimoji="0" lang="ko-KR" altLang="ko-KR" sz="2400" b="0" i="0" u="none" strike="noStrike" cap="none" normalizeH="0" baseline="0" dirty="0">
-                <a:ln>
-                  <a:noFill/>
-                </a:ln>
-                <a:solidFill>
-                  <a:srgbClr val="242424"/>
-                </a:solidFill>
-                <a:effectLst/>
-                <a:latin typeface="Arial Unicode MS"/>
-                <a:ea typeface="source-code-pro"/>
-              </a:rPr>
-            </a:br>
-            <a:r>
-              <a:rPr kumimoji="0" lang="ko-KR" altLang="ko-KR" sz="2400" b="0" i="0" u="none" strike="noStrike" cap="none" normalizeH="0" baseline="0" dirty="0" err="1">
-                <a:ln>
-                  <a:noFill/>
-                </a:ln>
-                <a:solidFill>
-                  <a:srgbClr val="242424"/>
-                </a:solidFill>
-                <a:effectLst/>
-                <a:latin typeface="Arial Unicode MS"/>
-                <a:ea typeface="source-code-pro"/>
-              </a:rPr>
-              <a:t>Response</a:t>
-            </a:r>
-            <a:r>
-              <a:rPr kumimoji="0" lang="ko-KR" altLang="ko-KR" sz="2400" b="0" i="0" u="none" strike="noStrike" cap="none" normalizeH="0" baseline="0" dirty="0">
-                <a:ln>
-                  <a:noFill/>
-                </a:ln>
-                <a:solidFill>
-                  <a:srgbClr val="242424"/>
-                </a:solidFill>
-                <a:effectLst/>
-                <a:latin typeface="Arial Unicode MS"/>
-                <a:ea typeface="source-code-pro"/>
-              </a:rPr>
-              <a:t> </a:t>
-            </a:r>
-            <a:r>
-              <a:rPr kumimoji="0" lang="ko-KR" altLang="ko-KR" sz="2400" b="0" i="0" u="none" strike="noStrike" cap="none" normalizeH="0" baseline="0" dirty="0" err="1">
-                <a:ln>
-                  <a:noFill/>
-                </a:ln>
-                <a:solidFill>
-                  <a:srgbClr val="242424"/>
-                </a:solidFill>
-                <a:effectLst/>
-                <a:latin typeface="Arial Unicode MS"/>
-                <a:ea typeface="source-code-pro"/>
-              </a:rPr>
-              <a:t>Generation</a:t>
-            </a:r>
-            <a:r>
-              <a:rPr kumimoji="0" lang="ko-KR" altLang="ko-KR" sz="2400" b="0" i="0" u="none" strike="noStrike" cap="none" normalizeH="0" baseline="0" dirty="0">
-                <a:ln>
-                  <a:noFill/>
-                </a:ln>
-                <a:solidFill>
-                  <a:srgbClr val="242424"/>
-                </a:solidFill>
-                <a:effectLst/>
-                <a:latin typeface="Arial Unicode MS"/>
-                <a:ea typeface="source-code-pro"/>
-              </a:rPr>
-              <a:t> </a:t>
-            </a:r>
-            <a:br>
-              <a:rPr kumimoji="0" lang="ko-KR" altLang="ko-KR" sz="2400" b="0" i="0" u="none" strike="noStrike" cap="none" normalizeH="0" baseline="0" dirty="0">
-                <a:ln>
-                  <a:noFill/>
-                </a:ln>
-                <a:solidFill>
-                  <a:srgbClr val="242424"/>
-                </a:solidFill>
-                <a:effectLst/>
-                <a:latin typeface="Arial Unicode MS"/>
-                <a:ea typeface="source-code-pro"/>
-              </a:rPr>
-            </a:br>
-            <a:r>
-              <a:rPr kumimoji="0" lang="ko-KR" altLang="ko-KR" sz="2400" b="0" i="0" u="none" strike="noStrike" cap="none" normalizeH="0" baseline="0" dirty="0" err="1">
-                <a:ln>
-                  <a:noFill/>
-                </a:ln>
-                <a:solidFill>
-                  <a:srgbClr val="242424"/>
-                </a:solidFill>
-                <a:effectLst/>
-                <a:latin typeface="Arial Unicode MS"/>
-                <a:ea typeface="source-code-pro"/>
-              </a:rPr>
-              <a:t>Text</a:t>
-            </a:r>
-            <a:r>
-              <a:rPr kumimoji="0" lang="ko-KR" altLang="ko-KR" sz="2400" b="0" i="0" u="none" strike="noStrike" cap="none" normalizeH="0" baseline="0" dirty="0">
-                <a:ln>
-                  <a:noFill/>
-                </a:ln>
-                <a:solidFill>
-                  <a:srgbClr val="242424"/>
-                </a:solidFill>
-                <a:effectLst/>
-                <a:latin typeface="Arial Unicode MS"/>
-                <a:ea typeface="source-code-pro"/>
-              </a:rPr>
-              <a:t> </a:t>
-            </a:r>
-            <a:r>
-              <a:rPr kumimoji="0" lang="ko-KR" altLang="ko-KR" sz="2400" b="0" i="0" u="none" strike="noStrike" cap="none" normalizeH="0" baseline="0" dirty="0" err="1">
-                <a:ln>
-                  <a:noFill/>
-                </a:ln>
-                <a:solidFill>
-                  <a:srgbClr val="242424"/>
-                </a:solidFill>
-                <a:effectLst/>
-                <a:latin typeface="Arial Unicode MS"/>
-                <a:ea typeface="source-code-pro"/>
-              </a:rPr>
-              <a:t>Generation</a:t>
-            </a:r>
-            <a:br>
-              <a:rPr kumimoji="0" lang="ko-KR" altLang="ko-KR" sz="2400" b="0" i="0" u="none" strike="noStrike" cap="none" normalizeH="0" baseline="0" dirty="0">
-                <a:ln>
-                  <a:noFill/>
-                </a:ln>
-                <a:solidFill>
-                  <a:srgbClr val="242424"/>
-                </a:solidFill>
-                <a:effectLst/>
-                <a:latin typeface="Arial Unicode MS"/>
-                <a:ea typeface="source-code-pro"/>
-              </a:rPr>
-            </a:br>
-            <a:r>
-              <a:rPr kumimoji="0" lang="ko-KR" altLang="ko-KR" sz="2400" b="0" i="0" u="none" strike="noStrike" cap="none" normalizeH="0" baseline="0" dirty="0" err="1">
-                <a:ln>
-                  <a:noFill/>
-                </a:ln>
-                <a:solidFill>
-                  <a:srgbClr val="242424"/>
-                </a:solidFill>
-                <a:effectLst/>
-                <a:latin typeface="Arial Unicode MS"/>
-                <a:ea typeface="source-code-pro"/>
-              </a:rPr>
-              <a:t>Translation</a:t>
-            </a:r>
-            <a:r>
-              <a:rPr kumimoji="0" lang="ko-KR" altLang="ko-KR" sz="2400" b="0" i="0" u="none" strike="noStrike" cap="none" normalizeH="0" baseline="0" dirty="0">
-                <a:ln>
-                  <a:noFill/>
-                </a:ln>
-                <a:solidFill>
-                  <a:srgbClr val="242424"/>
-                </a:solidFill>
-                <a:effectLst/>
-                <a:latin typeface="Arial Unicode MS"/>
-                <a:ea typeface="source-code-pro"/>
-              </a:rPr>
-              <a:t> </a:t>
-            </a:r>
-            <a:br>
-              <a:rPr kumimoji="0" lang="ko-KR" altLang="ko-KR" sz="2400" b="0" i="0" u="none" strike="noStrike" cap="none" normalizeH="0" baseline="0" dirty="0">
-                <a:ln>
-                  <a:noFill/>
-                </a:ln>
-                <a:solidFill>
-                  <a:srgbClr val="242424"/>
-                </a:solidFill>
-                <a:effectLst/>
-                <a:latin typeface="Arial Unicode MS"/>
-                <a:ea typeface="source-code-pro"/>
-              </a:rPr>
-            </a:br>
-            <a:r>
-              <a:rPr kumimoji="0" lang="ko-KR" altLang="ko-KR" sz="2400" b="0" i="0" u="none" strike="noStrike" cap="none" normalizeH="0" baseline="0" dirty="0" err="1">
-                <a:ln>
-                  <a:noFill/>
-                </a:ln>
-                <a:solidFill>
-                  <a:srgbClr val="242424"/>
-                </a:solidFill>
-                <a:effectLst/>
-                <a:latin typeface="Arial Unicode MS"/>
-                <a:ea typeface="source-code-pro"/>
-              </a:rPr>
-              <a:t>Knowledge</a:t>
-            </a:r>
-            <a:r>
-              <a:rPr kumimoji="0" lang="ko-KR" altLang="ko-KR" sz="2400" b="0" i="0" u="none" strike="noStrike" cap="none" normalizeH="0" baseline="0" dirty="0">
-                <a:ln>
-                  <a:noFill/>
-                </a:ln>
-                <a:solidFill>
-                  <a:srgbClr val="242424"/>
-                </a:solidFill>
-                <a:effectLst/>
-                <a:latin typeface="Arial Unicode MS"/>
-                <a:ea typeface="source-code-pro"/>
-              </a:rPr>
-              <a:t> </a:t>
-            </a:r>
-            <a:r>
-              <a:rPr kumimoji="0" lang="ko-KR" altLang="ko-KR" sz="2400" b="0" i="0" u="none" strike="noStrike" cap="none" normalizeH="0" baseline="0" dirty="0" err="1">
-                <a:ln>
-                  <a:noFill/>
-                </a:ln>
-                <a:solidFill>
-                  <a:srgbClr val="242424"/>
-                </a:solidFill>
-                <a:effectLst/>
-                <a:latin typeface="Arial Unicode MS"/>
-                <a:ea typeface="source-code-pro"/>
-              </a:rPr>
-              <a:t>Answering</a:t>
-            </a:r>
-            <a:r>
-              <a:rPr kumimoji="0" lang="ko-KR" altLang="ko-KR" sz="1200" b="0" i="0" u="none" strike="noStrike" cap="none" normalizeH="0" baseline="0" dirty="0">
-                <a:ln>
-                  <a:noFill/>
-                </a:ln>
-                <a:solidFill>
-                  <a:schemeClr val="tx1"/>
-                </a:solidFill>
-                <a:effectLst/>
-              </a:rPr>
-              <a:t> </a:t>
-            </a:r>
-            <a:endParaRPr kumimoji="0" lang="ko-KR" altLang="ko-KR" sz="3600" b="0" i="0" u="none" strike="noStrike" cap="none" normalizeH="0" baseline="0" dirty="0">
-              <a:ln>
-                <a:noFill/>
-              </a:ln>
-              <a:solidFill>
-                <a:schemeClr val="tx1"/>
-              </a:solidFill>
-              <a:effectLst/>
-              <a:latin typeface="Arial" panose="020B0604020202020204" pitchFamily="34" charset="0"/>
-            </a:endParaRPr>
-          </a:p>
-        </p:txBody>
-      </p:sp>
-    </p:spTree>
-    <p:extLst>
-      <p:ext uri="{BB962C8B-B14F-4D97-AF65-F5344CB8AC3E}">
-        <p14:creationId xmlns:p14="http://schemas.microsoft.com/office/powerpoint/2010/main" val="239208255"/>
-      </p:ext>
-    </p:extLst>
-  </p:cSld>
-  <p:clrMapOvr>
-    <a:masterClrMapping/>
-  </p:clrMapOvr>
-</p:sld>
-</file>
-
 <file path=ppt/theme/theme1.xml><?xml version="1.0" encoding="utf-8"?>
 <a:theme xmlns:a="http://schemas.openxmlformats.org/drawingml/2006/main" name="Office 테마">
   <a:themeElements>
